--- a/Project/Documentos/Rommies.pptx
+++ b/Project/Documentos/Rommies.pptx
@@ -28,37 +28,43 @@
     <p:sldId id="276" r:id="rId26"/>
     <p:sldId id="277" r:id="rId27"/>
     <p:sldId id="278" r:id="rId28"/>
+    <p:sldId id="279" r:id="rId29"/>
+    <p:sldId id="280" r:id="rId30"/>
+    <p:sldId id="281" r:id="rId31"/>
+    <p:sldId id="282" r:id="rId32"/>
+    <p:sldId id="283" r:id="rId33"/>
+    <p:sldId id="284" r:id="rId34"/>
   </p:sldIdLst>
   <p:sldSz cx="18288000" cy="10287000"/>
   <p:notesSz cx="6858000" cy="9144000"/>
   <p:embeddedFontLst>
     <p:embeddedFont>
       <p:font typeface="Agrandir Ultra-Bold" charset="1" panose="00000A00000000000000"/>
-      <p:regular r:id="rId29"/>
+      <p:regular r:id="rId35"/>
     </p:embeddedFont>
     <p:embeddedFont>
       <p:font typeface="Open Sans Ultra-Bold" charset="1" panose="00000000000000000000"/>
-      <p:regular r:id="rId30"/>
+      <p:regular r:id="rId36"/>
     </p:embeddedFont>
     <p:embeddedFont>
       <p:font typeface="Agrandir Medium" charset="1" panose="00000600000000000000"/>
-      <p:regular r:id="rId31"/>
+      <p:regular r:id="rId37"/>
     </p:embeddedFont>
     <p:embeddedFont>
       <p:font typeface="Agrandir" charset="1" panose="00000500000000000000"/>
-      <p:regular r:id="rId32"/>
+      <p:regular r:id="rId38"/>
     </p:embeddedFont>
     <p:embeddedFont>
       <p:font typeface="Open Sans Bold" charset="1" panose="020B0806030504020204"/>
-      <p:regular r:id="rId33"/>
+      <p:regular r:id="rId39"/>
+    </p:embeddedFont>
+    <p:embeddedFont>
+      <p:font typeface="Open Sans" charset="1" panose="020B0606030504020204"/>
+      <p:regular r:id="rId40"/>
     </p:embeddedFont>
     <p:embeddedFont>
       <p:font typeface="Agrandir Bold" charset="1" panose="00000800000000000000"/>
-      <p:regular r:id="rId34"/>
-    </p:embeddedFont>
-    <p:embeddedFont>
-      <p:font typeface="Open Sans" charset="1" panose="020B0606030504020204"/>
-      <p:regular r:id="rId35"/>
+      <p:regular r:id="rId41"/>
     </p:embeddedFont>
   </p:embeddedFontLst>
   <p:defaultTextStyle>
@@ -3525,6 +3531,1163 @@
 </file>
 
 <file path=ppt/slides/slide10.xml><?xml version="1.0" encoding="utf-8"?>
+<p:sld xmlns:p="http://schemas.openxmlformats.org/presentationml/2006/main" xmlns:a="http://schemas.openxmlformats.org/drawingml/2006/main">
+  <p:cSld>
+    <p:spTree>
+      <p:nvGrpSpPr>
+        <p:cNvPr id="1" name=""/>
+        <p:cNvGrpSpPr/>
+        <p:nvPr/>
+      </p:nvGrpSpPr>
+      <p:grpSpPr>
+        <a:xfrm>
+          <a:off x="0" y="0"/>
+          <a:ext cx="0" cy="0"/>
+          <a:chOff x="0" y="0"/>
+          <a:chExt cx="0" cy="0"/>
+        </a:xfrm>
+      </p:grpSpPr>
+      <p:grpSp>
+        <p:nvGrpSpPr>
+          <p:cNvPr name="Group 2" id="2"/>
+          <p:cNvGrpSpPr/>
+          <p:nvPr/>
+        </p:nvGrpSpPr>
+        <p:grpSpPr>
+          <a:xfrm rot="0">
+            <a:off x="-947112" y="-7575003"/>
+            <a:ext cx="21046938" cy="11085771"/>
+            <a:chOff x="0" y="0"/>
+            <a:chExt cx="1288114" cy="678471"/>
+          </a:xfrm>
+        </p:grpSpPr>
+        <p:sp>
+          <p:nvSpPr>
+            <p:cNvPr name="Freeform 3" id="3"/>
+            <p:cNvSpPr/>
+            <p:nvPr/>
+          </p:nvSpPr>
+          <p:spPr>
+            <a:xfrm flipH="false" flipV="false" rot="0">
+              <a:off x="0" y="0"/>
+              <a:ext cx="1288114" cy="678471"/>
+            </a:xfrm>
+            <a:custGeom>
+              <a:avLst/>
+              <a:gdLst/>
+              <a:ahLst/>
+              <a:cxnLst/>
+              <a:rect r="r" b="b" t="t" l="l"/>
+              <a:pathLst>
+                <a:path h="678471" w="1288114">
+                  <a:moveTo>
+                    <a:pt x="644057" y="0"/>
+                  </a:moveTo>
+                  <a:cubicBezTo>
+                    <a:pt x="288354" y="0"/>
+                    <a:pt x="0" y="151881"/>
+                    <a:pt x="0" y="339236"/>
+                  </a:cubicBezTo>
+                  <a:cubicBezTo>
+                    <a:pt x="0" y="526590"/>
+                    <a:pt x="288354" y="678471"/>
+                    <a:pt x="644057" y="678471"/>
+                  </a:cubicBezTo>
+                  <a:cubicBezTo>
+                    <a:pt x="999760" y="678471"/>
+                    <a:pt x="1288114" y="526590"/>
+                    <a:pt x="1288114" y="339236"/>
+                  </a:cubicBezTo>
+                  <a:cubicBezTo>
+                    <a:pt x="1288114" y="151881"/>
+                    <a:pt x="999760" y="0"/>
+                    <a:pt x="644057" y="0"/>
+                  </a:cubicBezTo>
+                  <a:close/>
+                </a:path>
+              </a:pathLst>
+            </a:custGeom>
+            <a:solidFill>
+              <a:srgbClr val="1C6CD8"/>
+            </a:solidFill>
+          </p:spPr>
+        </p:sp>
+        <p:sp>
+          <p:nvSpPr>
+            <p:cNvPr name="TextBox 4" id="4"/>
+            <p:cNvSpPr txBox="true"/>
+            <p:nvPr/>
+          </p:nvSpPr>
+          <p:spPr>
+            <a:xfrm>
+              <a:off x="120761" y="25507"/>
+              <a:ext cx="1046593" cy="589358"/>
+            </a:xfrm>
+            <a:prstGeom prst="rect">
+              <a:avLst/>
+            </a:prstGeom>
+          </p:spPr>
+          <p:txBody>
+            <a:bodyPr anchor="ctr" rtlCol="false" tIns="50800" lIns="50800" bIns="50800" rIns="50800"/>
+            <a:lstStyle/>
+            <a:p>
+              <a:pPr algn="ctr">
+                <a:lnSpc>
+                  <a:spcPts val="2659"/>
+                </a:lnSpc>
+                <a:spcBef>
+                  <a:spcPct val="0"/>
+                </a:spcBef>
+              </a:pPr>
+            </a:p>
+          </p:txBody>
+        </p:sp>
+      </p:grpSp>
+      <p:sp>
+        <p:nvSpPr>
+          <p:cNvPr name="TextBox 5" id="5"/>
+          <p:cNvSpPr txBox="true"/>
+          <p:nvPr/>
+        </p:nvSpPr>
+        <p:spPr>
+          <a:xfrm rot="0">
+            <a:off x="2196014" y="-95250"/>
+            <a:ext cx="15207289" cy="2322861"/>
+          </a:xfrm>
+          <a:prstGeom prst="rect">
+            <a:avLst/>
+          </a:prstGeom>
+        </p:spPr>
+        <p:txBody>
+          <a:bodyPr anchor="t" rtlCol="false" tIns="0" lIns="0" bIns="0" rIns="0">
+            <a:spAutoFit/>
+          </a:bodyPr>
+          <a:lstStyle/>
+          <a:p>
+            <a:pPr algn="l" marL="0" indent="0" lvl="0">
+              <a:lnSpc>
+                <a:spcPts val="8120"/>
+              </a:lnSpc>
+              <a:spcBef>
+                <a:spcPct val="0"/>
+              </a:spcBef>
+            </a:pPr>
+            <a:r>
+              <a:rPr lang="en-US" b="true" sz="7883">
+                <a:solidFill>
+                  <a:srgbClr val="FFFFFF"/>
+                </a:solidFill>
+                <a:latin typeface="Agrandir Ultra-Bold"/>
+                <a:ea typeface="Agrandir Ultra-Bold"/>
+                <a:cs typeface="Agrandir Ultra-Bold"/>
+                <a:sym typeface="Agrandir Ultra-Bold"/>
+              </a:rPr>
+              <a:t>Patrones arquitectonicos y sus tácticas</a:t>
+            </a:r>
+          </a:p>
+        </p:txBody>
+      </p:sp>
+      <p:sp>
+        <p:nvSpPr>
+          <p:cNvPr name="TextBox 6" id="6"/>
+          <p:cNvSpPr txBox="true"/>
+          <p:nvPr/>
+        </p:nvSpPr>
+        <p:spPr>
+          <a:xfrm rot="0">
+            <a:off x="1728070" y="3293598"/>
+            <a:ext cx="1989832" cy="396240"/>
+          </a:xfrm>
+          <a:prstGeom prst="rect">
+            <a:avLst/>
+          </a:prstGeom>
+        </p:spPr>
+        <p:txBody>
+          <a:bodyPr anchor="t" rtlCol="false" tIns="0" lIns="0" bIns="0" rIns="0">
+            <a:spAutoFit/>
+          </a:bodyPr>
+          <a:lstStyle/>
+          <a:p>
+            <a:pPr algn="ctr">
+              <a:lnSpc>
+                <a:spcPts val="3359"/>
+              </a:lnSpc>
+              <a:spcBef>
+                <a:spcPct val="0"/>
+              </a:spcBef>
+            </a:pPr>
+            <a:r>
+              <a:rPr lang="en-US" b="true" sz="2399">
+                <a:solidFill>
+                  <a:srgbClr val="000000"/>
+                </a:solidFill>
+                <a:latin typeface="Open Sans Bold"/>
+                <a:ea typeface="Open Sans Bold"/>
+                <a:cs typeface="Open Sans Bold"/>
+                <a:sym typeface="Open Sans Bold"/>
+              </a:rPr>
+              <a:t>Api Gateway </a:t>
+            </a:r>
+          </a:p>
+        </p:txBody>
+      </p:sp>
+      <p:sp>
+        <p:nvSpPr>
+          <p:cNvPr name="TextBox 7" id="7"/>
+          <p:cNvSpPr txBox="true"/>
+          <p:nvPr/>
+        </p:nvSpPr>
+        <p:spPr>
+          <a:xfrm rot="0">
+            <a:off x="1448029" y="3970657"/>
+            <a:ext cx="14076721" cy="656590"/>
+          </a:xfrm>
+          <a:prstGeom prst="rect">
+            <a:avLst/>
+          </a:prstGeom>
+        </p:spPr>
+        <p:txBody>
+          <a:bodyPr anchor="t" rtlCol="false" tIns="0" lIns="0" bIns="0" rIns="0">
+            <a:spAutoFit/>
+          </a:bodyPr>
+          <a:lstStyle/>
+          <a:p>
+            <a:pPr algn="l" marL="410209" indent="-205105" lvl="1">
+              <a:lnSpc>
+                <a:spcPts val="2659"/>
+              </a:lnSpc>
+              <a:buFont typeface="Arial"/>
+              <a:buChar char="•"/>
+            </a:pPr>
+            <a:r>
+              <a:rPr lang="en-US" sz="1899">
+                <a:solidFill>
+                  <a:srgbClr val="000000"/>
+                </a:solidFill>
+                <a:latin typeface="Open Sans"/>
+                <a:ea typeface="Open Sans"/>
+                <a:cs typeface="Open Sans"/>
+                <a:sym typeface="Open Sans"/>
+              </a:rPr>
+              <a:t>Balanceador de carga</a:t>
+            </a:r>
+          </a:p>
+          <a:p>
+            <a:pPr algn="l" marL="410209" indent="-205105" lvl="1">
+              <a:lnSpc>
+                <a:spcPts val="2659"/>
+              </a:lnSpc>
+              <a:buFont typeface="Arial"/>
+              <a:buChar char="•"/>
+            </a:pPr>
+            <a:r>
+              <a:rPr lang="en-US" sz="1899">
+                <a:solidFill>
+                  <a:srgbClr val="000000"/>
+                </a:solidFill>
+                <a:latin typeface="Open Sans"/>
+                <a:ea typeface="Open Sans"/>
+                <a:cs typeface="Open Sans"/>
+                <a:sym typeface="Open Sans"/>
+              </a:rPr>
+              <a:t>Punto de entrada único</a:t>
+            </a:r>
+          </a:p>
+        </p:txBody>
+      </p:sp>
+    </p:spTree>
+  </p:cSld>
+  <p:clrMapOvr>
+    <a:masterClrMapping/>
+  </p:clrMapOvr>
+</p:sld>
+</file>
+
+<file path=ppt/slides/slide11.xml><?xml version="1.0" encoding="utf-8"?>
+<p:sld xmlns:p="http://schemas.openxmlformats.org/presentationml/2006/main" xmlns:a="http://schemas.openxmlformats.org/drawingml/2006/main" xmlns:r="http://schemas.openxmlformats.org/officeDocument/2006/relationships">
+  <p:cSld>
+    <p:spTree>
+      <p:nvGrpSpPr>
+        <p:cNvPr id="1" name=""/>
+        <p:cNvGrpSpPr/>
+        <p:nvPr/>
+      </p:nvGrpSpPr>
+      <p:grpSpPr>
+        <a:xfrm>
+          <a:off x="0" y="0"/>
+          <a:ext cx="0" cy="0"/>
+          <a:chOff x="0" y="0"/>
+          <a:chExt cx="0" cy="0"/>
+        </a:xfrm>
+      </p:grpSpPr>
+      <p:grpSp>
+        <p:nvGrpSpPr>
+          <p:cNvPr name="Group 2" id="2"/>
+          <p:cNvGrpSpPr/>
+          <p:nvPr/>
+        </p:nvGrpSpPr>
+        <p:grpSpPr>
+          <a:xfrm rot="0">
+            <a:off x="6264120" y="-8103022"/>
+            <a:ext cx="12303269" cy="10269947"/>
+            <a:chOff x="0" y="0"/>
+            <a:chExt cx="812800" cy="678471"/>
+          </a:xfrm>
+        </p:grpSpPr>
+        <p:sp>
+          <p:nvSpPr>
+            <p:cNvPr name="Freeform 3" id="3"/>
+            <p:cNvSpPr/>
+            <p:nvPr/>
+          </p:nvSpPr>
+          <p:spPr>
+            <a:xfrm flipH="false" flipV="false" rot="0">
+              <a:off x="0" y="0"/>
+              <a:ext cx="812800" cy="678471"/>
+            </a:xfrm>
+            <a:custGeom>
+              <a:avLst/>
+              <a:gdLst/>
+              <a:ahLst/>
+              <a:cxnLst/>
+              <a:rect r="r" b="b" t="t" l="l"/>
+              <a:pathLst>
+                <a:path h="678471" w="812800">
+                  <a:moveTo>
+                    <a:pt x="406400" y="0"/>
+                  </a:moveTo>
+                  <a:cubicBezTo>
+                    <a:pt x="181951" y="0"/>
+                    <a:pt x="0" y="151881"/>
+                    <a:pt x="0" y="339236"/>
+                  </a:cubicBezTo>
+                  <a:cubicBezTo>
+                    <a:pt x="0" y="526590"/>
+                    <a:pt x="181951" y="678471"/>
+                    <a:pt x="406400" y="678471"/>
+                  </a:cubicBezTo>
+                  <a:cubicBezTo>
+                    <a:pt x="630849" y="678471"/>
+                    <a:pt x="812800" y="526590"/>
+                    <a:pt x="812800" y="339236"/>
+                  </a:cubicBezTo>
+                  <a:cubicBezTo>
+                    <a:pt x="812800" y="151881"/>
+                    <a:pt x="630849" y="0"/>
+                    <a:pt x="406400" y="0"/>
+                  </a:cubicBezTo>
+                  <a:close/>
+                </a:path>
+              </a:pathLst>
+            </a:custGeom>
+            <a:solidFill>
+              <a:srgbClr val="1C6CD8"/>
+            </a:solidFill>
+          </p:spPr>
+        </p:sp>
+        <p:sp>
+          <p:nvSpPr>
+            <p:cNvPr name="TextBox 4" id="4"/>
+            <p:cNvSpPr txBox="true"/>
+            <p:nvPr/>
+          </p:nvSpPr>
+          <p:spPr>
+            <a:xfrm>
+              <a:off x="76200" y="25507"/>
+              <a:ext cx="660400" cy="589358"/>
+            </a:xfrm>
+            <a:prstGeom prst="rect">
+              <a:avLst/>
+            </a:prstGeom>
+          </p:spPr>
+          <p:txBody>
+            <a:bodyPr anchor="ctr" rtlCol="false" tIns="50800" lIns="50800" bIns="50800" rIns="50800"/>
+            <a:lstStyle/>
+            <a:p>
+              <a:pPr algn="ctr">
+                <a:lnSpc>
+                  <a:spcPts val="2659"/>
+                </a:lnSpc>
+                <a:spcBef>
+                  <a:spcPct val="0"/>
+                </a:spcBef>
+              </a:pPr>
+            </a:p>
+          </p:txBody>
+        </p:sp>
+      </p:grpSp>
+      <p:sp>
+        <p:nvSpPr>
+          <p:cNvPr name="Freeform 5" id="5"/>
+          <p:cNvSpPr/>
+          <p:nvPr/>
+        </p:nvSpPr>
+        <p:spPr>
+          <a:xfrm flipH="false" flipV="false" rot="0">
+            <a:off x="11410775" y="4336950"/>
+            <a:ext cx="6086309" cy="1613101"/>
+          </a:xfrm>
+          <a:custGeom>
+            <a:avLst/>
+            <a:gdLst/>
+            <a:ahLst/>
+            <a:cxnLst/>
+            <a:rect r="r" b="b" t="t" l="l"/>
+            <a:pathLst>
+              <a:path h="1613101" w="6086309">
+                <a:moveTo>
+                  <a:pt x="0" y="0"/>
+                </a:moveTo>
+                <a:lnTo>
+                  <a:pt x="6086309" y="0"/>
+                </a:lnTo>
+                <a:lnTo>
+                  <a:pt x="6086309" y="1613100"/>
+                </a:lnTo>
+                <a:lnTo>
+                  <a:pt x="0" y="1613100"/>
+                </a:lnTo>
+                <a:lnTo>
+                  <a:pt x="0" y="0"/>
+                </a:lnTo>
+                <a:close/>
+              </a:path>
+            </a:pathLst>
+          </a:custGeom>
+          <a:blipFill>
+            <a:blip r:embed="rId2"/>
+            <a:stretch>
+              <a:fillRect l="0" t="0" r="0" b="0"/>
+            </a:stretch>
+          </a:blipFill>
+        </p:spPr>
+      </p:sp>
+      <p:sp>
+        <p:nvSpPr>
+          <p:cNvPr name="Freeform 6" id="6"/>
+          <p:cNvSpPr/>
+          <p:nvPr/>
+        </p:nvSpPr>
+        <p:spPr>
+          <a:xfrm flipH="false" flipV="false" rot="0">
+            <a:off x="1028700" y="2354276"/>
+            <a:ext cx="9912117" cy="6504827"/>
+          </a:xfrm>
+          <a:custGeom>
+            <a:avLst/>
+            <a:gdLst/>
+            <a:ahLst/>
+            <a:cxnLst/>
+            <a:rect r="r" b="b" t="t" l="l"/>
+            <a:pathLst>
+              <a:path h="6504827" w="9912117">
+                <a:moveTo>
+                  <a:pt x="0" y="0"/>
+                </a:moveTo>
+                <a:lnTo>
+                  <a:pt x="9912117" y="0"/>
+                </a:lnTo>
+                <a:lnTo>
+                  <a:pt x="9912117" y="6504827"/>
+                </a:lnTo>
+                <a:lnTo>
+                  <a:pt x="0" y="6504827"/>
+                </a:lnTo>
+                <a:lnTo>
+                  <a:pt x="0" y="0"/>
+                </a:lnTo>
+                <a:close/>
+              </a:path>
+            </a:pathLst>
+          </a:custGeom>
+          <a:blipFill>
+            <a:blip r:embed="rId3"/>
+            <a:stretch>
+              <a:fillRect l="0" t="0" r="0" b="0"/>
+            </a:stretch>
+          </a:blipFill>
+        </p:spPr>
+      </p:sp>
+      <p:sp>
+        <p:nvSpPr>
+          <p:cNvPr name="TextBox 7" id="7"/>
+          <p:cNvSpPr txBox="true"/>
+          <p:nvPr/>
+        </p:nvSpPr>
+        <p:spPr>
+          <a:xfrm rot="0">
+            <a:off x="9341190" y="-85725"/>
+            <a:ext cx="10225478" cy="1881251"/>
+          </a:xfrm>
+          <a:prstGeom prst="rect">
+            <a:avLst/>
+          </a:prstGeom>
+        </p:spPr>
+        <p:txBody>
+          <a:bodyPr anchor="t" rtlCol="false" tIns="0" lIns="0" bIns="0" rIns="0">
+            <a:spAutoFit/>
+          </a:bodyPr>
+          <a:lstStyle/>
+          <a:p>
+            <a:pPr algn="l" marL="0" indent="0" lvl="0">
+              <a:lnSpc>
+                <a:spcPts val="6591"/>
+              </a:lnSpc>
+              <a:spcBef>
+                <a:spcPct val="0"/>
+              </a:spcBef>
+            </a:pPr>
+            <a:r>
+              <a:rPr lang="en-US" b="true" sz="6399">
+                <a:solidFill>
+                  <a:srgbClr val="FFFFFF"/>
+                </a:solidFill>
+                <a:latin typeface="Agrandir Ultra-Bold"/>
+                <a:ea typeface="Agrandir Ultra-Bold"/>
+                <a:cs typeface="Agrandir Ultra-Bold"/>
+                <a:sym typeface="Agrandir Ultra-Bold"/>
+              </a:rPr>
+              <a:t>Drivers arquitectonicos</a:t>
+            </a:r>
+          </a:p>
+        </p:txBody>
+      </p:sp>
+    </p:spTree>
+  </p:cSld>
+  <p:clrMapOvr>
+    <a:masterClrMapping/>
+  </p:clrMapOvr>
+</p:sld>
+</file>
+
+<file path=ppt/slides/slide12.xml><?xml version="1.0" encoding="utf-8"?>
+<p:sld xmlns:p="http://schemas.openxmlformats.org/presentationml/2006/main" xmlns:a="http://schemas.openxmlformats.org/drawingml/2006/main">
+  <p:cSld>
+    <p:spTree>
+      <p:nvGrpSpPr>
+        <p:cNvPr id="1" name=""/>
+        <p:cNvGrpSpPr/>
+        <p:nvPr/>
+      </p:nvGrpSpPr>
+      <p:grpSpPr>
+        <a:xfrm>
+          <a:off x="0" y="0"/>
+          <a:ext cx="0" cy="0"/>
+          <a:chOff x="0" y="0"/>
+          <a:chExt cx="0" cy="0"/>
+        </a:xfrm>
+      </p:grpSpPr>
+      <p:grpSp>
+        <p:nvGrpSpPr>
+          <p:cNvPr name="Group 2" id="2"/>
+          <p:cNvGrpSpPr/>
+          <p:nvPr/>
+        </p:nvGrpSpPr>
+        <p:grpSpPr>
+          <a:xfrm rot="0">
+            <a:off x="8798741" y="-6295583"/>
+            <a:ext cx="10820143" cy="9031933"/>
+            <a:chOff x="0" y="0"/>
+            <a:chExt cx="812800" cy="678471"/>
+          </a:xfrm>
+        </p:grpSpPr>
+        <p:sp>
+          <p:nvSpPr>
+            <p:cNvPr name="Freeform 3" id="3"/>
+            <p:cNvSpPr/>
+            <p:nvPr/>
+          </p:nvSpPr>
+          <p:spPr>
+            <a:xfrm flipH="false" flipV="false" rot="0">
+              <a:off x="0" y="0"/>
+              <a:ext cx="812800" cy="678471"/>
+            </a:xfrm>
+            <a:custGeom>
+              <a:avLst/>
+              <a:gdLst/>
+              <a:ahLst/>
+              <a:cxnLst/>
+              <a:rect r="r" b="b" t="t" l="l"/>
+              <a:pathLst>
+                <a:path h="678471" w="812800">
+                  <a:moveTo>
+                    <a:pt x="406400" y="0"/>
+                  </a:moveTo>
+                  <a:cubicBezTo>
+                    <a:pt x="181951" y="0"/>
+                    <a:pt x="0" y="151881"/>
+                    <a:pt x="0" y="339236"/>
+                  </a:cubicBezTo>
+                  <a:cubicBezTo>
+                    <a:pt x="0" y="526590"/>
+                    <a:pt x="181951" y="678471"/>
+                    <a:pt x="406400" y="678471"/>
+                  </a:cubicBezTo>
+                  <a:cubicBezTo>
+                    <a:pt x="630849" y="678471"/>
+                    <a:pt x="812800" y="526590"/>
+                    <a:pt x="812800" y="339236"/>
+                  </a:cubicBezTo>
+                  <a:cubicBezTo>
+                    <a:pt x="812800" y="151881"/>
+                    <a:pt x="630849" y="0"/>
+                    <a:pt x="406400" y="0"/>
+                  </a:cubicBezTo>
+                  <a:close/>
+                </a:path>
+              </a:pathLst>
+            </a:custGeom>
+            <a:solidFill>
+              <a:srgbClr val="1C6CD8"/>
+            </a:solidFill>
+          </p:spPr>
+        </p:sp>
+        <p:sp>
+          <p:nvSpPr>
+            <p:cNvPr name="TextBox 4" id="4"/>
+            <p:cNvSpPr txBox="true"/>
+            <p:nvPr/>
+          </p:nvSpPr>
+          <p:spPr>
+            <a:xfrm>
+              <a:off x="76200" y="25507"/>
+              <a:ext cx="660400" cy="589358"/>
+            </a:xfrm>
+            <a:prstGeom prst="rect">
+              <a:avLst/>
+            </a:prstGeom>
+          </p:spPr>
+          <p:txBody>
+            <a:bodyPr anchor="ctr" rtlCol="false" tIns="50800" lIns="50800" bIns="50800" rIns="50800"/>
+            <a:lstStyle/>
+            <a:p>
+              <a:pPr algn="ctr">
+                <a:lnSpc>
+                  <a:spcPts val="2659"/>
+                </a:lnSpc>
+                <a:spcBef>
+                  <a:spcPct val="0"/>
+                </a:spcBef>
+              </a:pPr>
+            </a:p>
+          </p:txBody>
+        </p:sp>
+      </p:grpSp>
+      <p:grpSp>
+        <p:nvGrpSpPr>
+          <p:cNvPr name="Group 5" id="5"/>
+          <p:cNvGrpSpPr/>
+          <p:nvPr/>
+        </p:nvGrpSpPr>
+        <p:grpSpPr>
+          <a:xfrm rot="0">
+            <a:off x="-2021402" y="-6143953"/>
+            <a:ext cx="10820143" cy="9031933"/>
+            <a:chOff x="0" y="0"/>
+            <a:chExt cx="812800" cy="678471"/>
+          </a:xfrm>
+        </p:grpSpPr>
+        <p:sp>
+          <p:nvSpPr>
+            <p:cNvPr name="Freeform 6" id="6"/>
+            <p:cNvSpPr/>
+            <p:nvPr/>
+          </p:nvSpPr>
+          <p:spPr>
+            <a:xfrm flipH="false" flipV="false" rot="0">
+              <a:off x="0" y="0"/>
+              <a:ext cx="812800" cy="678471"/>
+            </a:xfrm>
+            <a:custGeom>
+              <a:avLst/>
+              <a:gdLst/>
+              <a:ahLst/>
+              <a:cxnLst/>
+              <a:rect r="r" b="b" t="t" l="l"/>
+              <a:pathLst>
+                <a:path h="678471" w="812800">
+                  <a:moveTo>
+                    <a:pt x="406400" y="0"/>
+                  </a:moveTo>
+                  <a:cubicBezTo>
+                    <a:pt x="181951" y="0"/>
+                    <a:pt x="0" y="151881"/>
+                    <a:pt x="0" y="339236"/>
+                  </a:cubicBezTo>
+                  <a:cubicBezTo>
+                    <a:pt x="0" y="526590"/>
+                    <a:pt x="181951" y="678471"/>
+                    <a:pt x="406400" y="678471"/>
+                  </a:cubicBezTo>
+                  <a:cubicBezTo>
+                    <a:pt x="630849" y="678471"/>
+                    <a:pt x="812800" y="526590"/>
+                    <a:pt x="812800" y="339236"/>
+                  </a:cubicBezTo>
+                  <a:cubicBezTo>
+                    <a:pt x="812800" y="151881"/>
+                    <a:pt x="630849" y="0"/>
+                    <a:pt x="406400" y="0"/>
+                  </a:cubicBezTo>
+                  <a:close/>
+                </a:path>
+              </a:pathLst>
+            </a:custGeom>
+            <a:solidFill>
+              <a:srgbClr val="1C6CD8"/>
+            </a:solidFill>
+          </p:spPr>
+        </p:sp>
+        <p:sp>
+          <p:nvSpPr>
+            <p:cNvPr name="TextBox 7" id="7"/>
+            <p:cNvSpPr txBox="true"/>
+            <p:nvPr/>
+          </p:nvSpPr>
+          <p:spPr>
+            <a:xfrm>
+              <a:off x="76200" y="25507"/>
+              <a:ext cx="660400" cy="589358"/>
+            </a:xfrm>
+            <a:prstGeom prst="rect">
+              <a:avLst/>
+            </a:prstGeom>
+          </p:spPr>
+          <p:txBody>
+            <a:bodyPr anchor="ctr" rtlCol="false" tIns="50800" lIns="50800" bIns="50800" rIns="50800"/>
+            <a:lstStyle/>
+            <a:p>
+              <a:pPr algn="ctr">
+                <a:lnSpc>
+                  <a:spcPts val="2659"/>
+                </a:lnSpc>
+                <a:spcBef>
+                  <a:spcPct val="0"/>
+                </a:spcBef>
+              </a:pPr>
+            </a:p>
+          </p:txBody>
+        </p:sp>
+      </p:grpSp>
+      <p:sp>
+        <p:nvSpPr>
+          <p:cNvPr name="TextBox 8" id="8"/>
+          <p:cNvSpPr txBox="true"/>
+          <p:nvPr/>
+        </p:nvSpPr>
+        <p:spPr>
+          <a:xfrm rot="0">
+            <a:off x="10919110" y="45212"/>
+            <a:ext cx="8571864" cy="1052576"/>
+          </a:xfrm>
+          <a:prstGeom prst="rect">
+            <a:avLst/>
+          </a:prstGeom>
+        </p:spPr>
+        <p:txBody>
+          <a:bodyPr anchor="t" rtlCol="false" tIns="0" lIns="0" bIns="0" rIns="0">
+            <a:spAutoFit/>
+          </a:bodyPr>
+          <a:lstStyle/>
+          <a:p>
+            <a:pPr algn="l" marL="0" indent="0" lvl="0">
+              <a:lnSpc>
+                <a:spcPts val="6591"/>
+              </a:lnSpc>
+              <a:spcBef>
+                <a:spcPct val="0"/>
+              </a:spcBef>
+            </a:pPr>
+            <a:r>
+              <a:rPr lang="en-US" b="true" sz="6399">
+                <a:solidFill>
+                  <a:srgbClr val="FFFFFF"/>
+                </a:solidFill>
+                <a:latin typeface="Agrandir Ultra-Bold"/>
+                <a:ea typeface="Agrandir Ultra-Bold"/>
+                <a:cs typeface="Agrandir Ultra-Bold"/>
+                <a:sym typeface="Agrandir Ultra-Bold"/>
+              </a:rPr>
+              <a:t>Escenarios</a:t>
+            </a:r>
+          </a:p>
+        </p:txBody>
+      </p:sp>
+      <p:sp>
+        <p:nvSpPr>
+          <p:cNvPr name="TextBox 9" id="9"/>
+          <p:cNvSpPr txBox="true"/>
+          <p:nvPr/>
+        </p:nvSpPr>
+        <p:spPr>
+          <a:xfrm rot="0">
+            <a:off x="738468" y="3860867"/>
+            <a:ext cx="16811063" cy="3396868"/>
+          </a:xfrm>
+          <a:prstGeom prst="rect">
+            <a:avLst/>
+          </a:prstGeom>
+        </p:spPr>
+        <p:txBody>
+          <a:bodyPr anchor="t" rtlCol="false" tIns="0" lIns="0" bIns="0" rIns="0">
+            <a:spAutoFit/>
+          </a:bodyPr>
+          <a:lstStyle/>
+          <a:p>
+            <a:pPr algn="l">
+              <a:lnSpc>
+                <a:spcPts val="4498"/>
+              </a:lnSpc>
+            </a:pPr>
+            <a:r>
+              <a:rPr lang="en-US" sz="2600">
+                <a:solidFill>
+                  <a:srgbClr val="000000"/>
+                </a:solidFill>
+                <a:latin typeface="Agrandir"/>
+                <a:ea typeface="Agrandir"/>
+                <a:cs typeface="Agrandir"/>
+                <a:sym typeface="Agrandir"/>
+              </a:rPr>
+              <a:t>1 Escenario: Reservas </a:t>
+            </a:r>
+          </a:p>
+          <a:p>
+            <a:pPr algn="l">
+              <a:lnSpc>
+                <a:spcPts val="4498"/>
+              </a:lnSpc>
+            </a:pPr>
+          </a:p>
+          <a:p>
+            <a:pPr algn="l">
+              <a:lnSpc>
+                <a:spcPts val="4498"/>
+              </a:lnSpc>
+            </a:pPr>
+            <a:r>
+              <a:rPr lang="en-US" sz="2600">
+                <a:solidFill>
+                  <a:srgbClr val="000000"/>
+                </a:solidFill>
+                <a:latin typeface="Agrandir"/>
+                <a:ea typeface="Agrandir"/>
+                <a:cs typeface="Agrandir"/>
+                <a:sym typeface="Agrandir"/>
+              </a:rPr>
+              <a:t>Este escenario nos muestra el proceso de reservas de habitaciones en un hotel, tanto por parte del huésped como del recepcionista (presencial o telefónica). El flujo principal gira en torno al caso de uso "Realizar reserva". Se representan actores externos, casos de uso primarios, secundarios, relaciones de inclusión y extensión. </a:t>
+            </a:r>
+          </a:p>
+        </p:txBody>
+      </p:sp>
+      <p:sp>
+        <p:nvSpPr>
+          <p:cNvPr name="TextBox 10" id="10"/>
+          <p:cNvSpPr txBox="true"/>
+          <p:nvPr/>
+        </p:nvSpPr>
+        <p:spPr>
+          <a:xfrm rot="0">
+            <a:off x="572136" y="45212"/>
+            <a:ext cx="8571864" cy="1881251"/>
+          </a:xfrm>
+          <a:prstGeom prst="rect">
+            <a:avLst/>
+          </a:prstGeom>
+        </p:spPr>
+        <p:txBody>
+          <a:bodyPr anchor="t" rtlCol="false" tIns="0" lIns="0" bIns="0" rIns="0">
+            <a:spAutoFit/>
+          </a:bodyPr>
+          <a:lstStyle/>
+          <a:p>
+            <a:pPr algn="l" marL="0" indent="0" lvl="0">
+              <a:lnSpc>
+                <a:spcPts val="6591"/>
+              </a:lnSpc>
+              <a:spcBef>
+                <a:spcPct val="0"/>
+              </a:spcBef>
+            </a:pPr>
+            <a:r>
+              <a:rPr lang="en-US" b="true" sz="6399">
+                <a:solidFill>
+                  <a:srgbClr val="FFFFFF"/>
+                </a:solidFill>
+                <a:latin typeface="Agrandir Ultra-Bold"/>
+                <a:ea typeface="Agrandir Ultra-Bold"/>
+                <a:cs typeface="Agrandir Ultra-Bold"/>
+                <a:sym typeface="Agrandir Ultra-Bold"/>
+              </a:rPr>
+              <a:t>Arquitectura 4+1 vistas</a:t>
+            </a:r>
+          </a:p>
+        </p:txBody>
+      </p:sp>
+    </p:spTree>
+  </p:cSld>
+  <p:clrMapOvr>
+    <a:masterClrMapping/>
+  </p:clrMapOvr>
+</p:sld>
+</file>
+
+<file path=ppt/slides/slide13.xml><?xml version="1.0" encoding="utf-8"?>
+<p:sld xmlns:p="http://schemas.openxmlformats.org/presentationml/2006/main" xmlns:a="http://schemas.openxmlformats.org/drawingml/2006/main" xmlns:r="http://schemas.openxmlformats.org/officeDocument/2006/relationships">
+  <p:cSld>
+    <p:spTree>
+      <p:nvGrpSpPr>
+        <p:cNvPr id="1" name=""/>
+        <p:cNvGrpSpPr/>
+        <p:nvPr/>
+      </p:nvGrpSpPr>
+      <p:grpSpPr>
+        <a:xfrm>
+          <a:off x="0" y="0"/>
+          <a:ext cx="0" cy="0"/>
+          <a:chOff x="0" y="0"/>
+          <a:chExt cx="0" cy="0"/>
+        </a:xfrm>
+      </p:grpSpPr>
+      <p:grpSp>
+        <p:nvGrpSpPr>
+          <p:cNvPr name="Group 2" id="2"/>
+          <p:cNvGrpSpPr/>
+          <p:nvPr/>
+        </p:nvGrpSpPr>
+        <p:grpSpPr>
+          <a:xfrm rot="0">
+            <a:off x="8798741" y="-6295583"/>
+            <a:ext cx="10820143" cy="9031933"/>
+            <a:chOff x="0" y="0"/>
+            <a:chExt cx="812800" cy="678471"/>
+          </a:xfrm>
+        </p:grpSpPr>
+        <p:sp>
+          <p:nvSpPr>
+            <p:cNvPr name="Freeform 3" id="3"/>
+            <p:cNvSpPr/>
+            <p:nvPr/>
+          </p:nvSpPr>
+          <p:spPr>
+            <a:xfrm flipH="false" flipV="false" rot="0">
+              <a:off x="0" y="0"/>
+              <a:ext cx="812800" cy="678471"/>
+            </a:xfrm>
+            <a:custGeom>
+              <a:avLst/>
+              <a:gdLst/>
+              <a:ahLst/>
+              <a:cxnLst/>
+              <a:rect r="r" b="b" t="t" l="l"/>
+              <a:pathLst>
+                <a:path h="678471" w="812800">
+                  <a:moveTo>
+                    <a:pt x="406400" y="0"/>
+                  </a:moveTo>
+                  <a:cubicBezTo>
+                    <a:pt x="181951" y="0"/>
+                    <a:pt x="0" y="151881"/>
+                    <a:pt x="0" y="339236"/>
+                  </a:cubicBezTo>
+                  <a:cubicBezTo>
+                    <a:pt x="0" y="526590"/>
+                    <a:pt x="181951" y="678471"/>
+                    <a:pt x="406400" y="678471"/>
+                  </a:cubicBezTo>
+                  <a:cubicBezTo>
+                    <a:pt x="630849" y="678471"/>
+                    <a:pt x="812800" y="526590"/>
+                    <a:pt x="812800" y="339236"/>
+                  </a:cubicBezTo>
+                  <a:cubicBezTo>
+                    <a:pt x="812800" y="151881"/>
+                    <a:pt x="630849" y="0"/>
+                    <a:pt x="406400" y="0"/>
+                  </a:cubicBezTo>
+                  <a:close/>
+                </a:path>
+              </a:pathLst>
+            </a:custGeom>
+            <a:solidFill>
+              <a:srgbClr val="1C6CD8"/>
+            </a:solidFill>
+          </p:spPr>
+        </p:sp>
+        <p:sp>
+          <p:nvSpPr>
+            <p:cNvPr name="TextBox 4" id="4"/>
+            <p:cNvSpPr txBox="true"/>
+            <p:nvPr/>
+          </p:nvSpPr>
+          <p:spPr>
+            <a:xfrm>
+              <a:off x="76200" y="25507"/>
+              <a:ext cx="660400" cy="589358"/>
+            </a:xfrm>
+            <a:prstGeom prst="rect">
+              <a:avLst/>
+            </a:prstGeom>
+          </p:spPr>
+          <p:txBody>
+            <a:bodyPr anchor="ctr" rtlCol="false" tIns="50800" lIns="50800" bIns="50800" rIns="50800"/>
+            <a:lstStyle/>
+            <a:p>
+              <a:pPr algn="ctr">
+                <a:lnSpc>
+                  <a:spcPts val="2659"/>
+                </a:lnSpc>
+                <a:spcBef>
+                  <a:spcPct val="0"/>
+                </a:spcBef>
+              </a:pPr>
+            </a:p>
+          </p:txBody>
+        </p:sp>
+      </p:grpSp>
+      <p:sp>
+        <p:nvSpPr>
+          <p:cNvPr name="Freeform 5" id="5"/>
+          <p:cNvSpPr/>
+          <p:nvPr/>
+        </p:nvSpPr>
+        <p:spPr>
+          <a:xfrm flipH="false" flipV="false" rot="0">
+            <a:off x="2014110" y="2942119"/>
+            <a:ext cx="12413884" cy="6610393"/>
+          </a:xfrm>
+          <a:custGeom>
+            <a:avLst/>
+            <a:gdLst/>
+            <a:ahLst/>
+            <a:cxnLst/>
+            <a:rect r="r" b="b" t="t" l="l"/>
+            <a:pathLst>
+              <a:path h="6610393" w="12413884">
+                <a:moveTo>
+                  <a:pt x="0" y="0"/>
+                </a:moveTo>
+                <a:lnTo>
+                  <a:pt x="12413885" y="0"/>
+                </a:lnTo>
+                <a:lnTo>
+                  <a:pt x="12413885" y="6610393"/>
+                </a:lnTo>
+                <a:lnTo>
+                  <a:pt x="0" y="6610393"/>
+                </a:lnTo>
+                <a:lnTo>
+                  <a:pt x="0" y="0"/>
+                </a:lnTo>
+                <a:close/>
+              </a:path>
+            </a:pathLst>
+          </a:custGeom>
+          <a:blipFill>
+            <a:blip r:embed="rId2"/>
+            <a:stretch>
+              <a:fillRect l="0" t="0" r="0" b="0"/>
+            </a:stretch>
+          </a:blipFill>
+        </p:spPr>
+      </p:sp>
+      <p:sp>
+        <p:nvSpPr>
+          <p:cNvPr name="TextBox 6" id="6"/>
+          <p:cNvSpPr txBox="true"/>
+          <p:nvPr/>
+        </p:nvSpPr>
+        <p:spPr>
+          <a:xfrm rot="0">
+            <a:off x="10919110" y="45212"/>
+            <a:ext cx="8571864" cy="1052576"/>
+          </a:xfrm>
+          <a:prstGeom prst="rect">
+            <a:avLst/>
+          </a:prstGeom>
+        </p:spPr>
+        <p:txBody>
+          <a:bodyPr anchor="t" rtlCol="false" tIns="0" lIns="0" bIns="0" rIns="0">
+            <a:spAutoFit/>
+          </a:bodyPr>
+          <a:lstStyle/>
+          <a:p>
+            <a:pPr algn="l" marL="0" indent="0" lvl="0">
+              <a:lnSpc>
+                <a:spcPts val="6591"/>
+              </a:lnSpc>
+              <a:spcBef>
+                <a:spcPct val="0"/>
+              </a:spcBef>
+            </a:pPr>
+            <a:r>
+              <a:rPr lang="en-US" b="true" sz="6399">
+                <a:solidFill>
+                  <a:srgbClr val="FFFFFF"/>
+                </a:solidFill>
+                <a:latin typeface="Agrandir Ultra-Bold"/>
+                <a:ea typeface="Agrandir Ultra-Bold"/>
+                <a:cs typeface="Agrandir Ultra-Bold"/>
+                <a:sym typeface="Agrandir Ultra-Bold"/>
+              </a:rPr>
+              <a:t>Escenarios</a:t>
+            </a:r>
+          </a:p>
+        </p:txBody>
+      </p:sp>
+      <p:sp>
+        <p:nvSpPr>
+          <p:cNvPr name="TextBox 7" id="7"/>
+          <p:cNvSpPr txBox="true"/>
+          <p:nvPr/>
+        </p:nvSpPr>
+        <p:spPr>
+          <a:xfrm rot="0">
+            <a:off x="572136" y="45212"/>
+            <a:ext cx="8571864" cy="1881251"/>
+          </a:xfrm>
+          <a:prstGeom prst="rect">
+            <a:avLst/>
+          </a:prstGeom>
+        </p:spPr>
+        <p:txBody>
+          <a:bodyPr anchor="t" rtlCol="false" tIns="0" lIns="0" bIns="0" rIns="0">
+            <a:spAutoFit/>
+          </a:bodyPr>
+          <a:lstStyle/>
+          <a:p>
+            <a:pPr algn="l" marL="0" indent="0" lvl="0">
+              <a:lnSpc>
+                <a:spcPts val="6591"/>
+              </a:lnSpc>
+              <a:spcBef>
+                <a:spcPct val="0"/>
+              </a:spcBef>
+            </a:pPr>
+            <a:r>
+              <a:rPr lang="en-US" b="true" sz="6399">
+                <a:solidFill>
+                  <a:srgbClr val="FFFFFF"/>
+                </a:solidFill>
+                <a:latin typeface="Agrandir Ultra-Bold"/>
+                <a:ea typeface="Agrandir Ultra-Bold"/>
+                <a:cs typeface="Agrandir Ultra-Bold"/>
+                <a:sym typeface="Agrandir Ultra-Bold"/>
+              </a:rPr>
+              <a:t>Arquitectura 4+1 vistas</a:t>
+            </a:r>
+          </a:p>
+        </p:txBody>
+      </p:sp>
+    </p:spTree>
+  </p:cSld>
+  <p:clrMapOvr>
+    <a:masterClrMapping/>
+  </p:clrMapOvr>
+</p:sld>
+</file>
+
+<file path=ppt/slides/slide14.xml><?xml version="1.0" encoding="utf-8"?>
 <p:sld xmlns:p="http://schemas.openxmlformats.org/presentationml/2006/main" xmlns:a="http://schemas.openxmlformats.org/drawingml/2006/main" xmlns:r="http://schemas.openxmlformats.org/officeDocument/2006/relationships">
   <p:cSld>
     <p:spTree>
@@ -3771,7 +4934,7 @@
 </p:sld>
 </file>
 
-<file path=ppt/slides/slide11.xml><?xml version="1.0" encoding="utf-8"?>
+<file path=ppt/slides/slide15.xml><?xml version="1.0" encoding="utf-8"?>
 <p:sld xmlns:p="http://schemas.openxmlformats.org/presentationml/2006/main" xmlns:a="http://schemas.openxmlformats.org/drawingml/2006/main">
   <p:cSld>
     <p:spTree>
@@ -4052,7 +5215,7 @@
 </p:sld>
 </file>
 
-<file path=ppt/slides/slide12.xml><?xml version="1.0" encoding="utf-8"?>
+<file path=ppt/slides/slide16.xml><?xml version="1.0" encoding="utf-8"?>
 <p:sld xmlns:p="http://schemas.openxmlformats.org/presentationml/2006/main" xmlns:a="http://schemas.openxmlformats.org/drawingml/2006/main" xmlns:r="http://schemas.openxmlformats.org/officeDocument/2006/relationships">
   <p:cSld>
     <p:spTree>
@@ -4307,7 +5470,7 @@
 </p:sld>
 </file>
 
-<file path=ppt/slides/slide13.xml><?xml version="1.0" encoding="utf-8"?>
+<file path=ppt/slides/slide17.xml><?xml version="1.0" encoding="utf-8"?>
 <p:sld xmlns:p="http://schemas.openxmlformats.org/presentationml/2006/main" xmlns:a="http://schemas.openxmlformats.org/drawingml/2006/main" xmlns:r="http://schemas.openxmlformats.org/officeDocument/2006/relationships">
   <p:cSld>
     <p:spTree>
@@ -4554,7 +5717,7 @@
 </p:sld>
 </file>
 
-<file path=ppt/slides/slide14.xml><?xml version="1.0" encoding="utf-8"?>
+<file path=ppt/slides/slide18.xml><?xml version="1.0" encoding="utf-8"?>
 <p:sld xmlns:p="http://schemas.openxmlformats.org/presentationml/2006/main" xmlns:a="http://schemas.openxmlformats.org/drawingml/2006/main" xmlns:r="http://schemas.openxmlformats.org/officeDocument/2006/relationships">
   <p:cSld>
     <p:spTree>
@@ -4841,7 +6004,7 @@
 </p:sld>
 </file>
 
-<file path=ppt/slides/slide15.xml><?xml version="1.0" encoding="utf-8"?>
+<file path=ppt/slides/slide19.xml><?xml version="1.0" encoding="utf-8"?>
 <p:sld xmlns:p="http://schemas.openxmlformats.org/presentationml/2006/main" xmlns:a="http://schemas.openxmlformats.org/drawingml/2006/main" xmlns:r="http://schemas.openxmlformats.org/officeDocument/2006/relationships">
   <p:cSld>
     <p:spTree>
@@ -5055,1140 +6218,6 @@
         <a:graphic>
           <a:graphicData uri="http://schemas.openxmlformats.org/presentationml/2006/ole">
             <p:oleObj imgW="4610100" imgH="5029200" r:id="rId3" progId="Excel.Sheet.12" name="Worksheet">
-              <p:embed/>
-              <p:pic>
-                <p:nvPicPr>
-                  <p:cNvPr name="" id="0"/>
-                  <p:cNvPicPr/>
-                  <p:nvPr/>
-                </p:nvPicPr>
-                <p:blipFill>
-                  <a:blip r:embed="rId2"/>
-                  <a:stretch>
-                    <a:fillRect/>
-                  </a:stretch>
-                </p:blipFill>
-                <p:spPr>
-                  <a:xfrm>
-                    <a:off x="1270000" y="1270000"/>
-                    <a:ext cx="1270000" cy="1270000"/>
-                  </a:xfrm>
-                  <a:prstGeom prst="rect"/>
-                </p:spPr>
-              </p:pic>
-            </p:oleObj>
-          </a:graphicData>
-        </a:graphic>
-      </p:graphicFrame>
-    </p:spTree>
-  </p:cSld>
-  <p:clrMapOvr>
-    <a:masterClrMapping/>
-  </p:clrMapOvr>
-</p:sld>
-</file>
-
-<file path=ppt/slides/slide16.xml><?xml version="1.0" encoding="utf-8"?>
-<p:sld xmlns:p="http://schemas.openxmlformats.org/presentationml/2006/main" xmlns:a="http://schemas.openxmlformats.org/drawingml/2006/main" xmlns:r="http://schemas.openxmlformats.org/officeDocument/2006/relationships">
-  <p:cSld>
-    <p:spTree>
-      <p:nvGrpSpPr>
-        <p:cNvPr id="1" name=""/>
-        <p:cNvGrpSpPr/>
-        <p:nvPr/>
-      </p:nvGrpSpPr>
-      <p:grpSpPr>
-        <a:xfrm>
-          <a:off x="0" y="0"/>
-          <a:ext cx="0" cy="0"/>
-          <a:chOff x="0" y="0"/>
-          <a:chExt cx="0" cy="0"/>
-        </a:xfrm>
-      </p:grpSpPr>
-      <p:grpSp>
-        <p:nvGrpSpPr>
-          <p:cNvPr name="Group 2" id="2"/>
-          <p:cNvGrpSpPr/>
-          <p:nvPr/>
-        </p:nvGrpSpPr>
-        <p:grpSpPr>
-          <a:xfrm rot="0">
-            <a:off x="8963211" y="-5041497"/>
-            <a:ext cx="10820143" cy="9031933"/>
-            <a:chOff x="0" y="0"/>
-            <a:chExt cx="812800" cy="678471"/>
-          </a:xfrm>
-        </p:grpSpPr>
-        <p:sp>
-          <p:nvSpPr>
-            <p:cNvPr name="Freeform 3" id="3"/>
-            <p:cNvSpPr/>
-            <p:nvPr/>
-          </p:nvSpPr>
-          <p:spPr>
-            <a:xfrm flipH="false" flipV="false" rot="0">
-              <a:off x="0" y="0"/>
-              <a:ext cx="812800" cy="678471"/>
-            </a:xfrm>
-            <a:custGeom>
-              <a:avLst/>
-              <a:gdLst/>
-              <a:ahLst/>
-              <a:cxnLst/>
-              <a:rect r="r" b="b" t="t" l="l"/>
-              <a:pathLst>
-                <a:path h="678471" w="812800">
-                  <a:moveTo>
-                    <a:pt x="406400" y="0"/>
-                  </a:moveTo>
-                  <a:cubicBezTo>
-                    <a:pt x="181951" y="0"/>
-                    <a:pt x="0" y="151881"/>
-                    <a:pt x="0" y="339236"/>
-                  </a:cubicBezTo>
-                  <a:cubicBezTo>
-                    <a:pt x="0" y="526590"/>
-                    <a:pt x="181951" y="678471"/>
-                    <a:pt x="406400" y="678471"/>
-                  </a:cubicBezTo>
-                  <a:cubicBezTo>
-                    <a:pt x="630849" y="678471"/>
-                    <a:pt x="812800" y="526590"/>
-                    <a:pt x="812800" y="339236"/>
-                  </a:cubicBezTo>
-                  <a:cubicBezTo>
-                    <a:pt x="812800" y="151881"/>
-                    <a:pt x="630849" y="0"/>
-                    <a:pt x="406400" y="0"/>
-                  </a:cubicBezTo>
-                  <a:close/>
-                </a:path>
-              </a:pathLst>
-            </a:custGeom>
-            <a:solidFill>
-              <a:srgbClr val="1C6CD8"/>
-            </a:solidFill>
-          </p:spPr>
-        </p:sp>
-        <p:sp>
-          <p:nvSpPr>
-            <p:cNvPr name="TextBox 4" id="4"/>
-            <p:cNvSpPr txBox="true"/>
-            <p:nvPr/>
-          </p:nvSpPr>
-          <p:spPr>
-            <a:xfrm>
-              <a:off x="76200" y="25507"/>
-              <a:ext cx="660400" cy="589358"/>
-            </a:xfrm>
-            <a:prstGeom prst="rect">
-              <a:avLst/>
-            </a:prstGeom>
-          </p:spPr>
-          <p:txBody>
-            <a:bodyPr anchor="ctr" rtlCol="false" tIns="50800" lIns="50800" bIns="50800" rIns="50800"/>
-            <a:lstStyle/>
-            <a:p>
-              <a:pPr algn="ctr">
-                <a:lnSpc>
-                  <a:spcPts val="2659"/>
-                </a:lnSpc>
-                <a:spcBef>
-                  <a:spcPct val="0"/>
-                </a:spcBef>
-              </a:pPr>
-            </a:p>
-          </p:txBody>
-        </p:sp>
-      </p:grpSp>
-      <p:sp>
-        <p:nvSpPr>
-          <p:cNvPr name="Freeform 5" id="5"/>
-          <p:cNvSpPr/>
-          <p:nvPr/>
-        </p:nvSpPr>
-        <p:spPr>
-          <a:xfrm flipH="false" flipV="false" rot="0">
-            <a:off x="604425" y="130937"/>
-            <a:ext cx="7681164" cy="10293017"/>
-          </a:xfrm>
-          <a:custGeom>
-            <a:avLst/>
-            <a:gdLst/>
-            <a:ahLst/>
-            <a:cxnLst/>
-            <a:rect r="r" b="b" t="t" l="l"/>
-            <a:pathLst>
-              <a:path h="10293017" w="7681164">
-                <a:moveTo>
-                  <a:pt x="0" y="0"/>
-                </a:moveTo>
-                <a:lnTo>
-                  <a:pt x="7681165" y="0"/>
-                </a:lnTo>
-                <a:lnTo>
-                  <a:pt x="7681165" y="10293017"/>
-                </a:lnTo>
-                <a:lnTo>
-                  <a:pt x="0" y="10293017"/>
-                </a:lnTo>
-                <a:lnTo>
-                  <a:pt x="0" y="0"/>
-                </a:lnTo>
-                <a:close/>
-              </a:path>
-            </a:pathLst>
-          </a:custGeom>
-          <a:blipFill>
-            <a:blip r:embed="rId2"/>
-            <a:stretch>
-              <a:fillRect l="0" t="0" r="0" b="0"/>
-            </a:stretch>
-          </a:blipFill>
-        </p:spPr>
-      </p:sp>
-      <p:sp>
-        <p:nvSpPr>
-          <p:cNvPr name="TextBox 6" id="6"/>
-          <p:cNvSpPr txBox="true"/>
-          <p:nvPr/>
-        </p:nvSpPr>
-        <p:spPr>
-          <a:xfrm rot="0">
-            <a:off x="10919110" y="45212"/>
-            <a:ext cx="8571864" cy="1052576"/>
-          </a:xfrm>
-          <a:prstGeom prst="rect">
-            <a:avLst/>
-          </a:prstGeom>
-        </p:spPr>
-        <p:txBody>
-          <a:bodyPr anchor="t" rtlCol="false" tIns="0" lIns="0" bIns="0" rIns="0">
-            <a:spAutoFit/>
-          </a:bodyPr>
-          <a:lstStyle/>
-          <a:p>
-            <a:pPr algn="l" marL="0" indent="0" lvl="0">
-              <a:lnSpc>
-                <a:spcPts val="6591"/>
-              </a:lnSpc>
-              <a:spcBef>
-                <a:spcPct val="0"/>
-              </a:spcBef>
-            </a:pPr>
-            <a:r>
-              <a:rPr lang="en-US" b="true" sz="6399">
-                <a:solidFill>
-                  <a:srgbClr val="FFFFFF"/>
-                </a:solidFill>
-                <a:latin typeface="Agrandir Ultra-Bold"/>
-                <a:ea typeface="Agrandir Ultra-Bold"/>
-                <a:cs typeface="Agrandir Ultra-Bold"/>
-                <a:sym typeface="Agrandir Ultra-Bold"/>
-              </a:rPr>
-              <a:t>vista lógica</a:t>
-            </a:r>
-          </a:p>
-        </p:txBody>
-      </p:sp>
-      <p:sp>
-        <p:nvSpPr>
-          <p:cNvPr name="TextBox 7" id="7"/>
-          <p:cNvSpPr txBox="true"/>
-          <p:nvPr/>
-        </p:nvSpPr>
-        <p:spPr>
-          <a:xfrm rot="0">
-            <a:off x="8644162" y="4462619"/>
-            <a:ext cx="8985196" cy="3751834"/>
-          </a:xfrm>
-          <a:prstGeom prst="rect">
-            <a:avLst/>
-          </a:prstGeom>
-        </p:spPr>
-        <p:txBody>
-          <a:bodyPr anchor="t" rtlCol="false" tIns="0" lIns="0" bIns="0" rIns="0">
-            <a:spAutoFit/>
-          </a:bodyPr>
-          <a:lstStyle/>
-          <a:p>
-            <a:pPr algn="l">
-              <a:lnSpc>
-                <a:spcPts val="2677"/>
-              </a:lnSpc>
-              <a:spcBef>
-                <a:spcPct val="0"/>
-              </a:spcBef>
-            </a:pPr>
-            <a:r>
-              <a:rPr lang="en-US" b="true" sz="2599">
-                <a:solidFill>
-                  <a:srgbClr val="000000"/>
-                </a:solidFill>
-                <a:latin typeface="Agrandir Bold"/>
-                <a:ea typeface="Agrandir Bold"/>
-                <a:cs typeface="Agrandir Bold"/>
-                <a:sym typeface="Agrandir Bold"/>
-              </a:rPr>
-              <a:t>Diagrama de actividades Escenario 2</a:t>
-            </a:r>
-          </a:p>
-          <a:p>
-            <a:pPr algn="ctr">
-              <a:lnSpc>
-                <a:spcPts val="2677"/>
-              </a:lnSpc>
-              <a:spcBef>
-                <a:spcPct val="0"/>
-              </a:spcBef>
-            </a:pPr>
-          </a:p>
-          <a:p>
-            <a:pPr algn="l">
-              <a:lnSpc>
-                <a:spcPts val="2677"/>
-              </a:lnSpc>
-              <a:spcBef>
-                <a:spcPct val="0"/>
-              </a:spcBef>
-            </a:pPr>
-            <a:r>
-              <a:rPr lang="en-US" sz="2599">
-                <a:solidFill>
-                  <a:srgbClr val="000000"/>
-                </a:solidFill>
-                <a:latin typeface="Agrandir"/>
-                <a:ea typeface="Agrandir"/>
-                <a:cs typeface="Agrandir"/>
-                <a:sym typeface="Agrandir"/>
-              </a:rPr>
-              <a:t>El proceso de limpieza en "Cuarto con Vista" coordina al Sistema, el Personal de Limpieza y el Recepcionista. Inicia tras el check-out, cuando el sistema asigna tareas según reservas futuras. El personal recibe la notificación, limpia la habitación y reporta anomalías si las hay. Al finalizar, se actualiza el estado de la habitación, permitiendo al recepcionista gestionarla sin demoras, garantizando eficiencia y una mejor experiencia para el huésped.</a:t>
-            </a:r>
-          </a:p>
-          <a:p>
-            <a:pPr algn="l">
-              <a:lnSpc>
-                <a:spcPts val="2677"/>
-              </a:lnSpc>
-              <a:spcBef>
-                <a:spcPct val="0"/>
-              </a:spcBef>
-            </a:pPr>
-          </a:p>
-        </p:txBody>
-      </p:sp>
-    </p:spTree>
-  </p:cSld>
-  <p:clrMapOvr>
-    <a:masterClrMapping/>
-  </p:clrMapOvr>
-</p:sld>
-</file>
-
-<file path=ppt/slides/slide17.xml><?xml version="1.0" encoding="utf-8"?>
-<p:sld xmlns:p="http://schemas.openxmlformats.org/presentationml/2006/main" xmlns:a="http://schemas.openxmlformats.org/drawingml/2006/main" xmlns:r="http://schemas.openxmlformats.org/officeDocument/2006/relationships">
-  <p:cSld>
-    <p:spTree>
-      <p:nvGrpSpPr>
-        <p:cNvPr id="1" name=""/>
-        <p:cNvGrpSpPr/>
-        <p:nvPr/>
-      </p:nvGrpSpPr>
-      <p:grpSpPr>
-        <a:xfrm>
-          <a:off x="0" y="0"/>
-          <a:ext cx="0" cy="0"/>
-          <a:chOff x="0" y="0"/>
-          <a:chExt cx="0" cy="0"/>
-        </a:xfrm>
-      </p:grpSpPr>
-      <p:grpSp>
-        <p:nvGrpSpPr>
-          <p:cNvPr name="Group 2" id="2"/>
-          <p:cNvGrpSpPr/>
-          <p:nvPr/>
-        </p:nvGrpSpPr>
-        <p:grpSpPr>
-          <a:xfrm rot="0">
-            <a:off x="6813734" y="-5994975"/>
-            <a:ext cx="11874818" cy="8379480"/>
-            <a:chOff x="0" y="0"/>
-            <a:chExt cx="812800" cy="573553"/>
-          </a:xfrm>
-        </p:grpSpPr>
-        <p:sp>
-          <p:nvSpPr>
-            <p:cNvPr name="Freeform 3" id="3"/>
-            <p:cNvSpPr/>
-            <p:nvPr/>
-          </p:nvSpPr>
-          <p:spPr>
-            <a:xfrm flipH="false" flipV="false" rot="0">
-              <a:off x="0" y="0"/>
-              <a:ext cx="812800" cy="573553"/>
-            </a:xfrm>
-            <a:custGeom>
-              <a:avLst/>
-              <a:gdLst/>
-              <a:ahLst/>
-              <a:cxnLst/>
-              <a:rect r="r" b="b" t="t" l="l"/>
-              <a:pathLst>
-                <a:path h="573553" w="812800">
-                  <a:moveTo>
-                    <a:pt x="406400" y="0"/>
-                  </a:moveTo>
-                  <a:cubicBezTo>
-                    <a:pt x="181951" y="0"/>
-                    <a:pt x="0" y="128394"/>
-                    <a:pt x="0" y="286777"/>
-                  </a:cubicBezTo>
-                  <a:cubicBezTo>
-                    <a:pt x="0" y="445159"/>
-                    <a:pt x="181951" y="573553"/>
-                    <a:pt x="406400" y="573553"/>
-                  </a:cubicBezTo>
-                  <a:cubicBezTo>
-                    <a:pt x="630849" y="573553"/>
-                    <a:pt x="812800" y="445159"/>
-                    <a:pt x="812800" y="286777"/>
-                  </a:cubicBezTo>
-                  <a:cubicBezTo>
-                    <a:pt x="812800" y="128394"/>
-                    <a:pt x="630849" y="0"/>
-                    <a:pt x="406400" y="0"/>
-                  </a:cubicBezTo>
-                  <a:close/>
-                </a:path>
-              </a:pathLst>
-            </a:custGeom>
-            <a:solidFill>
-              <a:srgbClr val="1C6CD8"/>
-            </a:solidFill>
-          </p:spPr>
-        </p:sp>
-        <p:sp>
-          <p:nvSpPr>
-            <p:cNvPr name="TextBox 4" id="4"/>
-            <p:cNvSpPr txBox="true"/>
-            <p:nvPr/>
-          </p:nvSpPr>
-          <p:spPr>
-            <a:xfrm>
-              <a:off x="76200" y="15671"/>
-              <a:ext cx="660400" cy="504112"/>
-            </a:xfrm>
-            <a:prstGeom prst="rect">
-              <a:avLst/>
-            </a:prstGeom>
-          </p:spPr>
-          <p:txBody>
-            <a:bodyPr anchor="ctr" rtlCol="false" tIns="50800" lIns="50800" bIns="50800" rIns="50800"/>
-            <a:lstStyle/>
-            <a:p>
-              <a:pPr algn="ctr">
-                <a:lnSpc>
-                  <a:spcPts val="2659"/>
-                </a:lnSpc>
-                <a:spcBef>
-                  <a:spcPct val="0"/>
-                </a:spcBef>
-              </a:pPr>
-            </a:p>
-          </p:txBody>
-        </p:sp>
-      </p:grpSp>
-      <p:sp>
-        <p:nvSpPr>
-          <p:cNvPr name="TextBox 5" id="5"/>
-          <p:cNvSpPr txBox="true"/>
-          <p:nvPr/>
-        </p:nvSpPr>
-        <p:spPr>
-          <a:xfrm rot="0">
-            <a:off x="8619197" y="-76200"/>
-            <a:ext cx="10302391" cy="921004"/>
-          </a:xfrm>
-          <a:prstGeom prst="rect">
-            <a:avLst/>
-          </a:prstGeom>
-        </p:spPr>
-        <p:txBody>
-          <a:bodyPr anchor="t" rtlCol="false" tIns="0" lIns="0" bIns="0" rIns="0">
-            <a:spAutoFit/>
-          </a:bodyPr>
-          <a:lstStyle/>
-          <a:p>
-            <a:pPr algn="l" marL="0" indent="0" lvl="0">
-              <a:lnSpc>
-                <a:spcPts val="5768"/>
-              </a:lnSpc>
-              <a:spcBef>
-                <a:spcPct val="0"/>
-              </a:spcBef>
-            </a:pPr>
-            <a:r>
-              <a:rPr lang="en-US" b="true" sz="5600">
-                <a:solidFill>
-                  <a:srgbClr val="FFFFFF"/>
-                </a:solidFill>
-                <a:latin typeface="Agrandir Ultra-Bold"/>
-                <a:ea typeface="Agrandir Ultra-Bold"/>
-                <a:cs typeface="Agrandir Ultra-Bold"/>
-                <a:sym typeface="Agrandir Ultra-Bold"/>
-              </a:rPr>
-              <a:t>vista lógica</a:t>
-            </a:r>
-          </a:p>
-        </p:txBody>
-      </p:sp>
-      <p:sp>
-        <p:nvSpPr>
-          <p:cNvPr name="TextBox 6" id="6"/>
-          <p:cNvSpPr txBox="true"/>
-          <p:nvPr/>
-        </p:nvSpPr>
-        <p:spPr>
-          <a:xfrm rot="0">
-            <a:off x="2090966" y="1422781"/>
-            <a:ext cx="4915049" cy="372745"/>
-          </a:xfrm>
-          <a:prstGeom prst="rect">
-            <a:avLst/>
-          </a:prstGeom>
-        </p:spPr>
-        <p:txBody>
-          <a:bodyPr anchor="t" rtlCol="false" tIns="0" lIns="0" bIns="0" rIns="0">
-            <a:spAutoFit/>
-          </a:bodyPr>
-          <a:lstStyle/>
-          <a:p>
-            <a:pPr algn="ctr">
-              <a:lnSpc>
-                <a:spcPts val="3079"/>
-              </a:lnSpc>
-              <a:spcBef>
-                <a:spcPct val="0"/>
-              </a:spcBef>
-            </a:pPr>
-            <a:r>
-              <a:rPr lang="en-US" b="true" sz="2199">
-                <a:solidFill>
-                  <a:srgbClr val="000000"/>
-                </a:solidFill>
-                <a:latin typeface="Open Sans Bold"/>
-                <a:ea typeface="Open Sans Bold"/>
-                <a:cs typeface="Open Sans Bold"/>
-                <a:sym typeface="Open Sans Bold"/>
-              </a:rPr>
-              <a:t>Catálogo de Elementos y relaciones</a:t>
-            </a:r>
-          </a:p>
-        </p:txBody>
-      </p:sp>
-      <p:graphicFrame>
-        <p:nvGraphicFramePr>
-          <p:cNvPr name="Object 7" id="7"/>
-          <p:cNvGraphicFramePr/>
-          <p:nvPr/>
-        </p:nvGraphicFramePr>
-        <p:xfrm>
-          <a:off x="863469" y="3003630"/>
-          <a:ext cx="3771900" cy="4610100"/>
-        </p:xfrm>
-        <a:graphic>
-          <a:graphicData uri="http://schemas.openxmlformats.org/presentationml/2006/ole">
-            <p:oleObj imgW="4686300" imgH="5524500" r:id="rId3" progId="Excel.Sheet.12" name="Worksheet">
-              <p:embed/>
-              <p:pic>
-                <p:nvPicPr>
-                  <p:cNvPr name="" id="0"/>
-                  <p:cNvPicPr/>
-                  <p:nvPr/>
-                </p:nvPicPr>
-                <p:blipFill>
-                  <a:blip r:embed="rId2"/>
-                  <a:stretch>
-                    <a:fillRect/>
-                  </a:stretch>
-                </p:blipFill>
-                <p:spPr>
-                  <a:xfrm>
-                    <a:off x="1270000" y="1270000"/>
-                    <a:ext cx="1270000" cy="1270000"/>
-                  </a:xfrm>
-                  <a:prstGeom prst="rect"/>
-                </p:spPr>
-              </p:pic>
-            </p:oleObj>
-          </a:graphicData>
-        </a:graphic>
-      </p:graphicFrame>
-    </p:spTree>
-  </p:cSld>
-  <p:clrMapOvr>
-    <a:masterClrMapping/>
-  </p:clrMapOvr>
-</p:sld>
-</file>
-
-<file path=ppt/slides/slide18.xml><?xml version="1.0" encoding="utf-8"?>
-<p:sld xmlns:p="http://schemas.openxmlformats.org/presentationml/2006/main" xmlns:a="http://schemas.openxmlformats.org/drawingml/2006/main" xmlns:r="http://schemas.openxmlformats.org/officeDocument/2006/relationships">
-  <p:cSld>
-    <p:spTree>
-      <p:nvGrpSpPr>
-        <p:cNvPr id="1" name=""/>
-        <p:cNvGrpSpPr/>
-        <p:nvPr/>
-      </p:nvGrpSpPr>
-      <p:grpSpPr>
-        <a:xfrm>
-          <a:off x="0" y="0"/>
-          <a:ext cx="0" cy="0"/>
-          <a:chOff x="0" y="0"/>
-          <a:chExt cx="0" cy="0"/>
-        </a:xfrm>
-      </p:grpSpPr>
-      <p:grpSp>
-        <p:nvGrpSpPr>
-          <p:cNvPr name="Group 2" id="2"/>
-          <p:cNvGrpSpPr/>
-          <p:nvPr/>
-        </p:nvGrpSpPr>
-        <p:grpSpPr>
-          <a:xfrm rot="0">
-            <a:off x="7533292" y="-5994975"/>
-            <a:ext cx="11874818" cy="8379480"/>
-            <a:chOff x="0" y="0"/>
-            <a:chExt cx="812800" cy="573553"/>
-          </a:xfrm>
-        </p:grpSpPr>
-        <p:sp>
-          <p:nvSpPr>
-            <p:cNvPr name="Freeform 3" id="3"/>
-            <p:cNvSpPr/>
-            <p:nvPr/>
-          </p:nvSpPr>
-          <p:spPr>
-            <a:xfrm flipH="false" flipV="false" rot="0">
-              <a:off x="0" y="0"/>
-              <a:ext cx="812800" cy="573553"/>
-            </a:xfrm>
-            <a:custGeom>
-              <a:avLst/>
-              <a:gdLst/>
-              <a:ahLst/>
-              <a:cxnLst/>
-              <a:rect r="r" b="b" t="t" l="l"/>
-              <a:pathLst>
-                <a:path h="573553" w="812800">
-                  <a:moveTo>
-                    <a:pt x="406400" y="0"/>
-                  </a:moveTo>
-                  <a:cubicBezTo>
-                    <a:pt x="181951" y="0"/>
-                    <a:pt x="0" y="128394"/>
-                    <a:pt x="0" y="286777"/>
-                  </a:cubicBezTo>
-                  <a:cubicBezTo>
-                    <a:pt x="0" y="445159"/>
-                    <a:pt x="181951" y="573553"/>
-                    <a:pt x="406400" y="573553"/>
-                  </a:cubicBezTo>
-                  <a:cubicBezTo>
-                    <a:pt x="630849" y="573553"/>
-                    <a:pt x="812800" y="445159"/>
-                    <a:pt x="812800" y="286777"/>
-                  </a:cubicBezTo>
-                  <a:cubicBezTo>
-                    <a:pt x="812800" y="128394"/>
-                    <a:pt x="630849" y="0"/>
-                    <a:pt x="406400" y="0"/>
-                  </a:cubicBezTo>
-                  <a:close/>
-                </a:path>
-              </a:pathLst>
-            </a:custGeom>
-            <a:solidFill>
-              <a:srgbClr val="1C6CD8"/>
-            </a:solidFill>
-          </p:spPr>
-        </p:sp>
-        <p:sp>
-          <p:nvSpPr>
-            <p:cNvPr name="TextBox 4" id="4"/>
-            <p:cNvSpPr txBox="true"/>
-            <p:nvPr/>
-          </p:nvSpPr>
-          <p:spPr>
-            <a:xfrm>
-              <a:off x="76200" y="15671"/>
-              <a:ext cx="660400" cy="504112"/>
-            </a:xfrm>
-            <a:prstGeom prst="rect">
-              <a:avLst/>
-            </a:prstGeom>
-          </p:spPr>
-          <p:txBody>
-            <a:bodyPr anchor="ctr" rtlCol="false" tIns="50800" lIns="50800" bIns="50800" rIns="50800"/>
-            <a:lstStyle/>
-            <a:p>
-              <a:pPr algn="ctr">
-                <a:lnSpc>
-                  <a:spcPts val="2659"/>
-                </a:lnSpc>
-                <a:spcBef>
-                  <a:spcPct val="0"/>
-                </a:spcBef>
-              </a:pPr>
-            </a:p>
-          </p:txBody>
-        </p:sp>
-      </p:grpSp>
-      <p:sp>
-        <p:nvSpPr>
-          <p:cNvPr name="Freeform 5" id="5"/>
-          <p:cNvSpPr/>
-          <p:nvPr/>
-        </p:nvSpPr>
-        <p:spPr>
-          <a:xfrm flipH="false" flipV="false" rot="0">
-            <a:off x="418726" y="486212"/>
-            <a:ext cx="8096401" cy="9314575"/>
-          </a:xfrm>
-          <a:custGeom>
-            <a:avLst/>
-            <a:gdLst/>
-            <a:ahLst/>
-            <a:cxnLst/>
-            <a:rect r="r" b="b" t="t" l="l"/>
-            <a:pathLst>
-              <a:path h="9314575" w="8096401">
-                <a:moveTo>
-                  <a:pt x="0" y="0"/>
-                </a:moveTo>
-                <a:lnTo>
-                  <a:pt x="8096401" y="0"/>
-                </a:lnTo>
-                <a:lnTo>
-                  <a:pt x="8096401" y="9314576"/>
-                </a:lnTo>
-                <a:lnTo>
-                  <a:pt x="0" y="9314576"/>
-                </a:lnTo>
-                <a:lnTo>
-                  <a:pt x="0" y="0"/>
-                </a:lnTo>
-                <a:close/>
-              </a:path>
-            </a:pathLst>
-          </a:custGeom>
-          <a:blipFill>
-            <a:blip r:embed="rId2"/>
-            <a:stretch>
-              <a:fillRect l="0" t="0" r="0" b="0"/>
-            </a:stretch>
-          </a:blipFill>
-        </p:spPr>
-      </p:sp>
-      <p:sp>
-        <p:nvSpPr>
-          <p:cNvPr name="TextBox 6" id="6"/>
-          <p:cNvSpPr txBox="true"/>
-          <p:nvPr/>
-        </p:nvSpPr>
-        <p:spPr>
-          <a:xfrm rot="0">
-            <a:off x="9420990" y="334976"/>
-            <a:ext cx="10302391" cy="921004"/>
-          </a:xfrm>
-          <a:prstGeom prst="rect">
-            <a:avLst/>
-          </a:prstGeom>
-        </p:spPr>
-        <p:txBody>
-          <a:bodyPr anchor="t" rtlCol="false" tIns="0" lIns="0" bIns="0" rIns="0">
-            <a:spAutoFit/>
-          </a:bodyPr>
-          <a:lstStyle/>
-          <a:p>
-            <a:pPr algn="l" marL="0" indent="0" lvl="0">
-              <a:lnSpc>
-                <a:spcPts val="5768"/>
-              </a:lnSpc>
-              <a:spcBef>
-                <a:spcPct val="0"/>
-              </a:spcBef>
-            </a:pPr>
-            <a:r>
-              <a:rPr lang="en-US" b="true" sz="5600">
-                <a:solidFill>
-                  <a:srgbClr val="FFFFFF"/>
-                </a:solidFill>
-                <a:latin typeface="Agrandir Ultra-Bold"/>
-                <a:ea typeface="Agrandir Ultra-Bold"/>
-                <a:cs typeface="Agrandir Ultra-Bold"/>
-                <a:sym typeface="Agrandir Ultra-Bold"/>
-              </a:rPr>
-              <a:t>vista de componentes</a:t>
-            </a:r>
-          </a:p>
-        </p:txBody>
-      </p:sp>
-      <p:sp>
-        <p:nvSpPr>
-          <p:cNvPr name="TextBox 7" id="7"/>
-          <p:cNvSpPr txBox="true"/>
-          <p:nvPr/>
-        </p:nvSpPr>
-        <p:spPr>
-          <a:xfrm rot="0">
-            <a:off x="9413051" y="3375977"/>
-            <a:ext cx="8115300" cy="3496945"/>
-          </a:xfrm>
-          <a:prstGeom prst="rect">
-            <a:avLst/>
-          </a:prstGeom>
-        </p:spPr>
-        <p:txBody>
-          <a:bodyPr anchor="t" rtlCol="false" tIns="0" lIns="0" bIns="0" rIns="0">
-            <a:spAutoFit/>
-          </a:bodyPr>
-          <a:lstStyle/>
-          <a:p>
-            <a:pPr algn="l">
-              <a:lnSpc>
-                <a:spcPts val="3079"/>
-              </a:lnSpc>
-              <a:spcBef>
-                <a:spcPct val="0"/>
-              </a:spcBef>
-            </a:pPr>
-            <a:r>
-              <a:rPr lang="en-US" sz="2199">
-                <a:solidFill>
-                  <a:srgbClr val="000000"/>
-                </a:solidFill>
-                <a:latin typeface="Open Sans"/>
-                <a:ea typeface="Open Sans"/>
-                <a:cs typeface="Open Sans"/>
-                <a:sym typeface="Open Sans"/>
-              </a:rPr>
-              <a:t>Est</a:t>
-            </a:r>
-            <a:r>
-              <a:rPr lang="en-US" sz="2199">
-                <a:solidFill>
-                  <a:srgbClr val="000000"/>
-                </a:solidFill>
-                <a:latin typeface="Open Sans"/>
-                <a:ea typeface="Open Sans"/>
-                <a:cs typeface="Open Sans"/>
-                <a:sym typeface="Open Sans"/>
-              </a:rPr>
-              <a:t>a vista refleja la organización física del software, mostrando como los distintos componentes como microservicios se interconectan. </a:t>
-            </a:r>
-          </a:p>
-          <a:p>
-            <a:pPr algn="l">
-              <a:lnSpc>
-                <a:spcPts val="3079"/>
-              </a:lnSpc>
-              <a:spcBef>
-                <a:spcPct val="0"/>
-              </a:spcBef>
-            </a:pPr>
-            <a:r>
-              <a:rPr lang="en-US" sz="2199">
-                <a:solidFill>
-                  <a:srgbClr val="000000"/>
-                </a:solidFill>
-                <a:latin typeface="Open Sans"/>
-                <a:ea typeface="Open Sans"/>
-                <a:cs typeface="Open Sans"/>
-                <a:sym typeface="Open Sans"/>
-              </a:rPr>
-              <a:t>Este diagrama representa la arquitectura de una solución basada en microservicios, en donde los distintos servicios se comunican entre sí y con servicios externos mediante un API Gateway. El front (web/móvil o dispositivo de limpieza) se comunica con el backend a través del gateway </a:t>
-            </a:r>
-          </a:p>
-          <a:p>
-            <a:pPr algn="ctr">
-              <a:lnSpc>
-                <a:spcPts val="3079"/>
-              </a:lnSpc>
-              <a:spcBef>
-                <a:spcPct val="0"/>
-              </a:spcBef>
-            </a:pPr>
-          </a:p>
-        </p:txBody>
-      </p:sp>
-      <p:sp>
-        <p:nvSpPr>
-          <p:cNvPr name="TextBox 8" id="8"/>
-          <p:cNvSpPr txBox="true"/>
-          <p:nvPr/>
-        </p:nvSpPr>
-        <p:spPr>
-          <a:xfrm rot="0">
-            <a:off x="9730308" y="8001591"/>
-            <a:ext cx="3742432" cy="372745"/>
-          </a:xfrm>
-          <a:prstGeom prst="rect">
-            <a:avLst/>
-          </a:prstGeom>
-        </p:spPr>
-        <p:txBody>
-          <a:bodyPr anchor="t" rtlCol="false" tIns="0" lIns="0" bIns="0" rIns="0">
-            <a:spAutoFit/>
-          </a:bodyPr>
-          <a:lstStyle/>
-          <a:p>
-            <a:pPr algn="ctr">
-              <a:lnSpc>
-                <a:spcPts val="3079"/>
-              </a:lnSpc>
-              <a:spcBef>
-                <a:spcPct val="0"/>
-              </a:spcBef>
-            </a:pPr>
-            <a:r>
-              <a:rPr lang="en-US" b="true" sz="2199">
-                <a:solidFill>
-                  <a:srgbClr val="000000"/>
-                </a:solidFill>
-                <a:latin typeface="Open Sans Bold"/>
-                <a:ea typeface="Open Sans Bold"/>
-                <a:cs typeface="Open Sans Bold"/>
-                <a:sym typeface="Open Sans Bold"/>
-              </a:rPr>
-              <a:t>Diagrama de componentes</a:t>
-            </a:r>
-          </a:p>
-        </p:txBody>
-      </p:sp>
-    </p:spTree>
-  </p:cSld>
-  <p:clrMapOvr>
-    <a:masterClrMapping/>
-  </p:clrMapOvr>
-</p:sld>
-</file>
-
-<file path=ppt/slides/slide19.xml><?xml version="1.0" encoding="utf-8"?>
-<p:sld xmlns:p="http://schemas.openxmlformats.org/presentationml/2006/main" xmlns:a="http://schemas.openxmlformats.org/drawingml/2006/main" xmlns:r="http://schemas.openxmlformats.org/officeDocument/2006/relationships">
-  <p:cSld>
-    <p:spTree>
-      <p:nvGrpSpPr>
-        <p:cNvPr id="1" name=""/>
-        <p:cNvGrpSpPr/>
-        <p:nvPr/>
-      </p:nvGrpSpPr>
-      <p:grpSpPr>
-        <a:xfrm>
-          <a:off x="0" y="0"/>
-          <a:ext cx="0" cy="0"/>
-          <a:chOff x="0" y="0"/>
-          <a:chExt cx="0" cy="0"/>
-        </a:xfrm>
-      </p:grpSpPr>
-      <p:grpSp>
-        <p:nvGrpSpPr>
-          <p:cNvPr name="Group 2" id="2"/>
-          <p:cNvGrpSpPr/>
-          <p:nvPr/>
-        </p:nvGrpSpPr>
-        <p:grpSpPr>
-          <a:xfrm rot="0">
-            <a:off x="6813734" y="-5994975"/>
-            <a:ext cx="11874818" cy="8379480"/>
-            <a:chOff x="0" y="0"/>
-            <a:chExt cx="812800" cy="573553"/>
-          </a:xfrm>
-        </p:grpSpPr>
-        <p:sp>
-          <p:nvSpPr>
-            <p:cNvPr name="Freeform 3" id="3"/>
-            <p:cNvSpPr/>
-            <p:nvPr/>
-          </p:nvSpPr>
-          <p:spPr>
-            <a:xfrm flipH="false" flipV="false" rot="0">
-              <a:off x="0" y="0"/>
-              <a:ext cx="812800" cy="573553"/>
-            </a:xfrm>
-            <a:custGeom>
-              <a:avLst/>
-              <a:gdLst/>
-              <a:ahLst/>
-              <a:cxnLst/>
-              <a:rect r="r" b="b" t="t" l="l"/>
-              <a:pathLst>
-                <a:path h="573553" w="812800">
-                  <a:moveTo>
-                    <a:pt x="406400" y="0"/>
-                  </a:moveTo>
-                  <a:cubicBezTo>
-                    <a:pt x="181951" y="0"/>
-                    <a:pt x="0" y="128394"/>
-                    <a:pt x="0" y="286777"/>
-                  </a:cubicBezTo>
-                  <a:cubicBezTo>
-                    <a:pt x="0" y="445159"/>
-                    <a:pt x="181951" y="573553"/>
-                    <a:pt x="406400" y="573553"/>
-                  </a:cubicBezTo>
-                  <a:cubicBezTo>
-                    <a:pt x="630849" y="573553"/>
-                    <a:pt x="812800" y="445159"/>
-                    <a:pt x="812800" y="286777"/>
-                  </a:cubicBezTo>
-                  <a:cubicBezTo>
-                    <a:pt x="812800" y="128394"/>
-                    <a:pt x="630849" y="0"/>
-                    <a:pt x="406400" y="0"/>
-                  </a:cubicBezTo>
-                  <a:close/>
-                </a:path>
-              </a:pathLst>
-            </a:custGeom>
-            <a:solidFill>
-              <a:srgbClr val="1C6CD8"/>
-            </a:solidFill>
-          </p:spPr>
-        </p:sp>
-        <p:sp>
-          <p:nvSpPr>
-            <p:cNvPr name="TextBox 4" id="4"/>
-            <p:cNvSpPr txBox="true"/>
-            <p:nvPr/>
-          </p:nvSpPr>
-          <p:spPr>
-            <a:xfrm>
-              <a:off x="76200" y="15671"/>
-              <a:ext cx="660400" cy="504112"/>
-            </a:xfrm>
-            <a:prstGeom prst="rect">
-              <a:avLst/>
-            </a:prstGeom>
-          </p:spPr>
-          <p:txBody>
-            <a:bodyPr anchor="ctr" rtlCol="false" tIns="50800" lIns="50800" bIns="50800" rIns="50800"/>
-            <a:lstStyle/>
-            <a:p>
-              <a:pPr algn="ctr">
-                <a:lnSpc>
-                  <a:spcPts val="2659"/>
-                </a:lnSpc>
-                <a:spcBef>
-                  <a:spcPct val="0"/>
-                </a:spcBef>
-              </a:pPr>
-            </a:p>
-          </p:txBody>
-        </p:sp>
-      </p:grpSp>
-      <p:sp>
-        <p:nvSpPr>
-          <p:cNvPr name="TextBox 5" id="5"/>
-          <p:cNvSpPr txBox="true"/>
-          <p:nvPr/>
-        </p:nvSpPr>
-        <p:spPr>
-          <a:xfrm rot="0">
-            <a:off x="8619197" y="-76200"/>
-            <a:ext cx="10302391" cy="921004"/>
-          </a:xfrm>
-          <a:prstGeom prst="rect">
-            <a:avLst/>
-          </a:prstGeom>
-        </p:spPr>
-        <p:txBody>
-          <a:bodyPr anchor="t" rtlCol="false" tIns="0" lIns="0" bIns="0" rIns="0">
-            <a:spAutoFit/>
-          </a:bodyPr>
-          <a:lstStyle/>
-          <a:p>
-            <a:pPr algn="l" marL="0" indent="0" lvl="0">
-              <a:lnSpc>
-                <a:spcPts val="5768"/>
-              </a:lnSpc>
-              <a:spcBef>
-                <a:spcPct val="0"/>
-              </a:spcBef>
-            </a:pPr>
-            <a:r>
-              <a:rPr lang="en-US" b="true" sz="5600">
-                <a:solidFill>
-                  <a:srgbClr val="FFFFFF"/>
-                </a:solidFill>
-                <a:latin typeface="Agrandir Ultra-Bold"/>
-                <a:ea typeface="Agrandir Ultra-Bold"/>
-                <a:cs typeface="Agrandir Ultra-Bold"/>
-                <a:sym typeface="Agrandir Ultra-Bold"/>
-              </a:rPr>
-              <a:t>vista de componentes</a:t>
-            </a:r>
-          </a:p>
-        </p:txBody>
-      </p:sp>
-      <p:sp>
-        <p:nvSpPr>
-          <p:cNvPr name="TextBox 6" id="6"/>
-          <p:cNvSpPr txBox="true"/>
-          <p:nvPr/>
-        </p:nvSpPr>
-        <p:spPr>
-          <a:xfrm rot="0">
-            <a:off x="2090966" y="1422781"/>
-            <a:ext cx="4915049" cy="372745"/>
-          </a:xfrm>
-          <a:prstGeom prst="rect">
-            <a:avLst/>
-          </a:prstGeom>
-        </p:spPr>
-        <p:txBody>
-          <a:bodyPr anchor="t" rtlCol="false" tIns="0" lIns="0" bIns="0" rIns="0">
-            <a:spAutoFit/>
-          </a:bodyPr>
-          <a:lstStyle/>
-          <a:p>
-            <a:pPr algn="ctr">
-              <a:lnSpc>
-                <a:spcPts val="3079"/>
-              </a:lnSpc>
-              <a:spcBef>
-                <a:spcPct val="0"/>
-              </a:spcBef>
-            </a:pPr>
-            <a:r>
-              <a:rPr lang="en-US" b="true" sz="2199">
-                <a:solidFill>
-                  <a:srgbClr val="000000"/>
-                </a:solidFill>
-                <a:latin typeface="Open Sans Bold"/>
-                <a:ea typeface="Open Sans Bold"/>
-                <a:cs typeface="Open Sans Bold"/>
-                <a:sym typeface="Open Sans Bold"/>
-              </a:rPr>
-              <a:t>Catálogo de Elementos y relaciones</a:t>
-            </a:r>
-          </a:p>
-        </p:txBody>
-      </p:sp>
-      <p:graphicFrame>
-        <p:nvGraphicFramePr>
-          <p:cNvPr name="Object 7" id="7"/>
-          <p:cNvGraphicFramePr/>
-          <p:nvPr/>
-        </p:nvGraphicFramePr>
-        <p:xfrm>
-          <a:off x="510820" y="3371640"/>
-          <a:ext cx="3771900" cy="2095500"/>
-        </p:xfrm>
-        <a:graphic>
-          <a:graphicData uri="http://schemas.openxmlformats.org/presentationml/2006/ole">
-            <p:oleObj imgW="4521200" imgH="2844800" r:id="rId3" progId="Excel.Sheet.12" name="Worksheet">
               <p:embed/>
               <p:pic>
                 <p:nvPicPr>
@@ -6440,18 +6469,18 @@
           <p:nvPr/>
         </p:nvGraphicFramePr>
         <p:xfrm>
-          <a:off x="1438892" y="1150543"/>
-          <a:ext cx="6750028" cy="8499013"/>
+          <a:off x="3099575" y="0"/>
+          <a:ext cx="6458580" cy="9995189"/>
         </p:xfrm>
         <a:graphic>
           <a:graphicData uri="http://schemas.openxmlformats.org/drawingml/2006/table">
             <a:tbl>
               <a:tblPr/>
               <a:tblGrid>
-                <a:gridCol w="1401705"/>
+                <a:gridCol w="1110258"/>
                 <a:gridCol w="5348322"/>
               </a:tblGrid>
-              <a:tr h="872900">
+              <a:tr h="872754">
                 <a:tc>
                   <a:txBody>
                     <a:bodyPr anchor="t" rtlCol="false"/>
@@ -6583,7 +6612,7 @@
                   </a:tcPr>
                 </a:tc>
               </a:tr>
-              <a:tr h="877675">
+              <a:tr h="877528">
                 <a:tc>
                   <a:txBody>
                     <a:bodyPr anchor="t" rtlCol="false"/>
@@ -6715,7 +6744,7 @@
                   </a:tcPr>
                 </a:tc>
               </a:tr>
-              <a:tr h="877675">
+              <a:tr h="877528">
                 <a:tc>
                   <a:txBody>
                     <a:bodyPr anchor="t" rtlCol="false"/>
@@ -6847,7 +6876,7 @@
                   </a:tcPr>
                 </a:tc>
               </a:tr>
-              <a:tr h="877675">
+              <a:tr h="791329">
                 <a:tc>
                   <a:txBody>
                     <a:bodyPr anchor="t" rtlCol="false"/>
@@ -6979,7 +7008,7 @@
                   </a:tcPr>
                 </a:tc>
               </a:tr>
-              <a:tr h="791462">
+              <a:tr h="792473">
                 <a:tc>
                   <a:txBody>
                     <a:bodyPr anchor="t" rtlCol="false"/>
@@ -7057,16 +7086,16 @@
                         <a:defRPr/>
                       </a:pPr>
                       <a:r>
-                        <a:rPr lang="en-US" sz="1800">
+                        <a:rPr lang="en-US" sz="1800" b="true">
                           <a:solidFill>
                             <a:srgbClr val="000000"/>
                           </a:solidFill>
-                          <a:latin typeface="Agrandir"/>
-                          <a:ea typeface="Agrandir"/>
-                          <a:cs typeface="Agrandir"/>
-                          <a:sym typeface="Agrandir"/>
+                          <a:latin typeface="Agrandir Medium"/>
+                          <a:ea typeface="Agrandir Medium"/>
+                          <a:cs typeface="Agrandir Medium"/>
+                          <a:sym typeface="Agrandir Medium"/>
                         </a:rPr>
-                        <a:t>Drivers arquitectonicos</a:t>
+                        <a:t>Tácticas atributos de calidad</a:t>
                       </a:r>
                       <a:endParaRPr lang="en-US" sz="1100"/>
                     </a:p>
@@ -7111,7 +7140,7 @@
                   </a:tcPr>
                 </a:tc>
               </a:tr>
-              <a:tr h="791462">
+              <a:tr h="791329">
                 <a:tc>
                   <a:txBody>
                     <a:bodyPr anchor="t" rtlCol="false"/>
@@ -7134,6 +7163,270 @@
                           <a:sym typeface="Agrandir Ultra-Bold"/>
                         </a:rPr>
                         <a:t>06</a:t>
+                      </a:r>
+                      <a:endParaRPr lang="en-US" sz="1100"/>
+                    </a:p>
+                  </a:txBody>
+                  <a:tcPr marL="95250" marR="95250" marT="95250" marB="95250" anchor="ctr">
+                    <a:lnL cmpd="sng" algn="ctr" cap="flat" w="0">
+                      <a:solidFill>
+                        <a:srgbClr val="233149"/>
+                      </a:solidFill>
+                      <a:prstDash val="solid"/>
+                      <a:round/>
+                      <a:headEnd type="none" w="med" len="med"/>
+                      <a:tailEnd type="none" w="med" len="med"/>
+                    </a:lnL>
+                    <a:lnR cmpd="sng" algn="ctr" cap="flat" w="0">
+                      <a:solidFill>
+                        <a:srgbClr val="233149"/>
+                      </a:solidFill>
+                      <a:prstDash val="solid"/>
+                      <a:round/>
+                      <a:headEnd type="none" w="med" len="med"/>
+                      <a:tailEnd type="none" w="med" len="med"/>
+                    </a:lnR>
+                    <a:lnT cmpd="sng" algn="ctr" cap="flat" w="9525">
+                      <a:solidFill>
+                        <a:srgbClr val="233149"/>
+                      </a:solidFill>
+                      <a:prstDash val="solid"/>
+                      <a:round/>
+                      <a:headEnd type="none" w="med" len="med"/>
+                      <a:tailEnd type="none" w="med" len="med"/>
+                    </a:lnT>
+                    <a:lnB cmpd="sng" algn="ctr" cap="flat" w="9525">
+                      <a:solidFill>
+                        <a:srgbClr val="233149"/>
+                      </a:solidFill>
+                      <a:prstDash val="solid"/>
+                      <a:round/>
+                      <a:headEnd type="none" w="med" len="med"/>
+                      <a:tailEnd type="none" w="med" len="med"/>
+                    </a:lnB>
+                  </a:tcPr>
+                </a:tc>
+                <a:tc>
+                  <a:txBody>
+                    <a:bodyPr anchor="t" rtlCol="false"/>
+                    <a:lstStyle/>
+                    <a:p>
+                      <a:pPr algn="l">
+                        <a:lnSpc>
+                          <a:spcPts val="2520"/>
+                        </a:lnSpc>
+                        <a:defRPr/>
+                      </a:pPr>
+                      <a:r>
+                        <a:rPr lang="en-US" sz="1800" b="true">
+                          <a:solidFill>
+                            <a:srgbClr val="000000"/>
+                          </a:solidFill>
+                          <a:latin typeface="Agrandir Medium"/>
+                          <a:ea typeface="Agrandir Medium"/>
+                          <a:cs typeface="Agrandir Medium"/>
+                          <a:sym typeface="Agrandir Medium"/>
+                        </a:rPr>
+                        <a:t>Patrones arquitectónicos y sus tácticas</a:t>
+                      </a:r>
+                      <a:endParaRPr lang="en-US" sz="1100"/>
+                    </a:p>
+                  </a:txBody>
+                  <a:tcPr marL="95250" marR="95250" marT="95250" marB="95250" anchor="ctr">
+                    <a:lnL cmpd="sng" algn="ctr" cap="flat" w="0">
+                      <a:solidFill>
+                        <a:srgbClr val="233149"/>
+                      </a:solidFill>
+                      <a:prstDash val="solid"/>
+                      <a:round/>
+                      <a:headEnd type="none" w="med" len="med"/>
+                      <a:tailEnd type="none" w="med" len="med"/>
+                    </a:lnL>
+                    <a:lnR cmpd="sng" algn="ctr" cap="flat" w="0">
+                      <a:solidFill>
+                        <a:srgbClr val="233149"/>
+                      </a:solidFill>
+                      <a:prstDash val="solid"/>
+                      <a:round/>
+                      <a:headEnd type="none" w="med" len="med"/>
+                      <a:tailEnd type="none" w="med" len="med"/>
+                    </a:lnR>
+                    <a:lnT cmpd="sng" algn="ctr" cap="flat" w="9525">
+                      <a:solidFill>
+                        <a:srgbClr val="233149"/>
+                      </a:solidFill>
+                      <a:prstDash val="solid"/>
+                      <a:round/>
+                      <a:headEnd type="none" w="med" len="med"/>
+                      <a:tailEnd type="none" w="med" len="med"/>
+                    </a:lnT>
+                    <a:lnB cmpd="sng" algn="ctr" cap="flat" w="9525">
+                      <a:solidFill>
+                        <a:srgbClr val="233149"/>
+                      </a:solidFill>
+                      <a:prstDash val="solid"/>
+                      <a:round/>
+                      <a:headEnd type="none" w="med" len="med"/>
+                      <a:tailEnd type="none" w="med" len="med"/>
+                    </a:lnB>
+                  </a:tcPr>
+                </a:tc>
+              </a:tr>
+              <a:tr h="791329">
+                <a:tc>
+                  <a:txBody>
+                    <a:bodyPr anchor="t" rtlCol="false"/>
+                    <a:lstStyle/>
+                    <a:p>
+                      <a:pPr algn="r">
+                        <a:lnSpc>
+                          <a:spcPts val="4200"/>
+                        </a:lnSpc>
+                        <a:defRPr/>
+                      </a:pPr>
+                      <a:r>
+                        <a:rPr lang="en-US" b="true" sz="3000" spc="303">
+                          <a:solidFill>
+                            <a:srgbClr val="1C6CD8"/>
+                          </a:solidFill>
+                          <a:latin typeface="Agrandir Ultra-Bold"/>
+                          <a:ea typeface="Agrandir Ultra-Bold"/>
+                          <a:cs typeface="Agrandir Ultra-Bold"/>
+                          <a:sym typeface="Agrandir Ultra-Bold"/>
+                        </a:rPr>
+                        <a:t>07</a:t>
+                      </a:r>
+                      <a:endParaRPr lang="en-US" sz="1100"/>
+                    </a:p>
+                  </a:txBody>
+                  <a:tcPr marL="95250" marR="95250" marT="95250" marB="95250" anchor="ctr">
+                    <a:lnL cmpd="sng" algn="ctr" cap="flat" w="0">
+                      <a:solidFill>
+                        <a:srgbClr val="233149"/>
+                      </a:solidFill>
+                      <a:prstDash val="solid"/>
+                      <a:round/>
+                      <a:headEnd type="none" w="med" len="med"/>
+                      <a:tailEnd type="none" w="med" len="med"/>
+                    </a:lnL>
+                    <a:lnR cmpd="sng" algn="ctr" cap="flat" w="0">
+                      <a:solidFill>
+                        <a:srgbClr val="233149"/>
+                      </a:solidFill>
+                      <a:prstDash val="solid"/>
+                      <a:round/>
+                      <a:headEnd type="none" w="med" len="med"/>
+                      <a:tailEnd type="none" w="med" len="med"/>
+                    </a:lnR>
+                    <a:lnT cmpd="sng" algn="ctr" cap="flat" w="9525">
+                      <a:solidFill>
+                        <a:srgbClr val="233149"/>
+                      </a:solidFill>
+                      <a:prstDash val="solid"/>
+                      <a:round/>
+                      <a:headEnd type="none" w="med" len="med"/>
+                      <a:tailEnd type="none" w="med" len="med"/>
+                    </a:lnT>
+                    <a:lnB cmpd="sng" algn="ctr" cap="flat" w="9525">
+                      <a:solidFill>
+                        <a:srgbClr val="233149"/>
+                      </a:solidFill>
+                      <a:prstDash val="solid"/>
+                      <a:round/>
+                      <a:headEnd type="none" w="med" len="med"/>
+                      <a:tailEnd type="none" w="med" len="med"/>
+                    </a:lnB>
+                  </a:tcPr>
+                </a:tc>
+                <a:tc>
+                  <a:txBody>
+                    <a:bodyPr anchor="t" rtlCol="false"/>
+                    <a:lstStyle/>
+                    <a:p>
+                      <a:pPr algn="l">
+                        <a:lnSpc>
+                          <a:spcPts val="2520"/>
+                        </a:lnSpc>
+                        <a:defRPr/>
+                      </a:pPr>
+                      <a:r>
+                        <a:rPr lang="en-US" sz="1800">
+                          <a:solidFill>
+                            <a:srgbClr val="000000"/>
+                          </a:solidFill>
+                          <a:latin typeface="Agrandir"/>
+                          <a:ea typeface="Agrandir"/>
+                          <a:cs typeface="Agrandir"/>
+                          <a:sym typeface="Agrandir"/>
+                        </a:rPr>
+                        <a:t>Drivers arquitectónicos</a:t>
+                      </a:r>
+                      <a:endParaRPr lang="en-US" sz="1100"/>
+                    </a:p>
+                  </a:txBody>
+                  <a:tcPr marL="95250" marR="95250" marT="95250" marB="95250" anchor="ctr">
+                    <a:lnL cmpd="sng" algn="ctr" cap="flat" w="0">
+                      <a:solidFill>
+                        <a:srgbClr val="233149"/>
+                      </a:solidFill>
+                      <a:prstDash val="solid"/>
+                      <a:round/>
+                      <a:headEnd type="none" w="med" len="med"/>
+                      <a:tailEnd type="none" w="med" len="med"/>
+                    </a:lnL>
+                    <a:lnR cmpd="sng" algn="ctr" cap="flat" w="0">
+                      <a:solidFill>
+                        <a:srgbClr val="233149"/>
+                      </a:solidFill>
+                      <a:prstDash val="solid"/>
+                      <a:round/>
+                      <a:headEnd type="none" w="med" len="med"/>
+                      <a:tailEnd type="none" w="med" len="med"/>
+                    </a:lnR>
+                    <a:lnT cmpd="sng" algn="ctr" cap="flat" w="9525">
+                      <a:solidFill>
+                        <a:srgbClr val="233149"/>
+                      </a:solidFill>
+                      <a:prstDash val="solid"/>
+                      <a:round/>
+                      <a:headEnd type="none" w="med" len="med"/>
+                      <a:tailEnd type="none" w="med" len="med"/>
+                    </a:lnT>
+                    <a:lnB cmpd="sng" algn="ctr" cap="flat" w="9525">
+                      <a:solidFill>
+                        <a:srgbClr val="233149"/>
+                      </a:solidFill>
+                      <a:prstDash val="solid"/>
+                      <a:round/>
+                      <a:headEnd type="none" w="med" len="med"/>
+                      <a:tailEnd type="none" w="med" len="med"/>
+                    </a:lnB>
+                  </a:tcPr>
+                </a:tc>
+              </a:tr>
+              <a:tr h="791329">
+                <a:tc>
+                  <a:txBody>
+                    <a:bodyPr anchor="t" rtlCol="false"/>
+                    <a:lstStyle/>
+                    <a:p>
+                      <a:pPr algn="r">
+                        <a:lnSpc>
+                          <a:spcPts val="4200"/>
+                        </a:lnSpc>
+                        <a:defRPr/>
+                      </a:pPr>
+                      <a:r>
+                        <a:rPr lang="en-US" b="true" sz="3000" spc="303">
+                          <a:solidFill>
+                            <a:srgbClr val="1C6CD8"/>
+                          </a:solidFill>
+                          <a:latin typeface="Agrandir Ultra-Bold"/>
+                          <a:ea typeface="Agrandir Ultra-Bold"/>
+                          <a:cs typeface="Agrandir Ultra-Bold"/>
+                          <a:sym typeface="Agrandir Ultra-Bold"/>
+                        </a:rPr>
+                        <a:t>08</a:t>
                       </a:r>
                       <a:endParaRPr lang="en-US" sz="1100"/>
                     </a:p>
@@ -7243,7 +7536,7 @@
                   </a:tcPr>
                 </a:tc>
               </a:tr>
-              <a:tr h="791462">
+              <a:tr h="791329">
                 <a:tc>
                   <a:txBody>
                     <a:bodyPr anchor="t" rtlCol="false"/>
@@ -7265,7 +7558,7 @@
                           <a:cs typeface="Agrandir Ultra-Bold"/>
                           <a:sym typeface="Agrandir Ultra-Bold"/>
                         </a:rPr>
-                        <a:t>07</a:t>
+                        <a:t>09</a:t>
                       </a:r>
                       <a:endParaRPr lang="en-US" sz="1100"/>
                     </a:p>
@@ -7375,7 +7668,7 @@
                   </a:tcPr>
                 </a:tc>
               </a:tr>
-              <a:tr h="872900">
+              <a:tr h="872754">
                 <a:tc>
                   <a:txBody>
                     <a:bodyPr anchor="t" rtlCol="false"/>
@@ -7397,7 +7690,7 @@
                           <a:cs typeface="Agrandir Ultra-Bold"/>
                           <a:sym typeface="Agrandir Ultra-Bold"/>
                         </a:rPr>
-                        <a:t>08</a:t>
+                        <a:t>10</a:t>
                       </a:r>
                       <a:endParaRPr lang="en-US" sz="1100"/>
                     </a:p>
@@ -7507,7 +7800,7 @@
                   </a:tcPr>
                 </a:tc>
               </a:tr>
-              <a:tr h="872900">
+              <a:tr h="872754">
                 <a:tc>
                   <a:txBody>
                     <a:bodyPr anchor="t" rtlCol="false"/>
@@ -7529,7 +7822,7 @@
                           <a:cs typeface="Agrandir Ultra-Bold"/>
                           <a:sym typeface="Agrandir Ultra-Bold"/>
                         </a:rPr>
-                        <a:t>09</a:t>
+                        <a:t>11</a:t>
                       </a:r>
                       <a:endParaRPr lang="en-US" sz="1100"/>
                     </a:p>
@@ -7639,7 +7932,7 @@
                   </a:tcPr>
                 </a:tc>
               </a:tr>
-              <a:tr h="872900">
+              <a:tr h="872754">
                 <a:tc>
                   <a:txBody>
                     <a:bodyPr anchor="t" rtlCol="false"/>
@@ -7661,7 +7954,7 @@
                           <a:cs typeface="Agrandir Ultra-Bold"/>
                           <a:sym typeface="Agrandir Ultra-Bold"/>
                         </a:rPr>
-                        <a:t>010</a:t>
+                        <a:t>12</a:t>
                       </a:r>
                       <a:endParaRPr lang="en-US" sz="1100"/>
                     </a:p>
@@ -7782,8 +8075,8 @@
           <p:nvPr/>
         </p:nvSpPr>
         <p:spPr>
-          <a:xfrm rot="0">
-            <a:off x="1438892" y="492683"/>
+          <a:xfrm rot="-5337040">
+            <a:off x="-1162852" y="4221455"/>
             <a:ext cx="6750028" cy="657860"/>
           </a:xfrm>
           <a:prstGeom prst="rect">
@@ -7804,6 +8097,18 @@
                 <a:spcPct val="0"/>
               </a:spcBef>
             </a:pPr>
+            <a:r>
+              <a:rPr lang="en-US" b="true" sz="3999">
+                <a:solidFill>
+                  <a:srgbClr val="1C6CD8"/>
+                </a:solidFill>
+                <a:latin typeface="Agrandir Ultra-Bold"/>
+                <a:ea typeface="Agrandir Ultra-Bold"/>
+                <a:cs typeface="Agrandir Ultra-Bold"/>
+                <a:sym typeface="Agrandir Ultra-Bold"/>
+              </a:rPr>
+              <a:t>Tabla de </a:t>
+            </a:r>
             <a:r>
               <a:rPr lang="en-US" b="true" sz="3999" strike="noStrike" u="none">
                 <a:solidFill>
@@ -7852,7 +8157,304 @@
         </p:nvGrpSpPr>
         <p:grpSpPr>
           <a:xfrm rot="0">
-            <a:off x="7533292" y="-5994975"/>
+            <a:off x="8963211" y="-5041497"/>
+            <a:ext cx="10820143" cy="9031933"/>
+            <a:chOff x="0" y="0"/>
+            <a:chExt cx="812800" cy="678471"/>
+          </a:xfrm>
+        </p:grpSpPr>
+        <p:sp>
+          <p:nvSpPr>
+            <p:cNvPr name="Freeform 3" id="3"/>
+            <p:cNvSpPr/>
+            <p:nvPr/>
+          </p:nvSpPr>
+          <p:spPr>
+            <a:xfrm flipH="false" flipV="false" rot="0">
+              <a:off x="0" y="0"/>
+              <a:ext cx="812800" cy="678471"/>
+            </a:xfrm>
+            <a:custGeom>
+              <a:avLst/>
+              <a:gdLst/>
+              <a:ahLst/>
+              <a:cxnLst/>
+              <a:rect r="r" b="b" t="t" l="l"/>
+              <a:pathLst>
+                <a:path h="678471" w="812800">
+                  <a:moveTo>
+                    <a:pt x="406400" y="0"/>
+                  </a:moveTo>
+                  <a:cubicBezTo>
+                    <a:pt x="181951" y="0"/>
+                    <a:pt x="0" y="151881"/>
+                    <a:pt x="0" y="339236"/>
+                  </a:cubicBezTo>
+                  <a:cubicBezTo>
+                    <a:pt x="0" y="526590"/>
+                    <a:pt x="181951" y="678471"/>
+                    <a:pt x="406400" y="678471"/>
+                  </a:cubicBezTo>
+                  <a:cubicBezTo>
+                    <a:pt x="630849" y="678471"/>
+                    <a:pt x="812800" y="526590"/>
+                    <a:pt x="812800" y="339236"/>
+                  </a:cubicBezTo>
+                  <a:cubicBezTo>
+                    <a:pt x="812800" y="151881"/>
+                    <a:pt x="630849" y="0"/>
+                    <a:pt x="406400" y="0"/>
+                  </a:cubicBezTo>
+                  <a:close/>
+                </a:path>
+              </a:pathLst>
+            </a:custGeom>
+            <a:solidFill>
+              <a:srgbClr val="1C6CD8"/>
+            </a:solidFill>
+          </p:spPr>
+        </p:sp>
+        <p:sp>
+          <p:nvSpPr>
+            <p:cNvPr name="TextBox 4" id="4"/>
+            <p:cNvSpPr txBox="true"/>
+            <p:nvPr/>
+          </p:nvSpPr>
+          <p:spPr>
+            <a:xfrm>
+              <a:off x="76200" y="25507"/>
+              <a:ext cx="660400" cy="589358"/>
+            </a:xfrm>
+            <a:prstGeom prst="rect">
+              <a:avLst/>
+            </a:prstGeom>
+          </p:spPr>
+          <p:txBody>
+            <a:bodyPr anchor="ctr" rtlCol="false" tIns="50800" lIns="50800" bIns="50800" rIns="50800"/>
+            <a:lstStyle/>
+            <a:p>
+              <a:pPr algn="ctr">
+                <a:lnSpc>
+                  <a:spcPts val="2659"/>
+                </a:lnSpc>
+                <a:spcBef>
+                  <a:spcPct val="0"/>
+                </a:spcBef>
+              </a:pPr>
+            </a:p>
+          </p:txBody>
+        </p:sp>
+      </p:grpSp>
+      <p:sp>
+        <p:nvSpPr>
+          <p:cNvPr name="Freeform 5" id="5"/>
+          <p:cNvSpPr/>
+          <p:nvPr/>
+        </p:nvSpPr>
+        <p:spPr>
+          <a:xfrm flipH="false" flipV="false" rot="0">
+            <a:off x="604425" y="130937"/>
+            <a:ext cx="7681164" cy="10293017"/>
+          </a:xfrm>
+          <a:custGeom>
+            <a:avLst/>
+            <a:gdLst/>
+            <a:ahLst/>
+            <a:cxnLst/>
+            <a:rect r="r" b="b" t="t" l="l"/>
+            <a:pathLst>
+              <a:path h="10293017" w="7681164">
+                <a:moveTo>
+                  <a:pt x="0" y="0"/>
+                </a:moveTo>
+                <a:lnTo>
+                  <a:pt x="7681165" y="0"/>
+                </a:lnTo>
+                <a:lnTo>
+                  <a:pt x="7681165" y="10293017"/>
+                </a:lnTo>
+                <a:lnTo>
+                  <a:pt x="0" y="10293017"/>
+                </a:lnTo>
+                <a:lnTo>
+                  <a:pt x="0" y="0"/>
+                </a:lnTo>
+                <a:close/>
+              </a:path>
+            </a:pathLst>
+          </a:custGeom>
+          <a:blipFill>
+            <a:blip r:embed="rId2"/>
+            <a:stretch>
+              <a:fillRect l="0" t="0" r="0" b="0"/>
+            </a:stretch>
+          </a:blipFill>
+        </p:spPr>
+      </p:sp>
+      <p:sp>
+        <p:nvSpPr>
+          <p:cNvPr name="TextBox 6" id="6"/>
+          <p:cNvSpPr txBox="true"/>
+          <p:nvPr/>
+        </p:nvSpPr>
+        <p:spPr>
+          <a:xfrm rot="0">
+            <a:off x="10919110" y="45212"/>
+            <a:ext cx="8571864" cy="1052576"/>
+          </a:xfrm>
+          <a:prstGeom prst="rect">
+            <a:avLst/>
+          </a:prstGeom>
+        </p:spPr>
+        <p:txBody>
+          <a:bodyPr anchor="t" rtlCol="false" tIns="0" lIns="0" bIns="0" rIns="0">
+            <a:spAutoFit/>
+          </a:bodyPr>
+          <a:lstStyle/>
+          <a:p>
+            <a:pPr algn="l" marL="0" indent="0" lvl="0">
+              <a:lnSpc>
+                <a:spcPts val="6591"/>
+              </a:lnSpc>
+              <a:spcBef>
+                <a:spcPct val="0"/>
+              </a:spcBef>
+            </a:pPr>
+            <a:r>
+              <a:rPr lang="en-US" b="true" sz="6399">
+                <a:solidFill>
+                  <a:srgbClr val="FFFFFF"/>
+                </a:solidFill>
+                <a:latin typeface="Agrandir Ultra-Bold"/>
+                <a:ea typeface="Agrandir Ultra-Bold"/>
+                <a:cs typeface="Agrandir Ultra-Bold"/>
+                <a:sym typeface="Agrandir Ultra-Bold"/>
+              </a:rPr>
+              <a:t>vista lógica</a:t>
+            </a:r>
+          </a:p>
+        </p:txBody>
+      </p:sp>
+      <p:sp>
+        <p:nvSpPr>
+          <p:cNvPr name="TextBox 7" id="7"/>
+          <p:cNvSpPr txBox="true"/>
+          <p:nvPr/>
+        </p:nvSpPr>
+        <p:spPr>
+          <a:xfrm rot="0">
+            <a:off x="8644162" y="4462619"/>
+            <a:ext cx="8985196" cy="3751834"/>
+          </a:xfrm>
+          <a:prstGeom prst="rect">
+            <a:avLst/>
+          </a:prstGeom>
+        </p:spPr>
+        <p:txBody>
+          <a:bodyPr anchor="t" rtlCol="false" tIns="0" lIns="0" bIns="0" rIns="0">
+            <a:spAutoFit/>
+          </a:bodyPr>
+          <a:lstStyle/>
+          <a:p>
+            <a:pPr algn="l">
+              <a:lnSpc>
+                <a:spcPts val="2677"/>
+              </a:lnSpc>
+              <a:spcBef>
+                <a:spcPct val="0"/>
+              </a:spcBef>
+            </a:pPr>
+            <a:r>
+              <a:rPr lang="en-US" b="true" sz="2599">
+                <a:solidFill>
+                  <a:srgbClr val="000000"/>
+                </a:solidFill>
+                <a:latin typeface="Agrandir Bold"/>
+                <a:ea typeface="Agrandir Bold"/>
+                <a:cs typeface="Agrandir Bold"/>
+                <a:sym typeface="Agrandir Bold"/>
+              </a:rPr>
+              <a:t>Diagrama de actividades Escenario 2</a:t>
+            </a:r>
+          </a:p>
+          <a:p>
+            <a:pPr algn="ctr">
+              <a:lnSpc>
+                <a:spcPts val="2677"/>
+              </a:lnSpc>
+              <a:spcBef>
+                <a:spcPct val="0"/>
+              </a:spcBef>
+            </a:pPr>
+          </a:p>
+          <a:p>
+            <a:pPr algn="l">
+              <a:lnSpc>
+                <a:spcPts val="2677"/>
+              </a:lnSpc>
+              <a:spcBef>
+                <a:spcPct val="0"/>
+              </a:spcBef>
+            </a:pPr>
+            <a:r>
+              <a:rPr lang="en-US" sz="2599">
+                <a:solidFill>
+                  <a:srgbClr val="000000"/>
+                </a:solidFill>
+                <a:latin typeface="Agrandir"/>
+                <a:ea typeface="Agrandir"/>
+                <a:cs typeface="Agrandir"/>
+                <a:sym typeface="Agrandir"/>
+              </a:rPr>
+              <a:t>El proceso de limpieza en "Cuarto con Vista" coordina al Sistema, el Personal de Limpieza y el Recepcionista. Inicia tras el check-out, cuando el sistema asigna tareas según reservas futuras. El personal recibe la notificación, limpia la habitación y reporta anomalías si las hay. Al finalizar, se actualiza el estado de la habitación, permitiendo al recepcionista gestionarla sin demoras, garantizando eficiencia y una mejor experiencia para el huésped.</a:t>
+            </a:r>
+          </a:p>
+          <a:p>
+            <a:pPr algn="l">
+              <a:lnSpc>
+                <a:spcPts val="2677"/>
+              </a:lnSpc>
+              <a:spcBef>
+                <a:spcPct val="0"/>
+              </a:spcBef>
+            </a:pPr>
+          </a:p>
+        </p:txBody>
+      </p:sp>
+    </p:spTree>
+  </p:cSld>
+  <p:clrMapOvr>
+    <a:masterClrMapping/>
+  </p:clrMapOvr>
+</p:sld>
+</file>
+
+<file path=ppt/slides/slide21.xml><?xml version="1.0" encoding="utf-8"?>
+<p:sld xmlns:p="http://schemas.openxmlformats.org/presentationml/2006/main" xmlns:a="http://schemas.openxmlformats.org/drawingml/2006/main" xmlns:r="http://schemas.openxmlformats.org/officeDocument/2006/relationships">
+  <p:cSld>
+    <p:spTree>
+      <p:nvGrpSpPr>
+        <p:cNvPr id="1" name=""/>
+        <p:cNvGrpSpPr/>
+        <p:nvPr/>
+      </p:nvGrpSpPr>
+      <p:grpSpPr>
+        <a:xfrm>
+          <a:off x="0" y="0"/>
+          <a:ext cx="0" cy="0"/>
+          <a:chOff x="0" y="0"/>
+          <a:chExt cx="0" cy="0"/>
+        </a:xfrm>
+      </p:grpSpPr>
+      <p:grpSp>
+        <p:nvGrpSpPr>
+          <p:cNvPr name="Group 2" id="2"/>
+          <p:cNvGrpSpPr/>
+          <p:nvPr/>
+        </p:nvGrpSpPr>
+        <p:grpSpPr>
+          <a:xfrm rot="0">
+            <a:off x="6813734" y="-5994975"/>
             <a:ext cx="11874818" cy="8379480"/>
             <a:chOff x="0" y="0"/>
             <a:chExt cx="812800" cy="573553"/>
@@ -7942,65 +8544,13 @@
       </p:grpSp>
       <p:sp>
         <p:nvSpPr>
-          <p:cNvPr name="Freeform 5" id="5"/>
-          <p:cNvSpPr/>
-          <p:nvPr/>
-        </p:nvSpPr>
-        <p:spPr>
-          <a:xfrm flipH="false" flipV="false" rot="0">
-            <a:off x="772324" y="148627"/>
-            <a:ext cx="7023516" cy="9687609"/>
-          </a:xfrm>
-          <a:custGeom>
-            <a:avLst/>
-            <a:gdLst/>
-            <a:ahLst/>
-            <a:cxnLst/>
-            <a:rect r="r" b="b" t="t" l="l"/>
-            <a:pathLst>
-              <a:path h="9687609" w="7023516">
-                <a:moveTo>
-                  <a:pt x="0" y="0"/>
-                </a:moveTo>
-                <a:lnTo>
-                  <a:pt x="7023516" y="0"/>
-                </a:lnTo>
-                <a:lnTo>
-                  <a:pt x="7023516" y="9687609"/>
-                </a:lnTo>
-                <a:lnTo>
-                  <a:pt x="0" y="9687609"/>
-                </a:lnTo>
-                <a:lnTo>
-                  <a:pt x="0" y="0"/>
-                </a:lnTo>
-                <a:close/>
-              </a:path>
-            </a:pathLst>
-          </a:custGeom>
-          <a:blipFill>
-            <a:blip r:embed="rId2">
-              <a:extLst>
-                <a:ext uri="{96DAC541-7B7A-43D3-8B79-37D633B846F1}">
-                  <asvg:svgBlip xmlns:asvg="http://schemas.microsoft.com/office/drawing/2016/SVG/main" r:embed="rId3"/>
-                </a:ext>
-              </a:extLst>
-            </a:blip>
-            <a:stretch>
-              <a:fillRect l="0" t="0" r="0" b="0"/>
-            </a:stretch>
-          </a:blipFill>
-        </p:spPr>
-      </p:sp>
-      <p:sp>
-        <p:nvSpPr>
-          <p:cNvPr name="TextBox 6" id="6"/>
+          <p:cNvPr name="TextBox 5" id="5"/>
           <p:cNvSpPr txBox="true"/>
           <p:nvPr/>
         </p:nvSpPr>
         <p:spPr>
           <a:xfrm rot="0">
-            <a:off x="9420990" y="334976"/>
+            <a:off x="8619197" y="-76200"/>
             <a:ext cx="10302391" cy="921004"/>
           </a:xfrm>
           <a:prstGeom prst="rect">
@@ -8031,21 +8581,21 @@
                 <a:cs typeface="Agrandir Ultra-Bold"/>
                 <a:sym typeface="Agrandir Ultra-Bold"/>
               </a:rPr>
-              <a:t>Vista de Procesos</a:t>
+              <a:t>vista lógica</a:t>
             </a:r>
           </a:p>
         </p:txBody>
       </p:sp>
       <p:sp>
         <p:nvSpPr>
-          <p:cNvPr name="TextBox 7" id="7"/>
+          <p:cNvPr name="TextBox 6" id="6"/>
           <p:cNvSpPr txBox="true"/>
           <p:nvPr/>
         </p:nvSpPr>
         <p:spPr>
           <a:xfrm rot="0">
-            <a:off x="9413051" y="3375977"/>
-            <a:ext cx="8115300" cy="3887470"/>
+            <a:off x="2090966" y="1422781"/>
+            <a:ext cx="4915049" cy="372745"/>
           </a:xfrm>
           <a:prstGeom prst="rect">
             <a:avLst/>
@@ -8057,72 +8607,6 @@
           </a:bodyPr>
           <a:lstStyle/>
           <a:p>
-            <a:pPr algn="l">
-              <a:lnSpc>
-                <a:spcPts val="3079"/>
-              </a:lnSpc>
-              <a:spcBef>
-                <a:spcPct val="0"/>
-              </a:spcBef>
-            </a:pPr>
-            <a:r>
-              <a:rPr lang="en-US" sz="2199">
-                <a:solidFill>
-                  <a:srgbClr val="000000"/>
-                </a:solidFill>
-                <a:latin typeface="Open Sans"/>
-                <a:ea typeface="Open Sans"/>
-                <a:cs typeface="Open Sans"/>
-                <a:sym typeface="Open Sans"/>
-              </a:rPr>
-              <a:t>Est</a:t>
-            </a:r>
-            <a:r>
-              <a:rPr lang="en-US" sz="2199">
-                <a:solidFill>
-                  <a:srgbClr val="000000"/>
-                </a:solidFill>
-                <a:latin typeface="Open Sans"/>
-                <a:ea typeface="Open Sans"/>
-                <a:cs typeface="Open Sans"/>
-                <a:sym typeface="Open Sans"/>
-              </a:rPr>
-              <a:t>a vista representa los principales flujos de interacción entre los actores del sistema de reservas del hotel "Cuarto con vista". A través del diagrama de secuencia se detallan procesos clave como la consulta, selección y reserva de habitaciones por parte de los huéspedes, así como la gestión interna de limpieza tras el checkout. El sistema está orientado a resorts de lujo y spas, optimizado para atender a cientos de huéspedes con una operación eficiente por parte de menos de 20 empleados. </a:t>
-            </a:r>
-          </a:p>
-          <a:p>
-            <a:pPr algn="ctr">
-              <a:lnSpc>
-                <a:spcPts val="3079"/>
-              </a:lnSpc>
-              <a:spcBef>
-                <a:spcPct val="0"/>
-              </a:spcBef>
-            </a:pPr>
-          </a:p>
-        </p:txBody>
-      </p:sp>
-      <p:sp>
-        <p:nvSpPr>
-          <p:cNvPr name="TextBox 8" id="8"/>
-          <p:cNvSpPr txBox="true"/>
-          <p:nvPr/>
-        </p:nvSpPr>
-        <p:spPr>
-          <a:xfrm rot="0">
-            <a:off x="9413051" y="8254048"/>
-            <a:ext cx="3236788" cy="372745"/>
-          </a:xfrm>
-          <a:prstGeom prst="rect">
-            <a:avLst/>
-          </a:prstGeom>
-        </p:spPr>
-        <p:txBody>
-          <a:bodyPr anchor="t" rtlCol="false" tIns="0" lIns="0" bIns="0" rIns="0">
-            <a:spAutoFit/>
-          </a:bodyPr>
-          <a:lstStyle/>
-          <a:p>
             <a:pPr algn="ctr">
               <a:lnSpc>
                 <a:spcPts val="3079"/>
@@ -8141,11 +8625,49 @@
                 <a:cs typeface="Open Sans Bold"/>
                 <a:sym typeface="Open Sans Bold"/>
               </a:rPr>
-              <a:t>Diagrama de Secuencia</a:t>
+              <a:t>Catálogo de Elementos y relaciones</a:t>
             </a:r>
           </a:p>
         </p:txBody>
       </p:sp>
+      <p:graphicFrame>
+        <p:nvGraphicFramePr>
+          <p:cNvPr name="Object 7" id="7"/>
+          <p:cNvGraphicFramePr/>
+          <p:nvPr/>
+        </p:nvGraphicFramePr>
+        <p:xfrm>
+          <a:off x="863469" y="3003630"/>
+          <a:ext cx="3771900" cy="4610100"/>
+        </p:xfrm>
+        <a:graphic>
+          <a:graphicData uri="http://schemas.openxmlformats.org/presentationml/2006/ole">
+            <p:oleObj imgW="4686300" imgH="5524500" r:id="rId3" progId="Excel.Sheet.12" name="Worksheet">
+              <p:embed/>
+              <p:pic>
+                <p:nvPicPr>
+                  <p:cNvPr name="" id="0"/>
+                  <p:cNvPicPr/>
+                  <p:nvPr/>
+                </p:nvPicPr>
+                <p:blipFill>
+                  <a:blip r:embed="rId2"/>
+                  <a:stretch>
+                    <a:fillRect/>
+                  </a:stretch>
+                </p:blipFill>
+                <p:spPr>
+                  <a:xfrm>
+                    <a:off x="1270000" y="1270000"/>
+                    <a:ext cx="1270000" cy="1270000"/>
+                  </a:xfrm>
+                  <a:prstGeom prst="rect"/>
+                </p:spPr>
+              </p:pic>
+            </p:oleObj>
+          </a:graphicData>
+        </a:graphic>
+      </p:graphicFrame>
     </p:spTree>
   </p:cSld>
   <p:clrMapOvr>
@@ -8154,7 +8676,7 @@
 </p:sld>
 </file>
 
-<file path=ppt/slides/slide21.xml><?xml version="1.0" encoding="utf-8"?>
+<file path=ppt/slides/slide22.xml><?xml version="1.0" encoding="utf-8"?>
 <p:sld xmlns:p="http://schemas.openxmlformats.org/presentationml/2006/main" xmlns:a="http://schemas.openxmlformats.org/drawingml/2006/main" xmlns:r="http://schemas.openxmlformats.org/officeDocument/2006/relationships">
   <p:cSld>
     <p:spTree>
@@ -8179,7 +8701,7 @@
         </p:nvGrpSpPr>
         <p:grpSpPr>
           <a:xfrm rot="0">
-            <a:off x="6813734" y="-5994975"/>
+            <a:off x="7533292" y="-5994975"/>
             <a:ext cx="11874818" cy="8379480"/>
             <a:chOff x="0" y="0"/>
             <a:chExt cx="812800" cy="573553"/>
@@ -8269,13 +8791,59 @@
       </p:grpSp>
       <p:sp>
         <p:nvSpPr>
-          <p:cNvPr name="TextBox 5" id="5"/>
+          <p:cNvPr name="Freeform 5" id="5"/>
+          <p:cNvSpPr/>
+          <p:nvPr/>
+        </p:nvSpPr>
+        <p:spPr>
+          <a:xfrm flipH="false" flipV="false" rot="0">
+            <a:off x="418726" y="486212"/>
+            <a:ext cx="8096401" cy="9314575"/>
+          </a:xfrm>
+          <a:custGeom>
+            <a:avLst/>
+            <a:gdLst/>
+            <a:ahLst/>
+            <a:cxnLst/>
+            <a:rect r="r" b="b" t="t" l="l"/>
+            <a:pathLst>
+              <a:path h="9314575" w="8096401">
+                <a:moveTo>
+                  <a:pt x="0" y="0"/>
+                </a:moveTo>
+                <a:lnTo>
+                  <a:pt x="8096401" y="0"/>
+                </a:lnTo>
+                <a:lnTo>
+                  <a:pt x="8096401" y="9314576"/>
+                </a:lnTo>
+                <a:lnTo>
+                  <a:pt x="0" y="9314576"/>
+                </a:lnTo>
+                <a:lnTo>
+                  <a:pt x="0" y="0"/>
+                </a:lnTo>
+                <a:close/>
+              </a:path>
+            </a:pathLst>
+          </a:custGeom>
+          <a:blipFill>
+            <a:blip r:embed="rId2"/>
+            <a:stretch>
+              <a:fillRect l="0" t="0" r="0" b="0"/>
+            </a:stretch>
+          </a:blipFill>
+        </p:spPr>
+      </p:sp>
+      <p:sp>
+        <p:nvSpPr>
+          <p:cNvPr name="TextBox 6" id="6"/>
           <p:cNvSpPr txBox="true"/>
           <p:nvPr/>
         </p:nvSpPr>
         <p:spPr>
           <a:xfrm rot="0">
-            <a:off x="8619197" y="-76200"/>
+            <a:off x="9420990" y="334976"/>
             <a:ext cx="10302391" cy="921004"/>
           </a:xfrm>
           <a:prstGeom prst="rect">
@@ -8306,21 +8874,21 @@
                 <a:cs typeface="Agrandir Ultra-Bold"/>
                 <a:sym typeface="Agrandir Ultra-Bold"/>
               </a:rPr>
-              <a:t>Vista de Procesos</a:t>
+              <a:t>vista de componentes</a:t>
             </a:r>
           </a:p>
         </p:txBody>
       </p:sp>
       <p:sp>
         <p:nvSpPr>
-          <p:cNvPr name="TextBox 6" id="6"/>
+          <p:cNvPr name="TextBox 7" id="7"/>
           <p:cNvSpPr txBox="true"/>
           <p:nvPr/>
         </p:nvSpPr>
         <p:spPr>
           <a:xfrm rot="0">
-            <a:off x="2090966" y="1422781"/>
-            <a:ext cx="4915049" cy="372745"/>
+            <a:off x="9413051" y="3375977"/>
+            <a:ext cx="8115300" cy="3496945"/>
           </a:xfrm>
           <a:prstGeom prst="rect">
             <a:avLst/>
@@ -8332,6 +8900,94 @@
           </a:bodyPr>
           <a:lstStyle/>
           <a:p>
+            <a:pPr algn="l">
+              <a:lnSpc>
+                <a:spcPts val="3079"/>
+              </a:lnSpc>
+              <a:spcBef>
+                <a:spcPct val="0"/>
+              </a:spcBef>
+            </a:pPr>
+            <a:r>
+              <a:rPr lang="en-US" sz="2199">
+                <a:solidFill>
+                  <a:srgbClr val="000000"/>
+                </a:solidFill>
+                <a:latin typeface="Open Sans"/>
+                <a:ea typeface="Open Sans"/>
+                <a:cs typeface="Open Sans"/>
+                <a:sym typeface="Open Sans"/>
+              </a:rPr>
+              <a:t>Est</a:t>
+            </a:r>
+            <a:r>
+              <a:rPr lang="en-US" sz="2199">
+                <a:solidFill>
+                  <a:srgbClr val="000000"/>
+                </a:solidFill>
+                <a:latin typeface="Open Sans"/>
+                <a:ea typeface="Open Sans"/>
+                <a:cs typeface="Open Sans"/>
+                <a:sym typeface="Open Sans"/>
+              </a:rPr>
+              <a:t>a vista refleja la organización física del software, mostrando como los distintos componentes como microservicios se interconectan. </a:t>
+            </a:r>
+          </a:p>
+          <a:p>
+            <a:pPr algn="l">
+              <a:lnSpc>
+                <a:spcPts val="3079"/>
+              </a:lnSpc>
+              <a:spcBef>
+                <a:spcPct val="0"/>
+              </a:spcBef>
+            </a:pPr>
+            <a:r>
+              <a:rPr lang="en-US" sz="2199">
+                <a:solidFill>
+                  <a:srgbClr val="000000"/>
+                </a:solidFill>
+                <a:latin typeface="Open Sans"/>
+                <a:ea typeface="Open Sans"/>
+                <a:cs typeface="Open Sans"/>
+                <a:sym typeface="Open Sans"/>
+              </a:rPr>
+              <a:t>Este diagrama representa la arquitectura de una solución basada en microservicios, en donde los distintos servicios se comunican entre sí y con servicios externos mediante un API Gateway. El front (web/móvil o dispositivo de limpieza) se comunica con el backend a través del gateway </a:t>
+            </a:r>
+          </a:p>
+          <a:p>
+            <a:pPr algn="ctr">
+              <a:lnSpc>
+                <a:spcPts val="3079"/>
+              </a:lnSpc>
+              <a:spcBef>
+                <a:spcPct val="0"/>
+              </a:spcBef>
+            </a:pPr>
+          </a:p>
+        </p:txBody>
+      </p:sp>
+      <p:sp>
+        <p:nvSpPr>
+          <p:cNvPr name="TextBox 8" id="8"/>
+          <p:cNvSpPr txBox="true"/>
+          <p:nvPr/>
+        </p:nvSpPr>
+        <p:spPr>
+          <a:xfrm rot="0">
+            <a:off x="9730308" y="8001591"/>
+            <a:ext cx="3742432" cy="372745"/>
+          </a:xfrm>
+          <a:prstGeom prst="rect">
+            <a:avLst/>
+          </a:prstGeom>
+        </p:spPr>
+        <p:txBody>
+          <a:bodyPr anchor="t" rtlCol="false" tIns="0" lIns="0" bIns="0" rIns="0">
+            <a:spAutoFit/>
+          </a:bodyPr>
+          <a:lstStyle/>
+          <a:p>
             <a:pPr algn="ctr">
               <a:lnSpc>
                 <a:spcPts val="3079"/>
@@ -8350,49 +9006,11 @@
                 <a:cs typeface="Open Sans Bold"/>
                 <a:sym typeface="Open Sans Bold"/>
               </a:rPr>
-              <a:t>Catálogo de Elementos y relaciones</a:t>
+              <a:t>Diagrama de componentes</a:t>
             </a:r>
           </a:p>
         </p:txBody>
       </p:sp>
-      <p:graphicFrame>
-        <p:nvGraphicFramePr>
-          <p:cNvPr name="Object 7" id="7"/>
-          <p:cNvGraphicFramePr/>
-          <p:nvPr/>
-        </p:nvGraphicFramePr>
-        <p:xfrm>
-          <a:off x="1573547" y="2715807"/>
-          <a:ext cx="3771900" cy="4191000"/>
-        </p:xfrm>
-        <a:graphic>
-          <a:graphicData uri="http://schemas.openxmlformats.org/presentationml/2006/ole">
-            <p:oleObj imgW="4610100" imgH="5029200" r:id="rId3" progId="Excel.Sheet.12" name="Worksheet">
-              <p:embed/>
-              <p:pic>
-                <p:nvPicPr>
-                  <p:cNvPr name="" id="0"/>
-                  <p:cNvPicPr/>
-                  <p:nvPr/>
-                </p:nvPicPr>
-                <p:blipFill>
-                  <a:blip r:embed="rId2"/>
-                  <a:stretch>
-                    <a:fillRect/>
-                  </a:stretch>
-                </p:blipFill>
-                <p:spPr>
-                  <a:xfrm>
-                    <a:off x="1270000" y="1270000"/>
-                    <a:ext cx="1270000" cy="1270000"/>
-                  </a:xfrm>
-                  <a:prstGeom prst="rect"/>
-                </p:spPr>
-              </p:pic>
-            </p:oleObj>
-          </a:graphicData>
-        </a:graphic>
-      </p:graphicFrame>
     </p:spTree>
   </p:cSld>
   <p:clrMapOvr>
@@ -8401,7 +9019,7 @@
 </p:sld>
 </file>
 
-<file path=ppt/slides/slide22.xml><?xml version="1.0" encoding="utf-8"?>
+<file path=ppt/slides/slide23.xml><?xml version="1.0" encoding="utf-8"?>
 <p:sld xmlns:p="http://schemas.openxmlformats.org/presentationml/2006/main" xmlns:a="http://schemas.openxmlformats.org/drawingml/2006/main" xmlns:r="http://schemas.openxmlformats.org/officeDocument/2006/relationships">
   <p:cSld>
     <p:spTree>
@@ -8426,7 +9044,7 @@
         </p:nvGrpSpPr>
         <p:grpSpPr>
           <a:xfrm rot="0">
-            <a:off x="7533292" y="-5994975"/>
+            <a:off x="6813734" y="-5994975"/>
             <a:ext cx="11874818" cy="8379480"/>
             <a:chOff x="0" y="0"/>
             <a:chExt cx="812800" cy="573553"/>
@@ -8516,59 +9134,13 @@
       </p:grpSp>
       <p:sp>
         <p:nvSpPr>
-          <p:cNvPr name="Freeform 5" id="5"/>
-          <p:cNvSpPr/>
-          <p:nvPr/>
-        </p:nvSpPr>
-        <p:spPr>
-          <a:xfrm flipH="false" flipV="false" rot="0">
-            <a:off x="1028700" y="2309093"/>
-            <a:ext cx="9752797" cy="5668813"/>
-          </a:xfrm>
-          <a:custGeom>
-            <a:avLst/>
-            <a:gdLst/>
-            <a:ahLst/>
-            <a:cxnLst/>
-            <a:rect r="r" b="b" t="t" l="l"/>
-            <a:pathLst>
-              <a:path h="5668813" w="9752797">
-                <a:moveTo>
-                  <a:pt x="0" y="0"/>
-                </a:moveTo>
-                <a:lnTo>
-                  <a:pt x="9752797" y="0"/>
-                </a:lnTo>
-                <a:lnTo>
-                  <a:pt x="9752797" y="5668814"/>
-                </a:lnTo>
-                <a:lnTo>
-                  <a:pt x="0" y="5668814"/>
-                </a:lnTo>
-                <a:lnTo>
-                  <a:pt x="0" y="0"/>
-                </a:lnTo>
-                <a:close/>
-              </a:path>
-            </a:pathLst>
-          </a:custGeom>
-          <a:blipFill>
-            <a:blip r:embed="rId2"/>
-            <a:stretch>
-              <a:fillRect l="0" t="0" r="0" b="0"/>
-            </a:stretch>
-          </a:blipFill>
-        </p:spPr>
-      </p:sp>
-      <p:sp>
-        <p:nvSpPr>
-          <p:cNvPr name="TextBox 6" id="6"/>
+          <p:cNvPr name="TextBox 5" id="5"/>
           <p:cNvSpPr txBox="true"/>
           <p:nvPr/>
         </p:nvSpPr>
         <p:spPr>
           <a:xfrm rot="0">
-            <a:off x="9420990" y="334976"/>
+            <a:off x="8619197" y="-76200"/>
             <a:ext cx="10302391" cy="921004"/>
           </a:xfrm>
           <a:prstGeom prst="rect">
@@ -8599,21 +9171,21 @@
                 <a:cs typeface="Agrandir Ultra-Bold"/>
                 <a:sym typeface="Agrandir Ultra-Bold"/>
               </a:rPr>
-              <a:t>Vista fisica</a:t>
+              <a:t>vista de componentes</a:t>
             </a:r>
           </a:p>
         </p:txBody>
       </p:sp>
       <p:sp>
         <p:nvSpPr>
-          <p:cNvPr name="TextBox 7" id="7"/>
+          <p:cNvPr name="TextBox 6" id="6"/>
           <p:cNvSpPr txBox="true"/>
           <p:nvPr/>
         </p:nvSpPr>
         <p:spPr>
           <a:xfrm rot="0">
-            <a:off x="9359510" y="8254048"/>
-            <a:ext cx="3343870" cy="372745"/>
+            <a:off x="2090966" y="1422781"/>
+            <a:ext cx="4915049" cy="372745"/>
           </a:xfrm>
           <a:prstGeom prst="rect">
             <a:avLst/>
@@ -8643,67 +9215,49 @@
                 <a:cs typeface="Open Sans Bold"/>
                 <a:sym typeface="Open Sans Bold"/>
               </a:rPr>
-              <a:t>Diagrama de despliegue</a:t>
+              <a:t>Catálogo de Elementos y relaciones</a:t>
             </a:r>
           </a:p>
         </p:txBody>
       </p:sp>
-      <p:sp>
-        <p:nvSpPr>
-          <p:cNvPr name="TextBox 8" id="8"/>
-          <p:cNvSpPr txBox="true"/>
+      <p:graphicFrame>
+        <p:nvGraphicFramePr>
+          <p:cNvPr name="Object 7" id="7"/>
+          <p:cNvGraphicFramePr/>
           <p:nvPr/>
-        </p:nvSpPr>
-        <p:spPr>
-          <a:xfrm rot="0">
-            <a:off x="11031445" y="2990894"/>
-            <a:ext cx="7256555" cy="4277995"/>
-          </a:xfrm>
-          <a:prstGeom prst="rect">
-            <a:avLst/>
-          </a:prstGeom>
-        </p:spPr>
-        <p:txBody>
-          <a:bodyPr anchor="t" rtlCol="false" tIns="0" lIns="0" bIns="0" rIns="0">
-            <a:spAutoFit/>
-          </a:bodyPr>
-          <a:lstStyle/>
-          <a:p>
-            <a:pPr algn="l">
-              <a:lnSpc>
-                <a:spcPts val="3079"/>
-              </a:lnSpc>
-              <a:spcBef>
-                <a:spcPct val="0"/>
-              </a:spcBef>
-            </a:pPr>
-            <a:r>
-              <a:rPr lang="en-US" sz="2199">
-                <a:solidFill>
-                  <a:srgbClr val="000000"/>
-                </a:solidFill>
-                <a:latin typeface="Open Sans"/>
-                <a:ea typeface="Open Sans"/>
-                <a:cs typeface="Open Sans"/>
-                <a:sym typeface="Open Sans"/>
-              </a:rPr>
-              <a:t>Este</a:t>
-            </a:r>
-            <a:r>
-              <a:rPr lang="en-US" sz="2199">
-                <a:solidFill>
-                  <a:srgbClr val="000000"/>
-                </a:solidFill>
-                <a:latin typeface="Open Sans"/>
-                <a:ea typeface="Open Sans"/>
-                <a:cs typeface="Open Sans"/>
-                <a:sym typeface="Open Sans"/>
-              </a:rPr>
-              <a:t> diagrama representa la vista física utilizando los servicios web de Amazon. Al principio del lado izquierdo se encuentra lo necesario para la conexión por internet al sistema alojado por AWS, pasando por balanceador de carga para mejor rendimiento, se hace uso de Amazon cognito para manejar las sesiones y un módulo de escalado para manejar el incremento de flujo de usuarios, por último, se tiene los módulos seleccionados para la construcción del sistema en sí. Todo se encuentra interconectado por el servicio de Amazon Virtual Private Cloud (VPC). </a:t>
-            </a:r>
-          </a:p>
-        </p:txBody>
-      </p:sp>
+        </p:nvGraphicFramePr>
+        <p:xfrm>
+          <a:off x="510820" y="3371640"/>
+          <a:ext cx="3771900" cy="2095500"/>
+        </p:xfrm>
+        <a:graphic>
+          <a:graphicData uri="http://schemas.openxmlformats.org/presentationml/2006/ole">
+            <p:oleObj imgW="4521200" imgH="2844800" r:id="rId3" progId="Excel.Sheet.12" name="Worksheet">
+              <p:embed/>
+              <p:pic>
+                <p:nvPicPr>
+                  <p:cNvPr name="" id="0"/>
+                  <p:cNvPicPr/>
+                  <p:nvPr/>
+                </p:nvPicPr>
+                <p:blipFill>
+                  <a:blip r:embed="rId2"/>
+                  <a:stretch>
+                    <a:fillRect/>
+                  </a:stretch>
+                </p:blipFill>
+                <p:spPr>
+                  <a:xfrm>
+                    <a:off x="1270000" y="1270000"/>
+                    <a:ext cx="1270000" cy="1270000"/>
+                  </a:xfrm>
+                  <a:prstGeom prst="rect"/>
+                </p:spPr>
+              </p:pic>
+            </p:oleObj>
+          </a:graphicData>
+        </a:graphic>
+      </p:graphicFrame>
     </p:spTree>
   </p:cSld>
   <p:clrMapOvr>
@@ -8712,7 +9266,7 @@
 </p:sld>
 </file>
 
-<file path=ppt/slides/slide23.xml><?xml version="1.0" encoding="utf-8"?>
+<file path=ppt/slides/slide24.xml><?xml version="1.0" encoding="utf-8"?>
 <p:sld xmlns:p="http://schemas.openxmlformats.org/presentationml/2006/main" xmlns:a="http://schemas.openxmlformats.org/drawingml/2006/main" xmlns:r="http://schemas.openxmlformats.org/officeDocument/2006/relationships">
   <p:cSld>
     <p:spTree>
@@ -8737,7 +9291,7 @@
         </p:nvGrpSpPr>
         <p:grpSpPr>
           <a:xfrm rot="0">
-            <a:off x="6813734" y="-5994975"/>
+            <a:off x="7533292" y="-5994975"/>
             <a:ext cx="11874818" cy="8379480"/>
             <a:chOff x="0" y="0"/>
             <a:chExt cx="812800" cy="573553"/>
@@ -8827,13 +9381,65 @@
       </p:grpSp>
       <p:sp>
         <p:nvSpPr>
-          <p:cNvPr name="TextBox 5" id="5"/>
+          <p:cNvPr name="Freeform 5" id="5"/>
+          <p:cNvSpPr/>
+          <p:nvPr/>
+        </p:nvSpPr>
+        <p:spPr>
+          <a:xfrm flipH="false" flipV="false" rot="0">
+            <a:off x="772324" y="148627"/>
+            <a:ext cx="7023516" cy="9687609"/>
+          </a:xfrm>
+          <a:custGeom>
+            <a:avLst/>
+            <a:gdLst/>
+            <a:ahLst/>
+            <a:cxnLst/>
+            <a:rect r="r" b="b" t="t" l="l"/>
+            <a:pathLst>
+              <a:path h="9687609" w="7023516">
+                <a:moveTo>
+                  <a:pt x="0" y="0"/>
+                </a:moveTo>
+                <a:lnTo>
+                  <a:pt x="7023516" y="0"/>
+                </a:lnTo>
+                <a:lnTo>
+                  <a:pt x="7023516" y="9687609"/>
+                </a:lnTo>
+                <a:lnTo>
+                  <a:pt x="0" y="9687609"/>
+                </a:lnTo>
+                <a:lnTo>
+                  <a:pt x="0" y="0"/>
+                </a:lnTo>
+                <a:close/>
+              </a:path>
+            </a:pathLst>
+          </a:custGeom>
+          <a:blipFill>
+            <a:blip r:embed="rId2">
+              <a:extLst>
+                <a:ext uri="{96DAC541-7B7A-43D3-8B79-37D633B846F1}">
+                  <asvg:svgBlip xmlns:asvg="http://schemas.microsoft.com/office/drawing/2016/SVG/main" r:embed="rId3"/>
+                </a:ext>
+              </a:extLst>
+            </a:blip>
+            <a:stretch>
+              <a:fillRect l="0" t="0" r="0" b="0"/>
+            </a:stretch>
+          </a:blipFill>
+        </p:spPr>
+      </p:sp>
+      <p:sp>
+        <p:nvSpPr>
+          <p:cNvPr name="TextBox 6" id="6"/>
           <p:cNvSpPr txBox="true"/>
           <p:nvPr/>
         </p:nvSpPr>
         <p:spPr>
           <a:xfrm rot="0">
-            <a:off x="8619197" y="-76200"/>
+            <a:off x="9420990" y="334976"/>
             <a:ext cx="10302391" cy="921004"/>
           </a:xfrm>
           <a:prstGeom prst="rect">
@@ -8864,7 +9470,282 @@
                 <a:cs typeface="Agrandir Ultra-Bold"/>
                 <a:sym typeface="Agrandir Ultra-Bold"/>
               </a:rPr>
-              <a:t>Vista fisica</a:t>
+              <a:t>Vista de Procesos</a:t>
+            </a:r>
+          </a:p>
+        </p:txBody>
+      </p:sp>
+      <p:sp>
+        <p:nvSpPr>
+          <p:cNvPr name="TextBox 7" id="7"/>
+          <p:cNvSpPr txBox="true"/>
+          <p:nvPr/>
+        </p:nvSpPr>
+        <p:spPr>
+          <a:xfrm rot="0">
+            <a:off x="9413051" y="3375977"/>
+            <a:ext cx="8115300" cy="3887470"/>
+          </a:xfrm>
+          <a:prstGeom prst="rect">
+            <a:avLst/>
+          </a:prstGeom>
+        </p:spPr>
+        <p:txBody>
+          <a:bodyPr anchor="t" rtlCol="false" tIns="0" lIns="0" bIns="0" rIns="0">
+            <a:spAutoFit/>
+          </a:bodyPr>
+          <a:lstStyle/>
+          <a:p>
+            <a:pPr algn="l">
+              <a:lnSpc>
+                <a:spcPts val="3079"/>
+              </a:lnSpc>
+              <a:spcBef>
+                <a:spcPct val="0"/>
+              </a:spcBef>
+            </a:pPr>
+            <a:r>
+              <a:rPr lang="en-US" sz="2199">
+                <a:solidFill>
+                  <a:srgbClr val="000000"/>
+                </a:solidFill>
+                <a:latin typeface="Open Sans"/>
+                <a:ea typeface="Open Sans"/>
+                <a:cs typeface="Open Sans"/>
+                <a:sym typeface="Open Sans"/>
+              </a:rPr>
+              <a:t>Est</a:t>
+            </a:r>
+            <a:r>
+              <a:rPr lang="en-US" sz="2199">
+                <a:solidFill>
+                  <a:srgbClr val="000000"/>
+                </a:solidFill>
+                <a:latin typeface="Open Sans"/>
+                <a:ea typeface="Open Sans"/>
+                <a:cs typeface="Open Sans"/>
+                <a:sym typeface="Open Sans"/>
+              </a:rPr>
+              <a:t>a vista representa los principales flujos de interacción entre los actores del sistema de reservas del hotel "Cuarto con vista". A través del diagrama de secuencia se detallan procesos clave como la consulta, selección y reserva de habitaciones por parte de los huéspedes, así como la gestión interna de limpieza tras el checkout. El sistema está orientado a resorts de lujo y spas, optimizado para atender a cientos de huéspedes con una operación eficiente por parte de menos de 20 empleados. </a:t>
+            </a:r>
+          </a:p>
+          <a:p>
+            <a:pPr algn="ctr">
+              <a:lnSpc>
+                <a:spcPts val="3079"/>
+              </a:lnSpc>
+              <a:spcBef>
+                <a:spcPct val="0"/>
+              </a:spcBef>
+            </a:pPr>
+          </a:p>
+        </p:txBody>
+      </p:sp>
+      <p:sp>
+        <p:nvSpPr>
+          <p:cNvPr name="TextBox 8" id="8"/>
+          <p:cNvSpPr txBox="true"/>
+          <p:nvPr/>
+        </p:nvSpPr>
+        <p:spPr>
+          <a:xfrm rot="0">
+            <a:off x="9413051" y="8254048"/>
+            <a:ext cx="3236788" cy="372745"/>
+          </a:xfrm>
+          <a:prstGeom prst="rect">
+            <a:avLst/>
+          </a:prstGeom>
+        </p:spPr>
+        <p:txBody>
+          <a:bodyPr anchor="t" rtlCol="false" tIns="0" lIns="0" bIns="0" rIns="0">
+            <a:spAutoFit/>
+          </a:bodyPr>
+          <a:lstStyle/>
+          <a:p>
+            <a:pPr algn="ctr">
+              <a:lnSpc>
+                <a:spcPts val="3079"/>
+              </a:lnSpc>
+              <a:spcBef>
+                <a:spcPct val="0"/>
+              </a:spcBef>
+            </a:pPr>
+            <a:r>
+              <a:rPr lang="en-US" b="true" sz="2199">
+                <a:solidFill>
+                  <a:srgbClr val="000000"/>
+                </a:solidFill>
+                <a:latin typeface="Open Sans Bold"/>
+                <a:ea typeface="Open Sans Bold"/>
+                <a:cs typeface="Open Sans Bold"/>
+                <a:sym typeface="Open Sans Bold"/>
+              </a:rPr>
+              <a:t>Diagrama de Secuencia</a:t>
+            </a:r>
+          </a:p>
+        </p:txBody>
+      </p:sp>
+    </p:spTree>
+  </p:cSld>
+  <p:clrMapOvr>
+    <a:masterClrMapping/>
+  </p:clrMapOvr>
+</p:sld>
+</file>
+
+<file path=ppt/slides/slide25.xml><?xml version="1.0" encoding="utf-8"?>
+<p:sld xmlns:p="http://schemas.openxmlformats.org/presentationml/2006/main" xmlns:a="http://schemas.openxmlformats.org/drawingml/2006/main" xmlns:r="http://schemas.openxmlformats.org/officeDocument/2006/relationships">
+  <p:cSld>
+    <p:spTree>
+      <p:nvGrpSpPr>
+        <p:cNvPr id="1" name=""/>
+        <p:cNvGrpSpPr/>
+        <p:nvPr/>
+      </p:nvGrpSpPr>
+      <p:grpSpPr>
+        <a:xfrm>
+          <a:off x="0" y="0"/>
+          <a:ext cx="0" cy="0"/>
+          <a:chOff x="0" y="0"/>
+          <a:chExt cx="0" cy="0"/>
+        </a:xfrm>
+      </p:grpSpPr>
+      <p:grpSp>
+        <p:nvGrpSpPr>
+          <p:cNvPr name="Group 2" id="2"/>
+          <p:cNvGrpSpPr/>
+          <p:nvPr/>
+        </p:nvGrpSpPr>
+        <p:grpSpPr>
+          <a:xfrm rot="0">
+            <a:off x="6813734" y="-5994975"/>
+            <a:ext cx="11874818" cy="8379480"/>
+            <a:chOff x="0" y="0"/>
+            <a:chExt cx="812800" cy="573553"/>
+          </a:xfrm>
+        </p:grpSpPr>
+        <p:sp>
+          <p:nvSpPr>
+            <p:cNvPr name="Freeform 3" id="3"/>
+            <p:cNvSpPr/>
+            <p:nvPr/>
+          </p:nvSpPr>
+          <p:spPr>
+            <a:xfrm flipH="false" flipV="false" rot="0">
+              <a:off x="0" y="0"/>
+              <a:ext cx="812800" cy="573553"/>
+            </a:xfrm>
+            <a:custGeom>
+              <a:avLst/>
+              <a:gdLst/>
+              <a:ahLst/>
+              <a:cxnLst/>
+              <a:rect r="r" b="b" t="t" l="l"/>
+              <a:pathLst>
+                <a:path h="573553" w="812800">
+                  <a:moveTo>
+                    <a:pt x="406400" y="0"/>
+                  </a:moveTo>
+                  <a:cubicBezTo>
+                    <a:pt x="181951" y="0"/>
+                    <a:pt x="0" y="128394"/>
+                    <a:pt x="0" y="286777"/>
+                  </a:cubicBezTo>
+                  <a:cubicBezTo>
+                    <a:pt x="0" y="445159"/>
+                    <a:pt x="181951" y="573553"/>
+                    <a:pt x="406400" y="573553"/>
+                  </a:cubicBezTo>
+                  <a:cubicBezTo>
+                    <a:pt x="630849" y="573553"/>
+                    <a:pt x="812800" y="445159"/>
+                    <a:pt x="812800" y="286777"/>
+                  </a:cubicBezTo>
+                  <a:cubicBezTo>
+                    <a:pt x="812800" y="128394"/>
+                    <a:pt x="630849" y="0"/>
+                    <a:pt x="406400" y="0"/>
+                  </a:cubicBezTo>
+                  <a:close/>
+                </a:path>
+              </a:pathLst>
+            </a:custGeom>
+            <a:solidFill>
+              <a:srgbClr val="1C6CD8"/>
+            </a:solidFill>
+          </p:spPr>
+        </p:sp>
+        <p:sp>
+          <p:nvSpPr>
+            <p:cNvPr name="TextBox 4" id="4"/>
+            <p:cNvSpPr txBox="true"/>
+            <p:nvPr/>
+          </p:nvSpPr>
+          <p:spPr>
+            <a:xfrm>
+              <a:off x="76200" y="15671"/>
+              <a:ext cx="660400" cy="504112"/>
+            </a:xfrm>
+            <a:prstGeom prst="rect">
+              <a:avLst/>
+            </a:prstGeom>
+          </p:spPr>
+          <p:txBody>
+            <a:bodyPr anchor="ctr" rtlCol="false" tIns="50800" lIns="50800" bIns="50800" rIns="50800"/>
+            <a:lstStyle/>
+            <a:p>
+              <a:pPr algn="ctr">
+                <a:lnSpc>
+                  <a:spcPts val="2659"/>
+                </a:lnSpc>
+                <a:spcBef>
+                  <a:spcPct val="0"/>
+                </a:spcBef>
+              </a:pPr>
+            </a:p>
+          </p:txBody>
+        </p:sp>
+      </p:grpSp>
+      <p:sp>
+        <p:nvSpPr>
+          <p:cNvPr name="TextBox 5" id="5"/>
+          <p:cNvSpPr txBox="true"/>
+          <p:nvPr/>
+        </p:nvSpPr>
+        <p:spPr>
+          <a:xfrm rot="0">
+            <a:off x="8619197" y="-76200"/>
+            <a:ext cx="10302391" cy="921004"/>
+          </a:xfrm>
+          <a:prstGeom prst="rect">
+            <a:avLst/>
+          </a:prstGeom>
+        </p:spPr>
+        <p:txBody>
+          <a:bodyPr anchor="t" rtlCol="false" tIns="0" lIns="0" bIns="0" rIns="0">
+            <a:spAutoFit/>
+          </a:bodyPr>
+          <a:lstStyle/>
+          <a:p>
+            <a:pPr algn="l" marL="0" indent="0" lvl="0">
+              <a:lnSpc>
+                <a:spcPts val="5768"/>
+              </a:lnSpc>
+              <a:spcBef>
+                <a:spcPct val="0"/>
+              </a:spcBef>
+            </a:pPr>
+            <a:r>
+              <a:rPr lang="en-US" b="true" sz="5600">
+                <a:solidFill>
+                  <a:srgbClr val="FFFFFF"/>
+                </a:solidFill>
+                <a:latin typeface="Agrandir Ultra-Bold"/>
+                <a:ea typeface="Agrandir Ultra-Bold"/>
+                <a:cs typeface="Agrandir Ultra-Bold"/>
+                <a:sym typeface="Agrandir Ultra-Bold"/>
+              </a:rPr>
+              <a:t>Vista de Procesos</a:t>
             </a:r>
           </a:p>
         </p:txBody>
@@ -8920,7 +9801,7 @@
           <p:nvPr/>
         </p:nvGraphicFramePr>
         <p:xfrm>
-          <a:off x="1450194" y="2695248"/>
+          <a:off x="1573547" y="2715807"/>
           <a:ext cx="3771900" cy="4191000"/>
         </p:xfrm>
         <a:graphic>
@@ -8951,6 +9832,946 @@
           </a:graphicData>
         </a:graphic>
       </p:graphicFrame>
+    </p:spTree>
+  </p:cSld>
+  <p:clrMapOvr>
+    <a:masterClrMapping/>
+  </p:clrMapOvr>
+</p:sld>
+</file>
+
+<file path=ppt/slides/slide26.xml><?xml version="1.0" encoding="utf-8"?>
+<p:sld xmlns:p="http://schemas.openxmlformats.org/presentationml/2006/main" xmlns:a="http://schemas.openxmlformats.org/drawingml/2006/main" xmlns:r="http://schemas.openxmlformats.org/officeDocument/2006/relationships">
+  <p:cSld>
+    <p:spTree>
+      <p:nvGrpSpPr>
+        <p:cNvPr id="1" name=""/>
+        <p:cNvGrpSpPr/>
+        <p:nvPr/>
+      </p:nvGrpSpPr>
+      <p:grpSpPr>
+        <a:xfrm>
+          <a:off x="0" y="0"/>
+          <a:ext cx="0" cy="0"/>
+          <a:chOff x="0" y="0"/>
+          <a:chExt cx="0" cy="0"/>
+        </a:xfrm>
+      </p:grpSpPr>
+      <p:grpSp>
+        <p:nvGrpSpPr>
+          <p:cNvPr name="Group 2" id="2"/>
+          <p:cNvGrpSpPr/>
+          <p:nvPr/>
+        </p:nvGrpSpPr>
+        <p:grpSpPr>
+          <a:xfrm rot="0">
+            <a:off x="7533292" y="-5994975"/>
+            <a:ext cx="11874818" cy="8379480"/>
+            <a:chOff x="0" y="0"/>
+            <a:chExt cx="812800" cy="573553"/>
+          </a:xfrm>
+        </p:grpSpPr>
+        <p:sp>
+          <p:nvSpPr>
+            <p:cNvPr name="Freeform 3" id="3"/>
+            <p:cNvSpPr/>
+            <p:nvPr/>
+          </p:nvSpPr>
+          <p:spPr>
+            <a:xfrm flipH="false" flipV="false" rot="0">
+              <a:off x="0" y="0"/>
+              <a:ext cx="812800" cy="573553"/>
+            </a:xfrm>
+            <a:custGeom>
+              <a:avLst/>
+              <a:gdLst/>
+              <a:ahLst/>
+              <a:cxnLst/>
+              <a:rect r="r" b="b" t="t" l="l"/>
+              <a:pathLst>
+                <a:path h="573553" w="812800">
+                  <a:moveTo>
+                    <a:pt x="406400" y="0"/>
+                  </a:moveTo>
+                  <a:cubicBezTo>
+                    <a:pt x="181951" y="0"/>
+                    <a:pt x="0" y="128394"/>
+                    <a:pt x="0" y="286777"/>
+                  </a:cubicBezTo>
+                  <a:cubicBezTo>
+                    <a:pt x="0" y="445159"/>
+                    <a:pt x="181951" y="573553"/>
+                    <a:pt x="406400" y="573553"/>
+                  </a:cubicBezTo>
+                  <a:cubicBezTo>
+                    <a:pt x="630849" y="573553"/>
+                    <a:pt x="812800" y="445159"/>
+                    <a:pt x="812800" y="286777"/>
+                  </a:cubicBezTo>
+                  <a:cubicBezTo>
+                    <a:pt x="812800" y="128394"/>
+                    <a:pt x="630849" y="0"/>
+                    <a:pt x="406400" y="0"/>
+                  </a:cubicBezTo>
+                  <a:close/>
+                </a:path>
+              </a:pathLst>
+            </a:custGeom>
+            <a:solidFill>
+              <a:srgbClr val="1C6CD8"/>
+            </a:solidFill>
+          </p:spPr>
+        </p:sp>
+        <p:sp>
+          <p:nvSpPr>
+            <p:cNvPr name="TextBox 4" id="4"/>
+            <p:cNvSpPr txBox="true"/>
+            <p:nvPr/>
+          </p:nvSpPr>
+          <p:spPr>
+            <a:xfrm>
+              <a:off x="76200" y="15671"/>
+              <a:ext cx="660400" cy="504112"/>
+            </a:xfrm>
+            <a:prstGeom prst="rect">
+              <a:avLst/>
+            </a:prstGeom>
+          </p:spPr>
+          <p:txBody>
+            <a:bodyPr anchor="ctr" rtlCol="false" tIns="50800" lIns="50800" bIns="50800" rIns="50800"/>
+            <a:lstStyle/>
+            <a:p>
+              <a:pPr algn="ctr">
+                <a:lnSpc>
+                  <a:spcPts val="2659"/>
+                </a:lnSpc>
+                <a:spcBef>
+                  <a:spcPct val="0"/>
+                </a:spcBef>
+              </a:pPr>
+            </a:p>
+          </p:txBody>
+        </p:sp>
+      </p:grpSp>
+      <p:sp>
+        <p:nvSpPr>
+          <p:cNvPr name="Freeform 5" id="5"/>
+          <p:cNvSpPr/>
+          <p:nvPr/>
+        </p:nvSpPr>
+        <p:spPr>
+          <a:xfrm flipH="false" flipV="false" rot="0">
+            <a:off x="1028700" y="2309093"/>
+            <a:ext cx="9752797" cy="5668813"/>
+          </a:xfrm>
+          <a:custGeom>
+            <a:avLst/>
+            <a:gdLst/>
+            <a:ahLst/>
+            <a:cxnLst/>
+            <a:rect r="r" b="b" t="t" l="l"/>
+            <a:pathLst>
+              <a:path h="5668813" w="9752797">
+                <a:moveTo>
+                  <a:pt x="0" y="0"/>
+                </a:moveTo>
+                <a:lnTo>
+                  <a:pt x="9752797" y="0"/>
+                </a:lnTo>
+                <a:lnTo>
+                  <a:pt x="9752797" y="5668814"/>
+                </a:lnTo>
+                <a:lnTo>
+                  <a:pt x="0" y="5668814"/>
+                </a:lnTo>
+                <a:lnTo>
+                  <a:pt x="0" y="0"/>
+                </a:lnTo>
+                <a:close/>
+              </a:path>
+            </a:pathLst>
+          </a:custGeom>
+          <a:blipFill>
+            <a:blip r:embed="rId2"/>
+            <a:stretch>
+              <a:fillRect l="0" t="0" r="0" b="0"/>
+            </a:stretch>
+          </a:blipFill>
+        </p:spPr>
+      </p:sp>
+      <p:sp>
+        <p:nvSpPr>
+          <p:cNvPr name="TextBox 6" id="6"/>
+          <p:cNvSpPr txBox="true"/>
+          <p:nvPr/>
+        </p:nvSpPr>
+        <p:spPr>
+          <a:xfrm rot="0">
+            <a:off x="9420990" y="334976"/>
+            <a:ext cx="10302391" cy="921004"/>
+          </a:xfrm>
+          <a:prstGeom prst="rect">
+            <a:avLst/>
+          </a:prstGeom>
+        </p:spPr>
+        <p:txBody>
+          <a:bodyPr anchor="t" rtlCol="false" tIns="0" lIns="0" bIns="0" rIns="0">
+            <a:spAutoFit/>
+          </a:bodyPr>
+          <a:lstStyle/>
+          <a:p>
+            <a:pPr algn="l" marL="0" indent="0" lvl="0">
+              <a:lnSpc>
+                <a:spcPts val="5768"/>
+              </a:lnSpc>
+              <a:spcBef>
+                <a:spcPct val="0"/>
+              </a:spcBef>
+            </a:pPr>
+            <a:r>
+              <a:rPr lang="en-US" b="true" sz="5600">
+                <a:solidFill>
+                  <a:srgbClr val="FFFFFF"/>
+                </a:solidFill>
+                <a:latin typeface="Agrandir Ultra-Bold"/>
+                <a:ea typeface="Agrandir Ultra-Bold"/>
+                <a:cs typeface="Agrandir Ultra-Bold"/>
+                <a:sym typeface="Agrandir Ultra-Bold"/>
+              </a:rPr>
+              <a:t>Vista fisica</a:t>
+            </a:r>
+          </a:p>
+        </p:txBody>
+      </p:sp>
+      <p:sp>
+        <p:nvSpPr>
+          <p:cNvPr name="TextBox 7" id="7"/>
+          <p:cNvSpPr txBox="true"/>
+          <p:nvPr/>
+        </p:nvSpPr>
+        <p:spPr>
+          <a:xfrm rot="0">
+            <a:off x="9359510" y="8254048"/>
+            <a:ext cx="3343870" cy="372745"/>
+          </a:xfrm>
+          <a:prstGeom prst="rect">
+            <a:avLst/>
+          </a:prstGeom>
+        </p:spPr>
+        <p:txBody>
+          <a:bodyPr anchor="t" rtlCol="false" tIns="0" lIns="0" bIns="0" rIns="0">
+            <a:spAutoFit/>
+          </a:bodyPr>
+          <a:lstStyle/>
+          <a:p>
+            <a:pPr algn="ctr">
+              <a:lnSpc>
+                <a:spcPts val="3079"/>
+              </a:lnSpc>
+              <a:spcBef>
+                <a:spcPct val="0"/>
+              </a:spcBef>
+            </a:pPr>
+            <a:r>
+              <a:rPr lang="en-US" b="true" sz="2199">
+                <a:solidFill>
+                  <a:srgbClr val="000000"/>
+                </a:solidFill>
+                <a:latin typeface="Open Sans Bold"/>
+                <a:ea typeface="Open Sans Bold"/>
+                <a:cs typeface="Open Sans Bold"/>
+                <a:sym typeface="Open Sans Bold"/>
+              </a:rPr>
+              <a:t>Diagrama de despliegue</a:t>
+            </a:r>
+          </a:p>
+        </p:txBody>
+      </p:sp>
+      <p:sp>
+        <p:nvSpPr>
+          <p:cNvPr name="TextBox 8" id="8"/>
+          <p:cNvSpPr txBox="true"/>
+          <p:nvPr/>
+        </p:nvSpPr>
+        <p:spPr>
+          <a:xfrm rot="0">
+            <a:off x="11031445" y="2990894"/>
+            <a:ext cx="7256555" cy="4277995"/>
+          </a:xfrm>
+          <a:prstGeom prst="rect">
+            <a:avLst/>
+          </a:prstGeom>
+        </p:spPr>
+        <p:txBody>
+          <a:bodyPr anchor="t" rtlCol="false" tIns="0" lIns="0" bIns="0" rIns="0">
+            <a:spAutoFit/>
+          </a:bodyPr>
+          <a:lstStyle/>
+          <a:p>
+            <a:pPr algn="l">
+              <a:lnSpc>
+                <a:spcPts val="3079"/>
+              </a:lnSpc>
+              <a:spcBef>
+                <a:spcPct val="0"/>
+              </a:spcBef>
+            </a:pPr>
+            <a:r>
+              <a:rPr lang="en-US" sz="2199">
+                <a:solidFill>
+                  <a:srgbClr val="000000"/>
+                </a:solidFill>
+                <a:latin typeface="Open Sans"/>
+                <a:ea typeface="Open Sans"/>
+                <a:cs typeface="Open Sans"/>
+                <a:sym typeface="Open Sans"/>
+              </a:rPr>
+              <a:t>Este</a:t>
+            </a:r>
+            <a:r>
+              <a:rPr lang="en-US" sz="2199">
+                <a:solidFill>
+                  <a:srgbClr val="000000"/>
+                </a:solidFill>
+                <a:latin typeface="Open Sans"/>
+                <a:ea typeface="Open Sans"/>
+                <a:cs typeface="Open Sans"/>
+                <a:sym typeface="Open Sans"/>
+              </a:rPr>
+              <a:t> diagrama representa la vista física utilizando los servicios web de Amazon. Al principio del lado izquierdo se encuentra lo necesario para la conexión por internet al sistema alojado por AWS, pasando por balanceador de carga para mejor rendimiento, se hace uso de Amazon cognito para manejar las sesiones y un módulo de escalado para manejar el incremento de flujo de usuarios, por último, se tiene los módulos seleccionados para la construcción del sistema en sí. Todo se encuentra interconectado por el servicio de Amazon Virtual Private Cloud (VPC). </a:t>
+            </a:r>
+          </a:p>
+        </p:txBody>
+      </p:sp>
+    </p:spTree>
+  </p:cSld>
+  <p:clrMapOvr>
+    <a:masterClrMapping/>
+  </p:clrMapOvr>
+</p:sld>
+</file>
+
+<file path=ppt/slides/slide27.xml><?xml version="1.0" encoding="utf-8"?>
+<p:sld xmlns:p="http://schemas.openxmlformats.org/presentationml/2006/main" xmlns:a="http://schemas.openxmlformats.org/drawingml/2006/main" xmlns:r="http://schemas.openxmlformats.org/officeDocument/2006/relationships">
+  <p:cSld>
+    <p:spTree>
+      <p:nvGrpSpPr>
+        <p:cNvPr id="1" name=""/>
+        <p:cNvGrpSpPr/>
+        <p:nvPr/>
+      </p:nvGrpSpPr>
+      <p:grpSpPr>
+        <a:xfrm>
+          <a:off x="0" y="0"/>
+          <a:ext cx="0" cy="0"/>
+          <a:chOff x="0" y="0"/>
+          <a:chExt cx="0" cy="0"/>
+        </a:xfrm>
+      </p:grpSpPr>
+      <p:grpSp>
+        <p:nvGrpSpPr>
+          <p:cNvPr name="Group 2" id="2"/>
+          <p:cNvGrpSpPr/>
+          <p:nvPr/>
+        </p:nvGrpSpPr>
+        <p:grpSpPr>
+          <a:xfrm rot="0">
+            <a:off x="6813734" y="-5994975"/>
+            <a:ext cx="11874818" cy="8379480"/>
+            <a:chOff x="0" y="0"/>
+            <a:chExt cx="812800" cy="573553"/>
+          </a:xfrm>
+        </p:grpSpPr>
+        <p:sp>
+          <p:nvSpPr>
+            <p:cNvPr name="Freeform 3" id="3"/>
+            <p:cNvSpPr/>
+            <p:nvPr/>
+          </p:nvSpPr>
+          <p:spPr>
+            <a:xfrm flipH="false" flipV="false" rot="0">
+              <a:off x="0" y="0"/>
+              <a:ext cx="812800" cy="573553"/>
+            </a:xfrm>
+            <a:custGeom>
+              <a:avLst/>
+              <a:gdLst/>
+              <a:ahLst/>
+              <a:cxnLst/>
+              <a:rect r="r" b="b" t="t" l="l"/>
+              <a:pathLst>
+                <a:path h="573553" w="812800">
+                  <a:moveTo>
+                    <a:pt x="406400" y="0"/>
+                  </a:moveTo>
+                  <a:cubicBezTo>
+                    <a:pt x="181951" y="0"/>
+                    <a:pt x="0" y="128394"/>
+                    <a:pt x="0" y="286777"/>
+                  </a:cubicBezTo>
+                  <a:cubicBezTo>
+                    <a:pt x="0" y="445159"/>
+                    <a:pt x="181951" y="573553"/>
+                    <a:pt x="406400" y="573553"/>
+                  </a:cubicBezTo>
+                  <a:cubicBezTo>
+                    <a:pt x="630849" y="573553"/>
+                    <a:pt x="812800" y="445159"/>
+                    <a:pt x="812800" y="286777"/>
+                  </a:cubicBezTo>
+                  <a:cubicBezTo>
+                    <a:pt x="812800" y="128394"/>
+                    <a:pt x="630849" y="0"/>
+                    <a:pt x="406400" y="0"/>
+                  </a:cubicBezTo>
+                  <a:close/>
+                </a:path>
+              </a:pathLst>
+            </a:custGeom>
+            <a:solidFill>
+              <a:srgbClr val="1C6CD8"/>
+            </a:solidFill>
+          </p:spPr>
+        </p:sp>
+        <p:sp>
+          <p:nvSpPr>
+            <p:cNvPr name="TextBox 4" id="4"/>
+            <p:cNvSpPr txBox="true"/>
+            <p:nvPr/>
+          </p:nvSpPr>
+          <p:spPr>
+            <a:xfrm>
+              <a:off x="76200" y="15671"/>
+              <a:ext cx="660400" cy="504112"/>
+            </a:xfrm>
+            <a:prstGeom prst="rect">
+              <a:avLst/>
+            </a:prstGeom>
+          </p:spPr>
+          <p:txBody>
+            <a:bodyPr anchor="ctr" rtlCol="false" tIns="50800" lIns="50800" bIns="50800" rIns="50800"/>
+            <a:lstStyle/>
+            <a:p>
+              <a:pPr algn="ctr">
+                <a:lnSpc>
+                  <a:spcPts val="2659"/>
+                </a:lnSpc>
+                <a:spcBef>
+                  <a:spcPct val="0"/>
+                </a:spcBef>
+              </a:pPr>
+            </a:p>
+          </p:txBody>
+        </p:sp>
+      </p:grpSp>
+      <p:sp>
+        <p:nvSpPr>
+          <p:cNvPr name="TextBox 5" id="5"/>
+          <p:cNvSpPr txBox="true"/>
+          <p:nvPr/>
+        </p:nvSpPr>
+        <p:spPr>
+          <a:xfrm rot="0">
+            <a:off x="8619197" y="-76200"/>
+            <a:ext cx="10302391" cy="921004"/>
+          </a:xfrm>
+          <a:prstGeom prst="rect">
+            <a:avLst/>
+          </a:prstGeom>
+        </p:spPr>
+        <p:txBody>
+          <a:bodyPr anchor="t" rtlCol="false" tIns="0" lIns="0" bIns="0" rIns="0">
+            <a:spAutoFit/>
+          </a:bodyPr>
+          <a:lstStyle/>
+          <a:p>
+            <a:pPr algn="l" marL="0" indent="0" lvl="0">
+              <a:lnSpc>
+                <a:spcPts val="5768"/>
+              </a:lnSpc>
+              <a:spcBef>
+                <a:spcPct val="0"/>
+              </a:spcBef>
+            </a:pPr>
+            <a:r>
+              <a:rPr lang="en-US" b="true" sz="5600">
+                <a:solidFill>
+                  <a:srgbClr val="FFFFFF"/>
+                </a:solidFill>
+                <a:latin typeface="Agrandir Ultra-Bold"/>
+                <a:ea typeface="Agrandir Ultra-Bold"/>
+                <a:cs typeface="Agrandir Ultra-Bold"/>
+                <a:sym typeface="Agrandir Ultra-Bold"/>
+              </a:rPr>
+              <a:t>Vista fisica</a:t>
+            </a:r>
+          </a:p>
+        </p:txBody>
+      </p:sp>
+      <p:sp>
+        <p:nvSpPr>
+          <p:cNvPr name="TextBox 6" id="6"/>
+          <p:cNvSpPr txBox="true"/>
+          <p:nvPr/>
+        </p:nvSpPr>
+        <p:spPr>
+          <a:xfrm rot="0">
+            <a:off x="2090966" y="1422781"/>
+            <a:ext cx="4915049" cy="372745"/>
+          </a:xfrm>
+          <a:prstGeom prst="rect">
+            <a:avLst/>
+          </a:prstGeom>
+        </p:spPr>
+        <p:txBody>
+          <a:bodyPr anchor="t" rtlCol="false" tIns="0" lIns="0" bIns="0" rIns="0">
+            <a:spAutoFit/>
+          </a:bodyPr>
+          <a:lstStyle/>
+          <a:p>
+            <a:pPr algn="ctr">
+              <a:lnSpc>
+                <a:spcPts val="3079"/>
+              </a:lnSpc>
+              <a:spcBef>
+                <a:spcPct val="0"/>
+              </a:spcBef>
+            </a:pPr>
+            <a:r>
+              <a:rPr lang="en-US" b="true" sz="2199">
+                <a:solidFill>
+                  <a:srgbClr val="000000"/>
+                </a:solidFill>
+                <a:latin typeface="Open Sans Bold"/>
+                <a:ea typeface="Open Sans Bold"/>
+                <a:cs typeface="Open Sans Bold"/>
+                <a:sym typeface="Open Sans Bold"/>
+              </a:rPr>
+              <a:t>Catálogo de Elementos y relaciones</a:t>
+            </a:r>
+          </a:p>
+        </p:txBody>
+      </p:sp>
+      <p:graphicFrame>
+        <p:nvGraphicFramePr>
+          <p:cNvPr name="Object 7" id="7"/>
+          <p:cNvGraphicFramePr/>
+          <p:nvPr/>
+        </p:nvGraphicFramePr>
+        <p:xfrm>
+          <a:off x="1469280" y="2695248"/>
+          <a:ext cx="3771900" cy="4191000"/>
+        </p:xfrm>
+        <a:graphic>
+          <a:graphicData uri="http://schemas.openxmlformats.org/presentationml/2006/ole">
+            <p:oleObj imgW="4610100" imgH="5029200" r:id="rId3" progId="Excel.Sheet.12" name="Worksheet">
+              <p:embed/>
+              <p:pic>
+                <p:nvPicPr>
+                  <p:cNvPr name="" id="0"/>
+                  <p:cNvPicPr/>
+                  <p:nvPr/>
+                </p:nvPicPr>
+                <p:blipFill>
+                  <a:blip r:embed="rId2"/>
+                  <a:stretch>
+                    <a:fillRect/>
+                  </a:stretch>
+                </p:blipFill>
+                <p:spPr>
+                  <a:xfrm>
+                    <a:off x="1270000" y="1270000"/>
+                    <a:ext cx="1270000" cy="1270000"/>
+                  </a:xfrm>
+                  <a:prstGeom prst="rect"/>
+                </p:spPr>
+              </p:pic>
+            </p:oleObj>
+          </a:graphicData>
+        </a:graphic>
+      </p:graphicFrame>
+    </p:spTree>
+  </p:cSld>
+  <p:clrMapOvr>
+    <a:masterClrMapping/>
+  </p:clrMapOvr>
+</p:sld>
+</file>
+
+<file path=ppt/slides/slide28.xml><?xml version="1.0" encoding="utf-8"?>
+<p:sld xmlns:p="http://schemas.openxmlformats.org/presentationml/2006/main" xmlns:a="http://schemas.openxmlformats.org/drawingml/2006/main">
+  <p:cSld>
+    <p:spTree>
+      <p:nvGrpSpPr>
+        <p:cNvPr id="1" name=""/>
+        <p:cNvGrpSpPr/>
+        <p:nvPr/>
+      </p:nvGrpSpPr>
+      <p:grpSpPr>
+        <a:xfrm>
+          <a:off x="0" y="0"/>
+          <a:ext cx="0" cy="0"/>
+          <a:chOff x="0" y="0"/>
+          <a:chExt cx="0" cy="0"/>
+        </a:xfrm>
+      </p:grpSpPr>
+      <p:grpSp>
+        <p:nvGrpSpPr>
+          <p:cNvPr name="Group 2" id="2"/>
+          <p:cNvGrpSpPr/>
+          <p:nvPr/>
+        </p:nvGrpSpPr>
+        <p:grpSpPr>
+          <a:xfrm rot="0">
+            <a:off x="6813734" y="-5994975"/>
+            <a:ext cx="11874818" cy="8379480"/>
+            <a:chOff x="0" y="0"/>
+            <a:chExt cx="812800" cy="573553"/>
+          </a:xfrm>
+        </p:grpSpPr>
+        <p:sp>
+          <p:nvSpPr>
+            <p:cNvPr name="Freeform 3" id="3"/>
+            <p:cNvSpPr/>
+            <p:nvPr/>
+          </p:nvSpPr>
+          <p:spPr>
+            <a:xfrm flipH="false" flipV="false" rot="0">
+              <a:off x="0" y="0"/>
+              <a:ext cx="812800" cy="573553"/>
+            </a:xfrm>
+            <a:custGeom>
+              <a:avLst/>
+              <a:gdLst/>
+              <a:ahLst/>
+              <a:cxnLst/>
+              <a:rect r="r" b="b" t="t" l="l"/>
+              <a:pathLst>
+                <a:path h="573553" w="812800">
+                  <a:moveTo>
+                    <a:pt x="406400" y="0"/>
+                  </a:moveTo>
+                  <a:cubicBezTo>
+                    <a:pt x="181951" y="0"/>
+                    <a:pt x="0" y="128394"/>
+                    <a:pt x="0" y="286777"/>
+                  </a:cubicBezTo>
+                  <a:cubicBezTo>
+                    <a:pt x="0" y="445159"/>
+                    <a:pt x="181951" y="573553"/>
+                    <a:pt x="406400" y="573553"/>
+                  </a:cubicBezTo>
+                  <a:cubicBezTo>
+                    <a:pt x="630849" y="573553"/>
+                    <a:pt x="812800" y="445159"/>
+                    <a:pt x="812800" y="286777"/>
+                  </a:cubicBezTo>
+                  <a:cubicBezTo>
+                    <a:pt x="812800" y="128394"/>
+                    <a:pt x="630849" y="0"/>
+                    <a:pt x="406400" y="0"/>
+                  </a:cubicBezTo>
+                  <a:close/>
+                </a:path>
+              </a:pathLst>
+            </a:custGeom>
+            <a:solidFill>
+              <a:srgbClr val="1C6CD8"/>
+            </a:solidFill>
+          </p:spPr>
+        </p:sp>
+        <p:sp>
+          <p:nvSpPr>
+            <p:cNvPr name="TextBox 4" id="4"/>
+            <p:cNvSpPr txBox="true"/>
+            <p:nvPr/>
+          </p:nvSpPr>
+          <p:spPr>
+            <a:xfrm>
+              <a:off x="76200" y="15671"/>
+              <a:ext cx="660400" cy="504112"/>
+            </a:xfrm>
+            <a:prstGeom prst="rect">
+              <a:avLst/>
+            </a:prstGeom>
+          </p:spPr>
+          <p:txBody>
+            <a:bodyPr anchor="ctr" rtlCol="false" tIns="50800" lIns="50800" bIns="50800" rIns="50800"/>
+            <a:lstStyle/>
+            <a:p>
+              <a:pPr algn="ctr">
+                <a:lnSpc>
+                  <a:spcPts val="2659"/>
+                </a:lnSpc>
+                <a:spcBef>
+                  <a:spcPct val="0"/>
+                </a:spcBef>
+              </a:pPr>
+            </a:p>
+          </p:txBody>
+        </p:sp>
+      </p:grpSp>
+      <p:sp>
+        <p:nvSpPr>
+          <p:cNvPr name="TextBox 5" id="5"/>
+          <p:cNvSpPr txBox="true"/>
+          <p:nvPr/>
+        </p:nvSpPr>
+        <p:spPr>
+          <a:xfrm rot="0">
+            <a:off x="6148910" y="4043801"/>
+            <a:ext cx="6962443" cy="2826639"/>
+          </a:xfrm>
+          <a:prstGeom prst="rect">
+            <a:avLst/>
+          </a:prstGeom>
+        </p:spPr>
+        <p:txBody>
+          <a:bodyPr anchor="t" rtlCol="false" tIns="0" lIns="0" bIns="0" rIns="0">
+            <a:spAutoFit/>
+          </a:bodyPr>
+          <a:lstStyle/>
+          <a:p>
+            <a:pPr algn="l" marL="0" indent="0" lvl="0">
+              <a:lnSpc>
+                <a:spcPts val="9888"/>
+              </a:lnSpc>
+              <a:spcBef>
+                <a:spcPct val="0"/>
+              </a:spcBef>
+            </a:pPr>
+            <a:r>
+              <a:rPr lang="en-US" b="true" sz="9600">
+                <a:solidFill>
+                  <a:srgbClr val="000000"/>
+                </a:solidFill>
+                <a:latin typeface="Agrandir Ultra-Bold"/>
+                <a:ea typeface="Agrandir Ultra-Bold"/>
+                <a:cs typeface="Agrandir Ultra-Bold"/>
+                <a:sym typeface="Agrandir Ultra-Bold"/>
+              </a:rPr>
+              <a:t>Muchas gracias</a:t>
+            </a:r>
+          </a:p>
+        </p:txBody>
+      </p:sp>
+      <p:grpSp>
+        <p:nvGrpSpPr>
+          <p:cNvPr name="Group 6" id="6"/>
+          <p:cNvGrpSpPr/>
+          <p:nvPr/>
+        </p:nvGrpSpPr>
+        <p:grpSpPr>
+          <a:xfrm rot="0">
+            <a:off x="-5114932" y="1851285"/>
+            <a:ext cx="9694704" cy="6841080"/>
+            <a:chOff x="0" y="0"/>
+            <a:chExt cx="812800" cy="573553"/>
+          </a:xfrm>
+        </p:grpSpPr>
+        <p:sp>
+          <p:nvSpPr>
+            <p:cNvPr name="Freeform 7" id="7"/>
+            <p:cNvSpPr/>
+            <p:nvPr/>
+          </p:nvSpPr>
+          <p:spPr>
+            <a:xfrm flipH="false" flipV="false" rot="0">
+              <a:off x="0" y="0"/>
+              <a:ext cx="812800" cy="573553"/>
+            </a:xfrm>
+            <a:custGeom>
+              <a:avLst/>
+              <a:gdLst/>
+              <a:ahLst/>
+              <a:cxnLst/>
+              <a:rect r="r" b="b" t="t" l="l"/>
+              <a:pathLst>
+                <a:path h="573553" w="812800">
+                  <a:moveTo>
+                    <a:pt x="406400" y="0"/>
+                  </a:moveTo>
+                  <a:cubicBezTo>
+                    <a:pt x="181951" y="0"/>
+                    <a:pt x="0" y="128394"/>
+                    <a:pt x="0" y="286777"/>
+                  </a:cubicBezTo>
+                  <a:cubicBezTo>
+                    <a:pt x="0" y="445159"/>
+                    <a:pt x="181951" y="573553"/>
+                    <a:pt x="406400" y="573553"/>
+                  </a:cubicBezTo>
+                  <a:cubicBezTo>
+                    <a:pt x="630849" y="573553"/>
+                    <a:pt x="812800" y="445159"/>
+                    <a:pt x="812800" y="286777"/>
+                  </a:cubicBezTo>
+                  <a:cubicBezTo>
+                    <a:pt x="812800" y="128394"/>
+                    <a:pt x="630849" y="0"/>
+                    <a:pt x="406400" y="0"/>
+                  </a:cubicBezTo>
+                  <a:close/>
+                </a:path>
+              </a:pathLst>
+            </a:custGeom>
+            <a:solidFill>
+              <a:srgbClr val="1C6CD8"/>
+            </a:solidFill>
+          </p:spPr>
+        </p:sp>
+        <p:sp>
+          <p:nvSpPr>
+            <p:cNvPr name="TextBox 8" id="8"/>
+            <p:cNvSpPr txBox="true"/>
+            <p:nvPr/>
+          </p:nvSpPr>
+          <p:spPr>
+            <a:xfrm>
+              <a:off x="76200" y="15671"/>
+              <a:ext cx="660400" cy="504112"/>
+            </a:xfrm>
+            <a:prstGeom prst="rect">
+              <a:avLst/>
+            </a:prstGeom>
+          </p:spPr>
+          <p:txBody>
+            <a:bodyPr anchor="ctr" rtlCol="false" tIns="50800" lIns="50800" bIns="50800" rIns="50800"/>
+            <a:lstStyle/>
+            <a:p>
+              <a:pPr algn="ctr">
+                <a:lnSpc>
+                  <a:spcPts val="2659"/>
+                </a:lnSpc>
+                <a:spcBef>
+                  <a:spcPct val="0"/>
+                </a:spcBef>
+              </a:pPr>
+            </a:p>
+          </p:txBody>
+        </p:sp>
+      </p:grpSp>
+      <p:grpSp>
+        <p:nvGrpSpPr>
+          <p:cNvPr name="Group 9" id="9"/>
+          <p:cNvGrpSpPr/>
+          <p:nvPr/>
+        </p:nvGrpSpPr>
+        <p:grpSpPr>
+          <a:xfrm rot="0">
+            <a:off x="13111354" y="2251795"/>
+            <a:ext cx="9694704" cy="6841080"/>
+            <a:chOff x="0" y="0"/>
+            <a:chExt cx="812800" cy="573553"/>
+          </a:xfrm>
+        </p:grpSpPr>
+        <p:sp>
+          <p:nvSpPr>
+            <p:cNvPr name="Freeform 10" id="10"/>
+            <p:cNvSpPr/>
+            <p:nvPr/>
+          </p:nvSpPr>
+          <p:spPr>
+            <a:xfrm flipH="false" flipV="false" rot="0">
+              <a:off x="0" y="0"/>
+              <a:ext cx="812800" cy="573553"/>
+            </a:xfrm>
+            <a:custGeom>
+              <a:avLst/>
+              <a:gdLst/>
+              <a:ahLst/>
+              <a:cxnLst/>
+              <a:rect r="r" b="b" t="t" l="l"/>
+              <a:pathLst>
+                <a:path h="573553" w="812800">
+                  <a:moveTo>
+                    <a:pt x="406400" y="0"/>
+                  </a:moveTo>
+                  <a:cubicBezTo>
+                    <a:pt x="181951" y="0"/>
+                    <a:pt x="0" y="128394"/>
+                    <a:pt x="0" y="286777"/>
+                  </a:cubicBezTo>
+                  <a:cubicBezTo>
+                    <a:pt x="0" y="445159"/>
+                    <a:pt x="181951" y="573553"/>
+                    <a:pt x="406400" y="573553"/>
+                  </a:cubicBezTo>
+                  <a:cubicBezTo>
+                    <a:pt x="630849" y="573553"/>
+                    <a:pt x="812800" y="445159"/>
+                    <a:pt x="812800" y="286777"/>
+                  </a:cubicBezTo>
+                  <a:cubicBezTo>
+                    <a:pt x="812800" y="128394"/>
+                    <a:pt x="630849" y="0"/>
+                    <a:pt x="406400" y="0"/>
+                  </a:cubicBezTo>
+                  <a:close/>
+                </a:path>
+              </a:pathLst>
+            </a:custGeom>
+            <a:solidFill>
+              <a:srgbClr val="1C6CD8"/>
+            </a:solidFill>
+          </p:spPr>
+        </p:sp>
+        <p:sp>
+          <p:nvSpPr>
+            <p:cNvPr name="TextBox 11" id="11"/>
+            <p:cNvSpPr txBox="true"/>
+            <p:nvPr/>
+          </p:nvSpPr>
+          <p:spPr>
+            <a:xfrm>
+              <a:off x="76200" y="15671"/>
+              <a:ext cx="660400" cy="504112"/>
+            </a:xfrm>
+            <a:prstGeom prst="rect">
+              <a:avLst/>
+            </a:prstGeom>
+          </p:spPr>
+          <p:txBody>
+            <a:bodyPr anchor="ctr" rtlCol="false" tIns="50800" lIns="50800" bIns="50800" rIns="50800"/>
+            <a:lstStyle/>
+            <a:p>
+              <a:pPr algn="ctr">
+                <a:lnSpc>
+                  <a:spcPts val="2659"/>
+                </a:lnSpc>
+                <a:spcBef>
+                  <a:spcPct val="0"/>
+                </a:spcBef>
+              </a:pPr>
+            </a:p>
+          </p:txBody>
+        </p:sp>
+      </p:grpSp>
+    </p:spTree>
+  </p:cSld>
+  <p:clrMapOvr>
+    <a:masterClrMapping/>
+  </p:clrMapOvr>
+</p:sld>
+</file>
+
+<file path=ppt/slides/slide29.xml><?xml version="1.0" encoding="utf-8"?>
+<p:sld xmlns:p="http://schemas.openxmlformats.org/presentationml/2006/main" xmlns:a="http://schemas.openxmlformats.org/drawingml/2006/main">
+  <p:cSld>
+    <p:spTree>
+      <p:nvGrpSpPr>
+        <p:cNvPr id="1" name=""/>
+        <p:cNvGrpSpPr/>
+        <p:nvPr/>
+      </p:nvGrpSpPr>
+      <p:grpSpPr>
+        <a:xfrm>
+          <a:off x="0" y="0"/>
+          <a:ext cx="0" cy="0"/>
+          <a:chOff x="0" y="0"/>
+          <a:chExt cx="0" cy="0"/>
+        </a:xfrm>
+      </p:grpSpPr>
     </p:spTree>
   </p:cSld>
   <p:clrMapOvr>
@@ -9806,7 +11627,7 @@
 </file>
 
 <file path=ppt/slides/slide7.xml><?xml version="1.0" encoding="utf-8"?>
-<p:sld xmlns:p="http://schemas.openxmlformats.org/presentationml/2006/main" xmlns:a="http://schemas.openxmlformats.org/drawingml/2006/main" xmlns:r="http://schemas.openxmlformats.org/officeDocument/2006/relationships">
+<p:sld xmlns:p="http://schemas.openxmlformats.org/presentationml/2006/main" xmlns:a="http://schemas.openxmlformats.org/drawingml/2006/main">
   <p:cSld>
     <p:spTree>
       <p:nvGrpSpPr>
@@ -9830,10 +11651,10 @@
         </p:nvGrpSpPr>
         <p:grpSpPr>
           <a:xfrm rot="0">
-            <a:off x="6264120" y="-8103022"/>
-            <a:ext cx="12303269" cy="10269947"/>
+            <a:off x="-1231426" y="-7006736"/>
+            <a:ext cx="21267702" cy="9794095"/>
             <a:chOff x="0" y="0"/>
-            <a:chExt cx="812800" cy="678471"/>
+            <a:chExt cx="1400172" cy="644800"/>
           </a:xfrm>
         </p:grpSpPr>
         <p:sp>
@@ -9845,7 +11666,7 @@
           <p:spPr>
             <a:xfrm flipH="false" flipV="false" rot="0">
               <a:off x="0" y="0"/>
-              <a:ext cx="812800" cy="678471"/>
+              <a:ext cx="1400172" cy="644800"/>
             </a:xfrm>
             <a:custGeom>
               <a:avLst/>
@@ -9854,29 +11675,29 @@
               <a:cxnLst/>
               <a:rect r="r" b="b" t="t" l="l"/>
               <a:pathLst>
-                <a:path h="678471" w="812800">
+                <a:path h="644800" w="1400172">
                   <a:moveTo>
-                    <a:pt x="406400" y="0"/>
+                    <a:pt x="700086" y="0"/>
                   </a:moveTo>
                   <a:cubicBezTo>
-                    <a:pt x="181951" y="0"/>
-                    <a:pt x="0" y="151881"/>
-                    <a:pt x="0" y="339236"/>
+                    <a:pt x="313439" y="0"/>
+                    <a:pt x="0" y="144343"/>
+                    <a:pt x="0" y="322400"/>
                   </a:cubicBezTo>
                   <a:cubicBezTo>
-                    <a:pt x="0" y="526590"/>
-                    <a:pt x="181951" y="678471"/>
-                    <a:pt x="406400" y="678471"/>
+                    <a:pt x="0" y="500457"/>
+                    <a:pt x="313439" y="644800"/>
+                    <a:pt x="700086" y="644800"/>
                   </a:cubicBezTo>
                   <a:cubicBezTo>
-                    <a:pt x="630849" y="678471"/>
-                    <a:pt x="812800" y="526590"/>
-                    <a:pt x="812800" y="339236"/>
+                    <a:pt x="1086733" y="644800"/>
+                    <a:pt x="1400172" y="500457"/>
+                    <a:pt x="1400172" y="322400"/>
                   </a:cubicBezTo>
                   <a:cubicBezTo>
-                    <a:pt x="812800" y="151881"/>
-                    <a:pt x="630849" y="0"/>
-                    <a:pt x="406400" y="0"/>
+                    <a:pt x="1400172" y="144343"/>
+                    <a:pt x="1086733" y="0"/>
+                    <a:pt x="700086" y="0"/>
                   </a:cubicBezTo>
                   <a:close/>
                 </a:path>
@@ -9895,8 +11716,8 @@
           </p:nvSpPr>
           <p:spPr>
             <a:xfrm>
-              <a:off x="76200" y="25507"/>
-              <a:ext cx="660400" cy="589358"/>
+              <a:off x="131266" y="22350"/>
+              <a:ext cx="1137640" cy="562000"/>
             </a:xfrm>
             <a:prstGeom prst="rect">
               <a:avLst/>
@@ -9920,106 +11741,14 @@
       </p:grpSp>
       <p:sp>
         <p:nvSpPr>
-          <p:cNvPr name="Freeform 5" id="5"/>
-          <p:cNvSpPr/>
-          <p:nvPr/>
-        </p:nvSpPr>
-        <p:spPr>
-          <a:xfrm flipH="false" flipV="false" rot="0">
-            <a:off x="1297893" y="2320749"/>
-            <a:ext cx="9585330" cy="6446134"/>
-          </a:xfrm>
-          <a:custGeom>
-            <a:avLst/>
-            <a:gdLst/>
-            <a:ahLst/>
-            <a:cxnLst/>
-            <a:rect r="r" b="b" t="t" l="l"/>
-            <a:pathLst>
-              <a:path h="6446134" w="9585330">
-                <a:moveTo>
-                  <a:pt x="0" y="0"/>
-                </a:moveTo>
-                <a:lnTo>
-                  <a:pt x="9585330" y="0"/>
-                </a:lnTo>
-                <a:lnTo>
-                  <a:pt x="9585330" y="6446135"/>
-                </a:lnTo>
-                <a:lnTo>
-                  <a:pt x="0" y="6446135"/>
-                </a:lnTo>
-                <a:lnTo>
-                  <a:pt x="0" y="0"/>
-                </a:lnTo>
-                <a:close/>
-              </a:path>
-            </a:pathLst>
-          </a:custGeom>
-          <a:blipFill>
-            <a:blip r:embed="rId2"/>
-            <a:stretch>
-              <a:fillRect l="0" t="0" r="0" b="0"/>
-            </a:stretch>
-          </a:blipFill>
-        </p:spPr>
-      </p:sp>
-      <p:sp>
-        <p:nvSpPr>
-          <p:cNvPr name="Freeform 6" id="6"/>
-          <p:cNvSpPr/>
-          <p:nvPr/>
-        </p:nvSpPr>
-        <p:spPr>
-          <a:xfrm flipH="false" flipV="false" rot="0">
-            <a:off x="11410775" y="4336950"/>
-            <a:ext cx="6086309" cy="1613101"/>
-          </a:xfrm>
-          <a:custGeom>
-            <a:avLst/>
-            <a:gdLst/>
-            <a:ahLst/>
-            <a:cxnLst/>
-            <a:rect r="r" b="b" t="t" l="l"/>
-            <a:pathLst>
-              <a:path h="1613101" w="6086309">
-                <a:moveTo>
-                  <a:pt x="0" y="0"/>
-                </a:moveTo>
-                <a:lnTo>
-                  <a:pt x="6086309" y="0"/>
-                </a:lnTo>
-                <a:lnTo>
-                  <a:pt x="6086309" y="1613100"/>
-                </a:lnTo>
-                <a:lnTo>
-                  <a:pt x="0" y="1613100"/>
-                </a:lnTo>
-                <a:lnTo>
-                  <a:pt x="0" y="0"/>
-                </a:lnTo>
-                <a:close/>
-              </a:path>
-            </a:pathLst>
-          </a:custGeom>
-          <a:blipFill>
-            <a:blip r:embed="rId3"/>
-            <a:stretch>
-              <a:fillRect l="0" t="0" r="0" b="0"/>
-            </a:stretch>
-          </a:blipFill>
-        </p:spPr>
-      </p:sp>
-      <p:sp>
-        <p:nvSpPr>
-          <p:cNvPr name="TextBox 7" id="7"/>
+          <p:cNvPr name="TextBox 5" id="5"/>
           <p:cNvSpPr txBox="true"/>
           <p:nvPr/>
         </p:nvSpPr>
         <p:spPr>
           <a:xfrm rot="0">
-            <a:off x="9341190" y="-85725"/>
-            <a:ext cx="10225478" cy="1881251"/>
+            <a:off x="1344720" y="150999"/>
+            <a:ext cx="16380603" cy="1294161"/>
           </a:xfrm>
           <a:prstGeom prst="rect">
             <a:avLst/>
@@ -10033,14 +11762,14 @@
           <a:p>
             <a:pPr algn="l" marL="0" indent="0" lvl="0">
               <a:lnSpc>
-                <a:spcPts val="6591"/>
+                <a:spcPts val="8120"/>
               </a:lnSpc>
               <a:spcBef>
                 <a:spcPct val="0"/>
               </a:spcBef>
             </a:pPr>
             <a:r>
-              <a:rPr lang="en-US" b="true" sz="6399">
+              <a:rPr lang="en-US" b="true" sz="7883">
                 <a:solidFill>
                   <a:srgbClr val="FFFFFF"/>
                 </a:solidFill>
@@ -10049,8 +11778,414 @@
                 <a:cs typeface="Agrandir Ultra-Bold"/>
                 <a:sym typeface="Agrandir Ultra-Bold"/>
               </a:rPr>
-              <a:t>Drivers arquitectonicos</a:t>
-            </a:r>
+              <a:t>Tácticas atributos de calidad</a:t>
+            </a:r>
+          </a:p>
+        </p:txBody>
+      </p:sp>
+      <p:sp>
+        <p:nvSpPr>
+          <p:cNvPr name="TextBox 6" id="6"/>
+          <p:cNvSpPr txBox="true"/>
+          <p:nvPr/>
+        </p:nvSpPr>
+        <p:spPr>
+          <a:xfrm rot="0">
+            <a:off x="1334376" y="2749259"/>
+            <a:ext cx="1981646" cy="396240"/>
+          </a:xfrm>
+          <a:prstGeom prst="rect">
+            <a:avLst/>
+          </a:prstGeom>
+        </p:spPr>
+        <p:txBody>
+          <a:bodyPr anchor="t" rtlCol="false" tIns="0" lIns="0" bIns="0" rIns="0">
+            <a:spAutoFit/>
+          </a:bodyPr>
+          <a:lstStyle/>
+          <a:p>
+            <a:pPr algn="ctr">
+              <a:lnSpc>
+                <a:spcPts val="3359"/>
+              </a:lnSpc>
+              <a:spcBef>
+                <a:spcPct val="0"/>
+              </a:spcBef>
+            </a:pPr>
+            <a:r>
+              <a:rPr lang="en-US" b="true" sz="2399">
+                <a:solidFill>
+                  <a:srgbClr val="000000"/>
+                </a:solidFill>
+                <a:latin typeface="Open Sans Bold"/>
+                <a:ea typeface="Open Sans Bold"/>
+                <a:cs typeface="Open Sans Bold"/>
+                <a:sym typeface="Open Sans Bold"/>
+              </a:rPr>
+              <a:t>Escalabilidad</a:t>
+            </a:r>
+          </a:p>
+        </p:txBody>
+      </p:sp>
+      <p:sp>
+        <p:nvSpPr>
+          <p:cNvPr name="TextBox 7" id="7"/>
+          <p:cNvSpPr txBox="true"/>
+          <p:nvPr/>
+        </p:nvSpPr>
+        <p:spPr>
+          <a:xfrm rot="0">
+            <a:off x="1334376" y="3307679"/>
+            <a:ext cx="14076721" cy="1656715"/>
+          </a:xfrm>
+          <a:prstGeom prst="rect">
+            <a:avLst/>
+          </a:prstGeom>
+        </p:spPr>
+        <p:txBody>
+          <a:bodyPr anchor="t" rtlCol="false" tIns="0" lIns="0" bIns="0" rIns="0">
+            <a:spAutoFit/>
+          </a:bodyPr>
+          <a:lstStyle/>
+          <a:p>
+            <a:pPr algn="l" marL="410209" indent="-205105" lvl="1">
+              <a:lnSpc>
+                <a:spcPts val="2659"/>
+              </a:lnSpc>
+              <a:buFont typeface="Arial"/>
+              <a:buChar char="•"/>
+            </a:pPr>
+            <a:r>
+              <a:rPr lang="en-US" sz="1899">
+                <a:solidFill>
+                  <a:srgbClr val="000000"/>
+                </a:solidFill>
+                <a:latin typeface="Open Sans"/>
+                <a:ea typeface="Open Sans"/>
+                <a:cs typeface="Open Sans"/>
+                <a:sym typeface="Open Sans"/>
+              </a:rPr>
+              <a:t>Ba</a:t>
+            </a:r>
+            <a:r>
+              <a:rPr lang="en-US" sz="1899">
+                <a:solidFill>
+                  <a:srgbClr val="000000"/>
+                </a:solidFill>
+                <a:latin typeface="Open Sans"/>
+                <a:ea typeface="Open Sans"/>
+                <a:cs typeface="Open Sans"/>
+                <a:sym typeface="Open Sans"/>
+              </a:rPr>
+              <a:t>lanceo de carga para distribuir tráfico entre servidores. </a:t>
+            </a:r>
+          </a:p>
+          <a:p>
+            <a:pPr algn="l" marL="410209" indent="-205105" lvl="1">
+              <a:lnSpc>
+                <a:spcPts val="2659"/>
+              </a:lnSpc>
+              <a:buFont typeface="Arial"/>
+              <a:buChar char="•"/>
+            </a:pPr>
+            <a:r>
+              <a:rPr lang="en-US" sz="1899">
+                <a:solidFill>
+                  <a:srgbClr val="000000"/>
+                </a:solidFill>
+                <a:latin typeface="Open Sans"/>
+                <a:ea typeface="Open Sans"/>
+                <a:cs typeface="Open Sans"/>
+                <a:sym typeface="Open Sans"/>
+              </a:rPr>
+              <a:t>Auto escalado horizontal en la nube. </a:t>
+            </a:r>
+          </a:p>
+          <a:p>
+            <a:pPr algn="l" marL="410209" indent="-205105" lvl="1">
+              <a:lnSpc>
+                <a:spcPts val="2659"/>
+              </a:lnSpc>
+              <a:buFont typeface="Arial"/>
+              <a:buChar char="•"/>
+            </a:pPr>
+            <a:r>
+              <a:rPr lang="en-US" sz="1899">
+                <a:solidFill>
+                  <a:srgbClr val="000000"/>
+                </a:solidFill>
+                <a:latin typeface="Open Sans"/>
+                <a:ea typeface="Open Sans"/>
+                <a:cs typeface="Open Sans"/>
+                <a:sym typeface="Open Sans"/>
+              </a:rPr>
+              <a:t>Caché para recursos frecuentes (imágenes, disponibilidad de cuartos). </a:t>
+            </a:r>
+          </a:p>
+          <a:p>
+            <a:pPr algn="l" marL="410209" indent="-205105" lvl="1">
+              <a:lnSpc>
+                <a:spcPts val="2659"/>
+              </a:lnSpc>
+              <a:buFont typeface="Arial"/>
+              <a:buChar char="•"/>
+            </a:pPr>
+            <a:r>
+              <a:rPr lang="en-US" sz="1899">
+                <a:solidFill>
+                  <a:srgbClr val="000000"/>
+                </a:solidFill>
+                <a:latin typeface="Open Sans"/>
+                <a:ea typeface="Open Sans"/>
+                <a:cs typeface="Open Sans"/>
+                <a:sym typeface="Open Sans"/>
+              </a:rPr>
+              <a:t>Colas asincrónicas para tareas no críticas. </a:t>
+            </a:r>
+          </a:p>
+          <a:p>
+            <a:pPr algn="l" marL="410209" indent="-205105" lvl="1">
+              <a:lnSpc>
+                <a:spcPts val="2659"/>
+              </a:lnSpc>
+              <a:buFont typeface="Arial"/>
+              <a:buChar char="•"/>
+            </a:pPr>
+            <a:r>
+              <a:rPr lang="en-US" sz="1899">
+                <a:solidFill>
+                  <a:srgbClr val="000000"/>
+                </a:solidFill>
+                <a:latin typeface="Open Sans"/>
+                <a:ea typeface="Open Sans"/>
+                <a:cs typeface="Open Sans"/>
+                <a:sym typeface="Open Sans"/>
+              </a:rPr>
+              <a:t>Separación de dominios como las reservas, limpieza de modo que se aislé la carga. </a:t>
+            </a:r>
+          </a:p>
+        </p:txBody>
+      </p:sp>
+      <p:sp>
+        <p:nvSpPr>
+          <p:cNvPr name="TextBox 8" id="8"/>
+          <p:cNvSpPr txBox="true"/>
+          <p:nvPr/>
+        </p:nvSpPr>
+        <p:spPr>
+          <a:xfrm rot="0">
+            <a:off x="1334376" y="5664568"/>
+            <a:ext cx="1960959" cy="396240"/>
+          </a:xfrm>
+          <a:prstGeom prst="rect">
+            <a:avLst/>
+          </a:prstGeom>
+        </p:spPr>
+        <p:txBody>
+          <a:bodyPr anchor="t" rtlCol="false" tIns="0" lIns="0" bIns="0" rIns="0">
+            <a:spAutoFit/>
+          </a:bodyPr>
+          <a:lstStyle/>
+          <a:p>
+            <a:pPr algn="ctr">
+              <a:lnSpc>
+                <a:spcPts val="3359"/>
+              </a:lnSpc>
+              <a:spcBef>
+                <a:spcPct val="0"/>
+              </a:spcBef>
+            </a:pPr>
+            <a:r>
+              <a:rPr lang="en-US" b="true" sz="2399">
+                <a:solidFill>
+                  <a:srgbClr val="000000"/>
+                </a:solidFill>
+                <a:latin typeface="Open Sans Bold"/>
+                <a:ea typeface="Open Sans Bold"/>
+                <a:cs typeface="Open Sans Bold"/>
+                <a:sym typeface="Open Sans Bold"/>
+              </a:rPr>
+              <a:t>Rendimiento</a:t>
+            </a:r>
+          </a:p>
+        </p:txBody>
+      </p:sp>
+      <p:sp>
+        <p:nvSpPr>
+          <p:cNvPr name="TextBox 9" id="9"/>
+          <p:cNvSpPr txBox="true"/>
+          <p:nvPr/>
+        </p:nvSpPr>
+        <p:spPr>
+          <a:xfrm rot="0">
+            <a:off x="1334376" y="6384550"/>
+            <a:ext cx="8962315" cy="656590"/>
+          </a:xfrm>
+          <a:prstGeom prst="rect">
+            <a:avLst/>
+          </a:prstGeom>
+        </p:spPr>
+        <p:txBody>
+          <a:bodyPr anchor="t" rtlCol="false" tIns="0" lIns="0" bIns="0" rIns="0">
+            <a:spAutoFit/>
+          </a:bodyPr>
+          <a:lstStyle/>
+          <a:p>
+            <a:pPr algn="l" marL="410209" indent="-205105" lvl="1">
+              <a:lnSpc>
+                <a:spcPts val="2659"/>
+              </a:lnSpc>
+              <a:buFont typeface="Arial"/>
+              <a:buChar char="•"/>
+            </a:pPr>
+            <a:r>
+              <a:rPr lang="en-US" sz="1899">
+                <a:solidFill>
+                  <a:srgbClr val="000000"/>
+                </a:solidFill>
+                <a:latin typeface="Open Sans"/>
+                <a:ea typeface="Open Sans"/>
+                <a:cs typeface="Open Sans"/>
+                <a:sym typeface="Open Sans"/>
+              </a:rPr>
+              <a:t>Reducir las llamadas al backend por cada acción. </a:t>
+            </a:r>
+          </a:p>
+          <a:p>
+            <a:pPr algn="l" marL="410209" indent="-205105" lvl="1">
+              <a:lnSpc>
+                <a:spcPts val="2659"/>
+              </a:lnSpc>
+              <a:buFont typeface="Arial"/>
+              <a:buChar char="•"/>
+            </a:pPr>
+            <a:r>
+              <a:rPr lang="en-US" sz="1899">
+                <a:solidFill>
+                  <a:srgbClr val="000000"/>
+                </a:solidFill>
+                <a:latin typeface="Open Sans"/>
+                <a:ea typeface="Open Sans"/>
+                <a:cs typeface="Open Sans"/>
+                <a:sym typeface="Open Sans"/>
+              </a:rPr>
+              <a:t>Monitoreo de tiempos de respuestas y alertas en caso de latencias elevadas </a:t>
+            </a:r>
+          </a:p>
+        </p:txBody>
+      </p:sp>
+      <p:sp>
+        <p:nvSpPr>
+          <p:cNvPr name="TextBox 10" id="10"/>
+          <p:cNvSpPr txBox="true"/>
+          <p:nvPr/>
+        </p:nvSpPr>
+        <p:spPr>
+          <a:xfrm rot="0">
+            <a:off x="1344720" y="7565015"/>
+            <a:ext cx="2677641" cy="396240"/>
+          </a:xfrm>
+          <a:prstGeom prst="rect">
+            <a:avLst/>
+          </a:prstGeom>
+        </p:spPr>
+        <p:txBody>
+          <a:bodyPr anchor="t" rtlCol="false" tIns="0" lIns="0" bIns="0" rIns="0">
+            <a:spAutoFit/>
+          </a:bodyPr>
+          <a:lstStyle/>
+          <a:p>
+            <a:pPr algn="ctr">
+              <a:lnSpc>
+                <a:spcPts val="3359"/>
+              </a:lnSpc>
+              <a:spcBef>
+                <a:spcPct val="0"/>
+              </a:spcBef>
+            </a:pPr>
+            <a:r>
+              <a:rPr lang="en-US" b="true" sz="2399">
+                <a:solidFill>
+                  <a:srgbClr val="000000"/>
+                </a:solidFill>
+                <a:latin typeface="Open Sans Bold"/>
+                <a:ea typeface="Open Sans Bold"/>
+                <a:cs typeface="Open Sans Bold"/>
+                <a:sym typeface="Open Sans Bold"/>
+              </a:rPr>
+              <a:t>Interoperabilidad</a:t>
+            </a:r>
+          </a:p>
+        </p:txBody>
+      </p:sp>
+      <p:sp>
+        <p:nvSpPr>
+          <p:cNvPr name="TextBox 11" id="11"/>
+          <p:cNvSpPr txBox="true"/>
+          <p:nvPr/>
+        </p:nvSpPr>
+        <p:spPr>
+          <a:xfrm rot="0">
+            <a:off x="1344720" y="8123181"/>
+            <a:ext cx="13243263" cy="989965"/>
+          </a:xfrm>
+          <a:prstGeom prst="rect">
+            <a:avLst/>
+          </a:prstGeom>
+        </p:spPr>
+        <p:txBody>
+          <a:bodyPr anchor="t" rtlCol="false" tIns="0" lIns="0" bIns="0" rIns="0">
+            <a:spAutoFit/>
+          </a:bodyPr>
+          <a:lstStyle/>
+          <a:p>
+            <a:pPr algn="l" marL="410209" indent="-205105" lvl="1">
+              <a:lnSpc>
+                <a:spcPts val="2659"/>
+              </a:lnSpc>
+              <a:buFont typeface="Arial"/>
+              <a:buChar char="•"/>
+            </a:pPr>
+            <a:r>
+              <a:rPr lang="en-US" sz="1899">
+                <a:solidFill>
+                  <a:srgbClr val="000000"/>
+                </a:solidFill>
+                <a:latin typeface="Open Sans"/>
+                <a:ea typeface="Open Sans"/>
+                <a:cs typeface="Open Sans"/>
+                <a:sym typeface="Open Sans"/>
+              </a:rPr>
+              <a:t>Uso de APIs bien definidas y documentadas. </a:t>
+            </a:r>
+          </a:p>
+          <a:p>
+            <a:pPr algn="l" marL="410209" indent="-205105" lvl="1">
+              <a:lnSpc>
+                <a:spcPts val="2659"/>
+              </a:lnSpc>
+              <a:buFont typeface="Arial"/>
+              <a:buChar char="•"/>
+            </a:pPr>
+            <a:r>
+              <a:rPr lang="en-US" sz="1899">
+                <a:solidFill>
+                  <a:srgbClr val="000000"/>
+                </a:solidFill>
+                <a:latin typeface="Open Sans"/>
+                <a:ea typeface="Open Sans"/>
+                <a:cs typeface="Open Sans"/>
+                <a:sym typeface="Open Sans"/>
+              </a:rPr>
+              <a:t>Monitorización de los puntos de integración para detectar fallos rápidamente. </a:t>
+            </a:r>
+          </a:p>
+          <a:p>
+            <a:pPr algn="l">
+              <a:lnSpc>
+                <a:spcPts val="2659"/>
+              </a:lnSpc>
+            </a:pPr>
           </a:p>
         </p:txBody>
       </p:sp>
@@ -10087,10 +12222,10 @@
         </p:nvGrpSpPr>
         <p:grpSpPr>
           <a:xfrm rot="0">
-            <a:off x="8798741" y="-6295583"/>
-            <a:ext cx="10820143" cy="9031933"/>
+            <a:off x="-1231426" y="-7006736"/>
+            <a:ext cx="21267702" cy="9794095"/>
             <a:chOff x="0" y="0"/>
-            <a:chExt cx="812800" cy="678471"/>
+            <a:chExt cx="1400172" cy="644800"/>
           </a:xfrm>
         </p:grpSpPr>
         <p:sp>
@@ -10102,7 +12237,7 @@
           <p:spPr>
             <a:xfrm flipH="false" flipV="false" rot="0">
               <a:off x="0" y="0"/>
-              <a:ext cx="812800" cy="678471"/>
+              <a:ext cx="1400172" cy="644800"/>
             </a:xfrm>
             <a:custGeom>
               <a:avLst/>
@@ -10111,29 +12246,29 @@
               <a:cxnLst/>
               <a:rect r="r" b="b" t="t" l="l"/>
               <a:pathLst>
-                <a:path h="678471" w="812800">
+                <a:path h="644800" w="1400172">
                   <a:moveTo>
-                    <a:pt x="406400" y="0"/>
+                    <a:pt x="700086" y="0"/>
                   </a:moveTo>
                   <a:cubicBezTo>
-                    <a:pt x="181951" y="0"/>
-                    <a:pt x="0" y="151881"/>
-                    <a:pt x="0" y="339236"/>
+                    <a:pt x="313439" y="0"/>
+                    <a:pt x="0" y="144343"/>
+                    <a:pt x="0" y="322400"/>
                   </a:cubicBezTo>
                   <a:cubicBezTo>
-                    <a:pt x="0" y="526590"/>
-                    <a:pt x="181951" y="678471"/>
-                    <a:pt x="406400" y="678471"/>
+                    <a:pt x="0" y="500457"/>
+                    <a:pt x="313439" y="644800"/>
+                    <a:pt x="700086" y="644800"/>
                   </a:cubicBezTo>
                   <a:cubicBezTo>
-                    <a:pt x="630849" y="678471"/>
-                    <a:pt x="812800" y="526590"/>
-                    <a:pt x="812800" y="339236"/>
+                    <a:pt x="1086733" y="644800"/>
+                    <a:pt x="1400172" y="500457"/>
+                    <a:pt x="1400172" y="322400"/>
                   </a:cubicBezTo>
                   <a:cubicBezTo>
-                    <a:pt x="812800" y="151881"/>
-                    <a:pt x="630849" y="0"/>
-                    <a:pt x="406400" y="0"/>
+                    <a:pt x="1400172" y="144343"/>
+                    <a:pt x="1086733" y="0"/>
+                    <a:pt x="700086" y="0"/>
                   </a:cubicBezTo>
                   <a:close/>
                 </a:path>
@@ -10152,8 +12287,8 @@
           </p:nvSpPr>
           <p:spPr>
             <a:xfrm>
-              <a:off x="76200" y="25507"/>
-              <a:ext cx="660400" cy="589358"/>
+              <a:off x="131266" y="22350"/>
+              <a:ext cx="1137640" cy="562000"/>
             </a:xfrm>
             <a:prstGeom prst="rect">
               <a:avLst/>
@@ -10175,112 +12310,16 @@
           </p:txBody>
         </p:sp>
       </p:grpSp>
-      <p:grpSp>
-        <p:nvGrpSpPr>
-          <p:cNvPr name="Group 5" id="5"/>
-          <p:cNvGrpSpPr/>
-          <p:nvPr/>
-        </p:nvGrpSpPr>
-        <p:grpSpPr>
-          <a:xfrm rot="0">
-            <a:off x="-2021402" y="-6143953"/>
-            <a:ext cx="10820143" cy="9031933"/>
-            <a:chOff x="0" y="0"/>
-            <a:chExt cx="812800" cy="678471"/>
-          </a:xfrm>
-        </p:grpSpPr>
-        <p:sp>
-          <p:nvSpPr>
-            <p:cNvPr name="Freeform 6" id="6"/>
-            <p:cNvSpPr/>
-            <p:nvPr/>
-          </p:nvSpPr>
-          <p:spPr>
-            <a:xfrm flipH="false" flipV="false" rot="0">
-              <a:off x="0" y="0"/>
-              <a:ext cx="812800" cy="678471"/>
-            </a:xfrm>
-            <a:custGeom>
-              <a:avLst/>
-              <a:gdLst/>
-              <a:ahLst/>
-              <a:cxnLst/>
-              <a:rect r="r" b="b" t="t" l="l"/>
-              <a:pathLst>
-                <a:path h="678471" w="812800">
-                  <a:moveTo>
-                    <a:pt x="406400" y="0"/>
-                  </a:moveTo>
-                  <a:cubicBezTo>
-                    <a:pt x="181951" y="0"/>
-                    <a:pt x="0" y="151881"/>
-                    <a:pt x="0" y="339236"/>
-                  </a:cubicBezTo>
-                  <a:cubicBezTo>
-                    <a:pt x="0" y="526590"/>
-                    <a:pt x="181951" y="678471"/>
-                    <a:pt x="406400" y="678471"/>
-                  </a:cubicBezTo>
-                  <a:cubicBezTo>
-                    <a:pt x="630849" y="678471"/>
-                    <a:pt x="812800" y="526590"/>
-                    <a:pt x="812800" y="339236"/>
-                  </a:cubicBezTo>
-                  <a:cubicBezTo>
-                    <a:pt x="812800" y="151881"/>
-                    <a:pt x="630849" y="0"/>
-                    <a:pt x="406400" y="0"/>
-                  </a:cubicBezTo>
-                  <a:close/>
-                </a:path>
-              </a:pathLst>
-            </a:custGeom>
-            <a:solidFill>
-              <a:srgbClr val="1C6CD8"/>
-            </a:solidFill>
-          </p:spPr>
-        </p:sp>
-        <p:sp>
-          <p:nvSpPr>
-            <p:cNvPr name="TextBox 7" id="7"/>
-            <p:cNvSpPr txBox="true"/>
-            <p:nvPr/>
-          </p:nvSpPr>
-          <p:spPr>
-            <a:xfrm>
-              <a:off x="76200" y="25507"/>
-              <a:ext cx="660400" cy="589358"/>
-            </a:xfrm>
-            <a:prstGeom prst="rect">
-              <a:avLst/>
-            </a:prstGeom>
-          </p:spPr>
-          <p:txBody>
-            <a:bodyPr anchor="ctr" rtlCol="false" tIns="50800" lIns="50800" bIns="50800" rIns="50800"/>
-            <a:lstStyle/>
-            <a:p>
-              <a:pPr algn="ctr">
-                <a:lnSpc>
-                  <a:spcPts val="2659"/>
-                </a:lnSpc>
-                <a:spcBef>
-                  <a:spcPct val="0"/>
-                </a:spcBef>
-              </a:pPr>
-            </a:p>
-          </p:txBody>
-        </p:sp>
-      </p:grpSp>
-      <p:sp>
-        <p:nvSpPr>
-          <p:cNvPr name="TextBox 8" id="8"/>
+      <p:sp>
+        <p:nvSpPr>
+          <p:cNvPr name="TextBox 5" id="5"/>
           <p:cNvSpPr txBox="true"/>
           <p:nvPr/>
         </p:nvSpPr>
         <p:spPr>
           <a:xfrm rot="0">
-            <a:off x="10919110" y="45212"/>
-            <a:ext cx="8571864" cy="1052576"/>
+            <a:off x="1344720" y="150999"/>
+            <a:ext cx="16380603" cy="1294161"/>
           </a:xfrm>
           <a:prstGeom prst="rect">
             <a:avLst/>
@@ -10294,14 +12333,14 @@
           <a:p>
             <a:pPr algn="l" marL="0" indent="0" lvl="0">
               <a:lnSpc>
-                <a:spcPts val="6591"/>
+                <a:spcPts val="8120"/>
               </a:lnSpc>
               <a:spcBef>
                 <a:spcPct val="0"/>
               </a:spcBef>
             </a:pPr>
             <a:r>
-              <a:rPr lang="en-US" b="true" sz="6399">
+              <a:rPr lang="en-US" b="true" sz="7883">
                 <a:solidFill>
                   <a:srgbClr val="FFFFFF"/>
                 </a:solidFill>
@@ -10310,21 +12349,21 @@
                 <a:cs typeface="Agrandir Ultra-Bold"/>
                 <a:sym typeface="Agrandir Ultra-Bold"/>
               </a:rPr>
-              <a:t>Escenarios</a:t>
+              <a:t>Tácticas atributos de calidad</a:t>
             </a:r>
           </a:p>
         </p:txBody>
       </p:sp>
       <p:sp>
         <p:nvSpPr>
-          <p:cNvPr name="TextBox 9" id="9"/>
+          <p:cNvPr name="TextBox 6" id="6"/>
           <p:cNvSpPr txBox="true"/>
           <p:nvPr/>
         </p:nvSpPr>
         <p:spPr>
           <a:xfrm rot="0">
-            <a:off x="738468" y="3860867"/>
-            <a:ext cx="16811063" cy="3396868"/>
+            <a:off x="1307773" y="2749259"/>
+            <a:ext cx="2034853" cy="396240"/>
           </a:xfrm>
           <a:prstGeom prst="rect">
             <a:avLst/>
@@ -10336,62 +12375,39 @@
           </a:bodyPr>
           <a:lstStyle/>
           <a:p>
-            <a:pPr algn="l">
+            <a:pPr algn="ctr">
               <a:lnSpc>
-                <a:spcPts val="4498"/>
+                <a:spcPts val="3359"/>
               </a:lnSpc>
+              <a:spcBef>
+                <a:spcPct val="0"/>
+              </a:spcBef>
             </a:pPr>
             <a:r>
-              <a:rPr lang="en-US" sz="2600">
+              <a:rPr lang="en-US" b="true" sz="2399">
                 <a:solidFill>
                   <a:srgbClr val="000000"/>
                 </a:solidFill>
-                <a:latin typeface="Agrandir"/>
-                <a:ea typeface="Agrandir"/>
-                <a:cs typeface="Agrandir"/>
-                <a:sym typeface="Agrandir"/>
+                <a:latin typeface="Open Sans Bold"/>
+                <a:ea typeface="Open Sans Bold"/>
+                <a:cs typeface="Open Sans Bold"/>
+                <a:sym typeface="Open Sans Bold"/>
               </a:rPr>
-              <a:t>1 Escenario: Reservas </a:t>
-            </a:r>
-          </a:p>
-          <a:p>
-            <a:pPr algn="l">
-              <a:lnSpc>
-                <a:spcPts val="4498"/>
-              </a:lnSpc>
-            </a:pPr>
-          </a:p>
-          <a:p>
-            <a:pPr algn="l">
-              <a:lnSpc>
-                <a:spcPts val="4498"/>
-              </a:lnSpc>
-            </a:pPr>
-            <a:r>
-              <a:rPr lang="en-US" sz="2600">
-                <a:solidFill>
-                  <a:srgbClr val="000000"/>
-                </a:solidFill>
-                <a:latin typeface="Agrandir"/>
-                <a:ea typeface="Agrandir"/>
-                <a:cs typeface="Agrandir"/>
-                <a:sym typeface="Agrandir"/>
-              </a:rPr>
-              <a:t>Este escenario nos muestra el proceso de reservas de habitaciones en un hotel, tanto por parte del huésped como del recepcionista (presencial o telefónica). El flujo principal gira en torno al caso de uso "Realizar reserva". Se representan actores externos, casos de uso primarios, secundarios, relaciones de inclusión y extensión. </a:t>
+              <a:t> Portabilidad </a:t>
             </a:r>
           </a:p>
         </p:txBody>
       </p:sp>
       <p:sp>
         <p:nvSpPr>
-          <p:cNvPr name="TextBox 10" id="10"/>
+          <p:cNvPr name="TextBox 7" id="7"/>
           <p:cNvSpPr txBox="true"/>
           <p:nvPr/>
         </p:nvSpPr>
         <p:spPr>
           <a:xfrm rot="0">
-            <a:off x="572136" y="45212"/>
-            <a:ext cx="8571864" cy="1881251"/>
+            <a:off x="1334376" y="3307679"/>
+            <a:ext cx="14076721" cy="656590"/>
           </a:xfrm>
           <a:prstGeom prst="rect">
             <a:avLst/>
@@ -10403,25 +12419,195 @@
           </a:bodyPr>
           <a:lstStyle/>
           <a:p>
-            <a:pPr algn="l" marL="0" indent="0" lvl="0">
+            <a:pPr algn="l" marL="410209" indent="-205105" lvl="1">
               <a:lnSpc>
-                <a:spcPts val="6591"/>
+                <a:spcPts val="2659"/>
+              </a:lnSpc>
+              <a:buFont typeface="Arial"/>
+              <a:buChar char="•"/>
+            </a:pPr>
+            <a:r>
+              <a:rPr lang="en-US" sz="1899">
+                <a:solidFill>
+                  <a:srgbClr val="000000"/>
+                </a:solidFill>
+                <a:latin typeface="Open Sans"/>
+                <a:ea typeface="Open Sans"/>
+                <a:cs typeface="Open Sans"/>
+                <a:sym typeface="Open Sans"/>
+              </a:rPr>
+              <a:t>Diseño desacoplado del backend y frontend (API-first). </a:t>
+            </a:r>
+          </a:p>
+          <a:p>
+            <a:pPr algn="l" marL="410209" indent="-205105" lvl="1">
+              <a:lnSpc>
+                <a:spcPts val="2659"/>
+              </a:lnSpc>
+              <a:buFont typeface="Arial"/>
+              <a:buChar char="•"/>
+            </a:pPr>
+            <a:r>
+              <a:rPr lang="en-US" sz="1899">
+                <a:solidFill>
+                  <a:srgbClr val="000000"/>
+                </a:solidFill>
+                <a:latin typeface="Open Sans"/>
+                <a:ea typeface="Open Sans"/>
+                <a:cs typeface="Open Sans"/>
+                <a:sym typeface="Open Sans"/>
+              </a:rPr>
+              <a:t>Adaptación de interfaces a distintos dispositivos (responsive y mobile-first design). </a:t>
+            </a:r>
+          </a:p>
+        </p:txBody>
+      </p:sp>
+      <p:sp>
+        <p:nvSpPr>
+          <p:cNvPr name="TextBox 8" id="8"/>
+          <p:cNvSpPr txBox="true"/>
+          <p:nvPr/>
+        </p:nvSpPr>
+        <p:spPr>
+          <a:xfrm rot="0">
+            <a:off x="1344720" y="4926330"/>
+            <a:ext cx="1686744" cy="396240"/>
+          </a:xfrm>
+          <a:prstGeom prst="rect">
+            <a:avLst/>
+          </a:prstGeom>
+        </p:spPr>
+        <p:txBody>
+          <a:bodyPr anchor="t" rtlCol="false" tIns="0" lIns="0" bIns="0" rIns="0">
+            <a:spAutoFit/>
+          </a:bodyPr>
+          <a:lstStyle/>
+          <a:p>
+            <a:pPr algn="ctr">
+              <a:lnSpc>
+                <a:spcPts val="3359"/>
               </a:lnSpc>
               <a:spcBef>
                 <a:spcPct val="0"/>
               </a:spcBef>
             </a:pPr>
             <a:r>
-              <a:rPr lang="en-US" b="true" sz="6399">
+              <a:rPr lang="en-US" b="true" sz="2399">
                 <a:solidFill>
-                  <a:srgbClr val="FFFFFF"/>
+                  <a:srgbClr val="000000"/>
                 </a:solidFill>
-                <a:latin typeface="Agrandir Ultra-Bold"/>
-                <a:ea typeface="Agrandir Ultra-Bold"/>
-                <a:cs typeface="Agrandir Ultra-Bold"/>
-                <a:sym typeface="Agrandir Ultra-Bold"/>
+                <a:latin typeface="Open Sans Bold"/>
+                <a:ea typeface="Open Sans Bold"/>
+                <a:cs typeface="Open Sans Bold"/>
+                <a:sym typeface="Open Sans Bold"/>
               </a:rPr>
-              <a:t>Arquitectura 4+1 vistas</a:t>
+              <a:t>Usabilidad </a:t>
+            </a:r>
+          </a:p>
+        </p:txBody>
+      </p:sp>
+      <p:sp>
+        <p:nvSpPr>
+          <p:cNvPr name="TextBox 9" id="9"/>
+          <p:cNvSpPr txBox="true"/>
+          <p:nvPr/>
+        </p:nvSpPr>
+        <p:spPr>
+          <a:xfrm rot="0">
+            <a:off x="1344720" y="5675965"/>
+            <a:ext cx="8962315" cy="1323340"/>
+          </a:xfrm>
+          <a:prstGeom prst="rect">
+            <a:avLst/>
+          </a:prstGeom>
+        </p:spPr>
+        <p:txBody>
+          <a:bodyPr anchor="t" rtlCol="false" tIns="0" lIns="0" bIns="0" rIns="0">
+            <a:spAutoFit/>
+          </a:bodyPr>
+          <a:lstStyle/>
+          <a:p>
+            <a:pPr algn="l" marL="410209" indent="-205105" lvl="1">
+              <a:lnSpc>
+                <a:spcPts val="2659"/>
+              </a:lnSpc>
+              <a:buFont typeface="Arial"/>
+              <a:buChar char="•"/>
+            </a:pPr>
+            <a:r>
+              <a:rPr lang="en-US" sz="1899">
+                <a:solidFill>
+                  <a:srgbClr val="000000"/>
+                </a:solidFill>
+                <a:latin typeface="Open Sans"/>
+                <a:ea typeface="Open Sans"/>
+                <a:cs typeface="Open Sans"/>
+                <a:sym typeface="Open Sans"/>
+              </a:rPr>
+              <a:t>Pruebas de usabilidad con usuarios reales. </a:t>
+            </a:r>
+          </a:p>
+          <a:p>
+            <a:pPr algn="l" marL="410209" indent="-205105" lvl="1">
+              <a:lnSpc>
+                <a:spcPts val="2659"/>
+              </a:lnSpc>
+              <a:buFont typeface="Arial"/>
+              <a:buChar char="•"/>
+            </a:pPr>
+            <a:r>
+              <a:rPr lang="en-US" sz="1899">
+                <a:solidFill>
+                  <a:srgbClr val="000000"/>
+                </a:solidFill>
+                <a:latin typeface="Open Sans"/>
+                <a:ea typeface="Open Sans"/>
+                <a:cs typeface="Open Sans"/>
+                <a:sym typeface="Open Sans"/>
+              </a:rPr>
+              <a:t>Interfaces adaptadas según rol (huésped, limpieza, recepción). </a:t>
+            </a:r>
+          </a:p>
+          <a:p>
+            <a:pPr algn="l" marL="410209" indent="-205105" lvl="1">
+              <a:lnSpc>
+                <a:spcPts val="2659"/>
+              </a:lnSpc>
+              <a:buFont typeface="Arial"/>
+              <a:buChar char="•"/>
+            </a:pPr>
+            <a:r>
+              <a:rPr lang="en-US" sz="1899">
+                <a:solidFill>
+                  <a:srgbClr val="000000"/>
+                </a:solidFill>
+                <a:latin typeface="Open Sans"/>
+                <a:ea typeface="Open Sans"/>
+                <a:cs typeface="Open Sans"/>
+                <a:sym typeface="Open Sans"/>
+              </a:rPr>
+              <a:t>Consistencia visual y navegación simple (estándares UX/UI). </a:t>
+            </a:r>
+          </a:p>
+          <a:p>
+            <a:pPr algn="l" marL="410209" indent="-205105" lvl="1">
+              <a:lnSpc>
+                <a:spcPts val="2659"/>
+              </a:lnSpc>
+              <a:buFont typeface="Arial"/>
+              <a:buChar char="•"/>
+            </a:pPr>
+            <a:r>
+              <a:rPr lang="en-US" sz="1899">
+                <a:solidFill>
+                  <a:srgbClr val="000000"/>
+                </a:solidFill>
+                <a:latin typeface="Open Sans"/>
+                <a:ea typeface="Open Sans"/>
+                <a:cs typeface="Open Sans"/>
+                <a:sym typeface="Open Sans"/>
+              </a:rPr>
+              <a:t>Feedback inmediato al usuario (confirmaciones visuales y mensajes claros). </a:t>
             </a:r>
           </a:p>
         </p:txBody>
@@ -10435,7 +12621,7 @@
 </file>
 
 <file path=ppt/slides/slide9.xml><?xml version="1.0" encoding="utf-8"?>
-<p:sld xmlns:p="http://schemas.openxmlformats.org/presentationml/2006/main" xmlns:a="http://schemas.openxmlformats.org/drawingml/2006/main" xmlns:r="http://schemas.openxmlformats.org/officeDocument/2006/relationships">
+<p:sld xmlns:p="http://schemas.openxmlformats.org/presentationml/2006/main" xmlns:a="http://schemas.openxmlformats.org/drawingml/2006/main">
   <p:cSld>
     <p:spTree>
       <p:nvGrpSpPr>
@@ -10459,10 +12645,10 @@
         </p:nvGrpSpPr>
         <p:grpSpPr>
           <a:xfrm rot="0">
-            <a:off x="8798741" y="-6295583"/>
-            <a:ext cx="10820143" cy="9031933"/>
+            <a:off x="-947112" y="-7575003"/>
+            <a:ext cx="21046938" cy="11085771"/>
             <a:chOff x="0" y="0"/>
-            <a:chExt cx="812800" cy="678471"/>
+            <a:chExt cx="1288114" cy="678471"/>
           </a:xfrm>
         </p:grpSpPr>
         <p:sp>
@@ -10474,7 +12660,7 @@
           <p:spPr>
             <a:xfrm flipH="false" flipV="false" rot="0">
               <a:off x="0" y="0"/>
-              <a:ext cx="812800" cy="678471"/>
+              <a:ext cx="1288114" cy="678471"/>
             </a:xfrm>
             <a:custGeom>
               <a:avLst/>
@@ -10483,29 +12669,29 @@
               <a:cxnLst/>
               <a:rect r="r" b="b" t="t" l="l"/>
               <a:pathLst>
-                <a:path h="678471" w="812800">
+                <a:path h="678471" w="1288114">
                   <a:moveTo>
-                    <a:pt x="406400" y="0"/>
+                    <a:pt x="644057" y="0"/>
                   </a:moveTo>
                   <a:cubicBezTo>
-                    <a:pt x="181951" y="0"/>
+                    <a:pt x="288354" y="0"/>
                     <a:pt x="0" y="151881"/>
                     <a:pt x="0" y="339236"/>
                   </a:cubicBezTo>
                   <a:cubicBezTo>
                     <a:pt x="0" y="526590"/>
-                    <a:pt x="181951" y="678471"/>
-                    <a:pt x="406400" y="678471"/>
+                    <a:pt x="288354" y="678471"/>
+                    <a:pt x="644057" y="678471"/>
                   </a:cubicBezTo>
                   <a:cubicBezTo>
-                    <a:pt x="630849" y="678471"/>
-                    <a:pt x="812800" y="526590"/>
-                    <a:pt x="812800" y="339236"/>
+                    <a:pt x="999760" y="678471"/>
+                    <a:pt x="1288114" y="526590"/>
+                    <a:pt x="1288114" y="339236"/>
                   </a:cubicBezTo>
                   <a:cubicBezTo>
-                    <a:pt x="812800" y="151881"/>
-                    <a:pt x="630849" y="0"/>
-                    <a:pt x="406400" y="0"/>
+                    <a:pt x="1288114" y="151881"/>
+                    <a:pt x="999760" y="0"/>
+                    <a:pt x="644057" y="0"/>
                   </a:cubicBezTo>
                   <a:close/>
                 </a:path>
@@ -10524,8 +12710,8 @@
           </p:nvSpPr>
           <p:spPr>
             <a:xfrm>
-              <a:off x="76200" y="25507"/>
-              <a:ext cx="660400" cy="589358"/>
+              <a:off x="120761" y="25507"/>
+              <a:ext cx="1046593" cy="589358"/>
             </a:xfrm>
             <a:prstGeom prst="rect">
               <a:avLst/>
@@ -10549,60 +12735,14 @@
       </p:grpSp>
       <p:sp>
         <p:nvSpPr>
-          <p:cNvPr name="Freeform 5" id="5"/>
-          <p:cNvSpPr/>
-          <p:nvPr/>
-        </p:nvSpPr>
-        <p:spPr>
-          <a:xfrm flipH="false" flipV="false" rot="0">
-            <a:off x="2014110" y="2942119"/>
-            <a:ext cx="12413884" cy="6610393"/>
-          </a:xfrm>
-          <a:custGeom>
-            <a:avLst/>
-            <a:gdLst/>
-            <a:ahLst/>
-            <a:cxnLst/>
-            <a:rect r="r" b="b" t="t" l="l"/>
-            <a:pathLst>
-              <a:path h="6610393" w="12413884">
-                <a:moveTo>
-                  <a:pt x="0" y="0"/>
-                </a:moveTo>
-                <a:lnTo>
-                  <a:pt x="12413885" y="0"/>
-                </a:lnTo>
-                <a:lnTo>
-                  <a:pt x="12413885" y="6610393"/>
-                </a:lnTo>
-                <a:lnTo>
-                  <a:pt x="0" y="6610393"/>
-                </a:lnTo>
-                <a:lnTo>
-                  <a:pt x="0" y="0"/>
-                </a:lnTo>
-                <a:close/>
-              </a:path>
-            </a:pathLst>
-          </a:custGeom>
-          <a:blipFill>
-            <a:blip r:embed="rId2"/>
-            <a:stretch>
-              <a:fillRect l="0" t="0" r="0" b="0"/>
-            </a:stretch>
-          </a:blipFill>
-        </p:spPr>
-      </p:sp>
-      <p:sp>
-        <p:nvSpPr>
-          <p:cNvPr name="TextBox 6" id="6"/>
+          <p:cNvPr name="TextBox 5" id="5"/>
           <p:cNvSpPr txBox="true"/>
           <p:nvPr/>
         </p:nvSpPr>
         <p:spPr>
           <a:xfrm rot="0">
-            <a:off x="10919110" y="45212"/>
-            <a:ext cx="8571864" cy="1052576"/>
+            <a:off x="2196014" y="-95250"/>
+            <a:ext cx="15207289" cy="2322861"/>
           </a:xfrm>
           <a:prstGeom prst="rect">
             <a:avLst/>
@@ -10616,14 +12756,14 @@
           <a:p>
             <a:pPr algn="l" marL="0" indent="0" lvl="0">
               <a:lnSpc>
-                <a:spcPts val="6591"/>
+                <a:spcPts val="8120"/>
               </a:lnSpc>
               <a:spcBef>
                 <a:spcPct val="0"/>
               </a:spcBef>
             </a:pPr>
             <a:r>
-              <a:rPr lang="en-US" b="true" sz="6399">
+              <a:rPr lang="en-US" b="true" sz="7883">
                 <a:solidFill>
                   <a:srgbClr val="FFFFFF"/>
                 </a:solidFill>
@@ -10632,21 +12772,21 @@
                 <a:cs typeface="Agrandir Ultra-Bold"/>
                 <a:sym typeface="Agrandir Ultra-Bold"/>
               </a:rPr>
-              <a:t>Escenarios</a:t>
+              <a:t>Patrones arquitectonicos y sus tácticas</a:t>
             </a:r>
           </a:p>
         </p:txBody>
       </p:sp>
       <p:sp>
         <p:nvSpPr>
-          <p:cNvPr name="TextBox 7" id="7"/>
+          <p:cNvPr name="TextBox 6" id="6"/>
           <p:cNvSpPr txBox="true"/>
           <p:nvPr/>
         </p:nvSpPr>
         <p:spPr>
           <a:xfrm rot="0">
-            <a:off x="572136" y="45212"/>
-            <a:ext cx="8571864" cy="1881251"/>
+            <a:off x="1627835" y="3293598"/>
+            <a:ext cx="2190304" cy="396240"/>
           </a:xfrm>
           <a:prstGeom prst="rect">
             <a:avLst/>
@@ -10658,25 +12798,271 @@
           </a:bodyPr>
           <a:lstStyle/>
           <a:p>
-            <a:pPr algn="l" marL="0" indent="0" lvl="0">
+            <a:pPr algn="ctr">
               <a:lnSpc>
-                <a:spcPts val="6591"/>
+                <a:spcPts val="3359"/>
               </a:lnSpc>
               <a:spcBef>
                 <a:spcPct val="0"/>
               </a:spcBef>
             </a:pPr>
             <a:r>
-              <a:rPr lang="en-US" b="true" sz="6399">
+              <a:rPr lang="en-US" b="true" sz="2399">
                 <a:solidFill>
-                  <a:srgbClr val="FFFFFF"/>
+                  <a:srgbClr val="000000"/>
                 </a:solidFill>
-                <a:latin typeface="Agrandir Ultra-Bold"/>
-                <a:ea typeface="Agrandir Ultra-Bold"/>
-                <a:cs typeface="Agrandir Ultra-Bold"/>
-                <a:sym typeface="Agrandir Ultra-Bold"/>
+                <a:latin typeface="Open Sans Bold"/>
+                <a:ea typeface="Open Sans Bold"/>
+                <a:cs typeface="Open Sans Bold"/>
+                <a:sym typeface="Open Sans Bold"/>
               </a:rPr>
-              <a:t>Arquitectura 4+1 vistas</a:t>
+              <a:t>Microservicios</a:t>
+            </a:r>
+          </a:p>
+        </p:txBody>
+      </p:sp>
+      <p:sp>
+        <p:nvSpPr>
+          <p:cNvPr name="TextBox 7" id="7"/>
+          <p:cNvSpPr txBox="true"/>
+          <p:nvPr/>
+        </p:nvSpPr>
+        <p:spPr>
+          <a:xfrm rot="0">
+            <a:off x="1448029" y="3970657"/>
+            <a:ext cx="14076721" cy="656590"/>
+          </a:xfrm>
+          <a:prstGeom prst="rect">
+            <a:avLst/>
+          </a:prstGeom>
+        </p:spPr>
+        <p:txBody>
+          <a:bodyPr anchor="t" rtlCol="false" tIns="0" lIns="0" bIns="0" rIns="0">
+            <a:spAutoFit/>
+          </a:bodyPr>
+          <a:lstStyle/>
+          <a:p>
+            <a:pPr algn="l" marL="410209" indent="-205105" lvl="1">
+              <a:lnSpc>
+                <a:spcPts val="2659"/>
+              </a:lnSpc>
+              <a:buFont typeface="Arial"/>
+              <a:buChar char="•"/>
+            </a:pPr>
+            <a:r>
+              <a:rPr lang="en-US" sz="1899">
+                <a:solidFill>
+                  <a:srgbClr val="000000"/>
+                </a:solidFill>
+                <a:latin typeface="Open Sans"/>
+                <a:ea typeface="Open Sans"/>
+                <a:cs typeface="Open Sans"/>
+                <a:sym typeface="Open Sans"/>
+              </a:rPr>
+              <a:t>Separación funcional por dominios de negocio</a:t>
+            </a:r>
+          </a:p>
+          <a:p>
+            <a:pPr algn="l" marL="410209" indent="-205105" lvl="1">
+              <a:lnSpc>
+                <a:spcPts val="2659"/>
+              </a:lnSpc>
+              <a:buFont typeface="Arial"/>
+              <a:buChar char="•"/>
+            </a:pPr>
+            <a:r>
+              <a:rPr lang="en-US" sz="1899">
+                <a:solidFill>
+                  <a:srgbClr val="000000"/>
+                </a:solidFill>
+                <a:latin typeface="Open Sans"/>
+                <a:ea typeface="Open Sans"/>
+                <a:cs typeface="Open Sans"/>
+                <a:sym typeface="Open Sans"/>
+              </a:rPr>
+              <a:t>Autonomía y despliegue independiente (Independent Deployment)</a:t>
+            </a:r>
+          </a:p>
+        </p:txBody>
+      </p:sp>
+      <p:sp>
+        <p:nvSpPr>
+          <p:cNvPr name="TextBox 8" id="8"/>
+          <p:cNvSpPr txBox="true"/>
+          <p:nvPr/>
+        </p:nvSpPr>
+        <p:spPr>
+          <a:xfrm rot="0">
+            <a:off x="1627835" y="5359165"/>
+            <a:ext cx="5104656" cy="1069340"/>
+          </a:xfrm>
+          <a:prstGeom prst="rect">
+            <a:avLst/>
+          </a:prstGeom>
+        </p:spPr>
+        <p:txBody>
+          <a:bodyPr anchor="t" rtlCol="false" tIns="0" lIns="0" bIns="0" rIns="0">
+            <a:spAutoFit/>
+          </a:bodyPr>
+          <a:lstStyle/>
+          <a:p>
+            <a:pPr algn="ctr">
+              <a:lnSpc>
+                <a:spcPts val="3359"/>
+              </a:lnSpc>
+            </a:pPr>
+            <a:r>
+              <a:rPr lang="en-US" sz="2399" b="true">
+                <a:solidFill>
+                  <a:srgbClr val="000000"/>
+                </a:solidFill>
+                <a:latin typeface="Open Sans Bold"/>
+                <a:ea typeface="Open Sans Bold"/>
+                <a:cs typeface="Open Sans Bold"/>
+                <a:sym typeface="Open Sans Bold"/>
+              </a:rPr>
+              <a:t>Patrón Bus de Evento (Event Bus) </a:t>
+            </a:r>
+          </a:p>
+          <a:p>
+            <a:pPr algn="l" marL="410209" indent="-205105" lvl="1">
+              <a:lnSpc>
+                <a:spcPts val="2659"/>
+              </a:lnSpc>
+              <a:buFont typeface="Arial"/>
+              <a:buChar char="•"/>
+            </a:pPr>
+            <a:r>
+              <a:rPr lang="en-US" sz="1899">
+                <a:solidFill>
+                  <a:srgbClr val="000000"/>
+                </a:solidFill>
+                <a:latin typeface="Open Sans"/>
+                <a:ea typeface="Open Sans"/>
+                <a:cs typeface="Open Sans"/>
+                <a:sym typeface="Open Sans"/>
+              </a:rPr>
+              <a:t>Broker de mensajes centralizado</a:t>
+            </a:r>
+          </a:p>
+          <a:p>
+            <a:pPr algn="l" marL="410209" indent="-205105" lvl="1">
+              <a:lnSpc>
+                <a:spcPts val="2659"/>
+              </a:lnSpc>
+              <a:buFont typeface="Arial"/>
+              <a:buChar char="•"/>
+            </a:pPr>
+            <a:r>
+              <a:rPr lang="en-US" sz="1899">
+                <a:solidFill>
+                  <a:srgbClr val="000000"/>
+                </a:solidFill>
+                <a:latin typeface="Open Sans"/>
+                <a:ea typeface="Open Sans"/>
+                <a:cs typeface="Open Sans"/>
+                <a:sym typeface="Open Sans"/>
+              </a:rPr>
+              <a:t>Suscripción por interés</a:t>
+            </a:r>
+          </a:p>
+        </p:txBody>
+      </p:sp>
+      <p:sp>
+        <p:nvSpPr>
+          <p:cNvPr name="TextBox 9" id="9"/>
+          <p:cNvSpPr txBox="true"/>
+          <p:nvPr/>
+        </p:nvSpPr>
+        <p:spPr>
+          <a:xfrm rot="0">
+            <a:off x="1627835" y="7161930"/>
+            <a:ext cx="2380952" cy="396240"/>
+          </a:xfrm>
+          <a:prstGeom prst="rect">
+            <a:avLst/>
+          </a:prstGeom>
+        </p:spPr>
+        <p:txBody>
+          <a:bodyPr anchor="t" rtlCol="false" tIns="0" lIns="0" bIns="0" rIns="0">
+            <a:spAutoFit/>
+          </a:bodyPr>
+          <a:lstStyle/>
+          <a:p>
+            <a:pPr algn="ctr">
+              <a:lnSpc>
+                <a:spcPts val="3359"/>
+              </a:lnSpc>
+              <a:spcBef>
+                <a:spcPct val="0"/>
+              </a:spcBef>
+            </a:pPr>
+            <a:r>
+              <a:rPr lang="en-US" b="true" sz="2399">
+                <a:solidFill>
+                  <a:srgbClr val="000000"/>
+                </a:solidFill>
+                <a:latin typeface="Open Sans Bold"/>
+                <a:ea typeface="Open Sans Bold"/>
+                <a:cs typeface="Open Sans Bold"/>
+                <a:sym typeface="Open Sans Bold"/>
+              </a:rPr>
+              <a:t>Circuit Breaker </a:t>
+            </a:r>
+          </a:p>
+        </p:txBody>
+      </p:sp>
+      <p:sp>
+        <p:nvSpPr>
+          <p:cNvPr name="TextBox 10" id="10"/>
+          <p:cNvSpPr txBox="true"/>
+          <p:nvPr/>
+        </p:nvSpPr>
+        <p:spPr>
+          <a:xfrm rot="0">
+            <a:off x="1627835" y="7834396"/>
+            <a:ext cx="14076721" cy="323215"/>
+          </a:xfrm>
+          <a:prstGeom prst="rect">
+            <a:avLst/>
+          </a:prstGeom>
+        </p:spPr>
+        <p:txBody>
+          <a:bodyPr anchor="t" rtlCol="false" tIns="0" lIns="0" bIns="0" rIns="0">
+            <a:spAutoFit/>
+          </a:bodyPr>
+          <a:lstStyle/>
+          <a:p>
+            <a:pPr algn="l" marL="410209" indent="-205105" lvl="1">
+              <a:lnSpc>
+                <a:spcPts val="2659"/>
+              </a:lnSpc>
+              <a:buFont typeface="Arial"/>
+              <a:buChar char="•"/>
+            </a:pPr>
+            <a:r>
+              <a:rPr lang="en-US" sz="1899">
+                <a:solidFill>
+                  <a:srgbClr val="000000"/>
+                </a:solidFill>
+                <a:latin typeface="Open Sans"/>
+                <a:ea typeface="Open Sans"/>
+                <a:cs typeface="Open Sans"/>
+                <a:sym typeface="Open Sans"/>
+              </a:rPr>
+              <a:t>Circuit Breaker con Respuesta Alternativa desde el API Gateway</a:t>
+            </a:r>
+            <a:r>
+              <a:rPr lang="en-US" sz="1899">
+                <a:solidFill>
+                  <a:srgbClr val="000000"/>
+                </a:solidFill>
+                <a:latin typeface="Open Sans"/>
+                <a:ea typeface="Open Sans"/>
+                <a:cs typeface="Open Sans"/>
+                <a:sym typeface="Open Sans"/>
+              </a:rPr>
+              <a:t> </a:t>
             </a:r>
           </a:p>
         </p:txBody>

--- a/Project/Documentos/Rommies.pptx
+++ b/Project/Documentos/Rommies.pptx
@@ -1,69 +1,76 @@
 
 <file path=ppt/presentation.xml><?xml version="1.0" encoding="utf-8"?>
-<p:presentation xmlns:a="http://schemas.openxmlformats.org/drawingml/2006/main" xmlns:r="http://schemas.openxmlformats.org/officeDocument/2006/relationships" xmlns:p="http://schemas.openxmlformats.org/presentationml/2006/main" saveSubsetFonts="1" embedTrueTypeFonts="true">
+<p:presentation xmlns:a="http://schemas.openxmlformats.org/drawingml/2006/main" xmlns:r="http://schemas.openxmlformats.org/officeDocument/2006/relationships" xmlns:p="http://schemas.openxmlformats.org/presentationml/2006/main" embedTrueTypeFonts="1" saveSubsetFonts="1">
   <p:sldMasterIdLst>
     <p:sldMasterId id="2147483648" r:id="rId1"/>
   </p:sldMasterIdLst>
   <p:sldIdLst>
-    <p:sldId id="256" r:id="rId6"/>
-    <p:sldId id="257" r:id="rId7"/>
-    <p:sldId id="258" r:id="rId8"/>
-    <p:sldId id="259" r:id="rId9"/>
-    <p:sldId id="260" r:id="rId10"/>
-    <p:sldId id="261" r:id="rId11"/>
-    <p:sldId id="262" r:id="rId12"/>
-    <p:sldId id="263" r:id="rId13"/>
-    <p:sldId id="264" r:id="rId14"/>
-    <p:sldId id="265" r:id="rId15"/>
-    <p:sldId id="266" r:id="rId16"/>
-    <p:sldId id="267" r:id="rId17"/>
-    <p:sldId id="268" r:id="rId18"/>
-    <p:sldId id="269" r:id="rId19"/>
-    <p:sldId id="270" r:id="rId20"/>
-    <p:sldId id="271" r:id="rId21"/>
-    <p:sldId id="272" r:id="rId22"/>
-    <p:sldId id="273" r:id="rId23"/>
-    <p:sldId id="274" r:id="rId24"/>
-    <p:sldId id="275" r:id="rId25"/>
-    <p:sldId id="276" r:id="rId26"/>
-    <p:sldId id="277" r:id="rId27"/>
-    <p:sldId id="278" r:id="rId28"/>
-    <p:sldId id="279" r:id="rId29"/>
-    <p:sldId id="280" r:id="rId30"/>
-    <p:sldId id="281" r:id="rId31"/>
-    <p:sldId id="282" r:id="rId32"/>
-    <p:sldId id="283" r:id="rId33"/>
-    <p:sldId id="284" r:id="rId34"/>
+    <p:sldId id="256" r:id="rId2"/>
+    <p:sldId id="257" r:id="rId3"/>
+    <p:sldId id="258" r:id="rId4"/>
+    <p:sldId id="259" r:id="rId5"/>
+    <p:sldId id="260" r:id="rId6"/>
+    <p:sldId id="261" r:id="rId7"/>
+    <p:sldId id="262" r:id="rId8"/>
+    <p:sldId id="263" r:id="rId9"/>
+    <p:sldId id="264" r:id="rId10"/>
+    <p:sldId id="265" r:id="rId11"/>
+    <p:sldId id="266" r:id="rId12"/>
+    <p:sldId id="267" r:id="rId13"/>
+    <p:sldId id="268" r:id="rId14"/>
+    <p:sldId id="269" r:id="rId15"/>
+    <p:sldId id="270" r:id="rId16"/>
+    <p:sldId id="271" r:id="rId17"/>
+    <p:sldId id="272" r:id="rId18"/>
+    <p:sldId id="273" r:id="rId19"/>
+    <p:sldId id="274" r:id="rId20"/>
+    <p:sldId id="275" r:id="rId21"/>
+    <p:sldId id="276" r:id="rId22"/>
+    <p:sldId id="277" r:id="rId23"/>
+    <p:sldId id="278" r:id="rId24"/>
+    <p:sldId id="279" r:id="rId25"/>
+    <p:sldId id="280" r:id="rId26"/>
+    <p:sldId id="281" r:id="rId27"/>
+    <p:sldId id="282" r:id="rId28"/>
+    <p:sldId id="283" r:id="rId29"/>
+    <p:sldId id="284" r:id="rId30"/>
   </p:sldIdLst>
   <p:sldSz cx="18288000" cy="10287000"/>
   <p:notesSz cx="6858000" cy="9144000"/>
   <p:embeddedFontLst>
     <p:embeddedFont>
-      <p:font typeface="Agrandir Ultra-Bold" charset="1" panose="00000A00000000000000"/>
-      <p:regular r:id="rId35"/>
+      <p:font typeface="Agrandir" panose="020B0604020202020204" charset="0"/>
+      <p:regular r:id="rId31"/>
     </p:embeddedFont>
     <p:embeddedFont>
-      <p:font typeface="Open Sans Ultra-Bold" charset="1" panose="00000000000000000000"/>
-      <p:regular r:id="rId36"/>
+      <p:font typeface="Agrandir Bold" panose="020B0604020202020204" charset="0"/>
+      <p:regular r:id="rId32"/>
     </p:embeddedFont>
     <p:embeddedFont>
-      <p:font typeface="Agrandir Medium" charset="1" panose="00000600000000000000"/>
-      <p:regular r:id="rId37"/>
+      <p:font typeface="Agrandir Medium" panose="020B0604020202020204" charset="0"/>
+      <p:regular r:id="rId33"/>
     </p:embeddedFont>
     <p:embeddedFont>
-      <p:font typeface="Agrandir" charset="1" panose="00000500000000000000"/>
-      <p:regular r:id="rId38"/>
+      <p:font typeface="Agrandir Ultra-Bold" panose="020B0604020202020204" charset="0"/>
+      <p:regular r:id="rId34"/>
     </p:embeddedFont>
     <p:embeddedFont>
-      <p:font typeface="Open Sans Bold" charset="1" panose="020B0806030504020204"/>
+      <p:font typeface="Calibri" panose="020F0502020204030204" pitchFamily="34" charset="0"/>
+      <p:regular r:id="rId35"/>
+      <p:bold r:id="rId36"/>
+      <p:italic r:id="rId37"/>
+      <p:boldItalic r:id="rId38"/>
+    </p:embeddedFont>
+    <p:embeddedFont>
+      <p:font typeface="Open Sans" panose="020B0606030504020204" pitchFamily="34" charset="0"/>
       <p:regular r:id="rId39"/>
     </p:embeddedFont>
     <p:embeddedFont>
-      <p:font typeface="Open Sans" charset="1" panose="020B0606030504020204"/>
+      <p:font typeface="Open Sans Bold" panose="020B0806030504020204" charset="0"/>
       <p:regular r:id="rId40"/>
     </p:embeddedFont>
     <p:embeddedFont>
-      <p:font typeface="Agrandir Bold" charset="1" panose="00000800000000000000"/>
+      <p:font typeface="Open Sans Ultra-Bold" panose="020B0604020202020204" charset="0"/>
       <p:regular r:id="rId41"/>
     </p:embeddedFont>
   </p:embeddedFontLst>
@@ -162,6 +169,22 @@
       </a:defRPr>
     </a:lvl9pPr>
   </p:defaultTextStyle>
+  <p:extLst>
+    <p:ext uri="{EFAFB233-063F-42B5-8137-9DF3F51BA10A}">
+      <p15:sldGuideLst xmlns:p15="http://schemas.microsoft.com/office/powerpoint/2012/main">
+        <p15:guide id="1" orient="horz" pos="2160">
+          <p15:clr>
+            <a:srgbClr val="A4A3A4"/>
+          </p15:clr>
+        </p15:guide>
+        <p15:guide id="2" pos="2880">
+          <p15:clr>
+            <a:srgbClr val="A4A3A4"/>
+          </p15:clr>
+        </p15:guide>
+      </p15:sldGuideLst>
+    </p:ext>
+  </p:extLst>
 </p:presentation>
 </file>
 
@@ -203,10 +226,9 @@
           <a:lstStyle/>
           <a:p>
             <a:r>
-              <a:rPr lang="en-US" smtClean="0"/>
+              <a:rPr lang="en-US"/>
               <a:t>Click to edit Master title style</a:t>
             </a:r>
-            <a:endParaRPr lang="en-US"/>
           </a:p>
         </p:txBody>
       </p:sp>
@@ -322,10 +344,9 @@
           </a:lstStyle>
           <a:p>
             <a:r>
-              <a:rPr lang="en-US" smtClean="0"/>
+              <a:rPr lang="en-US"/>
               <a:t>Click to edit Master subtitle style</a:t>
             </a:r>
-            <a:endParaRPr lang="en-US"/>
           </a:p>
         </p:txBody>
       </p:sp>
@@ -347,7 +368,7 @@
             <a:fld id="{1D8BD707-D9CF-40AE-B4C6-C98DA3205C09}" type="datetimeFigureOut">
               <a:rPr lang="en-US" smtClean="0"/>
               <a:pPr/>
-              <a:t>8/1/2011</a:t>
+              <a:t>5/28/2025</a:t>
             </a:fld>
             <a:endParaRPr lang="en-US"/>
           </a:p>
@@ -390,7 +411,7 @@
             <a:fld id="{B6F15528-21DE-4FAA-801E-634DDDAF4B2B}" type="slidenum">
               <a:rPr lang="en-US" smtClean="0"/>
               <a:pPr/>
-              <a:t>‹#›</a:t>
+              <a:t>‹Nº›</a:t>
             </a:fld>
             <a:endParaRPr lang="en-US"/>
           </a:p>
@@ -437,10 +458,9 @@
           <a:lstStyle/>
           <a:p>
             <a:r>
-              <a:rPr lang="en-US" smtClean="0"/>
+              <a:rPr lang="en-US"/>
               <a:t>Click to edit Master title style</a:t>
             </a:r>
-            <a:endParaRPr lang="en-US"/>
           </a:p>
         </p:txBody>
       </p:sp>
@@ -461,38 +481,37 @@
           <a:p>
             <a:pPr lvl="0"/>
             <a:r>
-              <a:rPr lang="en-US" smtClean="0"/>
+              <a:rPr lang="en-US"/>
               <a:t>Click to edit Master text styles</a:t>
             </a:r>
           </a:p>
           <a:p>
             <a:pPr lvl="1"/>
             <a:r>
-              <a:rPr lang="en-US" smtClean="0"/>
+              <a:rPr lang="en-US"/>
               <a:t>Second level</a:t>
             </a:r>
           </a:p>
           <a:p>
             <a:pPr lvl="2"/>
             <a:r>
-              <a:rPr lang="en-US" smtClean="0"/>
+              <a:rPr lang="en-US"/>
               <a:t>Third level</a:t>
             </a:r>
           </a:p>
           <a:p>
             <a:pPr lvl="3"/>
             <a:r>
-              <a:rPr lang="en-US" smtClean="0"/>
+              <a:rPr lang="en-US"/>
               <a:t>Fourth level</a:t>
             </a:r>
           </a:p>
           <a:p>
             <a:pPr lvl="4"/>
             <a:r>
-              <a:rPr lang="en-US" smtClean="0"/>
+              <a:rPr lang="en-US"/>
               <a:t>Fifth level</a:t>
             </a:r>
-            <a:endParaRPr lang="en-US"/>
           </a:p>
         </p:txBody>
       </p:sp>
@@ -514,7 +533,7 @@
             <a:fld id="{1D8BD707-D9CF-40AE-B4C6-C98DA3205C09}" type="datetimeFigureOut">
               <a:rPr lang="en-US" smtClean="0"/>
               <a:pPr/>
-              <a:t>8/1/2011</a:t>
+              <a:t>5/28/2025</a:t>
             </a:fld>
             <a:endParaRPr lang="en-US"/>
           </a:p>
@@ -557,7 +576,7 @@
             <a:fld id="{B6F15528-21DE-4FAA-801E-634DDDAF4B2B}" type="slidenum">
               <a:rPr lang="en-US" smtClean="0"/>
               <a:pPr/>
-              <a:t>‹#›</a:t>
+              <a:t>‹Nº›</a:t>
             </a:fld>
             <a:endParaRPr lang="en-US"/>
           </a:p>
@@ -609,10 +628,9 @@
           <a:lstStyle/>
           <a:p>
             <a:r>
-              <a:rPr lang="en-US" smtClean="0"/>
+              <a:rPr lang="en-US"/>
               <a:t>Click to edit Master title style</a:t>
             </a:r>
-            <a:endParaRPr lang="en-US"/>
           </a:p>
         </p:txBody>
       </p:sp>
@@ -638,38 +656,37 @@
           <a:p>
             <a:pPr lvl="0"/>
             <a:r>
-              <a:rPr lang="en-US" smtClean="0"/>
+              <a:rPr lang="en-US"/>
               <a:t>Click to edit Master text styles</a:t>
             </a:r>
           </a:p>
           <a:p>
             <a:pPr lvl="1"/>
             <a:r>
-              <a:rPr lang="en-US" smtClean="0"/>
+              <a:rPr lang="en-US"/>
               <a:t>Second level</a:t>
             </a:r>
           </a:p>
           <a:p>
             <a:pPr lvl="2"/>
             <a:r>
-              <a:rPr lang="en-US" smtClean="0"/>
+              <a:rPr lang="en-US"/>
               <a:t>Third level</a:t>
             </a:r>
           </a:p>
           <a:p>
             <a:pPr lvl="3"/>
             <a:r>
-              <a:rPr lang="en-US" smtClean="0"/>
+              <a:rPr lang="en-US"/>
               <a:t>Fourth level</a:t>
             </a:r>
           </a:p>
           <a:p>
             <a:pPr lvl="4"/>
             <a:r>
-              <a:rPr lang="en-US" smtClean="0"/>
+              <a:rPr lang="en-US"/>
               <a:t>Fifth level</a:t>
             </a:r>
-            <a:endParaRPr lang="en-US"/>
           </a:p>
         </p:txBody>
       </p:sp>
@@ -691,7 +708,7 @@
             <a:fld id="{1D8BD707-D9CF-40AE-B4C6-C98DA3205C09}" type="datetimeFigureOut">
               <a:rPr lang="en-US" smtClean="0"/>
               <a:pPr/>
-              <a:t>8/1/2011</a:t>
+              <a:t>5/28/2025</a:t>
             </a:fld>
             <a:endParaRPr lang="en-US"/>
           </a:p>
@@ -734,7 +751,7 @@
             <a:fld id="{B6F15528-21DE-4FAA-801E-634DDDAF4B2B}" type="slidenum">
               <a:rPr lang="en-US" smtClean="0"/>
               <a:pPr/>
-              <a:t>‹#›</a:t>
+              <a:t>‹Nº›</a:t>
             </a:fld>
             <a:endParaRPr lang="en-US"/>
           </a:p>
@@ -781,10 +798,9 @@
           <a:lstStyle/>
           <a:p>
             <a:r>
-              <a:rPr lang="en-US" smtClean="0"/>
+              <a:rPr lang="en-US"/>
               <a:t>Click to edit Master title style</a:t>
             </a:r>
-            <a:endParaRPr lang="en-US"/>
           </a:p>
         </p:txBody>
       </p:sp>
@@ -805,38 +821,37 @@
           <a:p>
             <a:pPr lvl="0"/>
             <a:r>
-              <a:rPr lang="en-US" smtClean="0"/>
+              <a:rPr lang="en-US"/>
               <a:t>Click to edit Master text styles</a:t>
             </a:r>
           </a:p>
           <a:p>
             <a:pPr lvl="1"/>
             <a:r>
-              <a:rPr lang="en-US" smtClean="0"/>
+              <a:rPr lang="en-US"/>
               <a:t>Second level</a:t>
             </a:r>
           </a:p>
           <a:p>
             <a:pPr lvl="2"/>
             <a:r>
-              <a:rPr lang="en-US" smtClean="0"/>
+              <a:rPr lang="en-US"/>
               <a:t>Third level</a:t>
             </a:r>
           </a:p>
           <a:p>
             <a:pPr lvl="3"/>
             <a:r>
-              <a:rPr lang="en-US" smtClean="0"/>
+              <a:rPr lang="en-US"/>
               <a:t>Fourth level</a:t>
             </a:r>
           </a:p>
           <a:p>
             <a:pPr lvl="4"/>
             <a:r>
-              <a:rPr lang="en-US" smtClean="0"/>
+              <a:rPr lang="en-US"/>
               <a:t>Fifth level</a:t>
             </a:r>
-            <a:endParaRPr lang="en-US"/>
           </a:p>
         </p:txBody>
       </p:sp>
@@ -858,7 +873,7 @@
             <a:fld id="{1D8BD707-D9CF-40AE-B4C6-C98DA3205C09}" type="datetimeFigureOut">
               <a:rPr lang="en-US" smtClean="0"/>
               <a:pPr/>
-              <a:t>8/1/2011</a:t>
+              <a:t>5/28/2025</a:t>
             </a:fld>
             <a:endParaRPr lang="en-US"/>
           </a:p>
@@ -901,7 +916,7 @@
             <a:fld id="{B6F15528-21DE-4FAA-801E-634DDDAF4B2B}" type="slidenum">
               <a:rPr lang="en-US" smtClean="0"/>
               <a:pPr/>
-              <a:t>‹#›</a:t>
+              <a:t>‹Nº›</a:t>
             </a:fld>
             <a:endParaRPr lang="en-US"/>
           </a:p>
@@ -957,10 +972,9 @@
           </a:lstStyle>
           <a:p>
             <a:r>
-              <a:rPr lang="en-US" smtClean="0"/>
+              <a:rPr lang="en-US"/>
               <a:t>Click to edit Master title style</a:t>
             </a:r>
-            <a:endParaRPr lang="en-US"/>
           </a:p>
         </p:txBody>
       </p:sp>
@@ -1077,7 +1091,7 @@
           <a:p>
             <a:pPr lvl="0"/>
             <a:r>
-              <a:rPr lang="en-US" smtClean="0"/>
+              <a:rPr lang="en-US"/>
               <a:t>Click to edit Master text styles</a:t>
             </a:r>
           </a:p>
@@ -1101,7 +1115,7 @@
             <a:fld id="{1D8BD707-D9CF-40AE-B4C6-C98DA3205C09}" type="datetimeFigureOut">
               <a:rPr lang="en-US" smtClean="0"/>
               <a:pPr/>
-              <a:t>8/1/2011</a:t>
+              <a:t>5/28/2025</a:t>
             </a:fld>
             <a:endParaRPr lang="en-US"/>
           </a:p>
@@ -1144,7 +1158,7 @@
             <a:fld id="{B6F15528-21DE-4FAA-801E-634DDDAF4B2B}" type="slidenum">
               <a:rPr lang="en-US" smtClean="0"/>
               <a:pPr/>
-              <a:t>‹#›</a:t>
+              <a:t>‹Nº›</a:t>
             </a:fld>
             <a:endParaRPr lang="en-US"/>
           </a:p>
@@ -1191,10 +1205,9 @@
           <a:lstStyle/>
           <a:p>
             <a:r>
-              <a:rPr lang="en-US" smtClean="0"/>
+              <a:rPr lang="en-US"/>
               <a:t>Click to edit Master title style</a:t>
             </a:r>
-            <a:endParaRPr lang="en-US"/>
           </a:p>
         </p:txBody>
       </p:sp>
@@ -1248,38 +1261,37 @@
           <a:p>
             <a:pPr lvl="0"/>
             <a:r>
-              <a:rPr lang="en-US" smtClean="0"/>
+              <a:rPr lang="en-US"/>
               <a:t>Click to edit Master text styles</a:t>
             </a:r>
           </a:p>
           <a:p>
             <a:pPr lvl="1"/>
             <a:r>
-              <a:rPr lang="en-US" smtClean="0"/>
+              <a:rPr lang="en-US"/>
               <a:t>Second level</a:t>
             </a:r>
           </a:p>
           <a:p>
             <a:pPr lvl="2"/>
             <a:r>
-              <a:rPr lang="en-US" smtClean="0"/>
+              <a:rPr lang="en-US"/>
               <a:t>Third level</a:t>
             </a:r>
           </a:p>
           <a:p>
             <a:pPr lvl="3"/>
             <a:r>
-              <a:rPr lang="en-US" smtClean="0"/>
+              <a:rPr lang="en-US"/>
               <a:t>Fourth level</a:t>
             </a:r>
           </a:p>
           <a:p>
             <a:pPr lvl="4"/>
             <a:r>
-              <a:rPr lang="en-US" smtClean="0"/>
+              <a:rPr lang="en-US"/>
               <a:t>Fifth level</a:t>
             </a:r>
-            <a:endParaRPr lang="en-US"/>
           </a:p>
         </p:txBody>
       </p:sp>
@@ -1333,38 +1345,37 @@
           <a:p>
             <a:pPr lvl="0"/>
             <a:r>
-              <a:rPr lang="en-US" smtClean="0"/>
+              <a:rPr lang="en-US"/>
               <a:t>Click to edit Master text styles</a:t>
             </a:r>
           </a:p>
           <a:p>
             <a:pPr lvl="1"/>
             <a:r>
-              <a:rPr lang="en-US" smtClean="0"/>
+              <a:rPr lang="en-US"/>
               <a:t>Second level</a:t>
             </a:r>
           </a:p>
           <a:p>
             <a:pPr lvl="2"/>
             <a:r>
-              <a:rPr lang="en-US" smtClean="0"/>
+              <a:rPr lang="en-US"/>
               <a:t>Third level</a:t>
             </a:r>
           </a:p>
           <a:p>
             <a:pPr lvl="3"/>
             <a:r>
-              <a:rPr lang="en-US" smtClean="0"/>
+              <a:rPr lang="en-US"/>
               <a:t>Fourth level</a:t>
             </a:r>
           </a:p>
           <a:p>
             <a:pPr lvl="4"/>
             <a:r>
-              <a:rPr lang="en-US" smtClean="0"/>
+              <a:rPr lang="en-US"/>
               <a:t>Fifth level</a:t>
             </a:r>
-            <a:endParaRPr lang="en-US"/>
           </a:p>
         </p:txBody>
       </p:sp>
@@ -1386,7 +1397,7 @@
             <a:fld id="{1D8BD707-D9CF-40AE-B4C6-C98DA3205C09}" type="datetimeFigureOut">
               <a:rPr lang="en-US" smtClean="0"/>
               <a:pPr/>
-              <a:t>8/1/2011</a:t>
+              <a:t>5/28/2025</a:t>
             </a:fld>
             <a:endParaRPr lang="en-US"/>
           </a:p>
@@ -1429,7 +1440,7 @@
             <a:fld id="{B6F15528-21DE-4FAA-801E-634DDDAF4B2B}" type="slidenum">
               <a:rPr lang="en-US" smtClean="0"/>
               <a:pPr/>
-              <a:t>‹#›</a:t>
+              <a:t>‹Nº›</a:t>
             </a:fld>
             <a:endParaRPr lang="en-US"/>
           </a:p>
@@ -1480,10 +1491,9 @@
           </a:lstStyle>
           <a:p>
             <a:r>
-              <a:rPr lang="en-US" smtClean="0"/>
+              <a:rPr lang="en-US"/>
               <a:t>Click to edit Master title style</a:t>
             </a:r>
-            <a:endParaRPr lang="en-US"/>
           </a:p>
         </p:txBody>
       </p:sp>
@@ -1546,7 +1556,7 @@
           <a:p>
             <a:pPr lvl="0"/>
             <a:r>
-              <a:rPr lang="en-US" smtClean="0"/>
+              <a:rPr lang="en-US"/>
               <a:t>Click to edit Master text styles</a:t>
             </a:r>
           </a:p>
@@ -1602,38 +1612,37 @@
           <a:p>
             <a:pPr lvl="0"/>
             <a:r>
-              <a:rPr lang="en-US" smtClean="0"/>
+              <a:rPr lang="en-US"/>
               <a:t>Click to edit Master text styles</a:t>
             </a:r>
           </a:p>
           <a:p>
             <a:pPr lvl="1"/>
             <a:r>
-              <a:rPr lang="en-US" smtClean="0"/>
+              <a:rPr lang="en-US"/>
               <a:t>Second level</a:t>
             </a:r>
           </a:p>
           <a:p>
             <a:pPr lvl="2"/>
             <a:r>
-              <a:rPr lang="en-US" smtClean="0"/>
+              <a:rPr lang="en-US"/>
               <a:t>Third level</a:t>
             </a:r>
           </a:p>
           <a:p>
             <a:pPr lvl="3"/>
             <a:r>
-              <a:rPr lang="en-US" smtClean="0"/>
+              <a:rPr lang="en-US"/>
               <a:t>Fourth level</a:t>
             </a:r>
           </a:p>
           <a:p>
             <a:pPr lvl="4"/>
             <a:r>
-              <a:rPr lang="en-US" smtClean="0"/>
+              <a:rPr lang="en-US"/>
               <a:t>Fifth level</a:t>
             </a:r>
-            <a:endParaRPr lang="en-US"/>
           </a:p>
         </p:txBody>
       </p:sp>
@@ -1696,7 +1705,7 @@
           <a:p>
             <a:pPr lvl="0"/>
             <a:r>
-              <a:rPr lang="en-US" smtClean="0"/>
+              <a:rPr lang="en-US"/>
               <a:t>Click to edit Master text styles</a:t>
             </a:r>
           </a:p>
@@ -1752,38 +1761,37 @@
           <a:p>
             <a:pPr lvl="0"/>
             <a:r>
-              <a:rPr lang="en-US" smtClean="0"/>
+              <a:rPr lang="en-US"/>
               <a:t>Click to edit Master text styles</a:t>
             </a:r>
           </a:p>
           <a:p>
             <a:pPr lvl="1"/>
             <a:r>
-              <a:rPr lang="en-US" smtClean="0"/>
+              <a:rPr lang="en-US"/>
               <a:t>Second level</a:t>
             </a:r>
           </a:p>
           <a:p>
             <a:pPr lvl="2"/>
             <a:r>
-              <a:rPr lang="en-US" smtClean="0"/>
+              <a:rPr lang="en-US"/>
               <a:t>Third level</a:t>
             </a:r>
           </a:p>
           <a:p>
             <a:pPr lvl="3"/>
             <a:r>
-              <a:rPr lang="en-US" smtClean="0"/>
+              <a:rPr lang="en-US"/>
               <a:t>Fourth level</a:t>
             </a:r>
           </a:p>
           <a:p>
             <a:pPr lvl="4"/>
             <a:r>
-              <a:rPr lang="en-US" smtClean="0"/>
+              <a:rPr lang="en-US"/>
               <a:t>Fifth level</a:t>
             </a:r>
-            <a:endParaRPr lang="en-US"/>
           </a:p>
         </p:txBody>
       </p:sp>
@@ -1805,7 +1813,7 @@
             <a:fld id="{1D8BD707-D9CF-40AE-B4C6-C98DA3205C09}" type="datetimeFigureOut">
               <a:rPr lang="en-US" smtClean="0"/>
               <a:pPr/>
-              <a:t>8/1/2011</a:t>
+              <a:t>5/28/2025</a:t>
             </a:fld>
             <a:endParaRPr lang="en-US"/>
           </a:p>
@@ -1848,7 +1856,7 @@
             <a:fld id="{B6F15528-21DE-4FAA-801E-634DDDAF4B2B}" type="slidenum">
               <a:rPr lang="en-US" smtClean="0"/>
               <a:pPr/>
-              <a:t>‹#›</a:t>
+              <a:t>‹Nº›</a:t>
             </a:fld>
             <a:endParaRPr lang="en-US"/>
           </a:p>
@@ -1895,10 +1903,9 @@
           <a:lstStyle/>
           <a:p>
             <a:r>
-              <a:rPr lang="en-US" smtClean="0"/>
+              <a:rPr lang="en-US"/>
               <a:t>Click to edit Master title style</a:t>
             </a:r>
-            <a:endParaRPr lang="en-US"/>
           </a:p>
         </p:txBody>
       </p:sp>
@@ -1920,7 +1927,7 @@
             <a:fld id="{1D8BD707-D9CF-40AE-B4C6-C98DA3205C09}" type="datetimeFigureOut">
               <a:rPr lang="en-US" smtClean="0"/>
               <a:pPr/>
-              <a:t>8/1/2011</a:t>
+              <a:t>5/28/2025</a:t>
             </a:fld>
             <a:endParaRPr lang="en-US"/>
           </a:p>
@@ -1963,7 +1970,7 @@
             <a:fld id="{B6F15528-21DE-4FAA-801E-634DDDAF4B2B}" type="slidenum">
               <a:rPr lang="en-US" smtClean="0"/>
               <a:pPr/>
-              <a:t>‹#›</a:t>
+              <a:t>‹Nº›</a:t>
             </a:fld>
             <a:endParaRPr lang="en-US"/>
           </a:p>
@@ -2012,7 +2019,7 @@
             <a:fld id="{1D8BD707-D9CF-40AE-B4C6-C98DA3205C09}" type="datetimeFigureOut">
               <a:rPr lang="en-US" smtClean="0"/>
               <a:pPr/>
-              <a:t>8/1/2011</a:t>
+              <a:t>5/28/2025</a:t>
             </a:fld>
             <a:endParaRPr lang="en-US"/>
           </a:p>
@@ -2055,7 +2062,7 @@
             <a:fld id="{B6F15528-21DE-4FAA-801E-634DDDAF4B2B}" type="slidenum">
               <a:rPr lang="en-US" smtClean="0"/>
               <a:pPr/>
-              <a:t>‹#›</a:t>
+              <a:t>‹Nº›</a:t>
             </a:fld>
             <a:endParaRPr lang="en-US"/>
           </a:p>
@@ -2111,10 +2118,9 @@
           </a:lstStyle>
           <a:p>
             <a:r>
-              <a:rPr lang="en-US" smtClean="0"/>
+              <a:rPr lang="en-US"/>
               <a:t>Click to edit Master title style</a:t>
             </a:r>
-            <a:endParaRPr lang="en-US"/>
           </a:p>
         </p:txBody>
       </p:sp>
@@ -2168,38 +2174,37 @@
           <a:p>
             <a:pPr lvl="0"/>
             <a:r>
-              <a:rPr lang="en-US" smtClean="0"/>
+              <a:rPr lang="en-US"/>
               <a:t>Click to edit Master text styles</a:t>
             </a:r>
           </a:p>
           <a:p>
             <a:pPr lvl="1"/>
             <a:r>
-              <a:rPr lang="en-US" smtClean="0"/>
+              <a:rPr lang="en-US"/>
               <a:t>Second level</a:t>
             </a:r>
           </a:p>
           <a:p>
             <a:pPr lvl="2"/>
             <a:r>
-              <a:rPr lang="en-US" smtClean="0"/>
+              <a:rPr lang="en-US"/>
               <a:t>Third level</a:t>
             </a:r>
           </a:p>
           <a:p>
             <a:pPr lvl="3"/>
             <a:r>
-              <a:rPr lang="en-US" smtClean="0"/>
+              <a:rPr lang="en-US"/>
               <a:t>Fourth level</a:t>
             </a:r>
           </a:p>
           <a:p>
             <a:pPr lvl="4"/>
             <a:r>
-              <a:rPr lang="en-US" smtClean="0"/>
+              <a:rPr lang="en-US"/>
               <a:t>Fifth level</a:t>
             </a:r>
-            <a:endParaRPr lang="en-US"/>
           </a:p>
         </p:txBody>
       </p:sp>
@@ -2262,7 +2267,7 @@
           <a:p>
             <a:pPr lvl="0"/>
             <a:r>
-              <a:rPr lang="en-US" smtClean="0"/>
+              <a:rPr lang="en-US"/>
               <a:t>Click to edit Master text styles</a:t>
             </a:r>
           </a:p>
@@ -2286,7 +2291,7 @@
             <a:fld id="{1D8BD707-D9CF-40AE-B4C6-C98DA3205C09}" type="datetimeFigureOut">
               <a:rPr lang="en-US" smtClean="0"/>
               <a:pPr/>
-              <a:t>8/1/2011</a:t>
+              <a:t>5/28/2025</a:t>
             </a:fld>
             <a:endParaRPr lang="en-US"/>
           </a:p>
@@ -2329,7 +2334,7 @@
             <a:fld id="{B6F15528-21DE-4FAA-801E-634DDDAF4B2B}" type="slidenum">
               <a:rPr lang="en-US" smtClean="0"/>
               <a:pPr/>
-              <a:t>‹#›</a:t>
+              <a:t>‹Nº›</a:t>
             </a:fld>
             <a:endParaRPr lang="en-US"/>
           </a:p>
@@ -2385,10 +2390,9 @@
           </a:lstStyle>
           <a:p>
             <a:r>
-              <a:rPr lang="en-US" smtClean="0"/>
+              <a:rPr lang="en-US"/>
               <a:t>Click to edit Master title style</a:t>
             </a:r>
-            <a:endParaRPr lang="en-US"/>
           </a:p>
         </p:txBody>
       </p:sp>
@@ -2512,7 +2516,7 @@
           <a:p>
             <a:pPr lvl="0"/>
             <a:r>
-              <a:rPr lang="en-US" smtClean="0"/>
+              <a:rPr lang="en-US"/>
               <a:t>Click to edit Master text styles</a:t>
             </a:r>
           </a:p>
@@ -2536,7 +2540,7 @@
             <a:fld id="{1D8BD707-D9CF-40AE-B4C6-C98DA3205C09}" type="datetimeFigureOut">
               <a:rPr lang="en-US" smtClean="0"/>
               <a:pPr/>
-              <a:t>8/1/2011</a:t>
+              <a:t>5/28/2025</a:t>
             </a:fld>
             <a:endParaRPr lang="en-US"/>
           </a:p>
@@ -2579,7 +2583,7 @@
             <a:fld id="{B6F15528-21DE-4FAA-801E-634DDDAF4B2B}" type="slidenum">
               <a:rPr lang="en-US" smtClean="0"/>
               <a:pPr/>
-              <a:t>‹#›</a:t>
+              <a:t>‹Nº›</a:t>
             </a:fld>
             <a:endParaRPr lang="en-US"/>
           </a:p>
@@ -2641,10 +2645,9 @@
           <a:lstStyle/>
           <a:p>
             <a:r>
-              <a:rPr lang="en-US" smtClean="0"/>
+              <a:rPr lang="en-US"/>
               <a:t>Click to edit Master title style</a:t>
             </a:r>
-            <a:endParaRPr lang="en-US"/>
           </a:p>
         </p:txBody>
       </p:sp>
@@ -2675,38 +2678,37 @@
           <a:p>
             <a:pPr lvl="0"/>
             <a:r>
-              <a:rPr lang="en-US" smtClean="0"/>
+              <a:rPr lang="en-US"/>
               <a:t>Click to edit Master text styles</a:t>
             </a:r>
           </a:p>
           <a:p>
             <a:pPr lvl="1"/>
             <a:r>
-              <a:rPr lang="en-US" smtClean="0"/>
+              <a:rPr lang="en-US"/>
               <a:t>Second level</a:t>
             </a:r>
           </a:p>
           <a:p>
             <a:pPr lvl="2"/>
             <a:r>
-              <a:rPr lang="en-US" smtClean="0"/>
+              <a:rPr lang="en-US"/>
               <a:t>Third level</a:t>
             </a:r>
           </a:p>
           <a:p>
             <a:pPr lvl="3"/>
             <a:r>
-              <a:rPr lang="en-US" smtClean="0"/>
+              <a:rPr lang="en-US"/>
               <a:t>Fourth level</a:t>
             </a:r>
           </a:p>
           <a:p>
             <a:pPr lvl="4"/>
             <a:r>
-              <a:rPr lang="en-US" smtClean="0"/>
+              <a:rPr lang="en-US"/>
               <a:t>Fifth level</a:t>
             </a:r>
-            <a:endParaRPr lang="en-US"/>
           </a:p>
         </p:txBody>
       </p:sp>
@@ -2746,7 +2748,7 @@
             <a:fld id="{1D8BD707-D9CF-40AE-B4C6-C98DA3205C09}" type="datetimeFigureOut">
               <a:rPr lang="en-US" smtClean="0"/>
               <a:pPr/>
-              <a:t>8/1/2011</a:t>
+              <a:t>5/28/2025</a:t>
             </a:fld>
             <a:endParaRPr lang="en-US"/>
           </a:p>
@@ -2825,7 +2827,7 @@
             <a:fld id="{B6F15528-21DE-4FAA-801E-634DDDAF4B2B}" type="slidenum">
               <a:rPr lang="en-US" smtClean="0"/>
               <a:pPr/>
-              <a:t>‹#›</a:t>
+              <a:t>‹Nº›</a:t>
             </a:fld>
             <a:endParaRPr lang="en-US"/>
           </a:p>
@@ -3101,7 +3103,7 @@
 </file>
 
 <file path=ppt/slides/slide1.xml><?xml version="1.0" encoding="utf-8"?>
-<p:sld xmlns:p="http://schemas.openxmlformats.org/presentationml/2006/main" xmlns:a="http://schemas.openxmlformats.org/drawingml/2006/main" xmlns:r="http://schemas.openxmlformats.org/officeDocument/2006/relationships">
+<p:sld xmlns:a="http://schemas.openxmlformats.org/drawingml/2006/main" xmlns:r="http://schemas.openxmlformats.org/officeDocument/2006/relationships" xmlns:p="http://schemas.openxmlformats.org/presentationml/2006/main">
   <p:cSld>
     <p:spTree>
       <p:nvGrpSpPr>
@@ -3119,12 +3121,12 @@
       </p:grpSpPr>
       <p:grpSp>
         <p:nvGrpSpPr>
-          <p:cNvPr name="Group 2" id="2"/>
+          <p:cNvPr id="2" name="Group 2"/>
           <p:cNvGrpSpPr/>
           <p:nvPr/>
         </p:nvGrpSpPr>
         <p:grpSpPr>
-          <a:xfrm rot="0">
+          <a:xfrm>
             <a:off x="-2700773" y="4797053"/>
             <a:ext cx="10820143" cy="10820143"/>
             <a:chOff x="0" y="0"/>
@@ -3133,12 +3135,12 @@
         </p:grpSpPr>
         <p:sp>
           <p:nvSpPr>
-            <p:cNvPr name="Freeform 3" id="3"/>
+            <p:cNvPr id="3" name="Freeform 3"/>
             <p:cNvSpPr/>
             <p:nvPr/>
           </p:nvSpPr>
           <p:spPr>
-            <a:xfrm flipH="false" flipV="false" rot="0">
+            <a:xfrm>
               <a:off x="0" y="0"/>
               <a:ext cx="812800" cy="812800"/>
             </a:xfrm>
@@ -3147,9 +3149,9 @@
               <a:gdLst/>
               <a:ahLst/>
               <a:cxnLst/>
-              <a:rect r="r" b="b" t="t" l="l"/>
+              <a:rect l="l" t="t" r="r" b="b"/>
               <a:pathLst>
-                <a:path h="812800" w="812800">
+                <a:path w="812800" h="812800">
                   <a:moveTo>
                     <a:pt x="406400" y="0"/>
                   </a:moveTo>
@@ -3184,8 +3186,8 @@
         </p:sp>
         <p:sp>
           <p:nvSpPr>
-            <p:cNvPr name="TextBox 4" id="4"/>
-            <p:cNvSpPr txBox="true"/>
+            <p:cNvPr id="4" name="TextBox 4"/>
+            <p:cNvSpPr txBox="1"/>
             <p:nvPr/>
           </p:nvSpPr>
           <p:spPr>
@@ -3198,7 +3200,7 @@
             </a:prstGeom>
           </p:spPr>
           <p:txBody>
-            <a:bodyPr anchor="ctr" rtlCol="false" tIns="50800" lIns="50800" bIns="50800" rIns="50800"/>
+            <a:bodyPr lIns="50800" tIns="50800" rIns="50800" bIns="50800" rtlCol="0" anchor="ctr"/>
             <a:lstStyle/>
             <a:p>
               <a:pPr algn="ctr">
@@ -3209,18 +3211,19 @@
                   <a:spcPct val="0"/>
                 </a:spcBef>
               </a:pPr>
+              <a:endParaRPr/>
             </a:p>
           </p:txBody>
         </p:sp>
       </p:grpSp>
       <p:grpSp>
         <p:nvGrpSpPr>
-          <p:cNvPr name="Group 5" id="5"/>
+          <p:cNvPr id="5" name="Group 5"/>
           <p:cNvGrpSpPr/>
           <p:nvPr/>
         </p:nvGrpSpPr>
         <p:grpSpPr>
-          <a:xfrm rot="0">
+          <a:xfrm>
             <a:off x="683381" y="-1940984"/>
             <a:ext cx="4925663" cy="4925663"/>
             <a:chOff x="0" y="0"/>
@@ -3229,12 +3232,12 @@
         </p:grpSpPr>
         <p:sp>
           <p:nvSpPr>
-            <p:cNvPr name="Freeform 6" id="6"/>
+            <p:cNvPr id="6" name="Freeform 6"/>
             <p:cNvSpPr/>
             <p:nvPr/>
           </p:nvSpPr>
           <p:spPr>
-            <a:xfrm flipH="false" flipV="false" rot="0">
+            <a:xfrm>
               <a:off x="0" y="0"/>
               <a:ext cx="812800" cy="812800"/>
             </a:xfrm>
@@ -3243,9 +3246,9 @@
               <a:gdLst/>
               <a:ahLst/>
               <a:cxnLst/>
-              <a:rect r="r" b="b" t="t" l="l"/>
+              <a:rect l="l" t="t" r="r" b="b"/>
               <a:pathLst>
-                <a:path h="812800" w="812800">
+                <a:path w="812800" h="812800">
                   <a:moveTo>
                     <a:pt x="406400" y="0"/>
                   </a:moveTo>
@@ -3280,8 +3283,8 @@
         </p:sp>
         <p:sp>
           <p:nvSpPr>
-            <p:cNvPr name="TextBox 7" id="7"/>
-            <p:cNvSpPr txBox="true"/>
+            <p:cNvPr id="7" name="TextBox 7"/>
+            <p:cNvSpPr txBox="1"/>
             <p:nvPr/>
           </p:nvSpPr>
           <p:spPr>
@@ -3294,7 +3297,7 @@
             </a:prstGeom>
           </p:spPr>
           <p:txBody>
-            <a:bodyPr anchor="ctr" rtlCol="false" tIns="50800" lIns="50800" bIns="50800" rIns="50800"/>
+            <a:bodyPr lIns="50800" tIns="50800" rIns="50800" bIns="50800" rtlCol="0" anchor="ctr"/>
             <a:lstStyle/>
             <a:p>
               <a:pPr algn="ctr">
@@ -3305,18 +3308,19 @@
                   <a:spcPct val="0"/>
                 </a:spcBef>
               </a:pPr>
+              <a:endParaRPr/>
             </a:p>
           </p:txBody>
         </p:sp>
       </p:grpSp>
       <p:sp>
         <p:nvSpPr>
-          <p:cNvPr name="Freeform 8" id="8"/>
+          <p:cNvPr id="8" name="Freeform 8"/>
           <p:cNvSpPr/>
           <p:nvPr/>
         </p:nvSpPr>
         <p:spPr>
-          <a:xfrm flipH="false" flipV="false" rot="-797007">
+          <a:xfrm rot="-797007">
             <a:off x="1457844" y="970020"/>
             <a:ext cx="7839360" cy="7654066"/>
           </a:xfrm>
@@ -3325,9 +3329,9 @@
             <a:gdLst/>
             <a:ahLst/>
             <a:cxnLst/>
-            <a:rect r="r" b="b" t="t" l="l"/>
+            <a:rect l="l" t="t" r="r" b="b"/>
             <a:pathLst>
-              <a:path h="7654066" w="7839360">
+              <a:path w="7839360" h="7654066">
                 <a:moveTo>
                   <a:pt x="0" y="0"/>
                 </a:moveTo>
@@ -3356,19 +3360,19 @@
               </a:extLst>
             </a:blip>
             <a:stretch>
-              <a:fillRect l="0" t="0" r="0" b="0"/>
+              <a:fillRect/>
             </a:stretch>
           </a:blipFill>
         </p:spPr>
       </p:sp>
       <p:sp>
         <p:nvSpPr>
-          <p:cNvPr name="TextBox 9" id="9"/>
-          <p:cNvSpPr txBox="true"/>
+          <p:cNvPr id="9" name="TextBox 9"/>
+          <p:cNvSpPr txBox="1"/>
           <p:nvPr/>
         </p:nvSpPr>
         <p:spPr>
-          <a:xfrm rot="0">
+          <a:xfrm>
             <a:off x="9852108" y="3495524"/>
             <a:ext cx="8957140" cy="1521804"/>
           </a:xfrm>
@@ -3377,7 +3381,7 @@
           </a:prstGeom>
         </p:spPr>
         <p:txBody>
-          <a:bodyPr anchor="t" rtlCol="false" tIns="0" lIns="0" bIns="0" rIns="0">
+          <a:bodyPr lIns="0" tIns="0" rIns="0" bIns="0" rtlCol="0" anchor="t">
             <a:spAutoFit/>
           </a:bodyPr>
           <a:lstStyle/>
@@ -3388,7 +3392,7 @@
               </a:lnSpc>
             </a:pPr>
             <a:r>
-              <a:rPr lang="en-US" sz="8701" b="true">
+              <a:rPr lang="en-US" sz="8701" b="1">
                 <a:solidFill>
                   <a:srgbClr val="000000"/>
                 </a:solidFill>
@@ -3404,12 +3408,12 @@
       </p:sp>
       <p:sp>
         <p:nvSpPr>
-          <p:cNvPr name="TextBox 10" id="10"/>
-          <p:cNvSpPr txBox="true"/>
+          <p:cNvPr id="10" name="TextBox 10"/>
+          <p:cNvSpPr txBox="1"/>
           <p:nvPr/>
         </p:nvSpPr>
         <p:spPr>
-          <a:xfrm rot="0">
+          <a:xfrm>
             <a:off x="9852108" y="4869644"/>
             <a:ext cx="7063792" cy="659499"/>
           </a:xfrm>
@@ -3418,7 +3422,7 @@
           </a:prstGeom>
         </p:spPr>
         <p:txBody>
-          <a:bodyPr anchor="t" rtlCol="false" tIns="0" lIns="0" bIns="0" rIns="0">
+          <a:bodyPr lIns="0" tIns="0" rIns="0" bIns="0" rtlCol="0" anchor="t">
             <a:spAutoFit/>
           </a:bodyPr>
           <a:lstStyle/>
@@ -3429,7 +3433,7 @@
               </a:lnSpc>
             </a:pPr>
             <a:r>
-              <a:rPr lang="en-US" sz="4529" b="true">
+              <a:rPr lang="en-US" sz="4529" b="1">
                 <a:solidFill>
                   <a:srgbClr val="000000"/>
                 </a:solidFill>
@@ -3445,12 +3449,12 @@
       </p:sp>
       <p:sp>
         <p:nvSpPr>
-          <p:cNvPr name="TextBox 11" id="11"/>
-          <p:cNvSpPr txBox="true"/>
+          <p:cNvPr id="11" name="TextBox 11"/>
+          <p:cNvSpPr txBox="1"/>
           <p:nvPr/>
         </p:nvSpPr>
         <p:spPr>
-          <a:xfrm rot="0">
+          <a:xfrm>
             <a:off x="9852108" y="6958799"/>
             <a:ext cx="7407192" cy="1381945"/>
           </a:xfrm>
@@ -3459,7 +3463,7 @@
           </a:prstGeom>
         </p:spPr>
         <p:txBody>
-          <a:bodyPr anchor="t" rtlCol="false" tIns="0" lIns="0" bIns="0" rIns="0">
+          <a:bodyPr lIns="0" tIns="0" rIns="0" bIns="0" rtlCol="0" anchor="t">
             <a:spAutoFit/>
           </a:bodyPr>
           <a:lstStyle/>
@@ -3470,7 +3474,7 @@
               </a:lnSpc>
             </a:pPr>
             <a:r>
-              <a:rPr lang="en-US" sz="2738" b="true">
+              <a:rPr lang="en-US" sz="2738" b="1">
                 <a:solidFill>
                   <a:srgbClr val="000000"/>
                 </a:solidFill>
@@ -3489,7 +3493,7 @@
               </a:lnSpc>
             </a:pPr>
             <a:r>
-              <a:rPr lang="en-US" sz="2738" b="true">
+              <a:rPr lang="en-US" sz="2738" b="1">
                 <a:solidFill>
                   <a:srgbClr val="000000"/>
                 </a:solidFill>
@@ -3508,7 +3512,7 @@
               </a:lnSpc>
             </a:pPr>
             <a:r>
-              <a:rPr lang="en-US" sz="2738" b="true">
+              <a:rPr lang="en-US" sz="2738" b="1">
                 <a:solidFill>
                   <a:srgbClr val="000000"/>
                 </a:solidFill>
@@ -3531,7 +3535,7 @@
 </file>
 
 <file path=ppt/slides/slide10.xml><?xml version="1.0" encoding="utf-8"?>
-<p:sld xmlns:p="http://schemas.openxmlformats.org/presentationml/2006/main" xmlns:a="http://schemas.openxmlformats.org/drawingml/2006/main">
+<p:sld xmlns:a="http://schemas.openxmlformats.org/drawingml/2006/main" xmlns:r="http://schemas.openxmlformats.org/officeDocument/2006/relationships" xmlns:p="http://schemas.openxmlformats.org/presentationml/2006/main">
   <p:cSld>
     <p:spTree>
       <p:nvGrpSpPr>
@@ -3549,12 +3553,12 @@
       </p:grpSpPr>
       <p:grpSp>
         <p:nvGrpSpPr>
-          <p:cNvPr name="Group 2" id="2"/>
+          <p:cNvPr id="2" name="Group 2"/>
           <p:cNvGrpSpPr/>
           <p:nvPr/>
         </p:nvGrpSpPr>
         <p:grpSpPr>
-          <a:xfrm rot="0">
+          <a:xfrm>
             <a:off x="-947112" y="-7575003"/>
             <a:ext cx="21046938" cy="11085771"/>
             <a:chOff x="0" y="0"/>
@@ -3563,12 +3567,12 @@
         </p:grpSpPr>
         <p:sp>
           <p:nvSpPr>
-            <p:cNvPr name="Freeform 3" id="3"/>
+            <p:cNvPr id="3" name="Freeform 3"/>
             <p:cNvSpPr/>
             <p:nvPr/>
           </p:nvSpPr>
           <p:spPr>
-            <a:xfrm flipH="false" flipV="false" rot="0">
+            <a:xfrm>
               <a:off x="0" y="0"/>
               <a:ext cx="1288114" cy="678471"/>
             </a:xfrm>
@@ -3577,9 +3581,9 @@
               <a:gdLst/>
               <a:ahLst/>
               <a:cxnLst/>
-              <a:rect r="r" b="b" t="t" l="l"/>
+              <a:rect l="l" t="t" r="r" b="b"/>
               <a:pathLst>
-                <a:path h="678471" w="1288114">
+                <a:path w="1288114" h="678471">
                   <a:moveTo>
                     <a:pt x="644057" y="0"/>
                   </a:moveTo>
@@ -3614,8 +3618,8 @@
         </p:sp>
         <p:sp>
           <p:nvSpPr>
-            <p:cNvPr name="TextBox 4" id="4"/>
-            <p:cNvSpPr txBox="true"/>
+            <p:cNvPr id="4" name="TextBox 4"/>
+            <p:cNvSpPr txBox="1"/>
             <p:nvPr/>
           </p:nvSpPr>
           <p:spPr>
@@ -3628,7 +3632,7 @@
             </a:prstGeom>
           </p:spPr>
           <p:txBody>
-            <a:bodyPr anchor="ctr" rtlCol="false" tIns="50800" lIns="50800" bIns="50800" rIns="50800"/>
+            <a:bodyPr lIns="50800" tIns="50800" rIns="50800" bIns="50800" rtlCol="0" anchor="ctr"/>
             <a:lstStyle/>
             <a:p>
               <a:pPr algn="ctr">
@@ -3639,18 +3643,19 @@
                   <a:spcPct val="0"/>
                 </a:spcBef>
               </a:pPr>
+              <a:endParaRPr/>
             </a:p>
           </p:txBody>
         </p:sp>
       </p:grpSp>
       <p:sp>
         <p:nvSpPr>
-          <p:cNvPr name="TextBox 5" id="5"/>
-          <p:cNvSpPr txBox="true"/>
+          <p:cNvPr id="5" name="TextBox 5"/>
+          <p:cNvSpPr txBox="1"/>
           <p:nvPr/>
         </p:nvSpPr>
         <p:spPr>
-          <a:xfrm rot="0">
+          <a:xfrm>
             <a:off x="2196014" y="-95250"/>
             <a:ext cx="15207289" cy="2322861"/>
           </a:xfrm>
@@ -3659,12 +3664,12 @@
           </a:prstGeom>
         </p:spPr>
         <p:txBody>
-          <a:bodyPr anchor="t" rtlCol="false" tIns="0" lIns="0" bIns="0" rIns="0">
+          <a:bodyPr lIns="0" tIns="0" rIns="0" bIns="0" rtlCol="0" anchor="t">
             <a:spAutoFit/>
           </a:bodyPr>
           <a:lstStyle/>
           <a:p>
-            <a:pPr algn="l" marL="0" indent="0" lvl="0">
+            <a:pPr marL="0" lvl="0" indent="0" algn="l">
               <a:lnSpc>
                 <a:spcPts val="8120"/>
               </a:lnSpc>
@@ -3673,7 +3678,7 @@
               </a:spcBef>
             </a:pPr>
             <a:r>
-              <a:rPr lang="en-US" b="true" sz="7883">
+              <a:rPr lang="en-US" sz="7883" b="1">
                 <a:solidFill>
                   <a:srgbClr val="FFFFFF"/>
                 </a:solidFill>
@@ -3689,12 +3694,12 @@
       </p:sp>
       <p:sp>
         <p:nvSpPr>
-          <p:cNvPr name="TextBox 6" id="6"/>
-          <p:cNvSpPr txBox="true"/>
+          <p:cNvPr id="6" name="TextBox 6"/>
+          <p:cNvSpPr txBox="1"/>
           <p:nvPr/>
         </p:nvSpPr>
         <p:spPr>
-          <a:xfrm rot="0">
+          <a:xfrm>
             <a:off x="1728070" y="3293598"/>
             <a:ext cx="1989832" cy="396240"/>
           </a:xfrm>
@@ -3703,7 +3708,7 @@
           </a:prstGeom>
         </p:spPr>
         <p:txBody>
-          <a:bodyPr anchor="t" rtlCol="false" tIns="0" lIns="0" bIns="0" rIns="0">
+          <a:bodyPr lIns="0" tIns="0" rIns="0" bIns="0" rtlCol="0" anchor="t">
             <a:spAutoFit/>
           </a:bodyPr>
           <a:lstStyle/>
@@ -3717,7 +3722,7 @@
               </a:spcBef>
             </a:pPr>
             <a:r>
-              <a:rPr lang="en-US" b="true" sz="2399">
+              <a:rPr lang="en-US" sz="2399" b="1">
                 <a:solidFill>
                   <a:srgbClr val="000000"/>
                 </a:solidFill>
@@ -3733,12 +3738,12 @@
       </p:sp>
       <p:sp>
         <p:nvSpPr>
-          <p:cNvPr name="TextBox 7" id="7"/>
-          <p:cNvSpPr txBox="true"/>
+          <p:cNvPr id="7" name="TextBox 7"/>
+          <p:cNvSpPr txBox="1"/>
           <p:nvPr/>
         </p:nvSpPr>
         <p:spPr>
-          <a:xfrm rot="0">
+          <a:xfrm>
             <a:off x="1448029" y="3970657"/>
             <a:ext cx="14076721" cy="656590"/>
           </a:xfrm>
@@ -3747,12 +3752,12 @@
           </a:prstGeom>
         </p:spPr>
         <p:txBody>
-          <a:bodyPr anchor="t" rtlCol="false" tIns="0" lIns="0" bIns="0" rIns="0">
+          <a:bodyPr lIns="0" tIns="0" rIns="0" bIns="0" rtlCol="0" anchor="t">
             <a:spAutoFit/>
           </a:bodyPr>
           <a:lstStyle/>
           <a:p>
-            <a:pPr algn="l" marL="410209" indent="-205105" lvl="1">
+            <a:pPr marL="410209" lvl="1" indent="-205105" algn="l">
               <a:lnSpc>
                 <a:spcPts val="2659"/>
               </a:lnSpc>
@@ -3773,7 +3778,7 @@
             </a:r>
           </a:p>
           <a:p>
-            <a:pPr algn="l" marL="410209" indent="-205105" lvl="1">
+            <a:pPr marL="410209" lvl="1" indent="-205105" algn="l">
               <a:lnSpc>
                 <a:spcPts val="2659"/>
               </a:lnSpc>
@@ -3804,7 +3809,7 @@
 </file>
 
 <file path=ppt/slides/slide11.xml><?xml version="1.0" encoding="utf-8"?>
-<p:sld xmlns:p="http://schemas.openxmlformats.org/presentationml/2006/main" xmlns:a="http://schemas.openxmlformats.org/drawingml/2006/main" xmlns:r="http://schemas.openxmlformats.org/officeDocument/2006/relationships">
+<p:sld xmlns:a="http://schemas.openxmlformats.org/drawingml/2006/main" xmlns:r="http://schemas.openxmlformats.org/officeDocument/2006/relationships" xmlns:p="http://schemas.openxmlformats.org/presentationml/2006/main">
   <p:cSld>
     <p:spTree>
       <p:nvGrpSpPr>
@@ -3822,12 +3827,12 @@
       </p:grpSpPr>
       <p:grpSp>
         <p:nvGrpSpPr>
-          <p:cNvPr name="Group 2" id="2"/>
+          <p:cNvPr id="2" name="Group 2"/>
           <p:cNvGrpSpPr/>
           <p:nvPr/>
         </p:nvGrpSpPr>
         <p:grpSpPr>
-          <a:xfrm rot="0">
+          <a:xfrm>
             <a:off x="6264120" y="-8103022"/>
             <a:ext cx="12303269" cy="10269947"/>
             <a:chOff x="0" y="0"/>
@@ -3836,12 +3841,12 @@
         </p:grpSpPr>
         <p:sp>
           <p:nvSpPr>
-            <p:cNvPr name="Freeform 3" id="3"/>
+            <p:cNvPr id="3" name="Freeform 3"/>
             <p:cNvSpPr/>
             <p:nvPr/>
           </p:nvSpPr>
           <p:spPr>
-            <a:xfrm flipH="false" flipV="false" rot="0">
+            <a:xfrm>
               <a:off x="0" y="0"/>
               <a:ext cx="812800" cy="678471"/>
             </a:xfrm>
@@ -3850,9 +3855,9 @@
               <a:gdLst/>
               <a:ahLst/>
               <a:cxnLst/>
-              <a:rect r="r" b="b" t="t" l="l"/>
+              <a:rect l="l" t="t" r="r" b="b"/>
               <a:pathLst>
-                <a:path h="678471" w="812800">
+                <a:path w="812800" h="678471">
                   <a:moveTo>
                     <a:pt x="406400" y="0"/>
                   </a:moveTo>
@@ -3887,8 +3892,8 @@
         </p:sp>
         <p:sp>
           <p:nvSpPr>
-            <p:cNvPr name="TextBox 4" id="4"/>
-            <p:cNvSpPr txBox="true"/>
+            <p:cNvPr id="4" name="TextBox 4"/>
+            <p:cNvSpPr txBox="1"/>
             <p:nvPr/>
           </p:nvSpPr>
           <p:spPr>
@@ -3901,7 +3906,7 @@
             </a:prstGeom>
           </p:spPr>
           <p:txBody>
-            <a:bodyPr anchor="ctr" rtlCol="false" tIns="50800" lIns="50800" bIns="50800" rIns="50800"/>
+            <a:bodyPr lIns="50800" tIns="50800" rIns="50800" bIns="50800" rtlCol="0" anchor="ctr"/>
             <a:lstStyle/>
             <a:p>
               <a:pPr algn="ctr">
@@ -3912,18 +3917,19 @@
                   <a:spcPct val="0"/>
                 </a:spcBef>
               </a:pPr>
+              <a:endParaRPr/>
             </a:p>
           </p:txBody>
         </p:sp>
       </p:grpSp>
       <p:sp>
         <p:nvSpPr>
-          <p:cNvPr name="Freeform 5" id="5"/>
+          <p:cNvPr id="5" name="Freeform 5"/>
           <p:cNvSpPr/>
           <p:nvPr/>
         </p:nvSpPr>
         <p:spPr>
-          <a:xfrm flipH="false" flipV="false" rot="0">
+          <a:xfrm>
             <a:off x="11410775" y="4336950"/>
             <a:ext cx="6086309" cy="1613101"/>
           </a:xfrm>
@@ -3932,9 +3938,9 @@
             <a:gdLst/>
             <a:ahLst/>
             <a:cxnLst/>
-            <a:rect r="r" b="b" t="t" l="l"/>
+            <a:rect l="l" t="t" r="r" b="b"/>
             <a:pathLst>
-              <a:path h="1613101" w="6086309">
+              <a:path w="6086309" h="1613101">
                 <a:moveTo>
                   <a:pt x="0" y="0"/>
                 </a:moveTo>
@@ -3957,19 +3963,19 @@
           <a:blipFill>
             <a:blip r:embed="rId2"/>
             <a:stretch>
-              <a:fillRect l="0" t="0" r="0" b="0"/>
+              <a:fillRect/>
             </a:stretch>
           </a:blipFill>
         </p:spPr>
       </p:sp>
       <p:sp>
         <p:nvSpPr>
-          <p:cNvPr name="Freeform 6" id="6"/>
+          <p:cNvPr id="6" name="Freeform 6"/>
           <p:cNvSpPr/>
           <p:nvPr/>
         </p:nvSpPr>
         <p:spPr>
-          <a:xfrm flipH="false" flipV="false" rot="0">
+          <a:xfrm>
             <a:off x="1028700" y="2354276"/>
             <a:ext cx="9912117" cy="6504827"/>
           </a:xfrm>
@@ -3978,9 +3984,9 @@
             <a:gdLst/>
             <a:ahLst/>
             <a:cxnLst/>
-            <a:rect r="r" b="b" t="t" l="l"/>
+            <a:rect l="l" t="t" r="r" b="b"/>
             <a:pathLst>
-              <a:path h="6504827" w="9912117">
+              <a:path w="9912117" h="6504827">
                 <a:moveTo>
                   <a:pt x="0" y="0"/>
                 </a:moveTo>
@@ -4003,19 +4009,19 @@
           <a:blipFill>
             <a:blip r:embed="rId3"/>
             <a:stretch>
-              <a:fillRect l="0" t="0" r="0" b="0"/>
+              <a:fillRect/>
             </a:stretch>
           </a:blipFill>
         </p:spPr>
       </p:sp>
       <p:sp>
         <p:nvSpPr>
-          <p:cNvPr name="TextBox 7" id="7"/>
-          <p:cNvSpPr txBox="true"/>
+          <p:cNvPr id="7" name="TextBox 7"/>
+          <p:cNvSpPr txBox="1"/>
           <p:nvPr/>
         </p:nvSpPr>
         <p:spPr>
-          <a:xfrm rot="0">
+          <a:xfrm>
             <a:off x="9341190" y="-85725"/>
             <a:ext cx="10225478" cy="1881251"/>
           </a:xfrm>
@@ -4024,12 +4030,12 @@
           </a:prstGeom>
         </p:spPr>
         <p:txBody>
-          <a:bodyPr anchor="t" rtlCol="false" tIns="0" lIns="0" bIns="0" rIns="0">
+          <a:bodyPr lIns="0" tIns="0" rIns="0" bIns="0" rtlCol="0" anchor="t">
             <a:spAutoFit/>
           </a:bodyPr>
           <a:lstStyle/>
           <a:p>
-            <a:pPr algn="l" marL="0" indent="0" lvl="0">
+            <a:pPr marL="0" lvl="0" indent="0" algn="l">
               <a:lnSpc>
                 <a:spcPts val="6591"/>
               </a:lnSpc>
@@ -4038,7 +4044,7 @@
               </a:spcBef>
             </a:pPr>
             <a:r>
-              <a:rPr lang="en-US" b="true" sz="6399">
+              <a:rPr lang="en-US" sz="6399" b="1">
                 <a:solidFill>
                   <a:srgbClr val="FFFFFF"/>
                 </a:solidFill>
@@ -4061,7 +4067,7 @@
 </file>
 
 <file path=ppt/slides/slide12.xml><?xml version="1.0" encoding="utf-8"?>
-<p:sld xmlns:p="http://schemas.openxmlformats.org/presentationml/2006/main" xmlns:a="http://schemas.openxmlformats.org/drawingml/2006/main">
+<p:sld xmlns:a="http://schemas.openxmlformats.org/drawingml/2006/main" xmlns:r="http://schemas.openxmlformats.org/officeDocument/2006/relationships" xmlns:p="http://schemas.openxmlformats.org/presentationml/2006/main">
   <p:cSld>
     <p:spTree>
       <p:nvGrpSpPr>
@@ -4079,12 +4085,12 @@
       </p:grpSpPr>
       <p:grpSp>
         <p:nvGrpSpPr>
-          <p:cNvPr name="Group 2" id="2"/>
+          <p:cNvPr id="2" name="Group 2"/>
           <p:cNvGrpSpPr/>
           <p:nvPr/>
         </p:nvGrpSpPr>
         <p:grpSpPr>
-          <a:xfrm rot="0">
+          <a:xfrm>
             <a:off x="8798741" y="-6295583"/>
             <a:ext cx="10820143" cy="9031933"/>
             <a:chOff x="0" y="0"/>
@@ -4093,12 +4099,12 @@
         </p:grpSpPr>
         <p:sp>
           <p:nvSpPr>
-            <p:cNvPr name="Freeform 3" id="3"/>
+            <p:cNvPr id="3" name="Freeform 3"/>
             <p:cNvSpPr/>
             <p:nvPr/>
           </p:nvSpPr>
           <p:spPr>
-            <a:xfrm flipH="false" flipV="false" rot="0">
+            <a:xfrm>
               <a:off x="0" y="0"/>
               <a:ext cx="812800" cy="678471"/>
             </a:xfrm>
@@ -4107,9 +4113,9 @@
               <a:gdLst/>
               <a:ahLst/>
               <a:cxnLst/>
-              <a:rect r="r" b="b" t="t" l="l"/>
+              <a:rect l="l" t="t" r="r" b="b"/>
               <a:pathLst>
-                <a:path h="678471" w="812800">
+                <a:path w="812800" h="678471">
                   <a:moveTo>
                     <a:pt x="406400" y="0"/>
                   </a:moveTo>
@@ -4144,8 +4150,8 @@
         </p:sp>
         <p:sp>
           <p:nvSpPr>
-            <p:cNvPr name="TextBox 4" id="4"/>
-            <p:cNvSpPr txBox="true"/>
+            <p:cNvPr id="4" name="TextBox 4"/>
+            <p:cNvSpPr txBox="1"/>
             <p:nvPr/>
           </p:nvSpPr>
           <p:spPr>
@@ -4158,7 +4164,7 @@
             </a:prstGeom>
           </p:spPr>
           <p:txBody>
-            <a:bodyPr anchor="ctr" rtlCol="false" tIns="50800" lIns="50800" bIns="50800" rIns="50800"/>
+            <a:bodyPr lIns="50800" tIns="50800" rIns="50800" bIns="50800" rtlCol="0" anchor="ctr"/>
             <a:lstStyle/>
             <a:p>
               <a:pPr algn="ctr">
@@ -4169,18 +4175,19 @@
                   <a:spcPct val="0"/>
                 </a:spcBef>
               </a:pPr>
+              <a:endParaRPr/>
             </a:p>
           </p:txBody>
         </p:sp>
       </p:grpSp>
       <p:grpSp>
         <p:nvGrpSpPr>
-          <p:cNvPr name="Group 5" id="5"/>
+          <p:cNvPr id="5" name="Group 5"/>
           <p:cNvGrpSpPr/>
           <p:nvPr/>
         </p:nvGrpSpPr>
         <p:grpSpPr>
-          <a:xfrm rot="0">
+          <a:xfrm>
             <a:off x="-2021402" y="-6143953"/>
             <a:ext cx="10820143" cy="9031933"/>
             <a:chOff x="0" y="0"/>
@@ -4189,12 +4196,12 @@
         </p:grpSpPr>
         <p:sp>
           <p:nvSpPr>
-            <p:cNvPr name="Freeform 6" id="6"/>
+            <p:cNvPr id="6" name="Freeform 6"/>
             <p:cNvSpPr/>
             <p:nvPr/>
           </p:nvSpPr>
           <p:spPr>
-            <a:xfrm flipH="false" flipV="false" rot="0">
+            <a:xfrm>
               <a:off x="0" y="0"/>
               <a:ext cx="812800" cy="678471"/>
             </a:xfrm>
@@ -4203,9 +4210,9 @@
               <a:gdLst/>
               <a:ahLst/>
               <a:cxnLst/>
-              <a:rect r="r" b="b" t="t" l="l"/>
+              <a:rect l="l" t="t" r="r" b="b"/>
               <a:pathLst>
-                <a:path h="678471" w="812800">
+                <a:path w="812800" h="678471">
                   <a:moveTo>
                     <a:pt x="406400" y="0"/>
                   </a:moveTo>
@@ -4240,8 +4247,8 @@
         </p:sp>
         <p:sp>
           <p:nvSpPr>
-            <p:cNvPr name="TextBox 7" id="7"/>
-            <p:cNvSpPr txBox="true"/>
+            <p:cNvPr id="7" name="TextBox 7"/>
+            <p:cNvSpPr txBox="1"/>
             <p:nvPr/>
           </p:nvSpPr>
           <p:spPr>
@@ -4254,7 +4261,7 @@
             </a:prstGeom>
           </p:spPr>
           <p:txBody>
-            <a:bodyPr anchor="ctr" rtlCol="false" tIns="50800" lIns="50800" bIns="50800" rIns="50800"/>
+            <a:bodyPr lIns="50800" tIns="50800" rIns="50800" bIns="50800" rtlCol="0" anchor="ctr"/>
             <a:lstStyle/>
             <a:p>
               <a:pPr algn="ctr">
@@ -4265,18 +4272,19 @@
                   <a:spcPct val="0"/>
                 </a:spcBef>
               </a:pPr>
+              <a:endParaRPr/>
             </a:p>
           </p:txBody>
         </p:sp>
       </p:grpSp>
       <p:sp>
         <p:nvSpPr>
-          <p:cNvPr name="TextBox 8" id="8"/>
-          <p:cNvSpPr txBox="true"/>
+          <p:cNvPr id="8" name="TextBox 8"/>
+          <p:cNvSpPr txBox="1"/>
           <p:nvPr/>
         </p:nvSpPr>
         <p:spPr>
-          <a:xfrm rot="0">
+          <a:xfrm>
             <a:off x="10919110" y="45212"/>
             <a:ext cx="8571864" cy="1052576"/>
           </a:xfrm>
@@ -4285,12 +4293,12 @@
           </a:prstGeom>
         </p:spPr>
         <p:txBody>
-          <a:bodyPr anchor="t" rtlCol="false" tIns="0" lIns="0" bIns="0" rIns="0">
+          <a:bodyPr lIns="0" tIns="0" rIns="0" bIns="0" rtlCol="0" anchor="t">
             <a:spAutoFit/>
           </a:bodyPr>
           <a:lstStyle/>
           <a:p>
-            <a:pPr algn="l" marL="0" indent="0" lvl="0">
+            <a:pPr marL="0" lvl="0" indent="0" algn="l">
               <a:lnSpc>
                 <a:spcPts val="6591"/>
               </a:lnSpc>
@@ -4299,7 +4307,7 @@
               </a:spcBef>
             </a:pPr>
             <a:r>
-              <a:rPr lang="en-US" b="true" sz="6399">
+              <a:rPr lang="en-US" sz="6399" b="1">
                 <a:solidFill>
                   <a:srgbClr val="FFFFFF"/>
                 </a:solidFill>
@@ -4315,12 +4323,12 @@
       </p:sp>
       <p:sp>
         <p:nvSpPr>
-          <p:cNvPr name="TextBox 9" id="9"/>
-          <p:cNvSpPr txBox="true"/>
+          <p:cNvPr id="9" name="TextBox 9"/>
+          <p:cNvSpPr txBox="1"/>
           <p:nvPr/>
         </p:nvSpPr>
         <p:spPr>
-          <a:xfrm rot="0">
+          <a:xfrm>
             <a:off x="738468" y="3860867"/>
             <a:ext cx="16811063" cy="3396868"/>
           </a:xfrm>
@@ -4329,7 +4337,7 @@
           </a:prstGeom>
         </p:spPr>
         <p:txBody>
-          <a:bodyPr anchor="t" rtlCol="false" tIns="0" lIns="0" bIns="0" rIns="0">
+          <a:bodyPr lIns="0" tIns="0" rIns="0" bIns="0" rtlCol="0" anchor="t">
             <a:spAutoFit/>
           </a:bodyPr>
           <a:lstStyle/>
@@ -4358,6 +4366,15 @@
                 <a:spcPts val="4498"/>
               </a:lnSpc>
             </a:pPr>
+            <a:endParaRPr lang="en-US" sz="2600">
+              <a:solidFill>
+                <a:srgbClr val="000000"/>
+              </a:solidFill>
+              <a:latin typeface="Agrandir"/>
+              <a:ea typeface="Agrandir"/>
+              <a:cs typeface="Agrandir"/>
+              <a:sym typeface="Agrandir"/>
+            </a:endParaRPr>
           </a:p>
           <a:p>
             <a:pPr algn="l">
@@ -4382,12 +4399,12 @@
       </p:sp>
       <p:sp>
         <p:nvSpPr>
-          <p:cNvPr name="TextBox 10" id="10"/>
-          <p:cNvSpPr txBox="true"/>
+          <p:cNvPr id="10" name="TextBox 10"/>
+          <p:cNvSpPr txBox="1"/>
           <p:nvPr/>
         </p:nvSpPr>
         <p:spPr>
-          <a:xfrm rot="0">
+          <a:xfrm>
             <a:off x="572136" y="45212"/>
             <a:ext cx="8571864" cy="1881251"/>
           </a:xfrm>
@@ -4396,12 +4413,12 @@
           </a:prstGeom>
         </p:spPr>
         <p:txBody>
-          <a:bodyPr anchor="t" rtlCol="false" tIns="0" lIns="0" bIns="0" rIns="0">
+          <a:bodyPr lIns="0" tIns="0" rIns="0" bIns="0" rtlCol="0" anchor="t">
             <a:spAutoFit/>
           </a:bodyPr>
           <a:lstStyle/>
           <a:p>
-            <a:pPr algn="l" marL="0" indent="0" lvl="0">
+            <a:pPr marL="0" lvl="0" indent="0" algn="l">
               <a:lnSpc>
                 <a:spcPts val="6591"/>
               </a:lnSpc>
@@ -4410,7 +4427,7 @@
               </a:spcBef>
             </a:pPr>
             <a:r>
-              <a:rPr lang="en-US" b="true" sz="6399">
+              <a:rPr lang="en-US" sz="6399" b="1">
                 <a:solidFill>
                   <a:srgbClr val="FFFFFF"/>
                 </a:solidFill>
@@ -4433,7 +4450,7 @@
 </file>
 
 <file path=ppt/slides/slide13.xml><?xml version="1.0" encoding="utf-8"?>
-<p:sld xmlns:p="http://schemas.openxmlformats.org/presentationml/2006/main" xmlns:a="http://schemas.openxmlformats.org/drawingml/2006/main" xmlns:r="http://schemas.openxmlformats.org/officeDocument/2006/relationships">
+<p:sld xmlns:a="http://schemas.openxmlformats.org/drawingml/2006/main" xmlns:r="http://schemas.openxmlformats.org/officeDocument/2006/relationships" xmlns:p="http://schemas.openxmlformats.org/presentationml/2006/main">
   <p:cSld>
     <p:spTree>
       <p:nvGrpSpPr>
@@ -4451,12 +4468,12 @@
       </p:grpSpPr>
       <p:grpSp>
         <p:nvGrpSpPr>
-          <p:cNvPr name="Group 2" id="2"/>
+          <p:cNvPr id="2" name="Group 2"/>
           <p:cNvGrpSpPr/>
           <p:nvPr/>
         </p:nvGrpSpPr>
         <p:grpSpPr>
-          <a:xfrm rot="0">
+          <a:xfrm>
             <a:off x="8798741" y="-6295583"/>
             <a:ext cx="10820143" cy="9031933"/>
             <a:chOff x="0" y="0"/>
@@ -4465,12 +4482,12 @@
         </p:grpSpPr>
         <p:sp>
           <p:nvSpPr>
-            <p:cNvPr name="Freeform 3" id="3"/>
+            <p:cNvPr id="3" name="Freeform 3"/>
             <p:cNvSpPr/>
             <p:nvPr/>
           </p:nvSpPr>
           <p:spPr>
-            <a:xfrm flipH="false" flipV="false" rot="0">
+            <a:xfrm>
               <a:off x="0" y="0"/>
               <a:ext cx="812800" cy="678471"/>
             </a:xfrm>
@@ -4479,9 +4496,9 @@
               <a:gdLst/>
               <a:ahLst/>
               <a:cxnLst/>
-              <a:rect r="r" b="b" t="t" l="l"/>
+              <a:rect l="l" t="t" r="r" b="b"/>
               <a:pathLst>
-                <a:path h="678471" w="812800">
+                <a:path w="812800" h="678471">
                   <a:moveTo>
                     <a:pt x="406400" y="0"/>
                   </a:moveTo>
@@ -4516,8 +4533,8 @@
         </p:sp>
         <p:sp>
           <p:nvSpPr>
-            <p:cNvPr name="TextBox 4" id="4"/>
-            <p:cNvSpPr txBox="true"/>
+            <p:cNvPr id="4" name="TextBox 4"/>
+            <p:cNvSpPr txBox="1"/>
             <p:nvPr/>
           </p:nvSpPr>
           <p:spPr>
@@ -4530,7 +4547,7 @@
             </a:prstGeom>
           </p:spPr>
           <p:txBody>
-            <a:bodyPr anchor="ctr" rtlCol="false" tIns="50800" lIns="50800" bIns="50800" rIns="50800"/>
+            <a:bodyPr lIns="50800" tIns="50800" rIns="50800" bIns="50800" rtlCol="0" anchor="ctr"/>
             <a:lstStyle/>
             <a:p>
               <a:pPr algn="ctr">
@@ -4541,18 +4558,19 @@
                   <a:spcPct val="0"/>
                 </a:spcBef>
               </a:pPr>
+              <a:endParaRPr/>
             </a:p>
           </p:txBody>
         </p:sp>
       </p:grpSp>
       <p:sp>
         <p:nvSpPr>
-          <p:cNvPr name="Freeform 5" id="5"/>
+          <p:cNvPr id="5" name="Freeform 5"/>
           <p:cNvSpPr/>
           <p:nvPr/>
         </p:nvSpPr>
         <p:spPr>
-          <a:xfrm flipH="false" flipV="false" rot="0">
+          <a:xfrm>
             <a:off x="2014110" y="2942119"/>
             <a:ext cx="12413884" cy="6610393"/>
           </a:xfrm>
@@ -4561,9 +4579,9 @@
             <a:gdLst/>
             <a:ahLst/>
             <a:cxnLst/>
-            <a:rect r="r" b="b" t="t" l="l"/>
+            <a:rect l="l" t="t" r="r" b="b"/>
             <a:pathLst>
-              <a:path h="6610393" w="12413884">
+              <a:path w="12413884" h="6610393">
                 <a:moveTo>
                   <a:pt x="0" y="0"/>
                 </a:moveTo>
@@ -4586,19 +4604,19 @@
           <a:blipFill>
             <a:blip r:embed="rId2"/>
             <a:stretch>
-              <a:fillRect l="0" t="0" r="0" b="0"/>
+              <a:fillRect/>
             </a:stretch>
           </a:blipFill>
         </p:spPr>
       </p:sp>
       <p:sp>
         <p:nvSpPr>
-          <p:cNvPr name="TextBox 6" id="6"/>
-          <p:cNvSpPr txBox="true"/>
+          <p:cNvPr id="6" name="TextBox 6"/>
+          <p:cNvSpPr txBox="1"/>
           <p:nvPr/>
         </p:nvSpPr>
         <p:spPr>
-          <a:xfrm rot="0">
+          <a:xfrm>
             <a:off x="10919110" y="45212"/>
             <a:ext cx="8571864" cy="1052576"/>
           </a:xfrm>
@@ -4607,12 +4625,12 @@
           </a:prstGeom>
         </p:spPr>
         <p:txBody>
-          <a:bodyPr anchor="t" rtlCol="false" tIns="0" lIns="0" bIns="0" rIns="0">
+          <a:bodyPr lIns="0" tIns="0" rIns="0" bIns="0" rtlCol="0" anchor="t">
             <a:spAutoFit/>
           </a:bodyPr>
           <a:lstStyle/>
           <a:p>
-            <a:pPr algn="l" marL="0" indent="0" lvl="0">
+            <a:pPr marL="0" lvl="0" indent="0" algn="l">
               <a:lnSpc>
                 <a:spcPts val="6591"/>
               </a:lnSpc>
@@ -4621,7 +4639,7 @@
               </a:spcBef>
             </a:pPr>
             <a:r>
-              <a:rPr lang="en-US" b="true" sz="6399">
+              <a:rPr lang="en-US" sz="6399" b="1">
                 <a:solidFill>
                   <a:srgbClr val="FFFFFF"/>
                 </a:solidFill>
@@ -4637,12 +4655,12 @@
       </p:sp>
       <p:sp>
         <p:nvSpPr>
-          <p:cNvPr name="TextBox 7" id="7"/>
-          <p:cNvSpPr txBox="true"/>
+          <p:cNvPr id="7" name="TextBox 7"/>
+          <p:cNvSpPr txBox="1"/>
           <p:nvPr/>
         </p:nvSpPr>
         <p:spPr>
-          <a:xfrm rot="0">
+          <a:xfrm>
             <a:off x="572136" y="45212"/>
             <a:ext cx="8571864" cy="1881251"/>
           </a:xfrm>
@@ -4651,12 +4669,12 @@
           </a:prstGeom>
         </p:spPr>
         <p:txBody>
-          <a:bodyPr anchor="t" rtlCol="false" tIns="0" lIns="0" bIns="0" rIns="0">
+          <a:bodyPr lIns="0" tIns="0" rIns="0" bIns="0" rtlCol="0" anchor="t">
             <a:spAutoFit/>
           </a:bodyPr>
           <a:lstStyle/>
           <a:p>
-            <a:pPr algn="l" marL="0" indent="0" lvl="0">
+            <a:pPr marL="0" lvl="0" indent="0" algn="l">
               <a:lnSpc>
                 <a:spcPts val="6591"/>
               </a:lnSpc>
@@ -4665,7 +4683,7 @@
               </a:spcBef>
             </a:pPr>
             <a:r>
-              <a:rPr lang="en-US" b="true" sz="6399">
+              <a:rPr lang="en-US" sz="6399" b="1">
                 <a:solidFill>
                   <a:srgbClr val="FFFFFF"/>
                 </a:solidFill>
@@ -4688,7 +4706,7 @@
 </file>
 
 <file path=ppt/slides/slide14.xml><?xml version="1.0" encoding="utf-8"?>
-<p:sld xmlns:p="http://schemas.openxmlformats.org/presentationml/2006/main" xmlns:a="http://schemas.openxmlformats.org/drawingml/2006/main" xmlns:r="http://schemas.openxmlformats.org/officeDocument/2006/relationships">
+<p:sld xmlns:a="http://schemas.openxmlformats.org/drawingml/2006/main" xmlns:r="http://schemas.openxmlformats.org/officeDocument/2006/relationships" xmlns:p="http://schemas.openxmlformats.org/presentationml/2006/main">
   <p:cSld>
     <p:spTree>
       <p:nvGrpSpPr>
@@ -4706,12 +4724,12 @@
       </p:grpSpPr>
       <p:grpSp>
         <p:nvGrpSpPr>
-          <p:cNvPr name="Group 2" id="2"/>
+          <p:cNvPr id="2" name="Group 2"/>
           <p:cNvGrpSpPr/>
           <p:nvPr/>
         </p:nvGrpSpPr>
         <p:grpSpPr>
-          <a:xfrm rot="0">
+          <a:xfrm>
             <a:off x="6813734" y="-5994975"/>
             <a:ext cx="11874818" cy="8379480"/>
             <a:chOff x="0" y="0"/>
@@ -4720,12 +4738,12 @@
         </p:grpSpPr>
         <p:sp>
           <p:nvSpPr>
-            <p:cNvPr name="Freeform 3" id="3"/>
+            <p:cNvPr id="3" name="Freeform 3"/>
             <p:cNvSpPr/>
             <p:nvPr/>
           </p:nvSpPr>
           <p:spPr>
-            <a:xfrm flipH="false" flipV="false" rot="0">
+            <a:xfrm>
               <a:off x="0" y="0"/>
               <a:ext cx="812800" cy="573553"/>
             </a:xfrm>
@@ -4734,9 +4752,9 @@
               <a:gdLst/>
               <a:ahLst/>
               <a:cxnLst/>
-              <a:rect r="r" b="b" t="t" l="l"/>
+              <a:rect l="l" t="t" r="r" b="b"/>
               <a:pathLst>
-                <a:path h="573553" w="812800">
+                <a:path w="812800" h="573553">
                   <a:moveTo>
                     <a:pt x="406400" y="0"/>
                   </a:moveTo>
@@ -4771,8 +4789,8 @@
         </p:sp>
         <p:sp>
           <p:nvSpPr>
-            <p:cNvPr name="TextBox 4" id="4"/>
-            <p:cNvSpPr txBox="true"/>
+            <p:cNvPr id="4" name="TextBox 4"/>
+            <p:cNvSpPr txBox="1"/>
             <p:nvPr/>
           </p:nvSpPr>
           <p:spPr>
@@ -4785,7 +4803,7 @@
             </a:prstGeom>
           </p:spPr>
           <p:txBody>
-            <a:bodyPr anchor="ctr" rtlCol="false" tIns="50800" lIns="50800" bIns="50800" rIns="50800"/>
+            <a:bodyPr lIns="50800" tIns="50800" rIns="50800" bIns="50800" rtlCol="0" anchor="ctr"/>
             <a:lstStyle/>
             <a:p>
               <a:pPr algn="ctr">
@@ -4796,18 +4814,19 @@
                   <a:spcPct val="0"/>
                 </a:spcBef>
               </a:pPr>
+              <a:endParaRPr/>
             </a:p>
           </p:txBody>
         </p:sp>
       </p:grpSp>
       <p:sp>
         <p:nvSpPr>
-          <p:cNvPr name="TextBox 5" id="5"/>
-          <p:cNvSpPr txBox="true"/>
+          <p:cNvPr id="5" name="TextBox 5"/>
+          <p:cNvSpPr txBox="1"/>
           <p:nvPr/>
         </p:nvSpPr>
         <p:spPr>
-          <a:xfrm rot="0">
+          <a:xfrm>
             <a:off x="8619197" y="-76200"/>
             <a:ext cx="10302391" cy="1644904"/>
           </a:xfrm>
@@ -4816,12 +4835,12 @@
           </a:prstGeom>
         </p:spPr>
         <p:txBody>
-          <a:bodyPr anchor="t" rtlCol="false" tIns="0" lIns="0" bIns="0" rIns="0">
+          <a:bodyPr lIns="0" tIns="0" rIns="0" bIns="0" rtlCol="0" anchor="t">
             <a:spAutoFit/>
           </a:bodyPr>
           <a:lstStyle/>
           <a:p>
-            <a:pPr algn="l" marL="0" indent="0" lvl="0">
+            <a:pPr marL="0" lvl="0" indent="0" algn="l">
               <a:lnSpc>
                 <a:spcPts val="5768"/>
               </a:lnSpc>
@@ -4830,7 +4849,7 @@
               </a:spcBef>
             </a:pPr>
             <a:r>
-              <a:rPr lang="en-US" b="true" sz="5600">
+              <a:rPr lang="en-US" sz="5600" b="1">
                 <a:solidFill>
                   <a:srgbClr val="FFFFFF"/>
                 </a:solidFill>
@@ -4846,12 +4865,12 @@
       </p:sp>
       <p:sp>
         <p:nvSpPr>
-          <p:cNvPr name="TextBox 6" id="6"/>
-          <p:cNvSpPr txBox="true"/>
+          <p:cNvPr id="6" name="TextBox 6"/>
+          <p:cNvSpPr txBox="1"/>
           <p:nvPr/>
         </p:nvSpPr>
         <p:spPr>
-          <a:xfrm rot="0">
+          <a:xfrm>
             <a:off x="2090966" y="1422781"/>
             <a:ext cx="4915049" cy="372745"/>
           </a:xfrm>
@@ -4860,7 +4879,7 @@
           </a:prstGeom>
         </p:spPr>
         <p:txBody>
-          <a:bodyPr anchor="t" rtlCol="false" tIns="0" lIns="0" bIns="0" rIns="0">
+          <a:bodyPr lIns="0" tIns="0" rIns="0" bIns="0" rtlCol="0" anchor="t">
             <a:spAutoFit/>
           </a:bodyPr>
           <a:lstStyle/>
@@ -4874,7 +4893,7 @@
               </a:spcBef>
             </a:pPr>
             <a:r>
-              <a:rPr lang="en-US" b="true" sz="2199">
+              <a:rPr lang="en-US" sz="2199" b="1">
                 <a:solidFill>
                   <a:srgbClr val="000000"/>
                 </a:solidFill>
@@ -4888,44 +4907,36 @@
           </a:p>
         </p:txBody>
       </p:sp>
-      <p:graphicFrame>
-        <p:nvGraphicFramePr>
-          <p:cNvPr name="Object 7" id="7"/>
-          <p:cNvGraphicFramePr/>
+      <p:pic>
+        <p:nvPicPr>
+          <p:cNvPr id="9" name="Imagen 8">
+            <a:extLst>
+              <a:ext uri="{FF2B5EF4-FFF2-40B4-BE49-F238E27FC236}">
+                <a16:creationId xmlns:a16="http://schemas.microsoft.com/office/drawing/2014/main" id="{C8A46BC9-FC54-42C2-B70E-44004A0AE118}"/>
+              </a:ext>
+            </a:extLst>
+          </p:cNvPr>
+          <p:cNvPicPr>
+            <a:picLocks noChangeAspect="1"/>
+          </p:cNvPicPr>
           <p:nvPr/>
-        </p:nvGraphicFramePr>
-        <p:xfrm>
-          <a:off x="2781878" y="2768842"/>
-          <a:ext cx="3771900" cy="4610100"/>
-        </p:xfrm>
-        <a:graphic>
-          <a:graphicData uri="http://schemas.openxmlformats.org/presentationml/2006/ole">
-            <p:oleObj imgW="4686300" imgH="5524500" r:id="rId3" progId="Excel.Sheet.12" name="Worksheet">
-              <p:embed/>
-              <p:pic>
-                <p:nvPicPr>
-                  <p:cNvPr name="" id="0"/>
-                  <p:cNvPicPr/>
-                  <p:nvPr/>
-                </p:nvPicPr>
-                <p:blipFill>
-                  <a:blip r:embed="rId2"/>
-                  <a:stretch>
-                    <a:fillRect/>
-                  </a:stretch>
-                </p:blipFill>
-                <p:spPr>
-                  <a:xfrm>
-                    <a:off x="1270000" y="1270000"/>
-                    <a:ext cx="1270000" cy="1270000"/>
-                  </a:xfrm>
-                  <a:prstGeom prst="rect"/>
-                </p:spPr>
-              </p:pic>
-            </p:oleObj>
-          </a:graphicData>
-        </a:graphic>
-      </p:graphicFrame>
+        </p:nvPicPr>
+        <p:blipFill>
+          <a:blip r:embed="rId2"/>
+          <a:stretch>
+            <a:fillRect/>
+          </a:stretch>
+        </p:blipFill>
+        <p:spPr>
+          <a:xfrm>
+            <a:off x="1808726" y="2613455"/>
+            <a:ext cx="14670547" cy="6887536"/>
+          </a:xfrm>
+          <a:prstGeom prst="rect">
+            <a:avLst/>
+          </a:prstGeom>
+        </p:spPr>
+      </p:pic>
     </p:spTree>
   </p:cSld>
   <p:clrMapOvr>
@@ -4935,7 +4946,7 @@
 </file>
 
 <file path=ppt/slides/slide15.xml><?xml version="1.0" encoding="utf-8"?>
-<p:sld xmlns:p="http://schemas.openxmlformats.org/presentationml/2006/main" xmlns:a="http://schemas.openxmlformats.org/drawingml/2006/main">
+<p:sld xmlns:a="http://schemas.openxmlformats.org/drawingml/2006/main" xmlns:r="http://schemas.openxmlformats.org/officeDocument/2006/relationships" xmlns:p="http://schemas.openxmlformats.org/presentationml/2006/main">
   <p:cSld>
     <p:spTree>
       <p:nvGrpSpPr>
@@ -4953,12 +4964,12 @@
       </p:grpSpPr>
       <p:grpSp>
         <p:nvGrpSpPr>
-          <p:cNvPr name="Group 2" id="2"/>
+          <p:cNvPr id="2" name="Group 2"/>
           <p:cNvGrpSpPr/>
           <p:nvPr/>
         </p:nvGrpSpPr>
         <p:grpSpPr>
-          <a:xfrm rot="0">
+          <a:xfrm>
             <a:off x="8798741" y="-6295583"/>
             <a:ext cx="10820143" cy="9031933"/>
             <a:chOff x="0" y="0"/>
@@ -4967,12 +4978,12 @@
         </p:grpSpPr>
         <p:sp>
           <p:nvSpPr>
-            <p:cNvPr name="Freeform 3" id="3"/>
+            <p:cNvPr id="3" name="Freeform 3"/>
             <p:cNvSpPr/>
             <p:nvPr/>
           </p:nvSpPr>
           <p:spPr>
-            <a:xfrm flipH="false" flipV="false" rot="0">
+            <a:xfrm>
               <a:off x="0" y="0"/>
               <a:ext cx="812800" cy="678471"/>
             </a:xfrm>
@@ -4981,9 +4992,9 @@
               <a:gdLst/>
               <a:ahLst/>
               <a:cxnLst/>
-              <a:rect r="r" b="b" t="t" l="l"/>
+              <a:rect l="l" t="t" r="r" b="b"/>
               <a:pathLst>
-                <a:path h="678471" w="812800">
+                <a:path w="812800" h="678471">
                   <a:moveTo>
                     <a:pt x="406400" y="0"/>
                   </a:moveTo>
@@ -5018,8 +5029,8 @@
         </p:sp>
         <p:sp>
           <p:nvSpPr>
-            <p:cNvPr name="TextBox 4" id="4"/>
-            <p:cNvSpPr txBox="true"/>
+            <p:cNvPr id="4" name="TextBox 4"/>
+            <p:cNvSpPr txBox="1"/>
             <p:nvPr/>
           </p:nvSpPr>
           <p:spPr>
@@ -5032,7 +5043,7 @@
             </a:prstGeom>
           </p:spPr>
           <p:txBody>
-            <a:bodyPr anchor="ctr" rtlCol="false" tIns="50800" lIns="50800" bIns="50800" rIns="50800"/>
+            <a:bodyPr lIns="50800" tIns="50800" rIns="50800" bIns="50800" rtlCol="0" anchor="ctr"/>
             <a:lstStyle/>
             <a:p>
               <a:pPr algn="ctr">
@@ -5043,18 +5054,19 @@
                   <a:spcPct val="0"/>
                 </a:spcBef>
               </a:pPr>
+              <a:endParaRPr/>
             </a:p>
           </p:txBody>
         </p:sp>
       </p:grpSp>
       <p:sp>
         <p:nvSpPr>
-          <p:cNvPr name="TextBox 5" id="5"/>
-          <p:cNvSpPr txBox="true"/>
+          <p:cNvPr id="5" name="TextBox 5"/>
+          <p:cNvSpPr txBox="1"/>
           <p:nvPr/>
         </p:nvSpPr>
         <p:spPr>
-          <a:xfrm rot="0">
+          <a:xfrm>
             <a:off x="10919110" y="45212"/>
             <a:ext cx="8571864" cy="1052576"/>
           </a:xfrm>
@@ -5063,12 +5075,12 @@
           </a:prstGeom>
         </p:spPr>
         <p:txBody>
-          <a:bodyPr anchor="t" rtlCol="false" tIns="0" lIns="0" bIns="0" rIns="0">
+          <a:bodyPr lIns="0" tIns="0" rIns="0" bIns="0" rtlCol="0" anchor="t">
             <a:spAutoFit/>
           </a:bodyPr>
           <a:lstStyle/>
           <a:p>
-            <a:pPr algn="l" marL="0" indent="0" lvl="0">
+            <a:pPr marL="0" lvl="0" indent="0" algn="l">
               <a:lnSpc>
                 <a:spcPts val="6591"/>
               </a:lnSpc>
@@ -5077,7 +5089,7 @@
               </a:spcBef>
             </a:pPr>
             <a:r>
-              <a:rPr lang="en-US" b="true" sz="6399">
+              <a:rPr lang="en-US" sz="6399" b="1">
                 <a:solidFill>
                   <a:srgbClr val="FFFFFF"/>
                 </a:solidFill>
@@ -5093,12 +5105,12 @@
       </p:sp>
       <p:sp>
         <p:nvSpPr>
-          <p:cNvPr name="TextBox 6" id="6"/>
-          <p:cNvSpPr txBox="true"/>
+          <p:cNvPr id="6" name="TextBox 6"/>
+          <p:cNvSpPr txBox="1"/>
           <p:nvPr/>
         </p:nvSpPr>
         <p:spPr>
-          <a:xfrm rot="0">
+          <a:xfrm>
             <a:off x="572136" y="45212"/>
             <a:ext cx="8571864" cy="1881251"/>
           </a:xfrm>
@@ -5107,12 +5119,12 @@
           </a:prstGeom>
         </p:spPr>
         <p:txBody>
-          <a:bodyPr anchor="t" rtlCol="false" tIns="0" lIns="0" bIns="0" rIns="0">
+          <a:bodyPr lIns="0" tIns="0" rIns="0" bIns="0" rtlCol="0" anchor="t">
             <a:spAutoFit/>
           </a:bodyPr>
           <a:lstStyle/>
           <a:p>
-            <a:pPr algn="l" marL="0" indent="0" lvl="0">
+            <a:pPr marL="0" lvl="0" indent="0" algn="l">
               <a:lnSpc>
                 <a:spcPts val="6591"/>
               </a:lnSpc>
@@ -5121,7 +5133,7 @@
               </a:spcBef>
             </a:pPr>
             <a:r>
-              <a:rPr lang="en-US" b="true" sz="6399">
+              <a:rPr lang="en-US" sz="6399" b="1">
                 <a:solidFill>
                   <a:srgbClr val="FFFFFF"/>
                 </a:solidFill>
@@ -5137,12 +5149,12 @@
       </p:sp>
       <p:sp>
         <p:nvSpPr>
-          <p:cNvPr name="TextBox 7" id="7"/>
-          <p:cNvSpPr txBox="true"/>
+          <p:cNvPr id="7" name="TextBox 7"/>
+          <p:cNvSpPr txBox="1"/>
           <p:nvPr/>
         </p:nvSpPr>
         <p:spPr>
-          <a:xfrm rot="0">
+          <a:xfrm>
             <a:off x="738468" y="3860867"/>
             <a:ext cx="16811063" cy="3396868"/>
           </a:xfrm>
@@ -5151,7 +5163,7 @@
           </a:prstGeom>
         </p:spPr>
         <p:txBody>
-          <a:bodyPr anchor="t" rtlCol="false" tIns="0" lIns="0" bIns="0" rIns="0">
+          <a:bodyPr lIns="0" tIns="0" rIns="0" bIns="0" rtlCol="0" anchor="t">
             <a:spAutoFit/>
           </a:bodyPr>
           <a:lstStyle/>
@@ -5162,7 +5174,7 @@
               </a:lnSpc>
             </a:pPr>
             <a:r>
-              <a:rPr lang="en-US" sz="2600" b="true">
+              <a:rPr lang="en-US" sz="2600" b="1">
                 <a:solidFill>
                   <a:srgbClr val="000000"/>
                 </a:solidFill>
@@ -5216,7 +5228,7 @@
 </file>
 
 <file path=ppt/slides/slide16.xml><?xml version="1.0" encoding="utf-8"?>
-<p:sld xmlns:p="http://schemas.openxmlformats.org/presentationml/2006/main" xmlns:a="http://schemas.openxmlformats.org/drawingml/2006/main" xmlns:r="http://schemas.openxmlformats.org/officeDocument/2006/relationships">
+<p:sld xmlns:a="http://schemas.openxmlformats.org/drawingml/2006/main" xmlns:r="http://schemas.openxmlformats.org/officeDocument/2006/relationships" xmlns:p="http://schemas.openxmlformats.org/presentationml/2006/main">
   <p:cSld>
     <p:spTree>
       <p:nvGrpSpPr>
@@ -5234,12 +5246,12 @@
       </p:grpSpPr>
       <p:grpSp>
         <p:nvGrpSpPr>
-          <p:cNvPr name="Group 2" id="2"/>
+          <p:cNvPr id="2" name="Group 2"/>
           <p:cNvGrpSpPr/>
           <p:nvPr/>
         </p:nvGrpSpPr>
         <p:grpSpPr>
-          <a:xfrm rot="0">
+          <a:xfrm>
             <a:off x="8798741" y="-6295583"/>
             <a:ext cx="10820143" cy="9031933"/>
             <a:chOff x="0" y="0"/>
@@ -5248,12 +5260,12 @@
         </p:grpSpPr>
         <p:sp>
           <p:nvSpPr>
-            <p:cNvPr name="Freeform 3" id="3"/>
+            <p:cNvPr id="3" name="Freeform 3"/>
             <p:cNvSpPr/>
             <p:nvPr/>
           </p:nvSpPr>
           <p:spPr>
-            <a:xfrm flipH="false" flipV="false" rot="0">
+            <a:xfrm>
               <a:off x="0" y="0"/>
               <a:ext cx="812800" cy="678471"/>
             </a:xfrm>
@@ -5262,9 +5274,9 @@
               <a:gdLst/>
               <a:ahLst/>
               <a:cxnLst/>
-              <a:rect r="r" b="b" t="t" l="l"/>
+              <a:rect l="l" t="t" r="r" b="b"/>
               <a:pathLst>
-                <a:path h="678471" w="812800">
+                <a:path w="812800" h="678471">
                   <a:moveTo>
                     <a:pt x="406400" y="0"/>
                   </a:moveTo>
@@ -5299,8 +5311,8 @@
         </p:sp>
         <p:sp>
           <p:nvSpPr>
-            <p:cNvPr name="TextBox 4" id="4"/>
-            <p:cNvSpPr txBox="true"/>
+            <p:cNvPr id="4" name="TextBox 4"/>
+            <p:cNvSpPr txBox="1"/>
             <p:nvPr/>
           </p:nvSpPr>
           <p:spPr>
@@ -5313,7 +5325,7 @@
             </a:prstGeom>
           </p:spPr>
           <p:txBody>
-            <a:bodyPr anchor="ctr" rtlCol="false" tIns="50800" lIns="50800" bIns="50800" rIns="50800"/>
+            <a:bodyPr lIns="50800" tIns="50800" rIns="50800" bIns="50800" rtlCol="0" anchor="ctr"/>
             <a:lstStyle/>
             <a:p>
               <a:pPr algn="ctr">
@@ -5324,18 +5336,19 @@
                   <a:spcPct val="0"/>
                 </a:spcBef>
               </a:pPr>
+              <a:endParaRPr/>
             </a:p>
           </p:txBody>
         </p:sp>
       </p:grpSp>
       <p:sp>
         <p:nvSpPr>
-          <p:cNvPr name="Freeform 5" id="5"/>
+          <p:cNvPr id="5" name="Freeform 5"/>
           <p:cNvSpPr/>
           <p:nvPr/>
         </p:nvSpPr>
         <p:spPr>
-          <a:xfrm flipH="false" flipV="false" rot="0">
+          <a:xfrm>
             <a:off x="1165925" y="1926463"/>
             <a:ext cx="9753185" cy="7790356"/>
           </a:xfrm>
@@ -5344,9 +5357,9 @@
             <a:gdLst/>
             <a:ahLst/>
             <a:cxnLst/>
-            <a:rect r="r" b="b" t="t" l="l"/>
+            <a:rect l="l" t="t" r="r" b="b"/>
             <a:pathLst>
-              <a:path h="7790356" w="9753185">
+              <a:path w="9753185" h="7790356">
                 <a:moveTo>
                   <a:pt x="0" y="0"/>
                 </a:moveTo>
@@ -5369,19 +5382,19 @@
           <a:blipFill>
             <a:blip r:embed="rId2"/>
             <a:stretch>
-              <a:fillRect l="0" t="0" r="0" b="0"/>
+              <a:fillRect/>
             </a:stretch>
           </a:blipFill>
         </p:spPr>
       </p:sp>
       <p:sp>
         <p:nvSpPr>
-          <p:cNvPr name="TextBox 6" id="6"/>
-          <p:cNvSpPr txBox="true"/>
+          <p:cNvPr id="6" name="TextBox 6"/>
+          <p:cNvSpPr txBox="1"/>
           <p:nvPr/>
         </p:nvSpPr>
         <p:spPr>
-          <a:xfrm rot="0">
+          <a:xfrm>
             <a:off x="10919110" y="45212"/>
             <a:ext cx="8571864" cy="1052576"/>
           </a:xfrm>
@@ -5390,12 +5403,12 @@
           </a:prstGeom>
         </p:spPr>
         <p:txBody>
-          <a:bodyPr anchor="t" rtlCol="false" tIns="0" lIns="0" bIns="0" rIns="0">
+          <a:bodyPr lIns="0" tIns="0" rIns="0" bIns="0" rtlCol="0" anchor="t">
             <a:spAutoFit/>
           </a:bodyPr>
           <a:lstStyle/>
           <a:p>
-            <a:pPr algn="l" marL="0" indent="0" lvl="0">
+            <a:pPr marL="0" lvl="0" indent="0" algn="l">
               <a:lnSpc>
                 <a:spcPts val="6591"/>
               </a:lnSpc>
@@ -5404,7 +5417,7 @@
               </a:spcBef>
             </a:pPr>
             <a:r>
-              <a:rPr lang="en-US" b="true" sz="6399">
+              <a:rPr lang="en-US" sz="6399" b="1">
                 <a:solidFill>
                   <a:srgbClr val="FFFFFF"/>
                 </a:solidFill>
@@ -5420,12 +5433,12 @@
       </p:sp>
       <p:sp>
         <p:nvSpPr>
-          <p:cNvPr name="TextBox 7" id="7"/>
-          <p:cNvSpPr txBox="true"/>
+          <p:cNvPr id="7" name="TextBox 7"/>
+          <p:cNvSpPr txBox="1"/>
           <p:nvPr/>
         </p:nvSpPr>
         <p:spPr>
-          <a:xfrm rot="0">
+          <a:xfrm>
             <a:off x="572136" y="45212"/>
             <a:ext cx="8571864" cy="1881251"/>
           </a:xfrm>
@@ -5434,12 +5447,12 @@
           </a:prstGeom>
         </p:spPr>
         <p:txBody>
-          <a:bodyPr anchor="t" rtlCol="false" tIns="0" lIns="0" bIns="0" rIns="0">
+          <a:bodyPr lIns="0" tIns="0" rIns="0" bIns="0" rtlCol="0" anchor="t">
             <a:spAutoFit/>
           </a:bodyPr>
           <a:lstStyle/>
           <a:p>
-            <a:pPr algn="l" marL="0" indent="0" lvl="0">
+            <a:pPr marL="0" lvl="0" indent="0" algn="l">
               <a:lnSpc>
                 <a:spcPts val="6591"/>
               </a:lnSpc>
@@ -5448,7 +5461,7 @@
               </a:spcBef>
             </a:pPr>
             <a:r>
-              <a:rPr lang="en-US" b="true" sz="6399">
+              <a:rPr lang="en-US" sz="6399" b="1">
                 <a:solidFill>
                   <a:srgbClr val="FFFFFF"/>
                 </a:solidFill>
@@ -5471,7 +5484,7 @@
 </file>
 
 <file path=ppt/slides/slide17.xml><?xml version="1.0" encoding="utf-8"?>
-<p:sld xmlns:p="http://schemas.openxmlformats.org/presentationml/2006/main" xmlns:a="http://schemas.openxmlformats.org/drawingml/2006/main" xmlns:r="http://schemas.openxmlformats.org/officeDocument/2006/relationships">
+<p:sld xmlns:a="http://schemas.openxmlformats.org/drawingml/2006/main" xmlns:r="http://schemas.openxmlformats.org/officeDocument/2006/relationships" xmlns:p="http://schemas.openxmlformats.org/presentationml/2006/main">
   <p:cSld>
     <p:spTree>
       <p:nvGrpSpPr>
@@ -5489,12 +5502,12 @@
       </p:grpSpPr>
       <p:grpSp>
         <p:nvGrpSpPr>
-          <p:cNvPr name="Group 2" id="2"/>
+          <p:cNvPr id="2" name="Group 2"/>
           <p:cNvGrpSpPr/>
           <p:nvPr/>
         </p:nvGrpSpPr>
         <p:grpSpPr>
-          <a:xfrm rot="0">
+          <a:xfrm>
             <a:off x="6813734" y="-5994975"/>
             <a:ext cx="11874818" cy="8379480"/>
             <a:chOff x="0" y="0"/>
@@ -5503,12 +5516,12 @@
         </p:grpSpPr>
         <p:sp>
           <p:nvSpPr>
-            <p:cNvPr name="Freeform 3" id="3"/>
+            <p:cNvPr id="3" name="Freeform 3"/>
             <p:cNvSpPr/>
             <p:nvPr/>
           </p:nvSpPr>
           <p:spPr>
-            <a:xfrm flipH="false" flipV="false" rot="0">
+            <a:xfrm>
               <a:off x="0" y="0"/>
               <a:ext cx="812800" cy="573553"/>
             </a:xfrm>
@@ -5517,9 +5530,9 @@
               <a:gdLst/>
               <a:ahLst/>
               <a:cxnLst/>
-              <a:rect r="r" b="b" t="t" l="l"/>
+              <a:rect l="l" t="t" r="r" b="b"/>
               <a:pathLst>
-                <a:path h="573553" w="812800">
+                <a:path w="812800" h="573553">
                   <a:moveTo>
                     <a:pt x="406400" y="0"/>
                   </a:moveTo>
@@ -5554,8 +5567,8 @@
         </p:sp>
         <p:sp>
           <p:nvSpPr>
-            <p:cNvPr name="TextBox 4" id="4"/>
-            <p:cNvSpPr txBox="true"/>
+            <p:cNvPr id="4" name="TextBox 4"/>
+            <p:cNvSpPr txBox="1"/>
             <p:nvPr/>
           </p:nvSpPr>
           <p:spPr>
@@ -5568,7 +5581,7 @@
             </a:prstGeom>
           </p:spPr>
           <p:txBody>
-            <a:bodyPr anchor="ctr" rtlCol="false" tIns="50800" lIns="50800" bIns="50800" rIns="50800"/>
+            <a:bodyPr lIns="50800" tIns="50800" rIns="50800" bIns="50800" rtlCol="0" anchor="ctr"/>
             <a:lstStyle/>
             <a:p>
               <a:pPr algn="ctr">
@@ -5579,18 +5592,19 @@
                   <a:spcPct val="0"/>
                 </a:spcBef>
               </a:pPr>
+              <a:endParaRPr/>
             </a:p>
           </p:txBody>
         </p:sp>
       </p:grpSp>
       <p:sp>
         <p:nvSpPr>
-          <p:cNvPr name="TextBox 5" id="5"/>
-          <p:cNvSpPr txBox="true"/>
+          <p:cNvPr id="5" name="TextBox 5"/>
+          <p:cNvSpPr txBox="1"/>
           <p:nvPr/>
         </p:nvSpPr>
         <p:spPr>
-          <a:xfrm rot="0">
+          <a:xfrm>
             <a:off x="8619197" y="-76200"/>
             <a:ext cx="10302391" cy="1644904"/>
           </a:xfrm>
@@ -5599,12 +5613,12 @@
           </a:prstGeom>
         </p:spPr>
         <p:txBody>
-          <a:bodyPr anchor="t" rtlCol="false" tIns="0" lIns="0" bIns="0" rIns="0">
+          <a:bodyPr lIns="0" tIns="0" rIns="0" bIns="0" rtlCol="0" anchor="t">
             <a:spAutoFit/>
           </a:bodyPr>
           <a:lstStyle/>
           <a:p>
-            <a:pPr algn="l" marL="0" indent="0" lvl="0">
+            <a:pPr marL="0" lvl="0" indent="0" algn="l">
               <a:lnSpc>
                 <a:spcPts val="5768"/>
               </a:lnSpc>
@@ -5613,7 +5627,7 @@
               </a:spcBef>
             </a:pPr>
             <a:r>
-              <a:rPr lang="en-US" b="true" sz="5600">
+              <a:rPr lang="en-US" sz="5600" b="1">
                 <a:solidFill>
                   <a:srgbClr val="FFFFFF"/>
                 </a:solidFill>
@@ -5629,12 +5643,12 @@
       </p:sp>
       <p:sp>
         <p:nvSpPr>
-          <p:cNvPr name="TextBox 6" id="6"/>
-          <p:cNvSpPr txBox="true"/>
+          <p:cNvPr id="6" name="TextBox 6"/>
+          <p:cNvSpPr txBox="1"/>
           <p:nvPr/>
         </p:nvSpPr>
         <p:spPr>
-          <a:xfrm rot="0">
+          <a:xfrm>
             <a:off x="2090966" y="1422781"/>
             <a:ext cx="4915049" cy="372745"/>
           </a:xfrm>
@@ -5643,7 +5657,7 @@
           </a:prstGeom>
         </p:spPr>
         <p:txBody>
-          <a:bodyPr anchor="t" rtlCol="false" tIns="0" lIns="0" bIns="0" rIns="0">
+          <a:bodyPr lIns="0" tIns="0" rIns="0" bIns="0" rtlCol="0" anchor="t">
             <a:spAutoFit/>
           </a:bodyPr>
           <a:lstStyle/>
@@ -5657,7 +5671,7 @@
               </a:spcBef>
             </a:pPr>
             <a:r>
-              <a:rPr lang="en-US" b="true" sz="2199">
+              <a:rPr lang="en-US" sz="2199" b="1">
                 <a:solidFill>
                   <a:srgbClr val="000000"/>
                 </a:solidFill>
@@ -5671,44 +5685,36 @@
           </a:p>
         </p:txBody>
       </p:sp>
-      <p:graphicFrame>
-        <p:nvGraphicFramePr>
-          <p:cNvPr name="Object 7" id="7"/>
-          <p:cNvGraphicFramePr/>
+      <p:pic>
+        <p:nvPicPr>
+          <p:cNvPr id="9" name="Imagen 8">
+            <a:extLst>
+              <a:ext uri="{FF2B5EF4-FFF2-40B4-BE49-F238E27FC236}">
+                <a16:creationId xmlns:a16="http://schemas.microsoft.com/office/drawing/2014/main" id="{50C39BD7-FF9C-4707-85C2-823F2FC27382}"/>
+              </a:ext>
+            </a:extLst>
+          </p:cNvPr>
+          <p:cNvPicPr>
+            <a:picLocks noChangeAspect="1"/>
+          </p:cNvPicPr>
           <p:nvPr/>
-        </p:nvGraphicFramePr>
-        <p:xfrm>
-          <a:off x="1477838" y="3129701"/>
-          <a:ext cx="3771900" cy="4191000"/>
-        </p:xfrm>
-        <a:graphic>
-          <a:graphicData uri="http://schemas.openxmlformats.org/presentationml/2006/ole">
-            <p:oleObj imgW="4610100" imgH="5029200" r:id="rId3" progId="Excel.Sheet.12" name="Worksheet">
-              <p:embed/>
-              <p:pic>
-                <p:nvPicPr>
-                  <p:cNvPr name="" id="0"/>
-                  <p:cNvPicPr/>
-                  <p:nvPr/>
-                </p:nvPicPr>
-                <p:blipFill>
-                  <a:blip r:embed="rId2"/>
-                  <a:stretch>
-                    <a:fillRect/>
-                  </a:stretch>
-                </p:blipFill>
-                <p:spPr>
-                  <a:xfrm>
-                    <a:off x="1270000" y="1270000"/>
-                    <a:ext cx="1270000" cy="1270000"/>
-                  </a:xfrm>
-                  <a:prstGeom prst="rect"/>
-                </p:spPr>
-              </p:pic>
-            </p:oleObj>
-          </a:graphicData>
-        </a:graphic>
-      </p:graphicFrame>
+        </p:nvPicPr>
+        <p:blipFill>
+          <a:blip r:embed="rId2"/>
+          <a:stretch>
+            <a:fillRect/>
+          </a:stretch>
+        </p:blipFill>
+        <p:spPr>
+          <a:xfrm>
+            <a:off x="994225" y="2476500"/>
+            <a:ext cx="16299550" cy="7078063"/>
+          </a:xfrm>
+          <a:prstGeom prst="rect">
+            <a:avLst/>
+          </a:prstGeom>
+        </p:spPr>
+      </p:pic>
     </p:spTree>
   </p:cSld>
   <p:clrMapOvr>
@@ -5718,7 +5724,7 @@
 </file>
 
 <file path=ppt/slides/slide18.xml><?xml version="1.0" encoding="utf-8"?>
-<p:sld xmlns:p="http://schemas.openxmlformats.org/presentationml/2006/main" xmlns:a="http://schemas.openxmlformats.org/drawingml/2006/main" xmlns:r="http://schemas.openxmlformats.org/officeDocument/2006/relationships">
+<p:sld xmlns:a="http://schemas.openxmlformats.org/drawingml/2006/main" xmlns:r="http://schemas.openxmlformats.org/officeDocument/2006/relationships" xmlns:p="http://schemas.openxmlformats.org/presentationml/2006/main">
   <p:cSld>
     <p:spTree>
       <p:nvGrpSpPr>
@@ -5736,12 +5742,12 @@
       </p:grpSpPr>
       <p:grpSp>
         <p:nvGrpSpPr>
-          <p:cNvPr name="Group 2" id="2"/>
+          <p:cNvPr id="2" name="Group 2"/>
           <p:cNvGrpSpPr/>
           <p:nvPr/>
         </p:nvGrpSpPr>
         <p:grpSpPr>
-          <a:xfrm rot="0">
+          <a:xfrm>
             <a:off x="8963211" y="-5041497"/>
             <a:ext cx="10820143" cy="9031933"/>
             <a:chOff x="0" y="0"/>
@@ -5750,12 +5756,12 @@
         </p:grpSpPr>
         <p:sp>
           <p:nvSpPr>
-            <p:cNvPr name="Freeform 3" id="3"/>
+            <p:cNvPr id="3" name="Freeform 3"/>
             <p:cNvSpPr/>
             <p:nvPr/>
           </p:nvSpPr>
           <p:spPr>
-            <a:xfrm flipH="false" flipV="false" rot="0">
+            <a:xfrm>
               <a:off x="0" y="0"/>
               <a:ext cx="812800" cy="678471"/>
             </a:xfrm>
@@ -5764,9 +5770,9 @@
               <a:gdLst/>
               <a:ahLst/>
               <a:cxnLst/>
-              <a:rect r="r" b="b" t="t" l="l"/>
+              <a:rect l="l" t="t" r="r" b="b"/>
               <a:pathLst>
-                <a:path h="678471" w="812800">
+                <a:path w="812800" h="678471">
                   <a:moveTo>
                     <a:pt x="406400" y="0"/>
                   </a:moveTo>
@@ -5801,8 +5807,8 @@
         </p:sp>
         <p:sp>
           <p:nvSpPr>
-            <p:cNvPr name="TextBox 4" id="4"/>
-            <p:cNvSpPr txBox="true"/>
+            <p:cNvPr id="4" name="TextBox 4"/>
+            <p:cNvSpPr txBox="1"/>
             <p:nvPr/>
           </p:nvSpPr>
           <p:spPr>
@@ -5815,7 +5821,7 @@
             </a:prstGeom>
           </p:spPr>
           <p:txBody>
-            <a:bodyPr anchor="ctr" rtlCol="false" tIns="50800" lIns="50800" bIns="50800" rIns="50800"/>
+            <a:bodyPr lIns="50800" tIns="50800" rIns="50800" bIns="50800" rtlCol="0" anchor="ctr"/>
             <a:lstStyle/>
             <a:p>
               <a:pPr algn="ctr">
@@ -5826,18 +5832,19 @@
                   <a:spcPct val="0"/>
                 </a:spcBef>
               </a:pPr>
+              <a:endParaRPr/>
             </a:p>
           </p:txBody>
         </p:sp>
       </p:grpSp>
       <p:sp>
         <p:nvSpPr>
-          <p:cNvPr name="Freeform 5" id="5"/>
+          <p:cNvPr id="5" name="Freeform 5"/>
           <p:cNvSpPr/>
           <p:nvPr/>
         </p:nvSpPr>
         <p:spPr>
-          <a:xfrm flipH="false" flipV="false" rot="0">
+          <a:xfrm>
             <a:off x="2282786" y="192912"/>
             <a:ext cx="4430777" cy="9901177"/>
           </a:xfrm>
@@ -5846,9 +5853,9 @@
             <a:gdLst/>
             <a:ahLst/>
             <a:cxnLst/>
-            <a:rect r="r" b="b" t="t" l="l"/>
+            <a:rect l="l" t="t" r="r" b="b"/>
             <a:pathLst>
-              <a:path h="9901177" w="4430777">
+              <a:path w="4430777" h="9901177">
                 <a:moveTo>
                   <a:pt x="0" y="0"/>
                 </a:moveTo>
@@ -5871,19 +5878,19 @@
           <a:blipFill>
             <a:blip r:embed="rId2"/>
             <a:stretch>
-              <a:fillRect l="0" t="0" r="0" b="0"/>
+              <a:fillRect/>
             </a:stretch>
           </a:blipFill>
         </p:spPr>
       </p:sp>
       <p:sp>
         <p:nvSpPr>
-          <p:cNvPr name="TextBox 6" id="6"/>
-          <p:cNvSpPr txBox="true"/>
+          <p:cNvPr id="6" name="TextBox 6"/>
+          <p:cNvSpPr txBox="1"/>
           <p:nvPr/>
         </p:nvSpPr>
         <p:spPr>
-          <a:xfrm rot="0">
+          <a:xfrm>
             <a:off x="10919110" y="45212"/>
             <a:ext cx="8571864" cy="1052576"/>
           </a:xfrm>
@@ -5892,12 +5899,12 @@
           </a:prstGeom>
         </p:spPr>
         <p:txBody>
-          <a:bodyPr anchor="t" rtlCol="false" tIns="0" lIns="0" bIns="0" rIns="0">
+          <a:bodyPr lIns="0" tIns="0" rIns="0" bIns="0" rtlCol="0" anchor="t">
             <a:spAutoFit/>
           </a:bodyPr>
           <a:lstStyle/>
           <a:p>
-            <a:pPr algn="l" marL="0" indent="0" lvl="0">
+            <a:pPr marL="0" lvl="0" indent="0" algn="l">
               <a:lnSpc>
                 <a:spcPts val="6591"/>
               </a:lnSpc>
@@ -5906,7 +5913,7 @@
               </a:spcBef>
             </a:pPr>
             <a:r>
-              <a:rPr lang="en-US" b="true" sz="6399">
+              <a:rPr lang="en-US" sz="6399" b="1">
                 <a:solidFill>
                   <a:srgbClr val="FFFFFF"/>
                 </a:solidFill>
@@ -5922,12 +5929,12 @@
       </p:sp>
       <p:sp>
         <p:nvSpPr>
-          <p:cNvPr name="TextBox 7" id="7"/>
-          <p:cNvSpPr txBox="true"/>
+          <p:cNvPr id="7" name="TextBox 7"/>
+          <p:cNvSpPr txBox="1"/>
           <p:nvPr/>
         </p:nvSpPr>
         <p:spPr>
-          <a:xfrm rot="0">
+          <a:xfrm>
             <a:off x="8274104" y="4524295"/>
             <a:ext cx="9294338" cy="3418459"/>
           </a:xfrm>
@@ -5936,7 +5943,7 @@
           </a:prstGeom>
         </p:spPr>
         <p:txBody>
-          <a:bodyPr anchor="t" rtlCol="false" tIns="0" lIns="0" bIns="0" rIns="0">
+          <a:bodyPr lIns="0" tIns="0" rIns="0" bIns="0" rtlCol="0" anchor="t">
             <a:spAutoFit/>
           </a:bodyPr>
           <a:lstStyle/>
@@ -5950,7 +5957,7 @@
               </a:spcBef>
             </a:pPr>
             <a:r>
-              <a:rPr lang="en-US" b="true" sz="2599">
+              <a:rPr lang="en-US" sz="2599" b="1">
                 <a:solidFill>
                   <a:srgbClr val="000000"/>
                 </a:solidFill>
@@ -5971,6 +5978,15 @@
                 <a:spcPct val="0"/>
               </a:spcBef>
             </a:pPr>
+            <a:endParaRPr lang="en-US" sz="2599" b="1">
+              <a:solidFill>
+                <a:srgbClr val="000000"/>
+              </a:solidFill>
+              <a:latin typeface="Agrandir Bold"/>
+              <a:ea typeface="Agrandir Bold"/>
+              <a:cs typeface="Agrandir Bold"/>
+              <a:sym typeface="Agrandir Bold"/>
+            </a:endParaRPr>
           </a:p>
           <a:p>
             <a:pPr algn="l">
@@ -6005,7 +6021,7 @@
 </file>
 
 <file path=ppt/slides/slide19.xml><?xml version="1.0" encoding="utf-8"?>
-<p:sld xmlns:p="http://schemas.openxmlformats.org/presentationml/2006/main" xmlns:a="http://schemas.openxmlformats.org/drawingml/2006/main" xmlns:r="http://schemas.openxmlformats.org/officeDocument/2006/relationships">
+<p:sld xmlns:a="http://schemas.openxmlformats.org/drawingml/2006/main" xmlns:r="http://schemas.openxmlformats.org/officeDocument/2006/relationships" xmlns:p="http://schemas.openxmlformats.org/presentationml/2006/main">
   <p:cSld>
     <p:spTree>
       <p:nvGrpSpPr>
@@ -6023,12 +6039,12 @@
       </p:grpSpPr>
       <p:grpSp>
         <p:nvGrpSpPr>
-          <p:cNvPr name="Group 2" id="2"/>
+          <p:cNvPr id="2" name="Group 2"/>
           <p:cNvGrpSpPr/>
           <p:nvPr/>
         </p:nvGrpSpPr>
         <p:grpSpPr>
-          <a:xfrm rot="0">
+          <a:xfrm>
             <a:off x="6813734" y="-5994975"/>
             <a:ext cx="11874818" cy="8379480"/>
             <a:chOff x="0" y="0"/>
@@ -6037,12 +6053,12 @@
         </p:grpSpPr>
         <p:sp>
           <p:nvSpPr>
-            <p:cNvPr name="Freeform 3" id="3"/>
+            <p:cNvPr id="3" name="Freeform 3"/>
             <p:cNvSpPr/>
             <p:nvPr/>
           </p:nvSpPr>
           <p:spPr>
-            <a:xfrm flipH="false" flipV="false" rot="0">
+            <a:xfrm>
               <a:off x="0" y="0"/>
               <a:ext cx="812800" cy="573553"/>
             </a:xfrm>
@@ -6051,9 +6067,9 @@
               <a:gdLst/>
               <a:ahLst/>
               <a:cxnLst/>
-              <a:rect r="r" b="b" t="t" l="l"/>
+              <a:rect l="l" t="t" r="r" b="b"/>
               <a:pathLst>
-                <a:path h="573553" w="812800">
+                <a:path w="812800" h="573553">
                   <a:moveTo>
                     <a:pt x="406400" y="0"/>
                   </a:moveTo>
@@ -6088,8 +6104,8 @@
         </p:sp>
         <p:sp>
           <p:nvSpPr>
-            <p:cNvPr name="TextBox 4" id="4"/>
-            <p:cNvSpPr txBox="true"/>
+            <p:cNvPr id="4" name="TextBox 4"/>
+            <p:cNvSpPr txBox="1"/>
             <p:nvPr/>
           </p:nvSpPr>
           <p:spPr>
@@ -6102,7 +6118,7 @@
             </a:prstGeom>
           </p:spPr>
           <p:txBody>
-            <a:bodyPr anchor="ctr" rtlCol="false" tIns="50800" lIns="50800" bIns="50800" rIns="50800"/>
+            <a:bodyPr lIns="50800" tIns="50800" rIns="50800" bIns="50800" rtlCol="0" anchor="ctr"/>
             <a:lstStyle/>
             <a:p>
               <a:pPr algn="ctr">
@@ -6113,18 +6129,19 @@
                   <a:spcPct val="0"/>
                 </a:spcBef>
               </a:pPr>
+              <a:endParaRPr/>
             </a:p>
           </p:txBody>
         </p:sp>
       </p:grpSp>
       <p:sp>
         <p:nvSpPr>
-          <p:cNvPr name="TextBox 5" id="5"/>
-          <p:cNvSpPr txBox="true"/>
+          <p:cNvPr id="5" name="TextBox 5"/>
+          <p:cNvSpPr txBox="1"/>
           <p:nvPr/>
         </p:nvSpPr>
         <p:spPr>
-          <a:xfrm rot="0">
+          <a:xfrm>
             <a:off x="8619197" y="-76200"/>
             <a:ext cx="10302391" cy="921004"/>
           </a:xfrm>
@@ -6133,12 +6150,12 @@
           </a:prstGeom>
         </p:spPr>
         <p:txBody>
-          <a:bodyPr anchor="t" rtlCol="false" tIns="0" lIns="0" bIns="0" rIns="0">
+          <a:bodyPr lIns="0" tIns="0" rIns="0" bIns="0" rtlCol="0" anchor="t">
             <a:spAutoFit/>
           </a:bodyPr>
           <a:lstStyle/>
           <a:p>
-            <a:pPr algn="l" marL="0" indent="0" lvl="0">
+            <a:pPr marL="0" lvl="0" indent="0" algn="l">
               <a:lnSpc>
                 <a:spcPts val="5768"/>
               </a:lnSpc>
@@ -6147,7 +6164,7 @@
               </a:spcBef>
             </a:pPr>
             <a:r>
-              <a:rPr lang="en-US" b="true" sz="5600">
+              <a:rPr lang="en-US" sz="5600" b="1">
                 <a:solidFill>
                   <a:srgbClr val="FFFFFF"/>
                 </a:solidFill>
@@ -6163,12 +6180,12 @@
       </p:sp>
       <p:sp>
         <p:nvSpPr>
-          <p:cNvPr name="TextBox 6" id="6"/>
-          <p:cNvSpPr txBox="true"/>
+          <p:cNvPr id="6" name="TextBox 6"/>
+          <p:cNvSpPr txBox="1"/>
           <p:nvPr/>
         </p:nvSpPr>
         <p:spPr>
-          <a:xfrm rot="0">
+          <a:xfrm>
             <a:off x="2090966" y="1422781"/>
             <a:ext cx="4915049" cy="372745"/>
           </a:xfrm>
@@ -6177,7 +6194,7 @@
           </a:prstGeom>
         </p:spPr>
         <p:txBody>
-          <a:bodyPr anchor="t" rtlCol="false" tIns="0" lIns="0" bIns="0" rIns="0">
+          <a:bodyPr lIns="0" tIns="0" rIns="0" bIns="0" rtlCol="0" anchor="t">
             <a:spAutoFit/>
           </a:bodyPr>
           <a:lstStyle/>
@@ -6191,7 +6208,7 @@
               </a:spcBef>
             </a:pPr>
             <a:r>
-              <a:rPr lang="en-US" b="true" sz="2199">
+              <a:rPr lang="en-US" sz="2199" b="1">
                 <a:solidFill>
                   <a:srgbClr val="000000"/>
                 </a:solidFill>
@@ -6205,44 +6222,36 @@
           </a:p>
         </p:txBody>
       </p:sp>
-      <p:graphicFrame>
-        <p:nvGraphicFramePr>
-          <p:cNvPr name="Object 7" id="7"/>
-          <p:cNvGraphicFramePr/>
+      <p:pic>
+        <p:nvPicPr>
+          <p:cNvPr id="9" name="Imagen 8">
+            <a:extLst>
+              <a:ext uri="{FF2B5EF4-FFF2-40B4-BE49-F238E27FC236}">
+                <a16:creationId xmlns:a16="http://schemas.microsoft.com/office/drawing/2014/main" id="{A2312495-D182-41A7-95E8-4964618F70D3}"/>
+              </a:ext>
+            </a:extLst>
+          </p:cNvPr>
+          <p:cNvPicPr>
+            <a:picLocks noChangeAspect="1"/>
+          </p:cNvPicPr>
           <p:nvPr/>
-        </p:nvGraphicFramePr>
-        <p:xfrm>
-          <a:off x="333615" y="2610965"/>
-          <a:ext cx="3771900" cy="4191000"/>
-        </p:xfrm>
-        <a:graphic>
-          <a:graphicData uri="http://schemas.openxmlformats.org/presentationml/2006/ole">
-            <p:oleObj imgW="4610100" imgH="5029200" r:id="rId3" progId="Excel.Sheet.12" name="Worksheet">
-              <p:embed/>
-              <p:pic>
-                <p:nvPicPr>
-                  <p:cNvPr name="" id="0"/>
-                  <p:cNvPicPr/>
-                  <p:nvPr/>
-                </p:nvPicPr>
-                <p:blipFill>
-                  <a:blip r:embed="rId2"/>
-                  <a:stretch>
-                    <a:fillRect/>
-                  </a:stretch>
-                </p:blipFill>
-                <p:spPr>
-                  <a:xfrm>
-                    <a:off x="1270000" y="1270000"/>
-                    <a:ext cx="1270000" cy="1270000"/>
-                  </a:xfrm>
-                  <a:prstGeom prst="rect"/>
-                </p:spPr>
-              </p:pic>
-            </p:oleObj>
-          </a:graphicData>
-        </a:graphic>
-      </p:graphicFrame>
+        </p:nvPicPr>
+        <p:blipFill>
+          <a:blip r:embed="rId2"/>
+          <a:stretch>
+            <a:fillRect/>
+          </a:stretch>
+        </p:blipFill>
+        <p:spPr>
+          <a:xfrm>
+            <a:off x="698829" y="2621856"/>
+            <a:ext cx="16890342" cy="7146943"/>
+          </a:xfrm>
+          <a:prstGeom prst="rect">
+            <a:avLst/>
+          </a:prstGeom>
+        </p:spPr>
+      </p:pic>
     </p:spTree>
   </p:cSld>
   <p:clrMapOvr>
@@ -6252,7 +6261,7 @@
 </file>
 
 <file path=ppt/slides/slide2.xml><?xml version="1.0" encoding="utf-8"?>
-<p:sld xmlns:p="http://schemas.openxmlformats.org/presentationml/2006/main" xmlns:a="http://schemas.openxmlformats.org/drawingml/2006/main">
+<p:sld xmlns:a="http://schemas.openxmlformats.org/drawingml/2006/main" xmlns:r="http://schemas.openxmlformats.org/officeDocument/2006/relationships" xmlns:p="http://schemas.openxmlformats.org/presentationml/2006/main">
   <p:cSld>
     <p:spTree>
       <p:nvGrpSpPr>
@@ -6270,12 +6279,12 @@
       </p:grpSpPr>
       <p:grpSp>
         <p:nvGrpSpPr>
-          <p:cNvPr name="Group 2" id="2"/>
+          <p:cNvPr id="2" name="Group 2"/>
           <p:cNvGrpSpPr/>
           <p:nvPr/>
         </p:nvGrpSpPr>
         <p:grpSpPr>
-          <a:xfrm rot="0">
+          <a:xfrm>
             <a:off x="12224805" y="6064645"/>
             <a:ext cx="10820143" cy="10820143"/>
             <a:chOff x="0" y="0"/>
@@ -6284,12 +6293,12 @@
         </p:grpSpPr>
         <p:sp>
           <p:nvSpPr>
-            <p:cNvPr name="Freeform 3" id="3"/>
+            <p:cNvPr id="3" name="Freeform 3"/>
             <p:cNvSpPr/>
             <p:nvPr/>
           </p:nvSpPr>
           <p:spPr>
-            <a:xfrm flipH="false" flipV="false" rot="0">
+            <a:xfrm>
               <a:off x="0" y="0"/>
               <a:ext cx="812800" cy="812800"/>
             </a:xfrm>
@@ -6298,9 +6307,9 @@
               <a:gdLst/>
               <a:ahLst/>
               <a:cxnLst/>
-              <a:rect r="r" b="b" t="t" l="l"/>
+              <a:rect l="l" t="t" r="r" b="b"/>
               <a:pathLst>
-                <a:path h="812800" w="812800">
+                <a:path w="812800" h="812800">
                   <a:moveTo>
                     <a:pt x="406400" y="0"/>
                   </a:moveTo>
@@ -6335,8 +6344,8 @@
         </p:sp>
         <p:sp>
           <p:nvSpPr>
-            <p:cNvPr name="TextBox 4" id="4"/>
-            <p:cNvSpPr txBox="true"/>
+            <p:cNvPr id="4" name="TextBox 4"/>
+            <p:cNvSpPr txBox="1"/>
             <p:nvPr/>
           </p:nvSpPr>
           <p:spPr>
@@ -6349,7 +6358,7 @@
             </a:prstGeom>
           </p:spPr>
           <p:txBody>
-            <a:bodyPr anchor="ctr" rtlCol="false" tIns="50800" lIns="50800" bIns="50800" rIns="50800"/>
+            <a:bodyPr lIns="50800" tIns="50800" rIns="50800" bIns="50800" rtlCol="0" anchor="ctr"/>
             <a:lstStyle/>
             <a:p>
               <a:pPr algn="ctr">
@@ -6360,18 +6369,19 @@
                   <a:spcPct val="0"/>
                 </a:spcBef>
               </a:pPr>
+              <a:endParaRPr/>
             </a:p>
           </p:txBody>
         </p:sp>
       </p:grpSp>
       <p:grpSp>
         <p:nvGrpSpPr>
-          <p:cNvPr name="Group 5" id="5"/>
+          <p:cNvPr id="5" name="Group 5"/>
           <p:cNvGrpSpPr/>
           <p:nvPr/>
         </p:nvGrpSpPr>
         <p:grpSpPr>
-          <a:xfrm rot="0">
+          <a:xfrm>
             <a:off x="13250370" y="-1073359"/>
             <a:ext cx="5037630" cy="5037630"/>
             <a:chOff x="0" y="0"/>
@@ -6380,12 +6390,12 @@
         </p:grpSpPr>
         <p:sp>
           <p:nvSpPr>
-            <p:cNvPr name="Freeform 6" id="6"/>
+            <p:cNvPr id="6" name="Freeform 6"/>
             <p:cNvSpPr/>
             <p:nvPr/>
           </p:nvSpPr>
           <p:spPr>
-            <a:xfrm flipH="false" flipV="false" rot="0">
+            <a:xfrm>
               <a:off x="0" y="0"/>
               <a:ext cx="812800" cy="812800"/>
             </a:xfrm>
@@ -6394,9 +6404,9 @@
               <a:gdLst/>
               <a:ahLst/>
               <a:cxnLst/>
-              <a:rect r="r" b="b" t="t" l="l"/>
+              <a:rect l="l" t="t" r="r" b="b"/>
               <a:pathLst>
-                <a:path h="812800" w="812800">
+                <a:path w="812800" h="812800">
                   <a:moveTo>
                     <a:pt x="406400" y="0"/>
                   </a:moveTo>
@@ -6431,8 +6441,8 @@
         </p:sp>
         <p:sp>
           <p:nvSpPr>
-            <p:cNvPr name="TextBox 7" id="7"/>
-            <p:cNvSpPr txBox="true"/>
+            <p:cNvPr id="7" name="TextBox 7"/>
+            <p:cNvSpPr txBox="1"/>
             <p:nvPr/>
           </p:nvSpPr>
           <p:spPr>
@@ -6445,7 +6455,7 @@
             </a:prstGeom>
           </p:spPr>
           <p:txBody>
-            <a:bodyPr anchor="ctr" rtlCol="false" tIns="50800" lIns="50800" bIns="50800" rIns="50800"/>
+            <a:bodyPr lIns="50800" tIns="50800" rIns="50800" bIns="50800" rtlCol="0" anchor="ctr"/>
             <a:lstStyle/>
             <a:p>
               <a:pPr algn="ctr">
@@ -6456,15 +6466,16 @@
                   <a:spcPct val="0"/>
                 </a:spcBef>
               </a:pPr>
+              <a:endParaRPr/>
             </a:p>
           </p:txBody>
         </p:sp>
       </p:grpSp>
       <p:graphicFrame>
         <p:nvGraphicFramePr>
-          <p:cNvPr name="Table 8" id="8"/>
+          <p:cNvPr id="8" name="Table 8"/>
           <p:cNvGraphicFramePr>
-            <a:graphicFrameLocks noGrp="true"/>
+            <a:graphicFrameLocks noGrp="1"/>
           </p:cNvGraphicFramePr>
           <p:nvPr/>
         </p:nvGraphicFramePr>
@@ -6477,13 +6488,25 @@
             <a:tbl>
               <a:tblPr/>
               <a:tblGrid>
-                <a:gridCol w="1110258"/>
-                <a:gridCol w="5348322"/>
+                <a:gridCol w="1110258">
+                  <a:extLst>
+                    <a:ext uri="{9D8B030D-6E8A-4147-A177-3AD203B41FA5}">
+                      <a16:colId xmlns:a16="http://schemas.microsoft.com/office/drawing/2014/main" val="20000"/>
+                    </a:ext>
+                  </a:extLst>
+                </a:gridCol>
+                <a:gridCol w="5348322">
+                  <a:extLst>
+                    <a:ext uri="{9D8B030D-6E8A-4147-A177-3AD203B41FA5}">
+                      <a16:colId xmlns:a16="http://schemas.microsoft.com/office/drawing/2014/main" val="20001"/>
+                    </a:ext>
+                  </a:extLst>
+                </a:gridCol>
               </a:tblGrid>
               <a:tr h="872754">
                 <a:tc>
                   <a:txBody>
-                    <a:bodyPr anchor="t" rtlCol="false"/>
+                    <a:bodyPr/>
                     <a:lstStyle/>
                     <a:p>
                       <a:pPr algn="r">
@@ -6493,7 +6516,7 @@
                         <a:defRPr/>
                       </a:pPr>
                       <a:r>
-                        <a:rPr lang="en-US" b="true" sz="3000" spc="303">
+                        <a:rPr lang="en-US" sz="3000" b="1" spc="303">
                           <a:solidFill>
                             <a:srgbClr val="1C6CD8"/>
                           </a:solidFill>
@@ -6508,7 +6531,7 @@
                     </a:p>
                   </a:txBody>
                   <a:tcPr marL="95250" marR="95250" marT="95250" marB="95250" anchor="ctr">
-                    <a:lnL cmpd="sng" algn="ctr" cap="flat" w="0">
+                    <a:lnL w="0" cap="flat" cmpd="sng" algn="ctr">
                       <a:solidFill>
                         <a:srgbClr val="233149"/>
                       </a:solidFill>
@@ -6517,7 +6540,7 @@
                       <a:headEnd type="none" w="med" len="med"/>
                       <a:tailEnd type="none" w="med" len="med"/>
                     </a:lnL>
-                    <a:lnR cmpd="sng" algn="ctr" cap="flat" w="0">
+                    <a:lnR w="0" cap="flat" cmpd="sng" algn="ctr">
                       <a:solidFill>
                         <a:srgbClr val="233149"/>
                       </a:solidFill>
@@ -6526,7 +6549,7 @@
                       <a:headEnd type="none" w="med" len="med"/>
                       <a:tailEnd type="none" w="med" len="med"/>
                     </a:lnR>
-                    <a:lnT cmpd="sng" algn="ctr" cap="flat" w="9525">
+                    <a:lnT w="9525" cap="flat" cmpd="sng" algn="ctr">
                       <a:solidFill>
                         <a:srgbClr val="233149"/>
                       </a:solidFill>
@@ -6535,7 +6558,7 @@
                       <a:headEnd type="none" w="med" len="med"/>
                       <a:tailEnd type="none" w="med" len="med"/>
                     </a:lnT>
-                    <a:lnB cmpd="sng" algn="ctr" cap="flat" w="9525">
+                    <a:lnB w="9525" cap="flat" cmpd="sng" algn="ctr">
                       <a:solidFill>
                         <a:srgbClr val="233149"/>
                       </a:solidFill>
@@ -6548,7 +6571,7 @@
                 </a:tc>
                 <a:tc>
                   <a:txBody>
-                    <a:bodyPr anchor="t" rtlCol="false"/>
+                    <a:bodyPr/>
                     <a:lstStyle/>
                     <a:p>
                       <a:pPr algn="l">
@@ -6558,7 +6581,7 @@
                         <a:defRPr/>
                       </a:pPr>
                       <a:r>
-                        <a:rPr lang="en-US" sz="1800" b="true">
+                        <a:rPr lang="en-US" sz="1800" b="1">
                           <a:solidFill>
                             <a:srgbClr val="000000"/>
                           </a:solidFill>
@@ -6573,7 +6596,7 @@
                     </a:p>
                   </a:txBody>
                   <a:tcPr marL="95250" marR="95250" marT="95250" marB="95250" anchor="ctr">
-                    <a:lnL cmpd="sng" algn="ctr" cap="flat" w="0">
+                    <a:lnL w="0" cap="flat" cmpd="sng" algn="ctr">
                       <a:solidFill>
                         <a:srgbClr val="233149"/>
                       </a:solidFill>
@@ -6582,7 +6605,7 @@
                       <a:headEnd type="none" w="med" len="med"/>
                       <a:tailEnd type="none" w="med" len="med"/>
                     </a:lnL>
-                    <a:lnR cmpd="sng" algn="ctr" cap="flat" w="0">
+                    <a:lnR w="0" cap="flat" cmpd="sng" algn="ctr">
                       <a:solidFill>
                         <a:srgbClr val="233149"/>
                       </a:solidFill>
@@ -6591,7 +6614,7 @@
                       <a:headEnd type="none" w="med" len="med"/>
                       <a:tailEnd type="none" w="med" len="med"/>
                     </a:lnR>
-                    <a:lnT cmpd="sng" algn="ctr" cap="flat" w="9525">
+                    <a:lnT w="9525" cap="flat" cmpd="sng" algn="ctr">
                       <a:solidFill>
                         <a:srgbClr val="233149"/>
                       </a:solidFill>
@@ -6600,7 +6623,7 @@
                       <a:headEnd type="none" w="med" len="med"/>
                       <a:tailEnd type="none" w="med" len="med"/>
                     </a:lnT>
-                    <a:lnB cmpd="sng" algn="ctr" cap="flat" w="9525">
+                    <a:lnB w="9525" cap="flat" cmpd="sng" algn="ctr">
                       <a:solidFill>
                         <a:srgbClr val="233149"/>
                       </a:solidFill>
@@ -6611,11 +6634,16 @@
                     </a:lnB>
                   </a:tcPr>
                 </a:tc>
+                <a:extLst>
+                  <a:ext uri="{0D108BD9-81ED-4DB2-BD59-A6C34878D82A}">
+                    <a16:rowId xmlns:a16="http://schemas.microsoft.com/office/drawing/2014/main" val="10000"/>
+                  </a:ext>
+                </a:extLst>
               </a:tr>
               <a:tr h="877528">
                 <a:tc>
                   <a:txBody>
-                    <a:bodyPr anchor="t" rtlCol="false"/>
+                    <a:bodyPr/>
                     <a:lstStyle/>
                     <a:p>
                       <a:pPr algn="r">
@@ -6625,7 +6653,7 @@
                         <a:defRPr/>
                       </a:pPr>
                       <a:r>
-                        <a:rPr lang="en-US" b="true" sz="3000" spc="303">
+                        <a:rPr lang="en-US" sz="3000" b="1" spc="303">
                           <a:solidFill>
                             <a:srgbClr val="1C6CD8"/>
                           </a:solidFill>
@@ -6640,7 +6668,7 @@
                     </a:p>
                   </a:txBody>
                   <a:tcPr marL="95250" marR="95250" marT="95250" marB="95250" anchor="ctr">
-                    <a:lnL cmpd="sng" algn="ctr" cap="flat" w="0">
+                    <a:lnL w="0" cap="flat" cmpd="sng" algn="ctr">
                       <a:solidFill>
                         <a:srgbClr val="233149"/>
                       </a:solidFill>
@@ -6649,7 +6677,7 @@
                       <a:headEnd type="none" w="med" len="med"/>
                       <a:tailEnd type="none" w="med" len="med"/>
                     </a:lnL>
-                    <a:lnR cmpd="sng" algn="ctr" cap="flat" w="0">
+                    <a:lnR w="0" cap="flat" cmpd="sng" algn="ctr">
                       <a:solidFill>
                         <a:srgbClr val="233149"/>
                       </a:solidFill>
@@ -6658,7 +6686,7 @@
                       <a:headEnd type="none" w="med" len="med"/>
                       <a:tailEnd type="none" w="med" len="med"/>
                     </a:lnR>
-                    <a:lnT cmpd="sng" algn="ctr" cap="flat" w="9525">
+                    <a:lnT w="9525" cap="flat" cmpd="sng" algn="ctr">
                       <a:solidFill>
                         <a:srgbClr val="233149"/>
                       </a:solidFill>
@@ -6667,7 +6695,7 @@
                       <a:headEnd type="none" w="med" len="med"/>
                       <a:tailEnd type="none" w="med" len="med"/>
                     </a:lnT>
-                    <a:lnB cmpd="sng" algn="ctr" cap="flat" w="9525">
+                    <a:lnB w="9525" cap="flat" cmpd="sng" algn="ctr">
                       <a:solidFill>
                         <a:srgbClr val="233149"/>
                       </a:solidFill>
@@ -6680,7 +6708,7 @@
                 </a:tc>
                 <a:tc>
                   <a:txBody>
-                    <a:bodyPr anchor="t" rtlCol="false"/>
+                    <a:bodyPr/>
                     <a:lstStyle/>
                     <a:p>
                       <a:pPr algn="l">
@@ -6690,7 +6718,7 @@
                         <a:defRPr/>
                       </a:pPr>
                       <a:r>
-                        <a:rPr lang="en-US" sz="1800" b="true">
+                        <a:rPr lang="en-US" sz="1800" b="1">
                           <a:solidFill>
                             <a:srgbClr val="000000"/>
                           </a:solidFill>
@@ -6705,7 +6733,7 @@
                     </a:p>
                   </a:txBody>
                   <a:tcPr marL="95250" marR="95250" marT="95250" marB="95250" anchor="ctr">
-                    <a:lnL cmpd="sng" algn="ctr" cap="flat" w="0">
+                    <a:lnL w="0" cap="flat" cmpd="sng" algn="ctr">
                       <a:solidFill>
                         <a:srgbClr val="233149"/>
                       </a:solidFill>
@@ -6714,7 +6742,7 @@
                       <a:headEnd type="none" w="med" len="med"/>
                       <a:tailEnd type="none" w="med" len="med"/>
                     </a:lnL>
-                    <a:lnR cmpd="sng" algn="ctr" cap="flat" w="0">
+                    <a:lnR w="0" cap="flat" cmpd="sng" algn="ctr">
                       <a:solidFill>
                         <a:srgbClr val="233149"/>
                       </a:solidFill>
@@ -6723,7 +6751,7 @@
                       <a:headEnd type="none" w="med" len="med"/>
                       <a:tailEnd type="none" w="med" len="med"/>
                     </a:lnR>
-                    <a:lnT cmpd="sng" algn="ctr" cap="flat" w="9525">
+                    <a:lnT w="9525" cap="flat" cmpd="sng" algn="ctr">
                       <a:solidFill>
                         <a:srgbClr val="233149"/>
                       </a:solidFill>
@@ -6732,7 +6760,7 @@
                       <a:headEnd type="none" w="med" len="med"/>
                       <a:tailEnd type="none" w="med" len="med"/>
                     </a:lnT>
-                    <a:lnB cmpd="sng" algn="ctr" cap="flat" w="9525">
+                    <a:lnB w="9525" cap="flat" cmpd="sng" algn="ctr">
                       <a:solidFill>
                         <a:srgbClr val="233149"/>
                       </a:solidFill>
@@ -6743,11 +6771,16 @@
                     </a:lnB>
                   </a:tcPr>
                 </a:tc>
+                <a:extLst>
+                  <a:ext uri="{0D108BD9-81ED-4DB2-BD59-A6C34878D82A}">
+                    <a16:rowId xmlns:a16="http://schemas.microsoft.com/office/drawing/2014/main" val="10001"/>
+                  </a:ext>
+                </a:extLst>
               </a:tr>
               <a:tr h="877528">
                 <a:tc>
                   <a:txBody>
-                    <a:bodyPr anchor="t" rtlCol="false"/>
+                    <a:bodyPr/>
                     <a:lstStyle/>
                     <a:p>
                       <a:pPr algn="r">
@@ -6757,7 +6790,7 @@
                         <a:defRPr/>
                       </a:pPr>
                       <a:r>
-                        <a:rPr lang="en-US" b="true" sz="3000" spc="303">
+                        <a:rPr lang="en-US" sz="3000" b="1" spc="303">
                           <a:solidFill>
                             <a:srgbClr val="1C6CD8"/>
                           </a:solidFill>
@@ -6772,7 +6805,7 @@
                     </a:p>
                   </a:txBody>
                   <a:tcPr marL="95250" marR="95250" marT="95250" marB="95250" anchor="ctr">
-                    <a:lnL cmpd="sng" algn="ctr" cap="flat" w="0">
+                    <a:lnL w="0" cap="flat" cmpd="sng" algn="ctr">
                       <a:solidFill>
                         <a:srgbClr val="233149"/>
                       </a:solidFill>
@@ -6781,7 +6814,7 @@
                       <a:headEnd type="none" w="med" len="med"/>
                       <a:tailEnd type="none" w="med" len="med"/>
                     </a:lnL>
-                    <a:lnR cmpd="sng" algn="ctr" cap="flat" w="0">
+                    <a:lnR w="0" cap="flat" cmpd="sng" algn="ctr">
                       <a:solidFill>
                         <a:srgbClr val="233149"/>
                       </a:solidFill>
@@ -6790,7 +6823,7 @@
                       <a:headEnd type="none" w="med" len="med"/>
                       <a:tailEnd type="none" w="med" len="med"/>
                     </a:lnR>
-                    <a:lnT cmpd="sng" algn="ctr" cap="flat" w="9525">
+                    <a:lnT w="9525" cap="flat" cmpd="sng" algn="ctr">
                       <a:solidFill>
                         <a:srgbClr val="233149"/>
                       </a:solidFill>
@@ -6799,7 +6832,7 @@
                       <a:headEnd type="none" w="med" len="med"/>
                       <a:tailEnd type="none" w="med" len="med"/>
                     </a:lnT>
-                    <a:lnB cmpd="sng" algn="ctr" cap="flat" w="9525">
+                    <a:lnB w="9525" cap="flat" cmpd="sng" algn="ctr">
                       <a:solidFill>
                         <a:srgbClr val="233149"/>
                       </a:solidFill>
@@ -6812,7 +6845,7 @@
                 </a:tc>
                 <a:tc>
                   <a:txBody>
-                    <a:bodyPr anchor="t" rtlCol="false"/>
+                    <a:bodyPr/>
                     <a:lstStyle/>
                     <a:p>
                       <a:pPr algn="l">
@@ -6822,7 +6855,7 @@
                         <a:defRPr/>
                       </a:pPr>
                       <a:r>
-                        <a:rPr lang="en-US" sz="1800" b="true">
+                        <a:rPr lang="en-US" sz="1800" b="1">
                           <a:solidFill>
                             <a:srgbClr val="000000"/>
                           </a:solidFill>
@@ -6837,7 +6870,7 @@
                     </a:p>
                   </a:txBody>
                   <a:tcPr marL="95250" marR="95250" marT="95250" marB="95250" anchor="ctr">
-                    <a:lnL cmpd="sng" algn="ctr" cap="flat" w="0">
+                    <a:lnL w="0" cap="flat" cmpd="sng" algn="ctr">
                       <a:solidFill>
                         <a:srgbClr val="233149"/>
                       </a:solidFill>
@@ -6846,7 +6879,7 @@
                       <a:headEnd type="none" w="med" len="med"/>
                       <a:tailEnd type="none" w="med" len="med"/>
                     </a:lnL>
-                    <a:lnR cmpd="sng" algn="ctr" cap="flat" w="0">
+                    <a:lnR w="0" cap="flat" cmpd="sng" algn="ctr">
                       <a:solidFill>
                         <a:srgbClr val="233149"/>
                       </a:solidFill>
@@ -6855,7 +6888,7 @@
                       <a:headEnd type="none" w="med" len="med"/>
                       <a:tailEnd type="none" w="med" len="med"/>
                     </a:lnR>
-                    <a:lnT cmpd="sng" algn="ctr" cap="flat" w="9525">
+                    <a:lnT w="9525" cap="flat" cmpd="sng" algn="ctr">
                       <a:solidFill>
                         <a:srgbClr val="233149"/>
                       </a:solidFill>
@@ -6864,7 +6897,7 @@
                       <a:headEnd type="none" w="med" len="med"/>
                       <a:tailEnd type="none" w="med" len="med"/>
                     </a:lnT>
-                    <a:lnB cmpd="sng" algn="ctr" cap="flat" w="9525">
+                    <a:lnB w="9525" cap="flat" cmpd="sng" algn="ctr">
                       <a:solidFill>
                         <a:srgbClr val="233149"/>
                       </a:solidFill>
@@ -6875,11 +6908,16 @@
                     </a:lnB>
                   </a:tcPr>
                 </a:tc>
+                <a:extLst>
+                  <a:ext uri="{0D108BD9-81ED-4DB2-BD59-A6C34878D82A}">
+                    <a16:rowId xmlns:a16="http://schemas.microsoft.com/office/drawing/2014/main" val="10002"/>
+                  </a:ext>
+                </a:extLst>
               </a:tr>
               <a:tr h="791329">
                 <a:tc>
                   <a:txBody>
-                    <a:bodyPr anchor="t" rtlCol="false"/>
+                    <a:bodyPr/>
                     <a:lstStyle/>
                     <a:p>
                       <a:pPr algn="r">
@@ -6889,7 +6927,7 @@
                         <a:defRPr/>
                       </a:pPr>
                       <a:r>
-                        <a:rPr lang="en-US" b="true" sz="3000" spc="303">
+                        <a:rPr lang="en-US" sz="3000" b="1" spc="303">
                           <a:solidFill>
                             <a:srgbClr val="1C6CD8"/>
                           </a:solidFill>
@@ -6904,7 +6942,7 @@
                     </a:p>
                   </a:txBody>
                   <a:tcPr marL="95250" marR="95250" marT="95250" marB="95250" anchor="ctr">
-                    <a:lnL cmpd="sng" algn="ctr" cap="flat" w="0">
+                    <a:lnL w="0" cap="flat" cmpd="sng" algn="ctr">
                       <a:solidFill>
                         <a:srgbClr val="233149"/>
                       </a:solidFill>
@@ -6913,7 +6951,7 @@
                       <a:headEnd type="none" w="med" len="med"/>
                       <a:tailEnd type="none" w="med" len="med"/>
                     </a:lnL>
-                    <a:lnR cmpd="sng" algn="ctr" cap="flat" w="0">
+                    <a:lnR w="0" cap="flat" cmpd="sng" algn="ctr">
                       <a:solidFill>
                         <a:srgbClr val="233149"/>
                       </a:solidFill>
@@ -6922,7 +6960,7 @@
                       <a:headEnd type="none" w="med" len="med"/>
                       <a:tailEnd type="none" w="med" len="med"/>
                     </a:lnR>
-                    <a:lnT cmpd="sng" algn="ctr" cap="flat" w="9525">
+                    <a:lnT w="9525" cap="flat" cmpd="sng" algn="ctr">
                       <a:solidFill>
                         <a:srgbClr val="233149"/>
                       </a:solidFill>
@@ -6931,7 +6969,7 @@
                       <a:headEnd type="none" w="med" len="med"/>
                       <a:tailEnd type="none" w="med" len="med"/>
                     </a:lnT>
-                    <a:lnB cmpd="sng" algn="ctr" cap="flat" w="9525">
+                    <a:lnB w="9525" cap="flat" cmpd="sng" algn="ctr">
                       <a:solidFill>
                         <a:srgbClr val="233149"/>
                       </a:solidFill>
@@ -6944,7 +6982,7 @@
                 </a:tc>
                 <a:tc>
                   <a:txBody>
-                    <a:bodyPr anchor="t" rtlCol="false"/>
+                    <a:bodyPr/>
                     <a:lstStyle/>
                     <a:p>
                       <a:pPr algn="l">
@@ -6954,7 +6992,7 @@
                         <a:defRPr/>
                       </a:pPr>
                       <a:r>
-                        <a:rPr lang="en-US" sz="1800" b="true">
+                        <a:rPr lang="en-US" sz="1800" b="1">
                           <a:solidFill>
                             <a:srgbClr val="000000"/>
                           </a:solidFill>
@@ -6969,7 +7007,7 @@
                     </a:p>
                   </a:txBody>
                   <a:tcPr marL="95250" marR="95250" marT="95250" marB="95250" anchor="ctr">
-                    <a:lnL cmpd="sng" algn="ctr" cap="flat" w="0">
+                    <a:lnL w="0" cap="flat" cmpd="sng" algn="ctr">
                       <a:solidFill>
                         <a:srgbClr val="233149"/>
                       </a:solidFill>
@@ -6978,7 +7016,7 @@
                       <a:headEnd type="none" w="med" len="med"/>
                       <a:tailEnd type="none" w="med" len="med"/>
                     </a:lnL>
-                    <a:lnR cmpd="sng" algn="ctr" cap="flat" w="0">
+                    <a:lnR w="0" cap="flat" cmpd="sng" algn="ctr">
                       <a:solidFill>
                         <a:srgbClr val="233149"/>
                       </a:solidFill>
@@ -6987,7 +7025,7 @@
                       <a:headEnd type="none" w="med" len="med"/>
                       <a:tailEnd type="none" w="med" len="med"/>
                     </a:lnR>
-                    <a:lnT cmpd="sng" algn="ctr" cap="flat" w="9525">
+                    <a:lnT w="9525" cap="flat" cmpd="sng" algn="ctr">
                       <a:solidFill>
                         <a:srgbClr val="233149"/>
                       </a:solidFill>
@@ -6996,7 +7034,7 @@
                       <a:headEnd type="none" w="med" len="med"/>
                       <a:tailEnd type="none" w="med" len="med"/>
                     </a:lnT>
-                    <a:lnB cmpd="sng" algn="ctr" cap="flat" w="9525">
+                    <a:lnB w="9525" cap="flat" cmpd="sng" algn="ctr">
                       <a:solidFill>
                         <a:srgbClr val="233149"/>
                       </a:solidFill>
@@ -7007,11 +7045,16 @@
                     </a:lnB>
                   </a:tcPr>
                 </a:tc>
+                <a:extLst>
+                  <a:ext uri="{0D108BD9-81ED-4DB2-BD59-A6C34878D82A}">
+                    <a16:rowId xmlns:a16="http://schemas.microsoft.com/office/drawing/2014/main" val="10003"/>
+                  </a:ext>
+                </a:extLst>
               </a:tr>
               <a:tr h="792473">
                 <a:tc>
                   <a:txBody>
-                    <a:bodyPr anchor="t" rtlCol="false"/>
+                    <a:bodyPr/>
                     <a:lstStyle/>
                     <a:p>
                       <a:pPr algn="r">
@@ -7021,7 +7064,7 @@
                         <a:defRPr/>
                       </a:pPr>
                       <a:r>
-                        <a:rPr lang="en-US" b="true" sz="3000" spc="303">
+                        <a:rPr lang="en-US" sz="3000" b="1" spc="303">
                           <a:solidFill>
                             <a:srgbClr val="1C6CD8"/>
                           </a:solidFill>
@@ -7036,7 +7079,7 @@
                     </a:p>
                   </a:txBody>
                   <a:tcPr marL="95250" marR="95250" marT="95250" marB="95250" anchor="ctr">
-                    <a:lnL cmpd="sng" algn="ctr" cap="flat" w="0">
+                    <a:lnL w="0" cap="flat" cmpd="sng" algn="ctr">
                       <a:solidFill>
                         <a:srgbClr val="233149"/>
                       </a:solidFill>
@@ -7045,7 +7088,7 @@
                       <a:headEnd type="none" w="med" len="med"/>
                       <a:tailEnd type="none" w="med" len="med"/>
                     </a:lnL>
-                    <a:lnR cmpd="sng" algn="ctr" cap="flat" w="0">
+                    <a:lnR w="0" cap="flat" cmpd="sng" algn="ctr">
                       <a:solidFill>
                         <a:srgbClr val="233149"/>
                       </a:solidFill>
@@ -7054,7 +7097,7 @@
                       <a:headEnd type="none" w="med" len="med"/>
                       <a:tailEnd type="none" w="med" len="med"/>
                     </a:lnR>
-                    <a:lnT cmpd="sng" algn="ctr" cap="flat" w="9525">
+                    <a:lnT w="9525" cap="flat" cmpd="sng" algn="ctr">
                       <a:solidFill>
                         <a:srgbClr val="233149"/>
                       </a:solidFill>
@@ -7063,7 +7106,7 @@
                       <a:headEnd type="none" w="med" len="med"/>
                       <a:tailEnd type="none" w="med" len="med"/>
                     </a:lnT>
-                    <a:lnB cmpd="sng" algn="ctr" cap="flat" w="9525">
+                    <a:lnB w="9525" cap="flat" cmpd="sng" algn="ctr">
                       <a:solidFill>
                         <a:srgbClr val="233149"/>
                       </a:solidFill>
@@ -7076,7 +7119,7 @@
                 </a:tc>
                 <a:tc>
                   <a:txBody>
-                    <a:bodyPr anchor="t" rtlCol="false"/>
+                    <a:bodyPr/>
                     <a:lstStyle/>
                     <a:p>
                       <a:pPr algn="l">
@@ -7086,7 +7129,7 @@
                         <a:defRPr/>
                       </a:pPr>
                       <a:r>
-                        <a:rPr lang="en-US" sz="1800" b="true">
+                        <a:rPr lang="en-US" sz="1800" b="1">
                           <a:solidFill>
                             <a:srgbClr val="000000"/>
                           </a:solidFill>
@@ -7101,7 +7144,7 @@
                     </a:p>
                   </a:txBody>
                   <a:tcPr marL="95250" marR="95250" marT="95250" marB="95250" anchor="ctr">
-                    <a:lnL cmpd="sng" algn="ctr" cap="flat" w="0">
+                    <a:lnL w="0" cap="flat" cmpd="sng" algn="ctr">
                       <a:solidFill>
                         <a:srgbClr val="233149"/>
                       </a:solidFill>
@@ -7110,7 +7153,7 @@
                       <a:headEnd type="none" w="med" len="med"/>
                       <a:tailEnd type="none" w="med" len="med"/>
                     </a:lnL>
-                    <a:lnR cmpd="sng" algn="ctr" cap="flat" w="0">
+                    <a:lnR w="0" cap="flat" cmpd="sng" algn="ctr">
                       <a:solidFill>
                         <a:srgbClr val="233149"/>
                       </a:solidFill>
@@ -7119,7 +7162,7 @@
                       <a:headEnd type="none" w="med" len="med"/>
                       <a:tailEnd type="none" w="med" len="med"/>
                     </a:lnR>
-                    <a:lnT cmpd="sng" algn="ctr" cap="flat" w="9525">
+                    <a:lnT w="9525" cap="flat" cmpd="sng" algn="ctr">
                       <a:solidFill>
                         <a:srgbClr val="233149"/>
                       </a:solidFill>
@@ -7128,7 +7171,7 @@
                       <a:headEnd type="none" w="med" len="med"/>
                       <a:tailEnd type="none" w="med" len="med"/>
                     </a:lnT>
-                    <a:lnB cmpd="sng" algn="ctr" cap="flat" w="9525">
+                    <a:lnB w="9525" cap="flat" cmpd="sng" algn="ctr">
                       <a:solidFill>
                         <a:srgbClr val="233149"/>
                       </a:solidFill>
@@ -7139,11 +7182,16 @@
                     </a:lnB>
                   </a:tcPr>
                 </a:tc>
+                <a:extLst>
+                  <a:ext uri="{0D108BD9-81ED-4DB2-BD59-A6C34878D82A}">
+                    <a16:rowId xmlns:a16="http://schemas.microsoft.com/office/drawing/2014/main" val="10004"/>
+                  </a:ext>
+                </a:extLst>
               </a:tr>
               <a:tr h="791329">
                 <a:tc>
                   <a:txBody>
-                    <a:bodyPr anchor="t" rtlCol="false"/>
+                    <a:bodyPr/>
                     <a:lstStyle/>
                     <a:p>
                       <a:pPr algn="r">
@@ -7153,7 +7201,7 @@
                         <a:defRPr/>
                       </a:pPr>
                       <a:r>
-                        <a:rPr lang="en-US" b="true" sz="3000" spc="303">
+                        <a:rPr lang="en-US" sz="3000" b="1" spc="303">
                           <a:solidFill>
                             <a:srgbClr val="1C6CD8"/>
                           </a:solidFill>
@@ -7168,7 +7216,7 @@
                     </a:p>
                   </a:txBody>
                   <a:tcPr marL="95250" marR="95250" marT="95250" marB="95250" anchor="ctr">
-                    <a:lnL cmpd="sng" algn="ctr" cap="flat" w="0">
+                    <a:lnL w="0" cap="flat" cmpd="sng" algn="ctr">
                       <a:solidFill>
                         <a:srgbClr val="233149"/>
                       </a:solidFill>
@@ -7177,7 +7225,7 @@
                       <a:headEnd type="none" w="med" len="med"/>
                       <a:tailEnd type="none" w="med" len="med"/>
                     </a:lnL>
-                    <a:lnR cmpd="sng" algn="ctr" cap="flat" w="0">
+                    <a:lnR w="0" cap="flat" cmpd="sng" algn="ctr">
                       <a:solidFill>
                         <a:srgbClr val="233149"/>
                       </a:solidFill>
@@ -7186,7 +7234,7 @@
                       <a:headEnd type="none" w="med" len="med"/>
                       <a:tailEnd type="none" w="med" len="med"/>
                     </a:lnR>
-                    <a:lnT cmpd="sng" algn="ctr" cap="flat" w="9525">
+                    <a:lnT w="9525" cap="flat" cmpd="sng" algn="ctr">
                       <a:solidFill>
                         <a:srgbClr val="233149"/>
                       </a:solidFill>
@@ -7195,7 +7243,7 @@
                       <a:headEnd type="none" w="med" len="med"/>
                       <a:tailEnd type="none" w="med" len="med"/>
                     </a:lnT>
-                    <a:lnB cmpd="sng" algn="ctr" cap="flat" w="9525">
+                    <a:lnB w="9525" cap="flat" cmpd="sng" algn="ctr">
                       <a:solidFill>
                         <a:srgbClr val="233149"/>
                       </a:solidFill>
@@ -7208,7 +7256,7 @@
                 </a:tc>
                 <a:tc>
                   <a:txBody>
-                    <a:bodyPr anchor="t" rtlCol="false"/>
+                    <a:bodyPr/>
                     <a:lstStyle/>
                     <a:p>
                       <a:pPr algn="l">
@@ -7218,7 +7266,7 @@
                         <a:defRPr/>
                       </a:pPr>
                       <a:r>
-                        <a:rPr lang="en-US" sz="1800" b="true">
+                        <a:rPr lang="en-US" sz="1800" b="1">
                           <a:solidFill>
                             <a:srgbClr val="000000"/>
                           </a:solidFill>
@@ -7233,7 +7281,7 @@
                     </a:p>
                   </a:txBody>
                   <a:tcPr marL="95250" marR="95250" marT="95250" marB="95250" anchor="ctr">
-                    <a:lnL cmpd="sng" algn="ctr" cap="flat" w="0">
+                    <a:lnL w="0" cap="flat" cmpd="sng" algn="ctr">
                       <a:solidFill>
                         <a:srgbClr val="233149"/>
                       </a:solidFill>
@@ -7242,7 +7290,7 @@
                       <a:headEnd type="none" w="med" len="med"/>
                       <a:tailEnd type="none" w="med" len="med"/>
                     </a:lnL>
-                    <a:lnR cmpd="sng" algn="ctr" cap="flat" w="0">
+                    <a:lnR w="0" cap="flat" cmpd="sng" algn="ctr">
                       <a:solidFill>
                         <a:srgbClr val="233149"/>
                       </a:solidFill>
@@ -7251,7 +7299,7 @@
                       <a:headEnd type="none" w="med" len="med"/>
                       <a:tailEnd type="none" w="med" len="med"/>
                     </a:lnR>
-                    <a:lnT cmpd="sng" algn="ctr" cap="flat" w="9525">
+                    <a:lnT w="9525" cap="flat" cmpd="sng" algn="ctr">
                       <a:solidFill>
                         <a:srgbClr val="233149"/>
                       </a:solidFill>
@@ -7260,7 +7308,7 @@
                       <a:headEnd type="none" w="med" len="med"/>
                       <a:tailEnd type="none" w="med" len="med"/>
                     </a:lnT>
-                    <a:lnB cmpd="sng" algn="ctr" cap="flat" w="9525">
+                    <a:lnB w="9525" cap="flat" cmpd="sng" algn="ctr">
                       <a:solidFill>
                         <a:srgbClr val="233149"/>
                       </a:solidFill>
@@ -7271,11 +7319,16 @@
                     </a:lnB>
                   </a:tcPr>
                 </a:tc>
+                <a:extLst>
+                  <a:ext uri="{0D108BD9-81ED-4DB2-BD59-A6C34878D82A}">
+                    <a16:rowId xmlns:a16="http://schemas.microsoft.com/office/drawing/2014/main" val="10005"/>
+                  </a:ext>
+                </a:extLst>
               </a:tr>
               <a:tr h="791329">
                 <a:tc>
                   <a:txBody>
-                    <a:bodyPr anchor="t" rtlCol="false"/>
+                    <a:bodyPr/>
                     <a:lstStyle/>
                     <a:p>
                       <a:pPr algn="r">
@@ -7285,7 +7338,7 @@
                         <a:defRPr/>
                       </a:pPr>
                       <a:r>
-                        <a:rPr lang="en-US" b="true" sz="3000" spc="303">
+                        <a:rPr lang="en-US" sz="3000" b="1" spc="303">
                           <a:solidFill>
                             <a:srgbClr val="1C6CD8"/>
                           </a:solidFill>
@@ -7300,7 +7353,7 @@
                     </a:p>
                   </a:txBody>
                   <a:tcPr marL="95250" marR="95250" marT="95250" marB="95250" anchor="ctr">
-                    <a:lnL cmpd="sng" algn="ctr" cap="flat" w="0">
+                    <a:lnL w="0" cap="flat" cmpd="sng" algn="ctr">
                       <a:solidFill>
                         <a:srgbClr val="233149"/>
                       </a:solidFill>
@@ -7309,7 +7362,7 @@
                       <a:headEnd type="none" w="med" len="med"/>
                       <a:tailEnd type="none" w="med" len="med"/>
                     </a:lnL>
-                    <a:lnR cmpd="sng" algn="ctr" cap="flat" w="0">
+                    <a:lnR w="0" cap="flat" cmpd="sng" algn="ctr">
                       <a:solidFill>
                         <a:srgbClr val="233149"/>
                       </a:solidFill>
@@ -7318,7 +7371,7 @@
                       <a:headEnd type="none" w="med" len="med"/>
                       <a:tailEnd type="none" w="med" len="med"/>
                     </a:lnR>
-                    <a:lnT cmpd="sng" algn="ctr" cap="flat" w="9525">
+                    <a:lnT w="9525" cap="flat" cmpd="sng" algn="ctr">
                       <a:solidFill>
                         <a:srgbClr val="233149"/>
                       </a:solidFill>
@@ -7327,7 +7380,7 @@
                       <a:headEnd type="none" w="med" len="med"/>
                       <a:tailEnd type="none" w="med" len="med"/>
                     </a:lnT>
-                    <a:lnB cmpd="sng" algn="ctr" cap="flat" w="9525">
+                    <a:lnB w="9525" cap="flat" cmpd="sng" algn="ctr">
                       <a:solidFill>
                         <a:srgbClr val="233149"/>
                       </a:solidFill>
@@ -7340,7 +7393,7 @@
                 </a:tc>
                 <a:tc>
                   <a:txBody>
-                    <a:bodyPr anchor="t" rtlCol="false"/>
+                    <a:bodyPr/>
                     <a:lstStyle/>
                     <a:p>
                       <a:pPr algn="l">
@@ -7365,7 +7418,7 @@
                     </a:p>
                   </a:txBody>
                   <a:tcPr marL="95250" marR="95250" marT="95250" marB="95250" anchor="ctr">
-                    <a:lnL cmpd="sng" algn="ctr" cap="flat" w="0">
+                    <a:lnL w="0" cap="flat" cmpd="sng" algn="ctr">
                       <a:solidFill>
                         <a:srgbClr val="233149"/>
                       </a:solidFill>
@@ -7374,7 +7427,7 @@
                       <a:headEnd type="none" w="med" len="med"/>
                       <a:tailEnd type="none" w="med" len="med"/>
                     </a:lnL>
-                    <a:lnR cmpd="sng" algn="ctr" cap="flat" w="0">
+                    <a:lnR w="0" cap="flat" cmpd="sng" algn="ctr">
                       <a:solidFill>
                         <a:srgbClr val="233149"/>
                       </a:solidFill>
@@ -7383,7 +7436,7 @@
                       <a:headEnd type="none" w="med" len="med"/>
                       <a:tailEnd type="none" w="med" len="med"/>
                     </a:lnR>
-                    <a:lnT cmpd="sng" algn="ctr" cap="flat" w="9525">
+                    <a:lnT w="9525" cap="flat" cmpd="sng" algn="ctr">
                       <a:solidFill>
                         <a:srgbClr val="233149"/>
                       </a:solidFill>
@@ -7392,7 +7445,7 @@
                       <a:headEnd type="none" w="med" len="med"/>
                       <a:tailEnd type="none" w="med" len="med"/>
                     </a:lnT>
-                    <a:lnB cmpd="sng" algn="ctr" cap="flat" w="9525">
+                    <a:lnB w="9525" cap="flat" cmpd="sng" algn="ctr">
                       <a:solidFill>
                         <a:srgbClr val="233149"/>
                       </a:solidFill>
@@ -7403,11 +7456,16 @@
                     </a:lnB>
                   </a:tcPr>
                 </a:tc>
+                <a:extLst>
+                  <a:ext uri="{0D108BD9-81ED-4DB2-BD59-A6C34878D82A}">
+                    <a16:rowId xmlns:a16="http://schemas.microsoft.com/office/drawing/2014/main" val="10006"/>
+                  </a:ext>
+                </a:extLst>
               </a:tr>
               <a:tr h="791329">
                 <a:tc>
                   <a:txBody>
-                    <a:bodyPr anchor="t" rtlCol="false"/>
+                    <a:bodyPr/>
                     <a:lstStyle/>
                     <a:p>
                       <a:pPr algn="r">
@@ -7417,7 +7475,7 @@
                         <a:defRPr/>
                       </a:pPr>
                       <a:r>
-                        <a:rPr lang="en-US" b="true" sz="3000" spc="303">
+                        <a:rPr lang="en-US" sz="3000" b="1" spc="303">
                           <a:solidFill>
                             <a:srgbClr val="1C6CD8"/>
                           </a:solidFill>
@@ -7432,7 +7490,7 @@
                     </a:p>
                   </a:txBody>
                   <a:tcPr marL="95250" marR="95250" marT="95250" marB="95250" anchor="ctr">
-                    <a:lnL cmpd="sng" algn="ctr" cap="flat" w="0">
+                    <a:lnL w="0" cap="flat" cmpd="sng" algn="ctr">
                       <a:solidFill>
                         <a:srgbClr val="233149"/>
                       </a:solidFill>
@@ -7441,7 +7499,7 @@
                       <a:headEnd type="none" w="med" len="med"/>
                       <a:tailEnd type="none" w="med" len="med"/>
                     </a:lnL>
-                    <a:lnR cmpd="sng" algn="ctr" cap="flat" w="0">
+                    <a:lnR w="0" cap="flat" cmpd="sng" algn="ctr">
                       <a:solidFill>
                         <a:srgbClr val="233149"/>
                       </a:solidFill>
@@ -7450,7 +7508,7 @@
                       <a:headEnd type="none" w="med" len="med"/>
                       <a:tailEnd type="none" w="med" len="med"/>
                     </a:lnR>
-                    <a:lnT cmpd="sng" algn="ctr" cap="flat" w="9525">
+                    <a:lnT w="9525" cap="flat" cmpd="sng" algn="ctr">
                       <a:solidFill>
                         <a:srgbClr val="233149"/>
                       </a:solidFill>
@@ -7459,7 +7517,7 @@
                       <a:headEnd type="none" w="med" len="med"/>
                       <a:tailEnd type="none" w="med" len="med"/>
                     </a:lnT>
-                    <a:lnB cmpd="sng" algn="ctr" cap="flat" w="9525">
+                    <a:lnB w="9525" cap="flat" cmpd="sng" algn="ctr">
                       <a:solidFill>
                         <a:srgbClr val="233149"/>
                       </a:solidFill>
@@ -7472,7 +7530,7 @@
                 </a:tc>
                 <a:tc>
                   <a:txBody>
-                    <a:bodyPr anchor="t" rtlCol="false"/>
+                    <a:bodyPr/>
                     <a:lstStyle/>
                     <a:p>
                       <a:pPr algn="l">
@@ -7497,7 +7555,7 @@
                     </a:p>
                   </a:txBody>
                   <a:tcPr marL="95250" marR="95250" marT="95250" marB="95250" anchor="ctr">
-                    <a:lnL cmpd="sng" algn="ctr" cap="flat" w="0">
+                    <a:lnL w="0" cap="flat" cmpd="sng" algn="ctr">
                       <a:solidFill>
                         <a:srgbClr val="233149"/>
                       </a:solidFill>
@@ -7506,7 +7564,7 @@
                       <a:headEnd type="none" w="med" len="med"/>
                       <a:tailEnd type="none" w="med" len="med"/>
                     </a:lnL>
-                    <a:lnR cmpd="sng" algn="ctr" cap="flat" w="0">
+                    <a:lnR w="0" cap="flat" cmpd="sng" algn="ctr">
                       <a:solidFill>
                         <a:srgbClr val="233149"/>
                       </a:solidFill>
@@ -7515,7 +7573,7 @@
                       <a:headEnd type="none" w="med" len="med"/>
                       <a:tailEnd type="none" w="med" len="med"/>
                     </a:lnR>
-                    <a:lnT cmpd="sng" algn="ctr" cap="flat" w="9525">
+                    <a:lnT w="9525" cap="flat" cmpd="sng" algn="ctr">
                       <a:solidFill>
                         <a:srgbClr val="233149"/>
                       </a:solidFill>
@@ -7524,7 +7582,7 @@
                       <a:headEnd type="none" w="med" len="med"/>
                       <a:tailEnd type="none" w="med" len="med"/>
                     </a:lnT>
-                    <a:lnB cmpd="sng" algn="ctr" cap="flat" w="9525">
+                    <a:lnB w="9525" cap="flat" cmpd="sng" algn="ctr">
                       <a:solidFill>
                         <a:srgbClr val="233149"/>
                       </a:solidFill>
@@ -7535,11 +7593,16 @@
                     </a:lnB>
                   </a:tcPr>
                 </a:tc>
+                <a:extLst>
+                  <a:ext uri="{0D108BD9-81ED-4DB2-BD59-A6C34878D82A}">
+                    <a16:rowId xmlns:a16="http://schemas.microsoft.com/office/drawing/2014/main" val="10007"/>
+                  </a:ext>
+                </a:extLst>
               </a:tr>
               <a:tr h="791329">
                 <a:tc>
                   <a:txBody>
-                    <a:bodyPr anchor="t" rtlCol="false"/>
+                    <a:bodyPr/>
                     <a:lstStyle/>
                     <a:p>
                       <a:pPr algn="r">
@@ -7549,7 +7612,7 @@
                         <a:defRPr/>
                       </a:pPr>
                       <a:r>
-                        <a:rPr lang="en-US" b="true" sz="3000" spc="303">
+                        <a:rPr lang="en-US" sz="3000" b="1" spc="303">
                           <a:solidFill>
                             <a:srgbClr val="1C6CD8"/>
                           </a:solidFill>
@@ -7564,7 +7627,7 @@
                     </a:p>
                   </a:txBody>
                   <a:tcPr marL="95250" marR="95250" marT="95250" marB="95250" anchor="ctr">
-                    <a:lnL cmpd="sng" algn="ctr" cap="flat" w="0">
+                    <a:lnL w="0" cap="flat" cmpd="sng" algn="ctr">
                       <a:solidFill>
                         <a:srgbClr val="233149"/>
                       </a:solidFill>
@@ -7573,7 +7636,7 @@
                       <a:headEnd type="none" w="med" len="med"/>
                       <a:tailEnd type="none" w="med" len="med"/>
                     </a:lnL>
-                    <a:lnR cmpd="sng" algn="ctr" cap="flat" w="0">
+                    <a:lnR w="0" cap="flat" cmpd="sng" algn="ctr">
                       <a:solidFill>
                         <a:srgbClr val="233149"/>
                       </a:solidFill>
@@ -7582,7 +7645,7 @@
                       <a:headEnd type="none" w="med" len="med"/>
                       <a:tailEnd type="none" w="med" len="med"/>
                     </a:lnR>
-                    <a:lnT cmpd="sng" algn="ctr" cap="flat" w="9525">
+                    <a:lnT w="9525" cap="flat" cmpd="sng" algn="ctr">
                       <a:solidFill>
                         <a:srgbClr val="233149"/>
                       </a:solidFill>
@@ -7591,7 +7654,7 @@
                       <a:headEnd type="none" w="med" len="med"/>
                       <a:tailEnd type="none" w="med" len="med"/>
                     </a:lnT>
-                    <a:lnB cmpd="sng" algn="ctr" cap="flat" w="9525">
+                    <a:lnB w="9525" cap="flat" cmpd="sng" algn="ctr">
                       <a:solidFill>
                         <a:srgbClr val="233149"/>
                       </a:solidFill>
@@ -7604,7 +7667,7 @@
                 </a:tc>
                 <a:tc>
                   <a:txBody>
-                    <a:bodyPr anchor="t" rtlCol="false"/>
+                    <a:bodyPr/>
                     <a:lstStyle/>
                     <a:p>
                       <a:pPr algn="l">
@@ -7629,7 +7692,7 @@
                     </a:p>
                   </a:txBody>
                   <a:tcPr marL="95250" marR="95250" marT="95250" marB="95250" anchor="ctr">
-                    <a:lnL cmpd="sng" algn="ctr" cap="flat" w="0">
+                    <a:lnL w="0" cap="flat" cmpd="sng" algn="ctr">
                       <a:solidFill>
                         <a:srgbClr val="233149"/>
                       </a:solidFill>
@@ -7638,7 +7701,7 @@
                       <a:headEnd type="none" w="med" len="med"/>
                       <a:tailEnd type="none" w="med" len="med"/>
                     </a:lnL>
-                    <a:lnR cmpd="sng" algn="ctr" cap="flat" w="0">
+                    <a:lnR w="0" cap="flat" cmpd="sng" algn="ctr">
                       <a:solidFill>
                         <a:srgbClr val="233149"/>
                       </a:solidFill>
@@ -7647,7 +7710,7 @@
                       <a:headEnd type="none" w="med" len="med"/>
                       <a:tailEnd type="none" w="med" len="med"/>
                     </a:lnR>
-                    <a:lnT cmpd="sng" algn="ctr" cap="flat" w="9525">
+                    <a:lnT w="9525" cap="flat" cmpd="sng" algn="ctr">
                       <a:solidFill>
                         <a:srgbClr val="233149"/>
                       </a:solidFill>
@@ -7656,7 +7719,7 @@
                       <a:headEnd type="none" w="med" len="med"/>
                       <a:tailEnd type="none" w="med" len="med"/>
                     </a:lnT>
-                    <a:lnB cmpd="sng" algn="ctr" cap="flat" w="9525">
+                    <a:lnB w="9525" cap="flat" cmpd="sng" algn="ctr">
                       <a:solidFill>
                         <a:srgbClr val="233149"/>
                       </a:solidFill>
@@ -7667,11 +7730,16 @@
                     </a:lnB>
                   </a:tcPr>
                 </a:tc>
+                <a:extLst>
+                  <a:ext uri="{0D108BD9-81ED-4DB2-BD59-A6C34878D82A}">
+                    <a16:rowId xmlns:a16="http://schemas.microsoft.com/office/drawing/2014/main" val="10008"/>
+                  </a:ext>
+                </a:extLst>
               </a:tr>
               <a:tr h="872754">
                 <a:tc>
                   <a:txBody>
-                    <a:bodyPr anchor="t" rtlCol="false"/>
+                    <a:bodyPr/>
                     <a:lstStyle/>
                     <a:p>
                       <a:pPr algn="r">
@@ -7681,7 +7749,7 @@
                         <a:defRPr/>
                       </a:pPr>
                       <a:r>
-                        <a:rPr lang="en-US" b="true" sz="3000" spc="303">
+                        <a:rPr lang="en-US" sz="3000" b="1" spc="303">
                           <a:solidFill>
                             <a:srgbClr val="1C6CD8"/>
                           </a:solidFill>
@@ -7696,7 +7764,7 @@
                     </a:p>
                   </a:txBody>
                   <a:tcPr marL="95250" marR="95250" marT="95250" marB="95250" anchor="ctr">
-                    <a:lnL cmpd="sng" algn="ctr" cap="flat" w="0">
+                    <a:lnL w="0" cap="flat" cmpd="sng" algn="ctr">
                       <a:solidFill>
                         <a:srgbClr val="233149"/>
                       </a:solidFill>
@@ -7705,7 +7773,7 @@
                       <a:headEnd type="none" w="med" len="med"/>
                       <a:tailEnd type="none" w="med" len="med"/>
                     </a:lnL>
-                    <a:lnR cmpd="sng" algn="ctr" cap="flat" w="0">
+                    <a:lnR w="0" cap="flat" cmpd="sng" algn="ctr">
                       <a:solidFill>
                         <a:srgbClr val="233149"/>
                       </a:solidFill>
@@ -7714,7 +7782,7 @@
                       <a:headEnd type="none" w="med" len="med"/>
                       <a:tailEnd type="none" w="med" len="med"/>
                     </a:lnR>
-                    <a:lnT cmpd="sng" algn="ctr" cap="flat" w="9525">
+                    <a:lnT w="9525" cap="flat" cmpd="sng" algn="ctr">
                       <a:solidFill>
                         <a:srgbClr val="233149"/>
                       </a:solidFill>
@@ -7723,7 +7791,7 @@
                       <a:headEnd type="none" w="med" len="med"/>
                       <a:tailEnd type="none" w="med" len="med"/>
                     </a:lnT>
-                    <a:lnB cmpd="sng" algn="ctr" cap="flat" w="9525">
+                    <a:lnB w="9525" cap="flat" cmpd="sng" algn="ctr">
                       <a:solidFill>
                         <a:srgbClr val="233149"/>
                       </a:solidFill>
@@ -7736,7 +7804,7 @@
                 </a:tc>
                 <a:tc>
                   <a:txBody>
-                    <a:bodyPr anchor="t" rtlCol="false"/>
+                    <a:bodyPr/>
                     <a:lstStyle/>
                     <a:p>
                       <a:pPr algn="l">
@@ -7746,7 +7814,7 @@
                         <a:defRPr/>
                       </a:pPr>
                       <a:r>
-                        <a:rPr lang="en-US" sz="1800" b="true">
+                        <a:rPr lang="en-US" sz="1800" b="1">
                           <a:solidFill>
                             <a:srgbClr val="000000"/>
                           </a:solidFill>
@@ -7761,7 +7829,7 @@
                     </a:p>
                   </a:txBody>
                   <a:tcPr marL="95250" marR="95250" marT="95250" marB="95250" anchor="ctr">
-                    <a:lnL cmpd="sng" algn="ctr" cap="flat" w="0">
+                    <a:lnL w="0" cap="flat" cmpd="sng" algn="ctr">
                       <a:solidFill>
                         <a:srgbClr val="233149"/>
                       </a:solidFill>
@@ -7770,7 +7838,7 @@
                       <a:headEnd type="none" w="med" len="med"/>
                       <a:tailEnd type="none" w="med" len="med"/>
                     </a:lnL>
-                    <a:lnR cmpd="sng" algn="ctr" cap="flat" w="0">
+                    <a:lnR w="0" cap="flat" cmpd="sng" algn="ctr">
                       <a:solidFill>
                         <a:srgbClr val="233149"/>
                       </a:solidFill>
@@ -7779,7 +7847,7 @@
                       <a:headEnd type="none" w="med" len="med"/>
                       <a:tailEnd type="none" w="med" len="med"/>
                     </a:lnR>
-                    <a:lnT cmpd="sng" algn="ctr" cap="flat" w="9525">
+                    <a:lnT w="9525" cap="flat" cmpd="sng" algn="ctr">
                       <a:solidFill>
                         <a:srgbClr val="233149"/>
                       </a:solidFill>
@@ -7788,7 +7856,7 @@
                       <a:headEnd type="none" w="med" len="med"/>
                       <a:tailEnd type="none" w="med" len="med"/>
                     </a:lnT>
-                    <a:lnB cmpd="sng" algn="ctr" cap="flat" w="9525">
+                    <a:lnB w="9525" cap="flat" cmpd="sng" algn="ctr">
                       <a:solidFill>
                         <a:srgbClr val="233149"/>
                       </a:solidFill>
@@ -7799,11 +7867,16 @@
                     </a:lnB>
                   </a:tcPr>
                 </a:tc>
+                <a:extLst>
+                  <a:ext uri="{0D108BD9-81ED-4DB2-BD59-A6C34878D82A}">
+                    <a16:rowId xmlns:a16="http://schemas.microsoft.com/office/drawing/2014/main" val="10009"/>
+                  </a:ext>
+                </a:extLst>
               </a:tr>
               <a:tr h="872754">
                 <a:tc>
                   <a:txBody>
-                    <a:bodyPr anchor="t" rtlCol="false"/>
+                    <a:bodyPr/>
                     <a:lstStyle/>
                     <a:p>
                       <a:pPr algn="r">
@@ -7813,7 +7886,7 @@
                         <a:defRPr/>
                       </a:pPr>
                       <a:r>
-                        <a:rPr lang="en-US" b="true" sz="3000" spc="303">
+                        <a:rPr lang="en-US" sz="3000" b="1" spc="303">
                           <a:solidFill>
                             <a:srgbClr val="1C6CD8"/>
                           </a:solidFill>
@@ -7828,7 +7901,7 @@
                     </a:p>
                   </a:txBody>
                   <a:tcPr marL="95250" marR="95250" marT="95250" marB="95250" anchor="ctr">
-                    <a:lnL cmpd="sng" algn="ctr" cap="flat" w="0">
+                    <a:lnL w="0" cap="flat" cmpd="sng" algn="ctr">
                       <a:solidFill>
                         <a:srgbClr val="233149"/>
                       </a:solidFill>
@@ -7837,7 +7910,7 @@
                       <a:headEnd type="none" w="med" len="med"/>
                       <a:tailEnd type="none" w="med" len="med"/>
                     </a:lnL>
-                    <a:lnR cmpd="sng" algn="ctr" cap="flat" w="0">
+                    <a:lnR w="0" cap="flat" cmpd="sng" algn="ctr">
                       <a:solidFill>
                         <a:srgbClr val="233149"/>
                       </a:solidFill>
@@ -7846,7 +7919,7 @@
                       <a:headEnd type="none" w="med" len="med"/>
                       <a:tailEnd type="none" w="med" len="med"/>
                     </a:lnR>
-                    <a:lnT cmpd="sng" algn="ctr" cap="flat" w="9525">
+                    <a:lnT w="9525" cap="flat" cmpd="sng" algn="ctr">
                       <a:solidFill>
                         <a:srgbClr val="233149"/>
                       </a:solidFill>
@@ -7855,7 +7928,7 @@
                       <a:headEnd type="none" w="med" len="med"/>
                       <a:tailEnd type="none" w="med" len="med"/>
                     </a:lnT>
-                    <a:lnB cmpd="sng" algn="ctr" cap="flat" w="9525">
+                    <a:lnB w="9525" cap="flat" cmpd="sng" algn="ctr">
                       <a:solidFill>
                         <a:srgbClr val="233149"/>
                       </a:solidFill>
@@ -7868,7 +7941,7 @@
                 </a:tc>
                 <a:tc>
                   <a:txBody>
-                    <a:bodyPr anchor="t" rtlCol="false"/>
+                    <a:bodyPr/>
                     <a:lstStyle/>
                     <a:p>
                       <a:pPr algn="l">
@@ -7878,7 +7951,7 @@
                         <a:defRPr/>
                       </a:pPr>
                       <a:r>
-                        <a:rPr lang="en-US" sz="1800" b="true">
+                        <a:rPr lang="en-US" sz="1800" b="1">
                           <a:solidFill>
                             <a:srgbClr val="000000"/>
                           </a:solidFill>
@@ -7893,7 +7966,7 @@
                     </a:p>
                   </a:txBody>
                   <a:tcPr marL="95250" marR="95250" marT="95250" marB="95250" anchor="ctr">
-                    <a:lnL cmpd="sng" algn="ctr" cap="flat" w="0">
+                    <a:lnL w="0" cap="flat" cmpd="sng" algn="ctr">
                       <a:solidFill>
                         <a:srgbClr val="233149"/>
                       </a:solidFill>
@@ -7902,7 +7975,7 @@
                       <a:headEnd type="none" w="med" len="med"/>
                       <a:tailEnd type="none" w="med" len="med"/>
                     </a:lnL>
-                    <a:lnR cmpd="sng" algn="ctr" cap="flat" w="0">
+                    <a:lnR w="0" cap="flat" cmpd="sng" algn="ctr">
                       <a:solidFill>
                         <a:srgbClr val="233149"/>
                       </a:solidFill>
@@ -7911,7 +7984,7 @@
                       <a:headEnd type="none" w="med" len="med"/>
                       <a:tailEnd type="none" w="med" len="med"/>
                     </a:lnR>
-                    <a:lnT cmpd="sng" algn="ctr" cap="flat" w="9525">
+                    <a:lnT w="9525" cap="flat" cmpd="sng" algn="ctr">
                       <a:solidFill>
                         <a:srgbClr val="233149"/>
                       </a:solidFill>
@@ -7920,7 +7993,7 @@
                       <a:headEnd type="none" w="med" len="med"/>
                       <a:tailEnd type="none" w="med" len="med"/>
                     </a:lnT>
-                    <a:lnB cmpd="sng" algn="ctr" cap="flat" w="9525">
+                    <a:lnB w="9525" cap="flat" cmpd="sng" algn="ctr">
                       <a:solidFill>
                         <a:srgbClr val="233149"/>
                       </a:solidFill>
@@ -7931,11 +8004,16 @@
                     </a:lnB>
                   </a:tcPr>
                 </a:tc>
+                <a:extLst>
+                  <a:ext uri="{0D108BD9-81ED-4DB2-BD59-A6C34878D82A}">
+                    <a16:rowId xmlns:a16="http://schemas.microsoft.com/office/drawing/2014/main" val="10010"/>
+                  </a:ext>
+                </a:extLst>
               </a:tr>
               <a:tr h="872754">
                 <a:tc>
                   <a:txBody>
-                    <a:bodyPr anchor="t" rtlCol="false"/>
+                    <a:bodyPr/>
                     <a:lstStyle/>
                     <a:p>
                       <a:pPr algn="r">
@@ -7945,7 +8023,7 @@
                         <a:defRPr/>
                       </a:pPr>
                       <a:r>
-                        <a:rPr lang="en-US" b="true" sz="3000" spc="303">
+                        <a:rPr lang="en-US" sz="3000" b="1" spc="303">
                           <a:solidFill>
                             <a:srgbClr val="1C6CD8"/>
                           </a:solidFill>
@@ -7960,7 +8038,7 @@
                     </a:p>
                   </a:txBody>
                   <a:tcPr marL="95250" marR="95250" marT="95250" marB="95250" anchor="ctr">
-                    <a:lnL cmpd="sng" algn="ctr" cap="flat" w="0">
+                    <a:lnL w="0" cap="flat" cmpd="sng" algn="ctr">
                       <a:solidFill>
                         <a:srgbClr val="233149"/>
                       </a:solidFill>
@@ -7969,7 +8047,7 @@
                       <a:headEnd type="none" w="med" len="med"/>
                       <a:tailEnd type="none" w="med" len="med"/>
                     </a:lnL>
-                    <a:lnR cmpd="sng" algn="ctr" cap="flat" w="0">
+                    <a:lnR w="0" cap="flat" cmpd="sng" algn="ctr">
                       <a:solidFill>
                         <a:srgbClr val="233149"/>
                       </a:solidFill>
@@ -7978,7 +8056,7 @@
                       <a:headEnd type="none" w="med" len="med"/>
                       <a:tailEnd type="none" w="med" len="med"/>
                     </a:lnR>
-                    <a:lnT cmpd="sng" algn="ctr" cap="flat" w="9525">
+                    <a:lnT w="9525" cap="flat" cmpd="sng" algn="ctr">
                       <a:solidFill>
                         <a:srgbClr val="233149"/>
                       </a:solidFill>
@@ -7987,7 +8065,7 @@
                       <a:headEnd type="none" w="med" len="med"/>
                       <a:tailEnd type="none" w="med" len="med"/>
                     </a:lnT>
-                    <a:lnB cmpd="sng" algn="ctr" cap="flat" w="9525">
+                    <a:lnB w="9525" cap="flat" cmpd="sng" algn="ctr">
                       <a:solidFill>
                         <a:srgbClr val="233149"/>
                       </a:solidFill>
@@ -8000,7 +8078,7 @@
                 </a:tc>
                 <a:tc>
                   <a:txBody>
-                    <a:bodyPr anchor="t" rtlCol="false"/>
+                    <a:bodyPr/>
                     <a:lstStyle/>
                     <a:p>
                       <a:pPr algn="l">
@@ -8010,7 +8088,7 @@
                         <a:defRPr/>
                       </a:pPr>
                       <a:r>
-                        <a:rPr lang="en-US" sz="1800" b="true">
+                        <a:rPr lang="en-US" sz="1800" b="1">
                           <a:solidFill>
                             <a:srgbClr val="000000"/>
                           </a:solidFill>
@@ -8025,7 +8103,7 @@
                     </a:p>
                   </a:txBody>
                   <a:tcPr marL="95250" marR="95250" marT="95250" marB="95250" anchor="ctr">
-                    <a:lnL cmpd="sng" algn="ctr" cap="flat" w="0">
+                    <a:lnL w="0" cap="flat" cmpd="sng" algn="ctr">
                       <a:solidFill>
                         <a:srgbClr val="233149"/>
                       </a:solidFill>
@@ -8034,7 +8112,7 @@
                       <a:headEnd type="none" w="med" len="med"/>
                       <a:tailEnd type="none" w="med" len="med"/>
                     </a:lnL>
-                    <a:lnR cmpd="sng" algn="ctr" cap="flat" w="0">
+                    <a:lnR w="0" cap="flat" cmpd="sng" algn="ctr">
                       <a:solidFill>
                         <a:srgbClr val="233149"/>
                       </a:solidFill>
@@ -8043,7 +8121,7 @@
                       <a:headEnd type="none" w="med" len="med"/>
                       <a:tailEnd type="none" w="med" len="med"/>
                     </a:lnR>
-                    <a:lnT cmpd="sng" algn="ctr" cap="flat" w="9525">
+                    <a:lnT w="9525" cap="flat" cmpd="sng" algn="ctr">
                       <a:solidFill>
                         <a:srgbClr val="233149"/>
                       </a:solidFill>
@@ -8052,7 +8130,7 @@
                       <a:headEnd type="none" w="med" len="med"/>
                       <a:tailEnd type="none" w="med" len="med"/>
                     </a:lnT>
-                    <a:lnB cmpd="sng" algn="ctr" cap="flat" w="9525">
+                    <a:lnB w="9525" cap="flat" cmpd="sng" algn="ctr">
                       <a:solidFill>
                         <a:srgbClr val="233149"/>
                       </a:solidFill>
@@ -8063,6 +8141,11 @@
                     </a:lnB>
                   </a:tcPr>
                 </a:tc>
+                <a:extLst>
+                  <a:ext uri="{0D108BD9-81ED-4DB2-BD59-A6C34878D82A}">
+                    <a16:rowId xmlns:a16="http://schemas.microsoft.com/office/drawing/2014/main" val="10011"/>
+                  </a:ext>
+                </a:extLst>
               </a:tr>
             </a:tbl>
           </a:graphicData>
@@ -8070,8 +8153,8 @@
       </p:graphicFrame>
       <p:sp>
         <p:nvSpPr>
-          <p:cNvPr name="TextBox 9" id="9"/>
-          <p:cNvSpPr txBox="true"/>
+          <p:cNvPr id="9" name="TextBox 9"/>
+          <p:cNvSpPr txBox="1"/>
           <p:nvPr/>
         </p:nvSpPr>
         <p:spPr>
@@ -8084,12 +8167,12 @@
           </a:prstGeom>
         </p:spPr>
         <p:txBody>
-          <a:bodyPr anchor="t" rtlCol="false" tIns="0" lIns="0" bIns="0" rIns="0">
+          <a:bodyPr lIns="0" tIns="0" rIns="0" bIns="0" rtlCol="0" anchor="t">
             <a:spAutoFit/>
           </a:bodyPr>
           <a:lstStyle/>
           <a:p>
-            <a:pPr algn="l" marL="0" indent="0" lvl="0">
+            <a:pPr marL="0" lvl="0" indent="0" algn="l">
               <a:lnSpc>
                 <a:spcPts val="4119"/>
               </a:lnSpc>
@@ -8098,7 +8181,7 @@
               </a:spcBef>
             </a:pPr>
             <a:r>
-              <a:rPr lang="en-US" b="true" sz="3999">
+              <a:rPr lang="en-US" sz="3999" b="1">
                 <a:solidFill>
                   <a:srgbClr val="1C6CD8"/>
                 </a:solidFill>
@@ -8110,7 +8193,7 @@
               <a:t>Tabla de </a:t>
             </a:r>
             <a:r>
-              <a:rPr lang="en-US" b="true" sz="3999" strike="noStrike" u="none">
+              <a:rPr lang="en-US" sz="3999" b="1" u="none" strike="noStrike">
                 <a:solidFill>
                   <a:srgbClr val="1C6CD8"/>
                 </a:solidFill>
@@ -8133,7 +8216,7 @@
 </file>
 
 <file path=ppt/slides/slide20.xml><?xml version="1.0" encoding="utf-8"?>
-<p:sld xmlns:p="http://schemas.openxmlformats.org/presentationml/2006/main" xmlns:a="http://schemas.openxmlformats.org/drawingml/2006/main" xmlns:r="http://schemas.openxmlformats.org/officeDocument/2006/relationships">
+<p:sld xmlns:a="http://schemas.openxmlformats.org/drawingml/2006/main" xmlns:r="http://schemas.openxmlformats.org/officeDocument/2006/relationships" xmlns:p="http://schemas.openxmlformats.org/presentationml/2006/main">
   <p:cSld>
     <p:spTree>
       <p:nvGrpSpPr>
@@ -8151,12 +8234,12 @@
       </p:grpSpPr>
       <p:grpSp>
         <p:nvGrpSpPr>
-          <p:cNvPr name="Group 2" id="2"/>
+          <p:cNvPr id="2" name="Group 2"/>
           <p:cNvGrpSpPr/>
           <p:nvPr/>
         </p:nvGrpSpPr>
         <p:grpSpPr>
-          <a:xfrm rot="0">
+          <a:xfrm>
             <a:off x="8963211" y="-5041497"/>
             <a:ext cx="10820143" cy="9031933"/>
             <a:chOff x="0" y="0"/>
@@ -8165,12 +8248,12 @@
         </p:grpSpPr>
         <p:sp>
           <p:nvSpPr>
-            <p:cNvPr name="Freeform 3" id="3"/>
+            <p:cNvPr id="3" name="Freeform 3"/>
             <p:cNvSpPr/>
             <p:nvPr/>
           </p:nvSpPr>
           <p:spPr>
-            <a:xfrm flipH="false" flipV="false" rot="0">
+            <a:xfrm>
               <a:off x="0" y="0"/>
               <a:ext cx="812800" cy="678471"/>
             </a:xfrm>
@@ -8179,9 +8262,9 @@
               <a:gdLst/>
               <a:ahLst/>
               <a:cxnLst/>
-              <a:rect r="r" b="b" t="t" l="l"/>
+              <a:rect l="l" t="t" r="r" b="b"/>
               <a:pathLst>
-                <a:path h="678471" w="812800">
+                <a:path w="812800" h="678471">
                   <a:moveTo>
                     <a:pt x="406400" y="0"/>
                   </a:moveTo>
@@ -8216,8 +8299,8 @@
         </p:sp>
         <p:sp>
           <p:nvSpPr>
-            <p:cNvPr name="TextBox 4" id="4"/>
-            <p:cNvSpPr txBox="true"/>
+            <p:cNvPr id="4" name="TextBox 4"/>
+            <p:cNvSpPr txBox="1"/>
             <p:nvPr/>
           </p:nvSpPr>
           <p:spPr>
@@ -8230,7 +8313,7 @@
             </a:prstGeom>
           </p:spPr>
           <p:txBody>
-            <a:bodyPr anchor="ctr" rtlCol="false" tIns="50800" lIns="50800" bIns="50800" rIns="50800"/>
+            <a:bodyPr lIns="50800" tIns="50800" rIns="50800" bIns="50800" rtlCol="0" anchor="ctr"/>
             <a:lstStyle/>
             <a:p>
               <a:pPr algn="ctr">
@@ -8241,18 +8324,19 @@
                   <a:spcPct val="0"/>
                 </a:spcBef>
               </a:pPr>
+              <a:endParaRPr/>
             </a:p>
           </p:txBody>
         </p:sp>
       </p:grpSp>
       <p:sp>
         <p:nvSpPr>
-          <p:cNvPr name="Freeform 5" id="5"/>
+          <p:cNvPr id="5" name="Freeform 5"/>
           <p:cNvSpPr/>
           <p:nvPr/>
         </p:nvSpPr>
         <p:spPr>
-          <a:xfrm flipH="false" flipV="false" rot="0">
+          <a:xfrm>
             <a:off x="604425" y="130937"/>
             <a:ext cx="7681164" cy="10293017"/>
           </a:xfrm>
@@ -8261,9 +8345,9 @@
             <a:gdLst/>
             <a:ahLst/>
             <a:cxnLst/>
-            <a:rect r="r" b="b" t="t" l="l"/>
+            <a:rect l="l" t="t" r="r" b="b"/>
             <a:pathLst>
-              <a:path h="10293017" w="7681164">
+              <a:path w="7681164" h="10293017">
                 <a:moveTo>
                   <a:pt x="0" y="0"/>
                 </a:moveTo>
@@ -8286,19 +8370,19 @@
           <a:blipFill>
             <a:blip r:embed="rId2"/>
             <a:stretch>
-              <a:fillRect l="0" t="0" r="0" b="0"/>
+              <a:fillRect/>
             </a:stretch>
           </a:blipFill>
         </p:spPr>
       </p:sp>
       <p:sp>
         <p:nvSpPr>
-          <p:cNvPr name="TextBox 6" id="6"/>
-          <p:cNvSpPr txBox="true"/>
+          <p:cNvPr id="6" name="TextBox 6"/>
+          <p:cNvSpPr txBox="1"/>
           <p:nvPr/>
         </p:nvSpPr>
         <p:spPr>
-          <a:xfrm rot="0">
+          <a:xfrm>
             <a:off x="10919110" y="45212"/>
             <a:ext cx="8571864" cy="1052576"/>
           </a:xfrm>
@@ -8307,12 +8391,12 @@
           </a:prstGeom>
         </p:spPr>
         <p:txBody>
-          <a:bodyPr anchor="t" rtlCol="false" tIns="0" lIns="0" bIns="0" rIns="0">
+          <a:bodyPr lIns="0" tIns="0" rIns="0" bIns="0" rtlCol="0" anchor="t">
             <a:spAutoFit/>
           </a:bodyPr>
           <a:lstStyle/>
           <a:p>
-            <a:pPr algn="l" marL="0" indent="0" lvl="0">
+            <a:pPr marL="0" lvl="0" indent="0" algn="l">
               <a:lnSpc>
                 <a:spcPts val="6591"/>
               </a:lnSpc>
@@ -8321,7 +8405,7 @@
               </a:spcBef>
             </a:pPr>
             <a:r>
-              <a:rPr lang="en-US" b="true" sz="6399">
+              <a:rPr lang="en-US" sz="6399" b="1">
                 <a:solidFill>
                   <a:srgbClr val="FFFFFF"/>
                 </a:solidFill>
@@ -8337,12 +8421,12 @@
       </p:sp>
       <p:sp>
         <p:nvSpPr>
-          <p:cNvPr name="TextBox 7" id="7"/>
-          <p:cNvSpPr txBox="true"/>
+          <p:cNvPr id="7" name="TextBox 7"/>
+          <p:cNvSpPr txBox="1"/>
           <p:nvPr/>
         </p:nvSpPr>
         <p:spPr>
-          <a:xfrm rot="0">
+          <a:xfrm>
             <a:off x="8644162" y="4462619"/>
             <a:ext cx="8985196" cy="3751834"/>
           </a:xfrm>
@@ -8351,7 +8435,7 @@
           </a:prstGeom>
         </p:spPr>
         <p:txBody>
-          <a:bodyPr anchor="t" rtlCol="false" tIns="0" lIns="0" bIns="0" rIns="0">
+          <a:bodyPr lIns="0" tIns="0" rIns="0" bIns="0" rtlCol="0" anchor="t">
             <a:spAutoFit/>
           </a:bodyPr>
           <a:lstStyle/>
@@ -8365,7 +8449,7 @@
               </a:spcBef>
             </a:pPr>
             <a:r>
-              <a:rPr lang="en-US" b="true" sz="2599">
+              <a:rPr lang="en-US" sz="2599" b="1">
                 <a:solidFill>
                   <a:srgbClr val="000000"/>
                 </a:solidFill>
@@ -8386,6 +8470,15 @@
                 <a:spcPct val="0"/>
               </a:spcBef>
             </a:pPr>
+            <a:endParaRPr lang="en-US" sz="2599" b="1">
+              <a:solidFill>
+                <a:srgbClr val="000000"/>
+              </a:solidFill>
+              <a:latin typeface="Agrandir Bold"/>
+              <a:ea typeface="Agrandir Bold"/>
+              <a:cs typeface="Agrandir Bold"/>
+              <a:sym typeface="Agrandir Bold"/>
+            </a:endParaRPr>
           </a:p>
           <a:p>
             <a:pPr algn="l">
@@ -8418,6 +8511,15 @@
                 <a:spcPct val="0"/>
               </a:spcBef>
             </a:pPr>
+            <a:endParaRPr lang="en-US" sz="2599">
+              <a:solidFill>
+                <a:srgbClr val="000000"/>
+              </a:solidFill>
+              <a:latin typeface="Agrandir"/>
+              <a:ea typeface="Agrandir"/>
+              <a:cs typeface="Agrandir"/>
+              <a:sym typeface="Agrandir"/>
+            </a:endParaRPr>
           </a:p>
         </p:txBody>
       </p:sp>
@@ -8430,7 +8532,7 @@
 </file>
 
 <file path=ppt/slides/slide21.xml><?xml version="1.0" encoding="utf-8"?>
-<p:sld xmlns:p="http://schemas.openxmlformats.org/presentationml/2006/main" xmlns:a="http://schemas.openxmlformats.org/drawingml/2006/main" xmlns:r="http://schemas.openxmlformats.org/officeDocument/2006/relationships">
+<p:sld xmlns:a="http://schemas.openxmlformats.org/drawingml/2006/main" xmlns:r="http://schemas.openxmlformats.org/officeDocument/2006/relationships" xmlns:p="http://schemas.openxmlformats.org/presentationml/2006/main">
   <p:cSld>
     <p:spTree>
       <p:nvGrpSpPr>
@@ -8448,12 +8550,12 @@
       </p:grpSpPr>
       <p:grpSp>
         <p:nvGrpSpPr>
-          <p:cNvPr name="Group 2" id="2"/>
+          <p:cNvPr id="2" name="Group 2"/>
           <p:cNvGrpSpPr/>
           <p:nvPr/>
         </p:nvGrpSpPr>
         <p:grpSpPr>
-          <a:xfrm rot="0">
+          <a:xfrm>
             <a:off x="6813734" y="-5994975"/>
             <a:ext cx="11874818" cy="8379480"/>
             <a:chOff x="0" y="0"/>
@@ -8462,12 +8564,12 @@
         </p:grpSpPr>
         <p:sp>
           <p:nvSpPr>
-            <p:cNvPr name="Freeform 3" id="3"/>
+            <p:cNvPr id="3" name="Freeform 3"/>
             <p:cNvSpPr/>
             <p:nvPr/>
           </p:nvSpPr>
           <p:spPr>
-            <a:xfrm flipH="false" flipV="false" rot="0">
+            <a:xfrm>
               <a:off x="0" y="0"/>
               <a:ext cx="812800" cy="573553"/>
             </a:xfrm>
@@ -8476,9 +8578,9 @@
               <a:gdLst/>
               <a:ahLst/>
               <a:cxnLst/>
-              <a:rect r="r" b="b" t="t" l="l"/>
+              <a:rect l="l" t="t" r="r" b="b"/>
               <a:pathLst>
-                <a:path h="573553" w="812800">
+                <a:path w="812800" h="573553">
                   <a:moveTo>
                     <a:pt x="406400" y="0"/>
                   </a:moveTo>
@@ -8513,8 +8615,8 @@
         </p:sp>
         <p:sp>
           <p:nvSpPr>
-            <p:cNvPr name="TextBox 4" id="4"/>
-            <p:cNvSpPr txBox="true"/>
+            <p:cNvPr id="4" name="TextBox 4"/>
+            <p:cNvSpPr txBox="1"/>
             <p:nvPr/>
           </p:nvSpPr>
           <p:spPr>
@@ -8527,7 +8629,7 @@
             </a:prstGeom>
           </p:spPr>
           <p:txBody>
-            <a:bodyPr anchor="ctr" rtlCol="false" tIns="50800" lIns="50800" bIns="50800" rIns="50800"/>
+            <a:bodyPr lIns="50800" tIns="50800" rIns="50800" bIns="50800" rtlCol="0" anchor="ctr"/>
             <a:lstStyle/>
             <a:p>
               <a:pPr algn="ctr">
@@ -8538,18 +8640,19 @@
                   <a:spcPct val="0"/>
                 </a:spcBef>
               </a:pPr>
+              <a:endParaRPr/>
             </a:p>
           </p:txBody>
         </p:sp>
       </p:grpSp>
       <p:sp>
         <p:nvSpPr>
-          <p:cNvPr name="TextBox 5" id="5"/>
-          <p:cNvSpPr txBox="true"/>
+          <p:cNvPr id="5" name="TextBox 5"/>
+          <p:cNvSpPr txBox="1"/>
           <p:nvPr/>
         </p:nvSpPr>
         <p:spPr>
-          <a:xfrm rot="0">
+          <a:xfrm>
             <a:off x="8619197" y="-76200"/>
             <a:ext cx="10302391" cy="921004"/>
           </a:xfrm>
@@ -8558,12 +8661,12 @@
           </a:prstGeom>
         </p:spPr>
         <p:txBody>
-          <a:bodyPr anchor="t" rtlCol="false" tIns="0" lIns="0" bIns="0" rIns="0">
+          <a:bodyPr lIns="0" tIns="0" rIns="0" bIns="0" rtlCol="0" anchor="t">
             <a:spAutoFit/>
           </a:bodyPr>
           <a:lstStyle/>
           <a:p>
-            <a:pPr algn="l" marL="0" indent="0" lvl="0">
+            <a:pPr marL="0" lvl="0" indent="0" algn="l">
               <a:lnSpc>
                 <a:spcPts val="5768"/>
               </a:lnSpc>
@@ -8572,7 +8675,7 @@
               </a:spcBef>
             </a:pPr>
             <a:r>
-              <a:rPr lang="en-US" b="true" sz="5600">
+              <a:rPr lang="en-US" sz="5600" b="1">
                 <a:solidFill>
                   <a:srgbClr val="FFFFFF"/>
                 </a:solidFill>
@@ -8588,12 +8691,12 @@
       </p:sp>
       <p:sp>
         <p:nvSpPr>
-          <p:cNvPr name="TextBox 6" id="6"/>
-          <p:cNvSpPr txBox="true"/>
+          <p:cNvPr id="6" name="TextBox 6"/>
+          <p:cNvSpPr txBox="1"/>
           <p:nvPr/>
         </p:nvSpPr>
         <p:spPr>
-          <a:xfrm rot="0">
+          <a:xfrm>
             <a:off x="2090966" y="1422781"/>
             <a:ext cx="4915049" cy="372745"/>
           </a:xfrm>
@@ -8602,7 +8705,7 @@
           </a:prstGeom>
         </p:spPr>
         <p:txBody>
-          <a:bodyPr anchor="t" rtlCol="false" tIns="0" lIns="0" bIns="0" rIns="0">
+          <a:bodyPr lIns="0" tIns="0" rIns="0" bIns="0" rtlCol="0" anchor="t">
             <a:spAutoFit/>
           </a:bodyPr>
           <a:lstStyle/>
@@ -8616,7 +8719,7 @@
               </a:spcBef>
             </a:pPr>
             <a:r>
-              <a:rPr lang="en-US" b="true" sz="2199">
+              <a:rPr lang="en-US" sz="2199" b="1">
                 <a:solidFill>
                   <a:srgbClr val="000000"/>
                 </a:solidFill>
@@ -8630,44 +8733,36 @@
           </a:p>
         </p:txBody>
       </p:sp>
-      <p:graphicFrame>
-        <p:nvGraphicFramePr>
-          <p:cNvPr name="Object 7" id="7"/>
-          <p:cNvGraphicFramePr/>
+      <p:pic>
+        <p:nvPicPr>
+          <p:cNvPr id="9" name="Imagen 8">
+            <a:extLst>
+              <a:ext uri="{FF2B5EF4-FFF2-40B4-BE49-F238E27FC236}">
+                <a16:creationId xmlns:a16="http://schemas.microsoft.com/office/drawing/2014/main" id="{3F4A656C-73AD-46F3-A940-FB8B82786ADF}"/>
+              </a:ext>
+            </a:extLst>
+          </p:cNvPr>
+          <p:cNvPicPr>
+            <a:picLocks noChangeAspect="1"/>
+          </p:cNvPicPr>
           <p:nvPr/>
-        </p:nvGraphicFramePr>
-        <p:xfrm>
-          <a:off x="863469" y="3003630"/>
-          <a:ext cx="3771900" cy="4610100"/>
-        </p:xfrm>
-        <a:graphic>
-          <a:graphicData uri="http://schemas.openxmlformats.org/presentationml/2006/ole">
-            <p:oleObj imgW="4686300" imgH="5524500" r:id="rId3" progId="Excel.Sheet.12" name="Worksheet">
-              <p:embed/>
-              <p:pic>
-                <p:nvPicPr>
-                  <p:cNvPr name="" id="0"/>
-                  <p:cNvPicPr/>
-                  <p:nvPr/>
-                </p:nvPicPr>
-                <p:blipFill>
-                  <a:blip r:embed="rId2"/>
-                  <a:stretch>
-                    <a:fillRect/>
-                  </a:stretch>
-                </p:blipFill>
-                <p:spPr>
-                  <a:xfrm>
-                    <a:off x="1270000" y="1270000"/>
-                    <a:ext cx="1270000" cy="1270000"/>
-                  </a:xfrm>
-                  <a:prstGeom prst="rect"/>
-                </p:spPr>
-              </p:pic>
-            </p:oleObj>
-          </a:graphicData>
-        </a:graphic>
-      </p:graphicFrame>
+        </p:nvPicPr>
+        <p:blipFill>
+          <a:blip r:embed="rId2"/>
+          <a:stretch>
+            <a:fillRect/>
+          </a:stretch>
+        </p:blipFill>
+        <p:spPr>
+          <a:xfrm>
+            <a:off x="838200" y="2384505"/>
+            <a:ext cx="17147393" cy="7220958"/>
+          </a:xfrm>
+          <a:prstGeom prst="rect">
+            <a:avLst/>
+          </a:prstGeom>
+        </p:spPr>
+      </p:pic>
     </p:spTree>
   </p:cSld>
   <p:clrMapOvr>
@@ -8677,7 +8772,7 @@
 </file>
 
 <file path=ppt/slides/slide22.xml><?xml version="1.0" encoding="utf-8"?>
-<p:sld xmlns:p="http://schemas.openxmlformats.org/presentationml/2006/main" xmlns:a="http://schemas.openxmlformats.org/drawingml/2006/main" xmlns:r="http://schemas.openxmlformats.org/officeDocument/2006/relationships">
+<p:sld xmlns:a="http://schemas.openxmlformats.org/drawingml/2006/main" xmlns:r="http://schemas.openxmlformats.org/officeDocument/2006/relationships" xmlns:p="http://schemas.openxmlformats.org/presentationml/2006/main">
   <p:cSld>
     <p:spTree>
       <p:nvGrpSpPr>
@@ -8695,12 +8790,12 @@
       </p:grpSpPr>
       <p:grpSp>
         <p:nvGrpSpPr>
-          <p:cNvPr name="Group 2" id="2"/>
+          <p:cNvPr id="2" name="Group 2"/>
           <p:cNvGrpSpPr/>
           <p:nvPr/>
         </p:nvGrpSpPr>
         <p:grpSpPr>
-          <a:xfrm rot="0">
+          <a:xfrm>
             <a:off x="7533292" y="-5994975"/>
             <a:ext cx="11874818" cy="8379480"/>
             <a:chOff x="0" y="0"/>
@@ -8709,12 +8804,12 @@
         </p:grpSpPr>
         <p:sp>
           <p:nvSpPr>
-            <p:cNvPr name="Freeform 3" id="3"/>
+            <p:cNvPr id="3" name="Freeform 3"/>
             <p:cNvSpPr/>
             <p:nvPr/>
           </p:nvSpPr>
           <p:spPr>
-            <a:xfrm flipH="false" flipV="false" rot="0">
+            <a:xfrm>
               <a:off x="0" y="0"/>
               <a:ext cx="812800" cy="573553"/>
             </a:xfrm>
@@ -8723,9 +8818,9 @@
               <a:gdLst/>
               <a:ahLst/>
               <a:cxnLst/>
-              <a:rect r="r" b="b" t="t" l="l"/>
+              <a:rect l="l" t="t" r="r" b="b"/>
               <a:pathLst>
-                <a:path h="573553" w="812800">
+                <a:path w="812800" h="573553">
                   <a:moveTo>
                     <a:pt x="406400" y="0"/>
                   </a:moveTo>
@@ -8760,8 +8855,8 @@
         </p:sp>
         <p:sp>
           <p:nvSpPr>
-            <p:cNvPr name="TextBox 4" id="4"/>
-            <p:cNvSpPr txBox="true"/>
+            <p:cNvPr id="4" name="TextBox 4"/>
+            <p:cNvSpPr txBox="1"/>
             <p:nvPr/>
           </p:nvSpPr>
           <p:spPr>
@@ -8774,7 +8869,7 @@
             </a:prstGeom>
           </p:spPr>
           <p:txBody>
-            <a:bodyPr anchor="ctr" rtlCol="false" tIns="50800" lIns="50800" bIns="50800" rIns="50800"/>
+            <a:bodyPr lIns="50800" tIns="50800" rIns="50800" bIns="50800" rtlCol="0" anchor="ctr"/>
             <a:lstStyle/>
             <a:p>
               <a:pPr algn="ctr">
@@ -8785,18 +8880,19 @@
                   <a:spcPct val="0"/>
                 </a:spcBef>
               </a:pPr>
+              <a:endParaRPr/>
             </a:p>
           </p:txBody>
         </p:sp>
       </p:grpSp>
       <p:sp>
         <p:nvSpPr>
-          <p:cNvPr name="Freeform 5" id="5"/>
+          <p:cNvPr id="5" name="Freeform 5"/>
           <p:cNvSpPr/>
           <p:nvPr/>
         </p:nvSpPr>
         <p:spPr>
-          <a:xfrm flipH="false" flipV="false" rot="0">
+          <a:xfrm>
             <a:off x="418726" y="486212"/>
             <a:ext cx="8096401" cy="9314575"/>
           </a:xfrm>
@@ -8805,9 +8901,9 @@
             <a:gdLst/>
             <a:ahLst/>
             <a:cxnLst/>
-            <a:rect r="r" b="b" t="t" l="l"/>
+            <a:rect l="l" t="t" r="r" b="b"/>
             <a:pathLst>
-              <a:path h="9314575" w="8096401">
+              <a:path w="8096401" h="9314575">
                 <a:moveTo>
                   <a:pt x="0" y="0"/>
                 </a:moveTo>
@@ -8830,19 +8926,19 @@
           <a:blipFill>
             <a:blip r:embed="rId2"/>
             <a:stretch>
-              <a:fillRect l="0" t="0" r="0" b="0"/>
+              <a:fillRect/>
             </a:stretch>
           </a:blipFill>
         </p:spPr>
       </p:sp>
       <p:sp>
         <p:nvSpPr>
-          <p:cNvPr name="TextBox 6" id="6"/>
-          <p:cNvSpPr txBox="true"/>
+          <p:cNvPr id="6" name="TextBox 6"/>
+          <p:cNvSpPr txBox="1"/>
           <p:nvPr/>
         </p:nvSpPr>
         <p:spPr>
-          <a:xfrm rot="0">
+          <a:xfrm>
             <a:off x="9420990" y="334976"/>
             <a:ext cx="10302391" cy="921004"/>
           </a:xfrm>
@@ -8851,12 +8947,12 @@
           </a:prstGeom>
         </p:spPr>
         <p:txBody>
-          <a:bodyPr anchor="t" rtlCol="false" tIns="0" lIns="0" bIns="0" rIns="0">
+          <a:bodyPr lIns="0" tIns="0" rIns="0" bIns="0" rtlCol="0" anchor="t">
             <a:spAutoFit/>
           </a:bodyPr>
           <a:lstStyle/>
           <a:p>
-            <a:pPr algn="l" marL="0" indent="0" lvl="0">
+            <a:pPr marL="0" lvl="0" indent="0" algn="l">
               <a:lnSpc>
                 <a:spcPts val="5768"/>
               </a:lnSpc>
@@ -8865,7 +8961,7 @@
               </a:spcBef>
             </a:pPr>
             <a:r>
-              <a:rPr lang="en-US" b="true" sz="5600">
+              <a:rPr lang="en-US" sz="5600" b="1">
                 <a:solidFill>
                   <a:srgbClr val="FFFFFF"/>
                 </a:solidFill>
@@ -8881,12 +8977,12 @@
       </p:sp>
       <p:sp>
         <p:nvSpPr>
-          <p:cNvPr name="TextBox 7" id="7"/>
-          <p:cNvSpPr txBox="true"/>
+          <p:cNvPr id="7" name="TextBox 7"/>
+          <p:cNvSpPr txBox="1"/>
           <p:nvPr/>
         </p:nvSpPr>
         <p:spPr>
-          <a:xfrm rot="0">
+          <a:xfrm>
             <a:off x="9413051" y="3375977"/>
             <a:ext cx="8115300" cy="3496945"/>
           </a:xfrm>
@@ -8895,7 +8991,7 @@
           </a:prstGeom>
         </p:spPr>
         <p:txBody>
-          <a:bodyPr anchor="t" rtlCol="false" tIns="0" lIns="0" bIns="0" rIns="0">
+          <a:bodyPr lIns="0" tIns="0" rIns="0" bIns="0" rtlCol="0" anchor="t">
             <a:spAutoFit/>
           </a:bodyPr>
           <a:lstStyle/>
@@ -8918,19 +9014,7 @@
                 <a:cs typeface="Open Sans"/>
                 <a:sym typeface="Open Sans"/>
               </a:rPr>
-              <a:t>Est</a:t>
-            </a:r>
-            <a:r>
-              <a:rPr lang="en-US" sz="2199">
-                <a:solidFill>
-                  <a:srgbClr val="000000"/>
-                </a:solidFill>
-                <a:latin typeface="Open Sans"/>
-                <a:ea typeface="Open Sans"/>
-                <a:cs typeface="Open Sans"/>
-                <a:sym typeface="Open Sans"/>
-              </a:rPr>
-              <a:t>a vista refleja la organización física del software, mostrando como los distintos componentes como microservicios se interconectan. </a:t>
+              <a:t>Esta vista refleja la organización física del software, mostrando como los distintos componentes como microservicios se interconectan. </a:t>
             </a:r>
           </a:p>
           <a:p>
@@ -8964,17 +9048,26 @@
                 <a:spcPct val="0"/>
               </a:spcBef>
             </a:pPr>
+            <a:endParaRPr lang="en-US" sz="2199">
+              <a:solidFill>
+                <a:srgbClr val="000000"/>
+              </a:solidFill>
+              <a:latin typeface="Open Sans"/>
+              <a:ea typeface="Open Sans"/>
+              <a:cs typeface="Open Sans"/>
+              <a:sym typeface="Open Sans"/>
+            </a:endParaRPr>
           </a:p>
         </p:txBody>
       </p:sp>
       <p:sp>
         <p:nvSpPr>
-          <p:cNvPr name="TextBox 8" id="8"/>
-          <p:cNvSpPr txBox="true"/>
+          <p:cNvPr id="8" name="TextBox 8"/>
+          <p:cNvSpPr txBox="1"/>
           <p:nvPr/>
         </p:nvSpPr>
         <p:spPr>
-          <a:xfrm rot="0">
+          <a:xfrm>
             <a:off x="9730308" y="8001591"/>
             <a:ext cx="3742432" cy="372745"/>
           </a:xfrm>
@@ -8983,7 +9076,7 @@
           </a:prstGeom>
         </p:spPr>
         <p:txBody>
-          <a:bodyPr anchor="t" rtlCol="false" tIns="0" lIns="0" bIns="0" rIns="0">
+          <a:bodyPr lIns="0" tIns="0" rIns="0" bIns="0" rtlCol="0" anchor="t">
             <a:spAutoFit/>
           </a:bodyPr>
           <a:lstStyle/>
@@ -8997,7 +9090,7 @@
               </a:spcBef>
             </a:pPr>
             <a:r>
-              <a:rPr lang="en-US" b="true" sz="2199">
+              <a:rPr lang="en-US" sz="2199" b="1">
                 <a:solidFill>
                   <a:srgbClr val="000000"/>
                 </a:solidFill>
@@ -9020,7 +9113,7 @@
 </file>
 
 <file path=ppt/slides/slide23.xml><?xml version="1.0" encoding="utf-8"?>
-<p:sld xmlns:p="http://schemas.openxmlformats.org/presentationml/2006/main" xmlns:a="http://schemas.openxmlformats.org/drawingml/2006/main" xmlns:r="http://schemas.openxmlformats.org/officeDocument/2006/relationships">
+<p:sld xmlns:a="http://schemas.openxmlformats.org/drawingml/2006/main" xmlns:r="http://schemas.openxmlformats.org/officeDocument/2006/relationships" xmlns:p="http://schemas.openxmlformats.org/presentationml/2006/main">
   <p:cSld>
     <p:spTree>
       <p:nvGrpSpPr>
@@ -9038,12 +9131,12 @@
       </p:grpSpPr>
       <p:grpSp>
         <p:nvGrpSpPr>
-          <p:cNvPr name="Group 2" id="2"/>
+          <p:cNvPr id="2" name="Group 2"/>
           <p:cNvGrpSpPr/>
           <p:nvPr/>
         </p:nvGrpSpPr>
         <p:grpSpPr>
-          <a:xfrm rot="0">
+          <a:xfrm>
             <a:off x="6813734" y="-5994975"/>
             <a:ext cx="11874818" cy="8379480"/>
             <a:chOff x="0" y="0"/>
@@ -9052,12 +9145,12 @@
         </p:grpSpPr>
         <p:sp>
           <p:nvSpPr>
-            <p:cNvPr name="Freeform 3" id="3"/>
+            <p:cNvPr id="3" name="Freeform 3"/>
             <p:cNvSpPr/>
             <p:nvPr/>
           </p:nvSpPr>
           <p:spPr>
-            <a:xfrm flipH="false" flipV="false" rot="0">
+            <a:xfrm>
               <a:off x="0" y="0"/>
               <a:ext cx="812800" cy="573553"/>
             </a:xfrm>
@@ -9066,9 +9159,9 @@
               <a:gdLst/>
               <a:ahLst/>
               <a:cxnLst/>
-              <a:rect r="r" b="b" t="t" l="l"/>
+              <a:rect l="l" t="t" r="r" b="b"/>
               <a:pathLst>
-                <a:path h="573553" w="812800">
+                <a:path w="812800" h="573553">
                   <a:moveTo>
                     <a:pt x="406400" y="0"/>
                   </a:moveTo>
@@ -9103,8 +9196,8 @@
         </p:sp>
         <p:sp>
           <p:nvSpPr>
-            <p:cNvPr name="TextBox 4" id="4"/>
-            <p:cNvSpPr txBox="true"/>
+            <p:cNvPr id="4" name="TextBox 4"/>
+            <p:cNvSpPr txBox="1"/>
             <p:nvPr/>
           </p:nvSpPr>
           <p:spPr>
@@ -9117,7 +9210,7 @@
             </a:prstGeom>
           </p:spPr>
           <p:txBody>
-            <a:bodyPr anchor="ctr" rtlCol="false" tIns="50800" lIns="50800" bIns="50800" rIns="50800"/>
+            <a:bodyPr lIns="50800" tIns="50800" rIns="50800" bIns="50800" rtlCol="0" anchor="ctr"/>
             <a:lstStyle/>
             <a:p>
               <a:pPr algn="ctr">
@@ -9128,18 +9221,19 @@
                   <a:spcPct val="0"/>
                 </a:spcBef>
               </a:pPr>
+              <a:endParaRPr/>
             </a:p>
           </p:txBody>
         </p:sp>
       </p:grpSp>
       <p:sp>
         <p:nvSpPr>
-          <p:cNvPr name="TextBox 5" id="5"/>
-          <p:cNvSpPr txBox="true"/>
+          <p:cNvPr id="5" name="TextBox 5"/>
+          <p:cNvSpPr txBox="1"/>
           <p:nvPr/>
         </p:nvSpPr>
         <p:spPr>
-          <a:xfrm rot="0">
+          <a:xfrm>
             <a:off x="8619197" y="-76200"/>
             <a:ext cx="10302391" cy="921004"/>
           </a:xfrm>
@@ -9148,12 +9242,12 @@
           </a:prstGeom>
         </p:spPr>
         <p:txBody>
-          <a:bodyPr anchor="t" rtlCol="false" tIns="0" lIns="0" bIns="0" rIns="0">
+          <a:bodyPr lIns="0" tIns="0" rIns="0" bIns="0" rtlCol="0" anchor="t">
             <a:spAutoFit/>
           </a:bodyPr>
           <a:lstStyle/>
           <a:p>
-            <a:pPr algn="l" marL="0" indent="0" lvl="0">
+            <a:pPr marL="0" lvl="0" indent="0" algn="l">
               <a:lnSpc>
                 <a:spcPts val="5768"/>
               </a:lnSpc>
@@ -9162,7 +9256,7 @@
               </a:spcBef>
             </a:pPr>
             <a:r>
-              <a:rPr lang="en-US" b="true" sz="5600">
+              <a:rPr lang="en-US" sz="5600" b="1">
                 <a:solidFill>
                   <a:srgbClr val="FFFFFF"/>
                 </a:solidFill>
@@ -9178,12 +9272,12 @@
       </p:sp>
       <p:sp>
         <p:nvSpPr>
-          <p:cNvPr name="TextBox 6" id="6"/>
-          <p:cNvSpPr txBox="true"/>
+          <p:cNvPr id="6" name="TextBox 6"/>
+          <p:cNvSpPr txBox="1"/>
           <p:nvPr/>
         </p:nvSpPr>
         <p:spPr>
-          <a:xfrm rot="0">
+          <a:xfrm>
             <a:off x="2090966" y="1422781"/>
             <a:ext cx="4915049" cy="372745"/>
           </a:xfrm>
@@ -9192,7 +9286,7 @@
           </a:prstGeom>
         </p:spPr>
         <p:txBody>
-          <a:bodyPr anchor="t" rtlCol="false" tIns="0" lIns="0" bIns="0" rIns="0">
+          <a:bodyPr lIns="0" tIns="0" rIns="0" bIns="0" rtlCol="0" anchor="t">
             <a:spAutoFit/>
           </a:bodyPr>
           <a:lstStyle/>
@@ -9206,7 +9300,7 @@
               </a:spcBef>
             </a:pPr>
             <a:r>
-              <a:rPr lang="en-US" b="true" sz="2199">
+              <a:rPr lang="en-US" sz="2199" b="1">
                 <a:solidFill>
                   <a:srgbClr val="000000"/>
                 </a:solidFill>
@@ -9220,44 +9314,36 @@
           </a:p>
         </p:txBody>
       </p:sp>
-      <p:graphicFrame>
-        <p:nvGraphicFramePr>
-          <p:cNvPr name="Object 7" id="7"/>
-          <p:cNvGraphicFramePr/>
+      <p:pic>
+        <p:nvPicPr>
+          <p:cNvPr id="9" name="Imagen 8">
+            <a:extLst>
+              <a:ext uri="{FF2B5EF4-FFF2-40B4-BE49-F238E27FC236}">
+                <a16:creationId xmlns:a16="http://schemas.microsoft.com/office/drawing/2014/main" id="{F94B6D72-6C7A-4B33-BBB0-07051F50376A}"/>
+              </a:ext>
+            </a:extLst>
+          </p:cNvPr>
+          <p:cNvPicPr>
+            <a:picLocks noChangeAspect="1"/>
+          </p:cNvPicPr>
           <p:nvPr/>
-        </p:nvGraphicFramePr>
-        <p:xfrm>
-          <a:off x="510820" y="3371640"/>
-          <a:ext cx="3771900" cy="2095500"/>
-        </p:xfrm>
-        <a:graphic>
-          <a:graphicData uri="http://schemas.openxmlformats.org/presentationml/2006/ole">
-            <p:oleObj imgW="4521200" imgH="2844800" r:id="rId3" progId="Excel.Sheet.12" name="Worksheet">
-              <p:embed/>
-              <p:pic>
-                <p:nvPicPr>
-                  <p:cNvPr name="" id="0"/>
-                  <p:cNvPicPr/>
-                  <p:nvPr/>
-                </p:nvPicPr>
-                <p:blipFill>
-                  <a:blip r:embed="rId2"/>
-                  <a:stretch>
-                    <a:fillRect/>
-                  </a:stretch>
-                </p:blipFill>
-                <p:spPr>
-                  <a:xfrm>
-                    <a:off x="1270000" y="1270000"/>
-                    <a:ext cx="1270000" cy="1270000"/>
-                  </a:xfrm>
-                  <a:prstGeom prst="rect"/>
-                </p:spPr>
-              </p:pic>
-            </p:oleObj>
-          </a:graphicData>
-        </a:graphic>
-      </p:graphicFrame>
+        </p:nvPicPr>
+        <p:blipFill>
+          <a:blip r:embed="rId2"/>
+          <a:stretch>
+            <a:fillRect/>
+          </a:stretch>
+        </p:blipFill>
+        <p:spPr>
+          <a:xfrm>
+            <a:off x="685800" y="2933700"/>
+            <a:ext cx="17395078" cy="6487430"/>
+          </a:xfrm>
+          <a:prstGeom prst="rect">
+            <a:avLst/>
+          </a:prstGeom>
+        </p:spPr>
+      </p:pic>
     </p:spTree>
   </p:cSld>
   <p:clrMapOvr>
@@ -9267,7 +9353,7 @@
 </file>
 
 <file path=ppt/slides/slide24.xml><?xml version="1.0" encoding="utf-8"?>
-<p:sld xmlns:p="http://schemas.openxmlformats.org/presentationml/2006/main" xmlns:a="http://schemas.openxmlformats.org/drawingml/2006/main" xmlns:r="http://schemas.openxmlformats.org/officeDocument/2006/relationships">
+<p:sld xmlns:a="http://schemas.openxmlformats.org/drawingml/2006/main" xmlns:r="http://schemas.openxmlformats.org/officeDocument/2006/relationships" xmlns:p="http://schemas.openxmlformats.org/presentationml/2006/main">
   <p:cSld>
     <p:spTree>
       <p:nvGrpSpPr>
@@ -9285,12 +9371,12 @@
       </p:grpSpPr>
       <p:grpSp>
         <p:nvGrpSpPr>
-          <p:cNvPr name="Group 2" id="2"/>
+          <p:cNvPr id="2" name="Group 2"/>
           <p:cNvGrpSpPr/>
           <p:nvPr/>
         </p:nvGrpSpPr>
         <p:grpSpPr>
-          <a:xfrm rot="0">
+          <a:xfrm>
             <a:off x="7533292" y="-5994975"/>
             <a:ext cx="11874818" cy="8379480"/>
             <a:chOff x="0" y="0"/>
@@ -9299,12 +9385,12 @@
         </p:grpSpPr>
         <p:sp>
           <p:nvSpPr>
-            <p:cNvPr name="Freeform 3" id="3"/>
+            <p:cNvPr id="3" name="Freeform 3"/>
             <p:cNvSpPr/>
             <p:nvPr/>
           </p:nvSpPr>
           <p:spPr>
-            <a:xfrm flipH="false" flipV="false" rot="0">
+            <a:xfrm>
               <a:off x="0" y="0"/>
               <a:ext cx="812800" cy="573553"/>
             </a:xfrm>
@@ -9313,9 +9399,9 @@
               <a:gdLst/>
               <a:ahLst/>
               <a:cxnLst/>
-              <a:rect r="r" b="b" t="t" l="l"/>
+              <a:rect l="l" t="t" r="r" b="b"/>
               <a:pathLst>
-                <a:path h="573553" w="812800">
+                <a:path w="812800" h="573553">
                   <a:moveTo>
                     <a:pt x="406400" y="0"/>
                   </a:moveTo>
@@ -9350,8 +9436,8 @@
         </p:sp>
         <p:sp>
           <p:nvSpPr>
-            <p:cNvPr name="TextBox 4" id="4"/>
-            <p:cNvSpPr txBox="true"/>
+            <p:cNvPr id="4" name="TextBox 4"/>
+            <p:cNvSpPr txBox="1"/>
             <p:nvPr/>
           </p:nvSpPr>
           <p:spPr>
@@ -9364,7 +9450,7 @@
             </a:prstGeom>
           </p:spPr>
           <p:txBody>
-            <a:bodyPr anchor="ctr" rtlCol="false" tIns="50800" lIns="50800" bIns="50800" rIns="50800"/>
+            <a:bodyPr lIns="50800" tIns="50800" rIns="50800" bIns="50800" rtlCol="0" anchor="ctr"/>
             <a:lstStyle/>
             <a:p>
               <a:pPr algn="ctr">
@@ -9375,18 +9461,19 @@
                   <a:spcPct val="0"/>
                 </a:spcBef>
               </a:pPr>
+              <a:endParaRPr/>
             </a:p>
           </p:txBody>
         </p:sp>
       </p:grpSp>
       <p:sp>
         <p:nvSpPr>
-          <p:cNvPr name="Freeform 5" id="5"/>
+          <p:cNvPr id="5" name="Freeform 5"/>
           <p:cNvSpPr/>
           <p:nvPr/>
         </p:nvSpPr>
         <p:spPr>
-          <a:xfrm flipH="false" flipV="false" rot="0">
+          <a:xfrm>
             <a:off x="772324" y="148627"/>
             <a:ext cx="7023516" cy="9687609"/>
           </a:xfrm>
@@ -9395,9 +9482,9 @@
             <a:gdLst/>
             <a:ahLst/>
             <a:cxnLst/>
-            <a:rect r="r" b="b" t="t" l="l"/>
+            <a:rect l="l" t="t" r="r" b="b"/>
             <a:pathLst>
-              <a:path h="9687609" w="7023516">
+              <a:path w="7023516" h="9687609">
                 <a:moveTo>
                   <a:pt x="0" y="0"/>
                 </a:moveTo>
@@ -9426,19 +9513,19 @@
               </a:extLst>
             </a:blip>
             <a:stretch>
-              <a:fillRect l="0" t="0" r="0" b="0"/>
+              <a:fillRect/>
             </a:stretch>
           </a:blipFill>
         </p:spPr>
       </p:sp>
       <p:sp>
         <p:nvSpPr>
-          <p:cNvPr name="TextBox 6" id="6"/>
-          <p:cNvSpPr txBox="true"/>
+          <p:cNvPr id="6" name="TextBox 6"/>
+          <p:cNvSpPr txBox="1"/>
           <p:nvPr/>
         </p:nvSpPr>
         <p:spPr>
-          <a:xfrm rot="0">
+          <a:xfrm>
             <a:off x="9420990" y="334976"/>
             <a:ext cx="10302391" cy="921004"/>
           </a:xfrm>
@@ -9447,12 +9534,12 @@
           </a:prstGeom>
         </p:spPr>
         <p:txBody>
-          <a:bodyPr anchor="t" rtlCol="false" tIns="0" lIns="0" bIns="0" rIns="0">
+          <a:bodyPr lIns="0" tIns="0" rIns="0" bIns="0" rtlCol="0" anchor="t">
             <a:spAutoFit/>
           </a:bodyPr>
           <a:lstStyle/>
           <a:p>
-            <a:pPr algn="l" marL="0" indent="0" lvl="0">
+            <a:pPr marL="0" lvl="0" indent="0" algn="l">
               <a:lnSpc>
                 <a:spcPts val="5768"/>
               </a:lnSpc>
@@ -9461,7 +9548,7 @@
               </a:spcBef>
             </a:pPr>
             <a:r>
-              <a:rPr lang="en-US" b="true" sz="5600">
+              <a:rPr lang="en-US" sz="5600" b="1">
                 <a:solidFill>
                   <a:srgbClr val="FFFFFF"/>
                 </a:solidFill>
@@ -9477,12 +9564,12 @@
       </p:sp>
       <p:sp>
         <p:nvSpPr>
-          <p:cNvPr name="TextBox 7" id="7"/>
-          <p:cNvSpPr txBox="true"/>
+          <p:cNvPr id="7" name="TextBox 7"/>
+          <p:cNvSpPr txBox="1"/>
           <p:nvPr/>
         </p:nvSpPr>
         <p:spPr>
-          <a:xfrm rot="0">
+          <a:xfrm>
             <a:off x="9413051" y="3375977"/>
             <a:ext cx="8115300" cy="3887470"/>
           </a:xfrm>
@@ -9491,7 +9578,7 @@
           </a:prstGeom>
         </p:spPr>
         <p:txBody>
-          <a:bodyPr anchor="t" rtlCol="false" tIns="0" lIns="0" bIns="0" rIns="0">
+          <a:bodyPr lIns="0" tIns="0" rIns="0" bIns="0" rtlCol="0" anchor="t">
             <a:spAutoFit/>
           </a:bodyPr>
           <a:lstStyle/>
@@ -9514,19 +9601,7 @@
                 <a:cs typeface="Open Sans"/>
                 <a:sym typeface="Open Sans"/>
               </a:rPr>
-              <a:t>Est</a:t>
-            </a:r>
-            <a:r>
-              <a:rPr lang="en-US" sz="2199">
-                <a:solidFill>
-                  <a:srgbClr val="000000"/>
-                </a:solidFill>
-                <a:latin typeface="Open Sans"/>
-                <a:ea typeface="Open Sans"/>
-                <a:cs typeface="Open Sans"/>
-                <a:sym typeface="Open Sans"/>
-              </a:rPr>
-              <a:t>a vista representa los principales flujos de interacción entre los actores del sistema de reservas del hotel "Cuarto con vista". A través del diagrama de secuencia se detallan procesos clave como la consulta, selección y reserva de habitaciones por parte de los huéspedes, así como la gestión interna de limpieza tras el checkout. El sistema está orientado a resorts de lujo y spas, optimizado para atender a cientos de huéspedes con una operación eficiente por parte de menos de 20 empleados. </a:t>
+              <a:t>Esta vista representa los principales flujos de interacción entre los actores del sistema de reservas del hotel "Cuarto con vista". A través del diagrama de secuencia se detallan procesos clave como la consulta, selección y reserva de habitaciones por parte de los huéspedes, así como la gestión interna de limpieza tras el checkout. El sistema está orientado a resorts de lujo y spas, optimizado para atender a cientos de huéspedes con una operación eficiente por parte de menos de 20 empleados. </a:t>
             </a:r>
           </a:p>
           <a:p>
@@ -9538,17 +9613,26 @@
                 <a:spcPct val="0"/>
               </a:spcBef>
             </a:pPr>
+            <a:endParaRPr lang="en-US" sz="2199">
+              <a:solidFill>
+                <a:srgbClr val="000000"/>
+              </a:solidFill>
+              <a:latin typeface="Open Sans"/>
+              <a:ea typeface="Open Sans"/>
+              <a:cs typeface="Open Sans"/>
+              <a:sym typeface="Open Sans"/>
+            </a:endParaRPr>
           </a:p>
         </p:txBody>
       </p:sp>
       <p:sp>
         <p:nvSpPr>
-          <p:cNvPr name="TextBox 8" id="8"/>
-          <p:cNvSpPr txBox="true"/>
+          <p:cNvPr id="8" name="TextBox 8"/>
+          <p:cNvSpPr txBox="1"/>
           <p:nvPr/>
         </p:nvSpPr>
         <p:spPr>
-          <a:xfrm rot="0">
+          <a:xfrm>
             <a:off x="9413051" y="8254048"/>
             <a:ext cx="3236788" cy="372745"/>
           </a:xfrm>
@@ -9557,7 +9641,7 @@
           </a:prstGeom>
         </p:spPr>
         <p:txBody>
-          <a:bodyPr anchor="t" rtlCol="false" tIns="0" lIns="0" bIns="0" rIns="0">
+          <a:bodyPr lIns="0" tIns="0" rIns="0" bIns="0" rtlCol="0" anchor="t">
             <a:spAutoFit/>
           </a:bodyPr>
           <a:lstStyle/>
@@ -9571,7 +9655,7 @@
               </a:spcBef>
             </a:pPr>
             <a:r>
-              <a:rPr lang="en-US" b="true" sz="2199">
+              <a:rPr lang="en-US" sz="2199" b="1">
                 <a:solidFill>
                   <a:srgbClr val="000000"/>
                 </a:solidFill>
@@ -9594,7 +9678,7 @@
 </file>
 
 <file path=ppt/slides/slide25.xml><?xml version="1.0" encoding="utf-8"?>
-<p:sld xmlns:p="http://schemas.openxmlformats.org/presentationml/2006/main" xmlns:a="http://schemas.openxmlformats.org/drawingml/2006/main" xmlns:r="http://schemas.openxmlformats.org/officeDocument/2006/relationships">
+<p:sld xmlns:a="http://schemas.openxmlformats.org/drawingml/2006/main" xmlns:r="http://schemas.openxmlformats.org/officeDocument/2006/relationships" xmlns:p="http://schemas.openxmlformats.org/presentationml/2006/main">
   <p:cSld>
     <p:spTree>
       <p:nvGrpSpPr>
@@ -9612,12 +9696,12 @@
       </p:grpSpPr>
       <p:grpSp>
         <p:nvGrpSpPr>
-          <p:cNvPr name="Group 2" id="2"/>
+          <p:cNvPr id="2" name="Group 2"/>
           <p:cNvGrpSpPr/>
           <p:nvPr/>
         </p:nvGrpSpPr>
         <p:grpSpPr>
-          <a:xfrm rot="0">
+          <a:xfrm>
             <a:off x="6813734" y="-5994975"/>
             <a:ext cx="11874818" cy="8379480"/>
             <a:chOff x="0" y="0"/>
@@ -9626,12 +9710,12 @@
         </p:grpSpPr>
         <p:sp>
           <p:nvSpPr>
-            <p:cNvPr name="Freeform 3" id="3"/>
+            <p:cNvPr id="3" name="Freeform 3"/>
             <p:cNvSpPr/>
             <p:nvPr/>
           </p:nvSpPr>
           <p:spPr>
-            <a:xfrm flipH="false" flipV="false" rot="0">
+            <a:xfrm>
               <a:off x="0" y="0"/>
               <a:ext cx="812800" cy="573553"/>
             </a:xfrm>
@@ -9640,9 +9724,9 @@
               <a:gdLst/>
               <a:ahLst/>
               <a:cxnLst/>
-              <a:rect r="r" b="b" t="t" l="l"/>
+              <a:rect l="l" t="t" r="r" b="b"/>
               <a:pathLst>
-                <a:path h="573553" w="812800">
+                <a:path w="812800" h="573553">
                   <a:moveTo>
                     <a:pt x="406400" y="0"/>
                   </a:moveTo>
@@ -9677,8 +9761,8 @@
         </p:sp>
         <p:sp>
           <p:nvSpPr>
-            <p:cNvPr name="TextBox 4" id="4"/>
-            <p:cNvSpPr txBox="true"/>
+            <p:cNvPr id="4" name="TextBox 4"/>
+            <p:cNvSpPr txBox="1"/>
             <p:nvPr/>
           </p:nvSpPr>
           <p:spPr>
@@ -9691,7 +9775,7 @@
             </a:prstGeom>
           </p:spPr>
           <p:txBody>
-            <a:bodyPr anchor="ctr" rtlCol="false" tIns="50800" lIns="50800" bIns="50800" rIns="50800"/>
+            <a:bodyPr lIns="50800" tIns="50800" rIns="50800" bIns="50800" rtlCol="0" anchor="ctr"/>
             <a:lstStyle/>
             <a:p>
               <a:pPr algn="ctr">
@@ -9702,18 +9786,19 @@
                   <a:spcPct val="0"/>
                 </a:spcBef>
               </a:pPr>
+              <a:endParaRPr/>
             </a:p>
           </p:txBody>
         </p:sp>
       </p:grpSp>
       <p:sp>
         <p:nvSpPr>
-          <p:cNvPr name="TextBox 5" id="5"/>
-          <p:cNvSpPr txBox="true"/>
+          <p:cNvPr id="5" name="TextBox 5"/>
+          <p:cNvSpPr txBox="1"/>
           <p:nvPr/>
         </p:nvSpPr>
         <p:spPr>
-          <a:xfrm rot="0">
+          <a:xfrm>
             <a:off x="8619197" y="-76200"/>
             <a:ext cx="10302391" cy="921004"/>
           </a:xfrm>
@@ -9722,12 +9807,12 @@
           </a:prstGeom>
         </p:spPr>
         <p:txBody>
-          <a:bodyPr anchor="t" rtlCol="false" tIns="0" lIns="0" bIns="0" rIns="0">
+          <a:bodyPr lIns="0" tIns="0" rIns="0" bIns="0" rtlCol="0" anchor="t">
             <a:spAutoFit/>
           </a:bodyPr>
           <a:lstStyle/>
           <a:p>
-            <a:pPr algn="l" marL="0" indent="0" lvl="0">
+            <a:pPr marL="0" lvl="0" indent="0" algn="l">
               <a:lnSpc>
                 <a:spcPts val="5768"/>
               </a:lnSpc>
@@ -9736,7 +9821,7 @@
               </a:spcBef>
             </a:pPr>
             <a:r>
-              <a:rPr lang="en-US" b="true" sz="5600">
+              <a:rPr lang="en-US" sz="5600" b="1">
                 <a:solidFill>
                   <a:srgbClr val="FFFFFF"/>
                 </a:solidFill>
@@ -9752,12 +9837,12 @@
       </p:sp>
       <p:sp>
         <p:nvSpPr>
-          <p:cNvPr name="TextBox 6" id="6"/>
-          <p:cNvSpPr txBox="true"/>
+          <p:cNvPr id="6" name="TextBox 6"/>
+          <p:cNvSpPr txBox="1"/>
           <p:nvPr/>
         </p:nvSpPr>
         <p:spPr>
-          <a:xfrm rot="0">
+          <a:xfrm>
             <a:off x="2090966" y="1422781"/>
             <a:ext cx="4915049" cy="372745"/>
           </a:xfrm>
@@ -9766,7 +9851,7 @@
           </a:prstGeom>
         </p:spPr>
         <p:txBody>
-          <a:bodyPr anchor="t" rtlCol="false" tIns="0" lIns="0" bIns="0" rIns="0">
+          <a:bodyPr lIns="0" tIns="0" rIns="0" bIns="0" rtlCol="0" anchor="t">
             <a:spAutoFit/>
           </a:bodyPr>
           <a:lstStyle/>
@@ -9780,7 +9865,7 @@
               </a:spcBef>
             </a:pPr>
             <a:r>
-              <a:rPr lang="en-US" b="true" sz="2199">
+              <a:rPr lang="en-US" sz="2199" b="1">
                 <a:solidFill>
                   <a:srgbClr val="000000"/>
                 </a:solidFill>
@@ -9794,44 +9879,36 @@
           </a:p>
         </p:txBody>
       </p:sp>
-      <p:graphicFrame>
-        <p:nvGraphicFramePr>
-          <p:cNvPr name="Object 7" id="7"/>
-          <p:cNvGraphicFramePr/>
+      <p:pic>
+        <p:nvPicPr>
+          <p:cNvPr id="9" name="Imagen 8">
+            <a:extLst>
+              <a:ext uri="{FF2B5EF4-FFF2-40B4-BE49-F238E27FC236}">
+                <a16:creationId xmlns:a16="http://schemas.microsoft.com/office/drawing/2014/main" id="{BFBBA339-07C1-4B73-807C-D83F49EEDDD1}"/>
+              </a:ext>
+            </a:extLst>
+          </p:cNvPr>
+          <p:cNvPicPr>
+            <a:picLocks noChangeAspect="1"/>
+          </p:cNvPicPr>
           <p:nvPr/>
-        </p:nvGraphicFramePr>
-        <p:xfrm>
-          <a:off x="1573547" y="2715807"/>
-          <a:ext cx="3771900" cy="4191000"/>
-        </p:xfrm>
-        <a:graphic>
-          <a:graphicData uri="http://schemas.openxmlformats.org/presentationml/2006/ole">
-            <p:oleObj imgW="4610100" imgH="5029200" r:id="rId3" progId="Excel.Sheet.12" name="Worksheet">
-              <p:embed/>
-              <p:pic>
-                <p:nvPicPr>
-                  <p:cNvPr name="" id="0"/>
-                  <p:cNvPicPr/>
-                  <p:nvPr/>
-                </p:nvPicPr>
-                <p:blipFill>
-                  <a:blip r:embed="rId2"/>
-                  <a:stretch>
-                    <a:fillRect/>
-                  </a:stretch>
-                </p:blipFill>
-                <p:spPr>
-                  <a:xfrm>
-                    <a:off x="1270000" y="1270000"/>
-                    <a:ext cx="1270000" cy="1270000"/>
-                  </a:xfrm>
-                  <a:prstGeom prst="rect"/>
-                </p:spPr>
-              </p:pic>
-            </p:oleObj>
-          </a:graphicData>
-        </a:graphic>
-      </p:graphicFrame>
+        </p:nvPicPr>
+        <p:blipFill>
+          <a:blip r:embed="rId2"/>
+          <a:stretch>
+            <a:fillRect/>
+          </a:stretch>
+        </p:blipFill>
+        <p:spPr>
+          <a:xfrm>
+            <a:off x="951356" y="2384505"/>
+            <a:ext cx="16385287" cy="7525800"/>
+          </a:xfrm>
+          <a:prstGeom prst="rect">
+            <a:avLst/>
+          </a:prstGeom>
+        </p:spPr>
+      </p:pic>
     </p:spTree>
   </p:cSld>
   <p:clrMapOvr>
@@ -9841,7 +9918,7 @@
 </file>
 
 <file path=ppt/slides/slide26.xml><?xml version="1.0" encoding="utf-8"?>
-<p:sld xmlns:p="http://schemas.openxmlformats.org/presentationml/2006/main" xmlns:a="http://schemas.openxmlformats.org/drawingml/2006/main" xmlns:r="http://schemas.openxmlformats.org/officeDocument/2006/relationships">
+<p:sld xmlns:a="http://schemas.openxmlformats.org/drawingml/2006/main" xmlns:r="http://schemas.openxmlformats.org/officeDocument/2006/relationships" xmlns:p="http://schemas.openxmlformats.org/presentationml/2006/main">
   <p:cSld>
     <p:spTree>
       <p:nvGrpSpPr>
@@ -9859,12 +9936,12 @@
       </p:grpSpPr>
       <p:grpSp>
         <p:nvGrpSpPr>
-          <p:cNvPr name="Group 2" id="2"/>
+          <p:cNvPr id="2" name="Group 2"/>
           <p:cNvGrpSpPr/>
           <p:nvPr/>
         </p:nvGrpSpPr>
         <p:grpSpPr>
-          <a:xfrm rot="0">
+          <a:xfrm>
             <a:off x="7533292" y="-5994975"/>
             <a:ext cx="11874818" cy="8379480"/>
             <a:chOff x="0" y="0"/>
@@ -9873,12 +9950,12 @@
         </p:grpSpPr>
         <p:sp>
           <p:nvSpPr>
-            <p:cNvPr name="Freeform 3" id="3"/>
+            <p:cNvPr id="3" name="Freeform 3"/>
             <p:cNvSpPr/>
             <p:nvPr/>
           </p:nvSpPr>
           <p:spPr>
-            <a:xfrm flipH="false" flipV="false" rot="0">
+            <a:xfrm>
               <a:off x="0" y="0"/>
               <a:ext cx="812800" cy="573553"/>
             </a:xfrm>
@@ -9887,9 +9964,9 @@
               <a:gdLst/>
               <a:ahLst/>
               <a:cxnLst/>
-              <a:rect r="r" b="b" t="t" l="l"/>
+              <a:rect l="l" t="t" r="r" b="b"/>
               <a:pathLst>
-                <a:path h="573553" w="812800">
+                <a:path w="812800" h="573553">
                   <a:moveTo>
                     <a:pt x="406400" y="0"/>
                   </a:moveTo>
@@ -9924,8 +10001,8 @@
         </p:sp>
         <p:sp>
           <p:nvSpPr>
-            <p:cNvPr name="TextBox 4" id="4"/>
-            <p:cNvSpPr txBox="true"/>
+            <p:cNvPr id="4" name="TextBox 4"/>
+            <p:cNvSpPr txBox="1"/>
             <p:nvPr/>
           </p:nvSpPr>
           <p:spPr>
@@ -9938,7 +10015,7 @@
             </a:prstGeom>
           </p:spPr>
           <p:txBody>
-            <a:bodyPr anchor="ctr" rtlCol="false" tIns="50800" lIns="50800" bIns="50800" rIns="50800"/>
+            <a:bodyPr lIns="50800" tIns="50800" rIns="50800" bIns="50800" rtlCol="0" anchor="ctr"/>
             <a:lstStyle/>
             <a:p>
               <a:pPr algn="ctr">
@@ -9949,18 +10026,19 @@
                   <a:spcPct val="0"/>
                 </a:spcBef>
               </a:pPr>
+              <a:endParaRPr/>
             </a:p>
           </p:txBody>
         </p:sp>
       </p:grpSp>
       <p:sp>
         <p:nvSpPr>
-          <p:cNvPr name="Freeform 5" id="5"/>
+          <p:cNvPr id="5" name="Freeform 5"/>
           <p:cNvSpPr/>
           <p:nvPr/>
         </p:nvSpPr>
         <p:spPr>
-          <a:xfrm flipH="false" flipV="false" rot="0">
+          <a:xfrm>
             <a:off x="1028700" y="2309093"/>
             <a:ext cx="9752797" cy="5668813"/>
           </a:xfrm>
@@ -9969,9 +10047,9 @@
             <a:gdLst/>
             <a:ahLst/>
             <a:cxnLst/>
-            <a:rect r="r" b="b" t="t" l="l"/>
+            <a:rect l="l" t="t" r="r" b="b"/>
             <a:pathLst>
-              <a:path h="5668813" w="9752797">
+              <a:path w="9752797" h="5668813">
                 <a:moveTo>
                   <a:pt x="0" y="0"/>
                 </a:moveTo>
@@ -9994,19 +10072,19 @@
           <a:blipFill>
             <a:blip r:embed="rId2"/>
             <a:stretch>
-              <a:fillRect l="0" t="0" r="0" b="0"/>
+              <a:fillRect/>
             </a:stretch>
           </a:blipFill>
         </p:spPr>
       </p:sp>
       <p:sp>
         <p:nvSpPr>
-          <p:cNvPr name="TextBox 6" id="6"/>
-          <p:cNvSpPr txBox="true"/>
+          <p:cNvPr id="6" name="TextBox 6"/>
+          <p:cNvSpPr txBox="1"/>
           <p:nvPr/>
         </p:nvSpPr>
         <p:spPr>
-          <a:xfrm rot="0">
+          <a:xfrm>
             <a:off x="9420990" y="334976"/>
             <a:ext cx="10302391" cy="921004"/>
           </a:xfrm>
@@ -10015,12 +10093,12 @@
           </a:prstGeom>
         </p:spPr>
         <p:txBody>
-          <a:bodyPr anchor="t" rtlCol="false" tIns="0" lIns="0" bIns="0" rIns="0">
+          <a:bodyPr lIns="0" tIns="0" rIns="0" bIns="0" rtlCol="0" anchor="t">
             <a:spAutoFit/>
           </a:bodyPr>
           <a:lstStyle/>
           <a:p>
-            <a:pPr algn="l" marL="0" indent="0" lvl="0">
+            <a:pPr marL="0" lvl="0" indent="0" algn="l">
               <a:lnSpc>
                 <a:spcPts val="5768"/>
               </a:lnSpc>
@@ -10029,7 +10107,7 @@
               </a:spcBef>
             </a:pPr>
             <a:r>
-              <a:rPr lang="en-US" b="true" sz="5600">
+              <a:rPr lang="en-US" sz="5600" b="1">
                 <a:solidFill>
                   <a:srgbClr val="FFFFFF"/>
                 </a:solidFill>
@@ -10045,12 +10123,12 @@
       </p:sp>
       <p:sp>
         <p:nvSpPr>
-          <p:cNvPr name="TextBox 7" id="7"/>
-          <p:cNvSpPr txBox="true"/>
+          <p:cNvPr id="7" name="TextBox 7"/>
+          <p:cNvSpPr txBox="1"/>
           <p:nvPr/>
         </p:nvSpPr>
         <p:spPr>
-          <a:xfrm rot="0">
+          <a:xfrm>
             <a:off x="9359510" y="8254048"/>
             <a:ext cx="3343870" cy="372745"/>
           </a:xfrm>
@@ -10059,7 +10137,7 @@
           </a:prstGeom>
         </p:spPr>
         <p:txBody>
-          <a:bodyPr anchor="t" rtlCol="false" tIns="0" lIns="0" bIns="0" rIns="0">
+          <a:bodyPr lIns="0" tIns="0" rIns="0" bIns="0" rtlCol="0" anchor="t">
             <a:spAutoFit/>
           </a:bodyPr>
           <a:lstStyle/>
@@ -10073,7 +10151,7 @@
               </a:spcBef>
             </a:pPr>
             <a:r>
-              <a:rPr lang="en-US" b="true" sz="2199">
+              <a:rPr lang="en-US" sz="2199" b="1">
                 <a:solidFill>
                   <a:srgbClr val="000000"/>
                 </a:solidFill>
@@ -10089,12 +10167,12 @@
       </p:sp>
       <p:sp>
         <p:nvSpPr>
-          <p:cNvPr name="TextBox 8" id="8"/>
-          <p:cNvSpPr txBox="true"/>
+          <p:cNvPr id="8" name="TextBox 8"/>
+          <p:cNvSpPr txBox="1"/>
           <p:nvPr/>
         </p:nvSpPr>
         <p:spPr>
-          <a:xfrm rot="0">
+          <a:xfrm>
             <a:off x="11031445" y="2990894"/>
             <a:ext cx="7256555" cy="4277995"/>
           </a:xfrm>
@@ -10103,7 +10181,7 @@
           </a:prstGeom>
         </p:spPr>
         <p:txBody>
-          <a:bodyPr anchor="t" rtlCol="false" tIns="0" lIns="0" bIns="0" rIns="0">
+          <a:bodyPr lIns="0" tIns="0" rIns="0" bIns="0" rtlCol="0" anchor="t">
             <a:spAutoFit/>
           </a:bodyPr>
           <a:lstStyle/>
@@ -10126,19 +10204,7 @@
                 <a:cs typeface="Open Sans"/>
                 <a:sym typeface="Open Sans"/>
               </a:rPr>
-              <a:t>Este</a:t>
-            </a:r>
-            <a:r>
-              <a:rPr lang="en-US" sz="2199">
-                <a:solidFill>
-                  <a:srgbClr val="000000"/>
-                </a:solidFill>
-                <a:latin typeface="Open Sans"/>
-                <a:ea typeface="Open Sans"/>
-                <a:cs typeface="Open Sans"/>
-                <a:sym typeface="Open Sans"/>
-              </a:rPr>
-              <a:t> diagrama representa la vista física utilizando los servicios web de Amazon. Al principio del lado izquierdo se encuentra lo necesario para la conexión por internet al sistema alojado por AWS, pasando por balanceador de carga para mejor rendimiento, se hace uso de Amazon cognito para manejar las sesiones y un módulo de escalado para manejar el incremento de flujo de usuarios, por último, se tiene los módulos seleccionados para la construcción del sistema en sí. Todo se encuentra interconectado por el servicio de Amazon Virtual Private Cloud (VPC). </a:t>
+              <a:t>Este diagrama representa la vista física utilizando los servicios web de Amazon. Al principio del lado izquierdo se encuentra lo necesario para la conexión por internet al sistema alojado por AWS, pasando por balanceador de carga para mejor rendimiento, se hace uso de Amazon cognito para manejar las sesiones y un módulo de escalado para manejar el incremento de flujo de usuarios, por último, se tiene los módulos seleccionados para la construcción del sistema en sí. Todo se encuentra interconectado por el servicio de Amazon Virtual Private Cloud (VPC). </a:t>
             </a:r>
           </a:p>
         </p:txBody>
@@ -10152,7 +10218,7 @@
 </file>
 
 <file path=ppt/slides/slide27.xml><?xml version="1.0" encoding="utf-8"?>
-<p:sld xmlns:p="http://schemas.openxmlformats.org/presentationml/2006/main" xmlns:a="http://schemas.openxmlformats.org/drawingml/2006/main" xmlns:r="http://schemas.openxmlformats.org/officeDocument/2006/relationships">
+<p:sld xmlns:a="http://schemas.openxmlformats.org/drawingml/2006/main" xmlns:r="http://schemas.openxmlformats.org/officeDocument/2006/relationships" xmlns:p="http://schemas.openxmlformats.org/presentationml/2006/main">
   <p:cSld>
     <p:spTree>
       <p:nvGrpSpPr>
@@ -10170,12 +10236,12 @@
       </p:grpSpPr>
       <p:grpSp>
         <p:nvGrpSpPr>
-          <p:cNvPr name="Group 2" id="2"/>
+          <p:cNvPr id="2" name="Group 2"/>
           <p:cNvGrpSpPr/>
           <p:nvPr/>
         </p:nvGrpSpPr>
         <p:grpSpPr>
-          <a:xfrm rot="0">
+          <a:xfrm>
             <a:off x="6813734" y="-5994975"/>
             <a:ext cx="11874818" cy="8379480"/>
             <a:chOff x="0" y="0"/>
@@ -10184,12 +10250,12 @@
         </p:grpSpPr>
         <p:sp>
           <p:nvSpPr>
-            <p:cNvPr name="Freeform 3" id="3"/>
+            <p:cNvPr id="3" name="Freeform 3"/>
             <p:cNvSpPr/>
             <p:nvPr/>
           </p:nvSpPr>
           <p:spPr>
-            <a:xfrm flipH="false" flipV="false" rot="0">
+            <a:xfrm>
               <a:off x="0" y="0"/>
               <a:ext cx="812800" cy="573553"/>
             </a:xfrm>
@@ -10198,9 +10264,9 @@
               <a:gdLst/>
               <a:ahLst/>
               <a:cxnLst/>
-              <a:rect r="r" b="b" t="t" l="l"/>
+              <a:rect l="l" t="t" r="r" b="b"/>
               <a:pathLst>
-                <a:path h="573553" w="812800">
+                <a:path w="812800" h="573553">
                   <a:moveTo>
                     <a:pt x="406400" y="0"/>
                   </a:moveTo>
@@ -10235,8 +10301,8 @@
         </p:sp>
         <p:sp>
           <p:nvSpPr>
-            <p:cNvPr name="TextBox 4" id="4"/>
-            <p:cNvSpPr txBox="true"/>
+            <p:cNvPr id="4" name="TextBox 4"/>
+            <p:cNvSpPr txBox="1"/>
             <p:nvPr/>
           </p:nvSpPr>
           <p:spPr>
@@ -10249,7 +10315,7 @@
             </a:prstGeom>
           </p:spPr>
           <p:txBody>
-            <a:bodyPr anchor="ctr" rtlCol="false" tIns="50800" lIns="50800" bIns="50800" rIns="50800"/>
+            <a:bodyPr lIns="50800" tIns="50800" rIns="50800" bIns="50800" rtlCol="0" anchor="ctr"/>
             <a:lstStyle/>
             <a:p>
               <a:pPr algn="ctr">
@@ -10260,18 +10326,19 @@
                   <a:spcPct val="0"/>
                 </a:spcBef>
               </a:pPr>
+              <a:endParaRPr/>
             </a:p>
           </p:txBody>
         </p:sp>
       </p:grpSp>
       <p:sp>
         <p:nvSpPr>
-          <p:cNvPr name="TextBox 5" id="5"/>
-          <p:cNvSpPr txBox="true"/>
+          <p:cNvPr id="5" name="TextBox 5"/>
+          <p:cNvSpPr txBox="1"/>
           <p:nvPr/>
         </p:nvSpPr>
         <p:spPr>
-          <a:xfrm rot="0">
+          <a:xfrm>
             <a:off x="8619197" y="-76200"/>
             <a:ext cx="10302391" cy="921004"/>
           </a:xfrm>
@@ -10280,12 +10347,12 @@
           </a:prstGeom>
         </p:spPr>
         <p:txBody>
-          <a:bodyPr anchor="t" rtlCol="false" tIns="0" lIns="0" bIns="0" rIns="0">
+          <a:bodyPr lIns="0" tIns="0" rIns="0" bIns="0" rtlCol="0" anchor="t">
             <a:spAutoFit/>
           </a:bodyPr>
           <a:lstStyle/>
           <a:p>
-            <a:pPr algn="l" marL="0" indent="0" lvl="0">
+            <a:pPr marL="0" lvl="0" indent="0" algn="l">
               <a:lnSpc>
                 <a:spcPts val="5768"/>
               </a:lnSpc>
@@ -10294,7 +10361,7 @@
               </a:spcBef>
             </a:pPr>
             <a:r>
-              <a:rPr lang="en-US" b="true" sz="5600">
+              <a:rPr lang="en-US" sz="5600" b="1">
                 <a:solidFill>
                   <a:srgbClr val="FFFFFF"/>
                 </a:solidFill>
@@ -10310,12 +10377,12 @@
       </p:sp>
       <p:sp>
         <p:nvSpPr>
-          <p:cNvPr name="TextBox 6" id="6"/>
-          <p:cNvSpPr txBox="true"/>
+          <p:cNvPr id="6" name="TextBox 6"/>
+          <p:cNvSpPr txBox="1"/>
           <p:nvPr/>
         </p:nvSpPr>
         <p:spPr>
-          <a:xfrm rot="0">
+          <a:xfrm>
             <a:off x="2090966" y="1422781"/>
             <a:ext cx="4915049" cy="372745"/>
           </a:xfrm>
@@ -10324,7 +10391,7 @@
           </a:prstGeom>
         </p:spPr>
         <p:txBody>
-          <a:bodyPr anchor="t" rtlCol="false" tIns="0" lIns="0" bIns="0" rIns="0">
+          <a:bodyPr lIns="0" tIns="0" rIns="0" bIns="0" rtlCol="0" anchor="t">
             <a:spAutoFit/>
           </a:bodyPr>
           <a:lstStyle/>
@@ -10338,7 +10405,7 @@
               </a:spcBef>
             </a:pPr>
             <a:r>
-              <a:rPr lang="en-US" b="true" sz="2199">
+              <a:rPr lang="en-US" sz="2199" b="1">
                 <a:solidFill>
                   <a:srgbClr val="000000"/>
                 </a:solidFill>
@@ -10352,44 +10419,36 @@
           </a:p>
         </p:txBody>
       </p:sp>
-      <p:graphicFrame>
-        <p:nvGraphicFramePr>
-          <p:cNvPr name="Object 7" id="7"/>
-          <p:cNvGraphicFramePr/>
+      <p:pic>
+        <p:nvPicPr>
+          <p:cNvPr id="9" name="Imagen 8">
+            <a:extLst>
+              <a:ext uri="{FF2B5EF4-FFF2-40B4-BE49-F238E27FC236}">
+                <a16:creationId xmlns:a16="http://schemas.microsoft.com/office/drawing/2014/main" id="{A7A05A56-A264-43CD-B031-5DA91616E08C}"/>
+              </a:ext>
+            </a:extLst>
+          </p:cNvPr>
+          <p:cNvPicPr>
+            <a:picLocks noChangeAspect="1"/>
+          </p:cNvPicPr>
           <p:nvPr/>
-        </p:nvGraphicFramePr>
-        <p:xfrm>
-          <a:off x="1469280" y="2695248"/>
-          <a:ext cx="3771900" cy="4191000"/>
-        </p:xfrm>
-        <a:graphic>
-          <a:graphicData uri="http://schemas.openxmlformats.org/presentationml/2006/ole">
-            <p:oleObj imgW="4610100" imgH="5029200" r:id="rId3" progId="Excel.Sheet.12" name="Worksheet">
-              <p:embed/>
-              <p:pic>
-                <p:nvPicPr>
-                  <p:cNvPr name="" id="0"/>
-                  <p:cNvPicPr/>
-                  <p:nvPr/>
-                </p:nvPicPr>
-                <p:blipFill>
-                  <a:blip r:embed="rId2"/>
-                  <a:stretch>
-                    <a:fillRect/>
-                  </a:stretch>
-                </p:blipFill>
-                <p:spPr>
-                  <a:xfrm>
-                    <a:off x="1270000" y="1270000"/>
-                    <a:ext cx="1270000" cy="1270000"/>
-                  </a:xfrm>
-                  <a:prstGeom prst="rect"/>
-                </p:spPr>
-              </p:pic>
-            </p:oleObj>
-          </a:graphicData>
-        </a:graphic>
-      </p:graphicFrame>
+        </p:nvPicPr>
+        <p:blipFill>
+          <a:blip r:embed="rId2"/>
+          <a:stretch>
+            <a:fillRect/>
+          </a:stretch>
+        </p:blipFill>
+        <p:spPr>
+          <a:xfrm>
+            <a:off x="1371600" y="2476500"/>
+            <a:ext cx="16232865" cy="7535327"/>
+          </a:xfrm>
+          <a:prstGeom prst="rect">
+            <a:avLst/>
+          </a:prstGeom>
+        </p:spPr>
+      </p:pic>
     </p:spTree>
   </p:cSld>
   <p:clrMapOvr>
@@ -10399,7 +10458,7 @@
 </file>
 
 <file path=ppt/slides/slide28.xml><?xml version="1.0" encoding="utf-8"?>
-<p:sld xmlns:p="http://schemas.openxmlformats.org/presentationml/2006/main" xmlns:a="http://schemas.openxmlformats.org/drawingml/2006/main">
+<p:sld xmlns:a="http://schemas.openxmlformats.org/drawingml/2006/main" xmlns:r="http://schemas.openxmlformats.org/officeDocument/2006/relationships" xmlns:p="http://schemas.openxmlformats.org/presentationml/2006/main">
   <p:cSld>
     <p:spTree>
       <p:nvGrpSpPr>
@@ -10417,12 +10476,12 @@
       </p:grpSpPr>
       <p:grpSp>
         <p:nvGrpSpPr>
-          <p:cNvPr name="Group 2" id="2"/>
+          <p:cNvPr id="2" name="Group 2"/>
           <p:cNvGrpSpPr/>
           <p:nvPr/>
         </p:nvGrpSpPr>
         <p:grpSpPr>
-          <a:xfrm rot="0">
+          <a:xfrm>
             <a:off x="6813734" y="-5994975"/>
             <a:ext cx="11874818" cy="8379480"/>
             <a:chOff x="0" y="0"/>
@@ -10431,12 +10490,12 @@
         </p:grpSpPr>
         <p:sp>
           <p:nvSpPr>
-            <p:cNvPr name="Freeform 3" id="3"/>
+            <p:cNvPr id="3" name="Freeform 3"/>
             <p:cNvSpPr/>
             <p:nvPr/>
           </p:nvSpPr>
           <p:spPr>
-            <a:xfrm flipH="false" flipV="false" rot="0">
+            <a:xfrm>
               <a:off x="0" y="0"/>
               <a:ext cx="812800" cy="573553"/>
             </a:xfrm>
@@ -10445,9 +10504,9 @@
               <a:gdLst/>
               <a:ahLst/>
               <a:cxnLst/>
-              <a:rect r="r" b="b" t="t" l="l"/>
+              <a:rect l="l" t="t" r="r" b="b"/>
               <a:pathLst>
-                <a:path h="573553" w="812800">
+                <a:path w="812800" h="573553">
                   <a:moveTo>
                     <a:pt x="406400" y="0"/>
                   </a:moveTo>
@@ -10482,8 +10541,8 @@
         </p:sp>
         <p:sp>
           <p:nvSpPr>
-            <p:cNvPr name="TextBox 4" id="4"/>
-            <p:cNvSpPr txBox="true"/>
+            <p:cNvPr id="4" name="TextBox 4"/>
+            <p:cNvSpPr txBox="1"/>
             <p:nvPr/>
           </p:nvSpPr>
           <p:spPr>
@@ -10496,7 +10555,7 @@
             </a:prstGeom>
           </p:spPr>
           <p:txBody>
-            <a:bodyPr anchor="ctr" rtlCol="false" tIns="50800" lIns="50800" bIns="50800" rIns="50800"/>
+            <a:bodyPr lIns="50800" tIns="50800" rIns="50800" bIns="50800" rtlCol="0" anchor="ctr"/>
             <a:lstStyle/>
             <a:p>
               <a:pPr algn="ctr">
@@ -10507,18 +10566,19 @@
                   <a:spcPct val="0"/>
                 </a:spcBef>
               </a:pPr>
+              <a:endParaRPr/>
             </a:p>
           </p:txBody>
         </p:sp>
       </p:grpSp>
       <p:sp>
         <p:nvSpPr>
-          <p:cNvPr name="TextBox 5" id="5"/>
-          <p:cNvSpPr txBox="true"/>
+          <p:cNvPr id="5" name="TextBox 5"/>
+          <p:cNvSpPr txBox="1"/>
           <p:nvPr/>
         </p:nvSpPr>
         <p:spPr>
-          <a:xfrm rot="0">
+          <a:xfrm>
             <a:off x="6148910" y="4043801"/>
             <a:ext cx="6962443" cy="2826639"/>
           </a:xfrm>
@@ -10527,12 +10587,12 @@
           </a:prstGeom>
         </p:spPr>
         <p:txBody>
-          <a:bodyPr anchor="t" rtlCol="false" tIns="0" lIns="0" bIns="0" rIns="0">
+          <a:bodyPr lIns="0" tIns="0" rIns="0" bIns="0" rtlCol="0" anchor="t">
             <a:spAutoFit/>
           </a:bodyPr>
           <a:lstStyle/>
           <a:p>
-            <a:pPr algn="l" marL="0" indent="0" lvl="0">
+            <a:pPr marL="0" lvl="0" indent="0" algn="l">
               <a:lnSpc>
                 <a:spcPts val="9888"/>
               </a:lnSpc>
@@ -10541,7 +10601,7 @@
               </a:spcBef>
             </a:pPr>
             <a:r>
-              <a:rPr lang="en-US" b="true" sz="9600">
+              <a:rPr lang="en-US" sz="9600" b="1">
                 <a:solidFill>
                   <a:srgbClr val="000000"/>
                 </a:solidFill>
@@ -10557,12 +10617,12 @@
       </p:sp>
       <p:grpSp>
         <p:nvGrpSpPr>
-          <p:cNvPr name="Group 6" id="6"/>
+          <p:cNvPr id="6" name="Group 6"/>
           <p:cNvGrpSpPr/>
           <p:nvPr/>
         </p:nvGrpSpPr>
         <p:grpSpPr>
-          <a:xfrm rot="0">
+          <a:xfrm>
             <a:off x="-5114932" y="1851285"/>
             <a:ext cx="9694704" cy="6841080"/>
             <a:chOff x="0" y="0"/>
@@ -10571,12 +10631,12 @@
         </p:grpSpPr>
         <p:sp>
           <p:nvSpPr>
-            <p:cNvPr name="Freeform 7" id="7"/>
+            <p:cNvPr id="7" name="Freeform 7"/>
             <p:cNvSpPr/>
             <p:nvPr/>
           </p:nvSpPr>
           <p:spPr>
-            <a:xfrm flipH="false" flipV="false" rot="0">
+            <a:xfrm>
               <a:off x="0" y="0"/>
               <a:ext cx="812800" cy="573553"/>
             </a:xfrm>
@@ -10585,9 +10645,9 @@
               <a:gdLst/>
               <a:ahLst/>
               <a:cxnLst/>
-              <a:rect r="r" b="b" t="t" l="l"/>
+              <a:rect l="l" t="t" r="r" b="b"/>
               <a:pathLst>
-                <a:path h="573553" w="812800">
+                <a:path w="812800" h="573553">
                   <a:moveTo>
                     <a:pt x="406400" y="0"/>
                   </a:moveTo>
@@ -10622,8 +10682,8 @@
         </p:sp>
         <p:sp>
           <p:nvSpPr>
-            <p:cNvPr name="TextBox 8" id="8"/>
-            <p:cNvSpPr txBox="true"/>
+            <p:cNvPr id="8" name="TextBox 8"/>
+            <p:cNvSpPr txBox="1"/>
             <p:nvPr/>
           </p:nvSpPr>
           <p:spPr>
@@ -10636,7 +10696,7 @@
             </a:prstGeom>
           </p:spPr>
           <p:txBody>
-            <a:bodyPr anchor="ctr" rtlCol="false" tIns="50800" lIns="50800" bIns="50800" rIns="50800"/>
+            <a:bodyPr lIns="50800" tIns="50800" rIns="50800" bIns="50800" rtlCol="0" anchor="ctr"/>
             <a:lstStyle/>
             <a:p>
               <a:pPr algn="ctr">
@@ -10647,18 +10707,19 @@
                   <a:spcPct val="0"/>
                 </a:spcBef>
               </a:pPr>
+              <a:endParaRPr/>
             </a:p>
           </p:txBody>
         </p:sp>
       </p:grpSp>
       <p:grpSp>
         <p:nvGrpSpPr>
-          <p:cNvPr name="Group 9" id="9"/>
+          <p:cNvPr id="9" name="Group 9"/>
           <p:cNvGrpSpPr/>
           <p:nvPr/>
         </p:nvGrpSpPr>
         <p:grpSpPr>
-          <a:xfrm rot="0">
+          <a:xfrm>
             <a:off x="13111354" y="2251795"/>
             <a:ext cx="9694704" cy="6841080"/>
             <a:chOff x="0" y="0"/>
@@ -10667,12 +10728,12 @@
         </p:grpSpPr>
         <p:sp>
           <p:nvSpPr>
-            <p:cNvPr name="Freeform 10" id="10"/>
+            <p:cNvPr id="10" name="Freeform 10"/>
             <p:cNvSpPr/>
             <p:nvPr/>
           </p:nvSpPr>
           <p:spPr>
-            <a:xfrm flipH="false" flipV="false" rot="0">
+            <a:xfrm>
               <a:off x="0" y="0"/>
               <a:ext cx="812800" cy="573553"/>
             </a:xfrm>
@@ -10681,9 +10742,9 @@
               <a:gdLst/>
               <a:ahLst/>
               <a:cxnLst/>
-              <a:rect r="r" b="b" t="t" l="l"/>
+              <a:rect l="l" t="t" r="r" b="b"/>
               <a:pathLst>
-                <a:path h="573553" w="812800">
+                <a:path w="812800" h="573553">
                   <a:moveTo>
                     <a:pt x="406400" y="0"/>
                   </a:moveTo>
@@ -10718,8 +10779,8 @@
         </p:sp>
         <p:sp>
           <p:nvSpPr>
-            <p:cNvPr name="TextBox 11" id="11"/>
-            <p:cNvSpPr txBox="true"/>
+            <p:cNvPr id="11" name="TextBox 11"/>
+            <p:cNvSpPr txBox="1"/>
             <p:nvPr/>
           </p:nvSpPr>
           <p:spPr>
@@ -10732,7 +10793,7 @@
             </a:prstGeom>
           </p:spPr>
           <p:txBody>
-            <a:bodyPr anchor="ctr" rtlCol="false" tIns="50800" lIns="50800" bIns="50800" rIns="50800"/>
+            <a:bodyPr lIns="50800" tIns="50800" rIns="50800" bIns="50800" rtlCol="0" anchor="ctr"/>
             <a:lstStyle/>
             <a:p>
               <a:pPr algn="ctr">
@@ -10743,6 +10804,7 @@
                   <a:spcPct val="0"/>
                 </a:spcBef>
               </a:pPr>
+              <a:endParaRPr/>
             </a:p>
           </p:txBody>
         </p:sp>
@@ -10756,7 +10818,7 @@
 </file>
 
 <file path=ppt/slides/slide29.xml><?xml version="1.0" encoding="utf-8"?>
-<p:sld xmlns:p="http://schemas.openxmlformats.org/presentationml/2006/main" xmlns:a="http://schemas.openxmlformats.org/drawingml/2006/main">
+<p:sld xmlns:a="http://schemas.openxmlformats.org/drawingml/2006/main" xmlns:r="http://schemas.openxmlformats.org/officeDocument/2006/relationships" xmlns:p="http://schemas.openxmlformats.org/presentationml/2006/main">
   <p:cSld>
     <p:spTree>
       <p:nvGrpSpPr>
@@ -10781,7 +10843,7 @@
 </file>
 
 <file path=ppt/slides/slide3.xml><?xml version="1.0" encoding="utf-8"?>
-<p:sld xmlns:p="http://schemas.openxmlformats.org/presentationml/2006/main" xmlns:a="http://schemas.openxmlformats.org/drawingml/2006/main">
+<p:sld xmlns:a="http://schemas.openxmlformats.org/drawingml/2006/main" xmlns:r="http://schemas.openxmlformats.org/officeDocument/2006/relationships" xmlns:p="http://schemas.openxmlformats.org/presentationml/2006/main">
   <p:cSld>
     <p:spTree>
       <p:nvGrpSpPr>
@@ -10799,12 +10861,12 @@
       </p:grpSpPr>
       <p:grpSp>
         <p:nvGrpSpPr>
-          <p:cNvPr name="Group 2" id="2"/>
+          <p:cNvPr id="2" name="Group 2"/>
           <p:cNvGrpSpPr/>
           <p:nvPr/>
         </p:nvGrpSpPr>
         <p:grpSpPr>
-          <a:xfrm rot="0">
+          <a:xfrm>
             <a:off x="7690199" y="-6430179"/>
             <a:ext cx="10820143" cy="9031933"/>
             <a:chOff x="0" y="0"/>
@@ -10813,12 +10875,12 @@
         </p:grpSpPr>
         <p:sp>
           <p:nvSpPr>
-            <p:cNvPr name="Freeform 3" id="3"/>
+            <p:cNvPr id="3" name="Freeform 3"/>
             <p:cNvSpPr/>
             <p:nvPr/>
           </p:nvSpPr>
           <p:spPr>
-            <a:xfrm flipH="false" flipV="false" rot="0">
+            <a:xfrm>
               <a:off x="0" y="0"/>
               <a:ext cx="812800" cy="678471"/>
             </a:xfrm>
@@ -10827,9 +10889,9 @@
               <a:gdLst/>
               <a:ahLst/>
               <a:cxnLst/>
-              <a:rect r="r" b="b" t="t" l="l"/>
+              <a:rect l="l" t="t" r="r" b="b"/>
               <a:pathLst>
-                <a:path h="678471" w="812800">
+                <a:path w="812800" h="678471">
                   <a:moveTo>
                     <a:pt x="406400" y="0"/>
                   </a:moveTo>
@@ -10864,8 +10926,8 @@
         </p:sp>
         <p:sp>
           <p:nvSpPr>
-            <p:cNvPr name="TextBox 4" id="4"/>
-            <p:cNvSpPr txBox="true"/>
+            <p:cNvPr id="4" name="TextBox 4"/>
+            <p:cNvSpPr txBox="1"/>
             <p:nvPr/>
           </p:nvSpPr>
           <p:spPr>
@@ -10878,7 +10940,7 @@
             </a:prstGeom>
           </p:spPr>
           <p:txBody>
-            <a:bodyPr anchor="ctr" rtlCol="false" tIns="50800" lIns="50800" bIns="50800" rIns="50800"/>
+            <a:bodyPr lIns="50800" tIns="50800" rIns="50800" bIns="50800" rtlCol="0" anchor="ctr"/>
             <a:lstStyle/>
             <a:p>
               <a:pPr algn="ctr">
@@ -10889,18 +10951,19 @@
                   <a:spcPct val="0"/>
                 </a:spcBef>
               </a:pPr>
+              <a:endParaRPr/>
             </a:p>
           </p:txBody>
         </p:sp>
       </p:grpSp>
       <p:sp>
         <p:nvSpPr>
-          <p:cNvPr name="TextBox 5" id="5"/>
-          <p:cNvSpPr txBox="true"/>
+          <p:cNvPr id="5" name="TextBox 5"/>
+          <p:cNvSpPr txBox="1"/>
           <p:nvPr/>
         </p:nvSpPr>
         <p:spPr>
-          <a:xfrm rot="0">
+          <a:xfrm>
             <a:off x="9687296" y="333995"/>
             <a:ext cx="7572004" cy="1294161"/>
           </a:xfrm>
@@ -10909,12 +10972,12 @@
           </a:prstGeom>
         </p:spPr>
         <p:txBody>
-          <a:bodyPr anchor="t" rtlCol="false" tIns="0" lIns="0" bIns="0" rIns="0">
+          <a:bodyPr lIns="0" tIns="0" rIns="0" bIns="0" rtlCol="0" anchor="t">
             <a:spAutoFit/>
           </a:bodyPr>
           <a:lstStyle/>
           <a:p>
-            <a:pPr algn="l" marL="0" indent="0" lvl="0">
+            <a:pPr marL="0" lvl="0" indent="0" algn="l">
               <a:lnSpc>
                 <a:spcPts val="8120"/>
               </a:lnSpc>
@@ -10923,7 +10986,7 @@
               </a:spcBef>
             </a:pPr>
             <a:r>
-              <a:rPr lang="en-US" b="true" sz="7883">
+              <a:rPr lang="en-US" sz="7883" b="1">
                 <a:solidFill>
                   <a:srgbClr val="FFFFFF"/>
                 </a:solidFill>
@@ -10939,12 +11002,12 @@
       </p:sp>
       <p:sp>
         <p:nvSpPr>
-          <p:cNvPr name="TextBox 6" id="6"/>
-          <p:cNvSpPr txBox="true"/>
+          <p:cNvPr id="6" name="TextBox 6"/>
+          <p:cNvSpPr txBox="1"/>
           <p:nvPr/>
         </p:nvSpPr>
         <p:spPr>
-          <a:xfrm rot="0">
+          <a:xfrm>
             <a:off x="738468" y="2976376"/>
             <a:ext cx="16811063" cy="5082793"/>
           </a:xfrm>
@@ -10953,7 +11016,7 @@
           </a:prstGeom>
         </p:spPr>
         <p:txBody>
-          <a:bodyPr anchor="t" rtlCol="false" tIns="0" lIns="0" bIns="0" rIns="0">
+          <a:bodyPr lIns="0" tIns="0" rIns="0" bIns="0" rtlCol="0" anchor="t">
             <a:spAutoFit/>
           </a:bodyPr>
           <a:lstStyle/>
@@ -10982,6 +11045,15 @@
                 <a:spcPts val="4498"/>
               </a:lnSpc>
             </a:pPr>
+            <a:endParaRPr lang="en-US" sz="2600">
+              <a:solidFill>
+                <a:srgbClr val="000000"/>
+              </a:solidFill>
+              <a:latin typeface="Agrandir"/>
+              <a:ea typeface="Agrandir"/>
+              <a:cs typeface="Agrandir"/>
+              <a:sym typeface="Agrandir"/>
+            </a:endParaRPr>
           </a:p>
         </p:txBody>
       </p:sp>
@@ -10994,7 +11066,7 @@
 </file>
 
 <file path=ppt/slides/slide4.xml><?xml version="1.0" encoding="utf-8"?>
-<p:sld xmlns:p="http://schemas.openxmlformats.org/presentationml/2006/main" xmlns:a="http://schemas.openxmlformats.org/drawingml/2006/main" xmlns:r="http://schemas.openxmlformats.org/officeDocument/2006/relationships">
+<p:sld xmlns:a="http://schemas.openxmlformats.org/drawingml/2006/main" xmlns:r="http://schemas.openxmlformats.org/officeDocument/2006/relationships" xmlns:p="http://schemas.openxmlformats.org/presentationml/2006/main">
   <p:cSld>
     <p:spTree>
       <p:nvGrpSpPr>
@@ -11012,12 +11084,12 @@
       </p:grpSpPr>
       <p:grpSp>
         <p:nvGrpSpPr>
-          <p:cNvPr name="Group 2" id="2"/>
+          <p:cNvPr id="2" name="Group 2"/>
           <p:cNvGrpSpPr/>
           <p:nvPr/>
         </p:nvGrpSpPr>
         <p:grpSpPr>
-          <a:xfrm rot="0">
+          <a:xfrm>
             <a:off x="12081007" y="406144"/>
             <a:ext cx="12125564" cy="9880856"/>
             <a:chOff x="0" y="0"/>
@@ -11026,12 +11098,12 @@
         </p:grpSpPr>
         <p:sp>
           <p:nvSpPr>
-            <p:cNvPr name="Freeform 3" id="3"/>
+            <p:cNvPr id="3" name="Freeform 3"/>
             <p:cNvSpPr/>
             <p:nvPr/>
           </p:nvSpPr>
           <p:spPr>
-            <a:xfrm flipH="false" flipV="false" rot="0">
+            <a:xfrm>
               <a:off x="0" y="0"/>
               <a:ext cx="832605" cy="678471"/>
             </a:xfrm>
@@ -11040,9 +11112,9 @@
               <a:gdLst/>
               <a:ahLst/>
               <a:cxnLst/>
-              <a:rect r="r" b="b" t="t" l="l"/>
+              <a:rect l="l" t="t" r="r" b="b"/>
               <a:pathLst>
-                <a:path h="678471" w="832605">
+                <a:path w="832605" h="678471">
                   <a:moveTo>
                     <a:pt x="416302" y="0"/>
                   </a:moveTo>
@@ -11077,8 +11149,8 @@
         </p:sp>
         <p:sp>
           <p:nvSpPr>
-            <p:cNvPr name="TextBox 4" id="4"/>
-            <p:cNvSpPr txBox="true"/>
+            <p:cNvPr id="4" name="TextBox 4"/>
+            <p:cNvSpPr txBox="1"/>
             <p:nvPr/>
           </p:nvSpPr>
           <p:spPr>
@@ -11091,7 +11163,7 @@
             </a:prstGeom>
           </p:spPr>
           <p:txBody>
-            <a:bodyPr anchor="ctr" rtlCol="false" tIns="50800" lIns="50800" bIns="50800" rIns="50800"/>
+            <a:bodyPr lIns="50800" tIns="50800" rIns="50800" bIns="50800" rtlCol="0" anchor="ctr"/>
             <a:lstStyle/>
             <a:p>
               <a:pPr algn="ctr">
@@ -11102,18 +11174,19 @@
                   <a:spcPct val="0"/>
                 </a:spcBef>
               </a:pPr>
+              <a:endParaRPr/>
             </a:p>
           </p:txBody>
         </p:sp>
       </p:grpSp>
       <p:sp>
         <p:nvSpPr>
-          <p:cNvPr name="Freeform 5" id="5"/>
+          <p:cNvPr id="5" name="Freeform 5"/>
           <p:cNvSpPr/>
           <p:nvPr/>
         </p:nvSpPr>
         <p:spPr>
-          <a:xfrm flipH="false" flipV="false" rot="0">
+          <a:xfrm>
             <a:off x="559617" y="275995"/>
             <a:ext cx="11256637" cy="9202300"/>
           </a:xfrm>
@@ -11122,9 +11195,9 @@
             <a:gdLst/>
             <a:ahLst/>
             <a:cxnLst/>
-            <a:rect r="r" b="b" t="t" l="l"/>
+            <a:rect l="l" t="t" r="r" b="b"/>
             <a:pathLst>
-              <a:path h="9202300" w="11256637">
+              <a:path w="11256637" h="9202300">
                 <a:moveTo>
                   <a:pt x="0" y="0"/>
                 </a:moveTo>
@@ -11147,19 +11220,19 @@
           <a:blipFill>
             <a:blip r:embed="rId2"/>
             <a:stretch>
-              <a:fillRect l="0" t="0" r="0" b="0"/>
+              <a:fillRect/>
             </a:stretch>
           </a:blipFill>
         </p:spPr>
       </p:sp>
       <p:sp>
         <p:nvSpPr>
-          <p:cNvPr name="TextBox 6" id="6"/>
-          <p:cNvSpPr txBox="true"/>
+          <p:cNvPr id="6" name="TextBox 6"/>
+          <p:cNvSpPr txBox="1"/>
           <p:nvPr/>
         </p:nvSpPr>
         <p:spPr>
-          <a:xfrm rot="0">
+          <a:xfrm>
             <a:off x="12369428" y="4016593"/>
             <a:ext cx="8629548" cy="1644904"/>
           </a:xfrm>
@@ -11168,12 +11241,12 @@
           </a:prstGeom>
         </p:spPr>
         <p:txBody>
-          <a:bodyPr anchor="t" rtlCol="false" tIns="0" lIns="0" bIns="0" rIns="0">
+          <a:bodyPr lIns="0" tIns="0" rIns="0" bIns="0" rtlCol="0" anchor="t">
             <a:spAutoFit/>
           </a:bodyPr>
           <a:lstStyle/>
           <a:p>
-            <a:pPr algn="l" marL="0" indent="0" lvl="0">
+            <a:pPr marL="0" lvl="0" indent="0" algn="l">
               <a:lnSpc>
                 <a:spcPts val="5768"/>
               </a:lnSpc>
@@ -11182,7 +11255,7 @@
               </a:spcBef>
             </a:pPr>
             <a:r>
-              <a:rPr lang="en-US" b="true" sz="5600">
+              <a:rPr lang="en-US" sz="5600" b="1">
                 <a:solidFill>
                   <a:srgbClr val="FFFFFF"/>
                 </a:solidFill>
@@ -11205,7 +11278,7 @@
 </file>
 
 <file path=ppt/slides/slide5.xml><?xml version="1.0" encoding="utf-8"?>
-<p:sld xmlns:p="http://schemas.openxmlformats.org/presentationml/2006/main" xmlns:a="http://schemas.openxmlformats.org/drawingml/2006/main" xmlns:r="http://schemas.openxmlformats.org/officeDocument/2006/relationships">
+<p:sld xmlns:a="http://schemas.openxmlformats.org/drawingml/2006/main" xmlns:r="http://schemas.openxmlformats.org/officeDocument/2006/relationships" xmlns:p="http://schemas.openxmlformats.org/presentationml/2006/main">
   <p:cSld>
     <p:spTree>
       <p:nvGrpSpPr>
@@ -11223,12 +11296,12 @@
       </p:grpSpPr>
       <p:grpSp>
         <p:nvGrpSpPr>
-          <p:cNvPr name="Group 2" id="2"/>
+          <p:cNvPr id="2" name="Group 2"/>
           <p:cNvGrpSpPr/>
           <p:nvPr/>
         </p:nvGrpSpPr>
         <p:grpSpPr>
-          <a:xfrm rot="0">
+          <a:xfrm>
             <a:off x="12081007" y="406144"/>
             <a:ext cx="12125564" cy="9880856"/>
             <a:chOff x="0" y="0"/>
@@ -11237,12 +11310,12 @@
         </p:grpSpPr>
         <p:sp>
           <p:nvSpPr>
-            <p:cNvPr name="Freeform 3" id="3"/>
+            <p:cNvPr id="3" name="Freeform 3"/>
             <p:cNvSpPr/>
             <p:nvPr/>
           </p:nvSpPr>
           <p:spPr>
-            <a:xfrm flipH="false" flipV="false" rot="0">
+            <a:xfrm>
               <a:off x="0" y="0"/>
               <a:ext cx="832605" cy="678471"/>
             </a:xfrm>
@@ -11251,9 +11324,9 @@
               <a:gdLst/>
               <a:ahLst/>
               <a:cxnLst/>
-              <a:rect r="r" b="b" t="t" l="l"/>
+              <a:rect l="l" t="t" r="r" b="b"/>
               <a:pathLst>
-                <a:path h="678471" w="832605">
+                <a:path w="832605" h="678471">
                   <a:moveTo>
                     <a:pt x="416302" y="0"/>
                   </a:moveTo>
@@ -11288,8 +11361,8 @@
         </p:sp>
         <p:sp>
           <p:nvSpPr>
-            <p:cNvPr name="TextBox 4" id="4"/>
-            <p:cNvSpPr txBox="true"/>
+            <p:cNvPr id="4" name="TextBox 4"/>
+            <p:cNvSpPr txBox="1"/>
             <p:nvPr/>
           </p:nvSpPr>
           <p:spPr>
@@ -11302,7 +11375,7 @@
             </a:prstGeom>
           </p:spPr>
           <p:txBody>
-            <a:bodyPr anchor="ctr" rtlCol="false" tIns="50800" lIns="50800" bIns="50800" rIns="50800"/>
+            <a:bodyPr lIns="50800" tIns="50800" rIns="50800" bIns="50800" rtlCol="0" anchor="ctr"/>
             <a:lstStyle/>
             <a:p>
               <a:pPr algn="ctr">
@@ -11313,18 +11386,19 @@
                   <a:spcPct val="0"/>
                 </a:spcBef>
               </a:pPr>
+              <a:endParaRPr/>
             </a:p>
           </p:txBody>
         </p:sp>
       </p:grpSp>
       <p:sp>
         <p:nvSpPr>
-          <p:cNvPr name="Freeform 5" id="5"/>
+          <p:cNvPr id="5" name="Freeform 5"/>
           <p:cNvSpPr/>
           <p:nvPr/>
         </p:nvSpPr>
         <p:spPr>
-          <a:xfrm flipH="false" flipV="false" rot="0">
+          <a:xfrm>
             <a:off x="1784297" y="406144"/>
             <a:ext cx="9041999" cy="9297685"/>
           </a:xfrm>
@@ -11333,9 +11407,9 @@
             <a:gdLst/>
             <a:ahLst/>
             <a:cxnLst/>
-            <a:rect r="r" b="b" t="t" l="l"/>
+            <a:rect l="l" t="t" r="r" b="b"/>
             <a:pathLst>
-              <a:path h="9297685" w="9041999">
+              <a:path w="9041999" h="9297685">
                 <a:moveTo>
                   <a:pt x="0" y="0"/>
                 </a:moveTo>
@@ -11358,19 +11432,19 @@
           <a:blipFill>
             <a:blip r:embed="rId2"/>
             <a:stretch>
-              <a:fillRect l="0" t="0" r="0" b="0"/>
+              <a:fillRect/>
             </a:stretch>
           </a:blipFill>
         </p:spPr>
       </p:sp>
       <p:sp>
         <p:nvSpPr>
-          <p:cNvPr name="TextBox 6" id="6"/>
-          <p:cNvSpPr txBox="true"/>
+          <p:cNvPr id="6" name="TextBox 6"/>
+          <p:cNvSpPr txBox="1"/>
           <p:nvPr/>
         </p:nvSpPr>
         <p:spPr>
-          <a:xfrm rot="0">
+          <a:xfrm>
             <a:off x="12369428" y="4016593"/>
             <a:ext cx="5918572" cy="1644904"/>
           </a:xfrm>
@@ -11379,12 +11453,12 @@
           </a:prstGeom>
         </p:spPr>
         <p:txBody>
-          <a:bodyPr anchor="t" rtlCol="false" tIns="0" lIns="0" bIns="0" rIns="0">
+          <a:bodyPr lIns="0" tIns="0" rIns="0" bIns="0" rtlCol="0" anchor="t">
             <a:spAutoFit/>
           </a:bodyPr>
           <a:lstStyle/>
           <a:p>
-            <a:pPr algn="l" marL="0" indent="0" lvl="0">
+            <a:pPr marL="0" lvl="0" indent="0" algn="l">
               <a:lnSpc>
                 <a:spcPts val="5768"/>
               </a:lnSpc>
@@ -11393,7 +11467,7 @@
               </a:spcBef>
             </a:pPr>
             <a:r>
-              <a:rPr lang="en-US" b="true" sz="5600">
+              <a:rPr lang="en-US" sz="5600" b="1">
                 <a:solidFill>
                   <a:srgbClr val="FFFFFF"/>
                 </a:solidFill>
@@ -11416,7 +11490,7 @@
 </file>
 
 <file path=ppt/slides/slide6.xml><?xml version="1.0" encoding="utf-8"?>
-<p:sld xmlns:p="http://schemas.openxmlformats.org/presentationml/2006/main" xmlns:a="http://schemas.openxmlformats.org/drawingml/2006/main" xmlns:r="http://schemas.openxmlformats.org/officeDocument/2006/relationships">
+<p:sld xmlns:a="http://schemas.openxmlformats.org/drawingml/2006/main" xmlns:r="http://schemas.openxmlformats.org/officeDocument/2006/relationships" xmlns:p="http://schemas.openxmlformats.org/presentationml/2006/main">
   <p:cSld>
     <p:spTree>
       <p:nvGrpSpPr>
@@ -11434,12 +11508,12 @@
       </p:grpSpPr>
       <p:grpSp>
         <p:nvGrpSpPr>
-          <p:cNvPr name="Group 2" id="2"/>
+          <p:cNvPr id="2" name="Group 2"/>
           <p:cNvGrpSpPr/>
           <p:nvPr/>
         </p:nvGrpSpPr>
         <p:grpSpPr>
-          <a:xfrm rot="0">
+          <a:xfrm>
             <a:off x="5487247" y="-6987793"/>
             <a:ext cx="11916057" cy="9946728"/>
             <a:chOff x="0" y="0"/>
@@ -11448,12 +11522,12 @@
         </p:grpSpPr>
         <p:sp>
           <p:nvSpPr>
-            <p:cNvPr name="Freeform 3" id="3"/>
+            <p:cNvPr id="3" name="Freeform 3"/>
             <p:cNvSpPr/>
             <p:nvPr/>
           </p:nvSpPr>
           <p:spPr>
-            <a:xfrm flipH="false" flipV="false" rot="0">
+            <a:xfrm>
               <a:off x="0" y="0"/>
               <a:ext cx="812800" cy="678471"/>
             </a:xfrm>
@@ -11462,9 +11536,9 @@
               <a:gdLst/>
               <a:ahLst/>
               <a:cxnLst/>
-              <a:rect r="r" b="b" t="t" l="l"/>
+              <a:rect l="l" t="t" r="r" b="b"/>
               <a:pathLst>
-                <a:path h="678471" w="812800">
+                <a:path w="812800" h="678471">
                   <a:moveTo>
                     <a:pt x="406400" y="0"/>
                   </a:moveTo>
@@ -11499,8 +11573,8 @@
         </p:sp>
         <p:sp>
           <p:nvSpPr>
-            <p:cNvPr name="TextBox 4" id="4"/>
-            <p:cNvSpPr txBox="true"/>
+            <p:cNvPr id="4" name="TextBox 4"/>
+            <p:cNvSpPr txBox="1"/>
             <p:nvPr/>
           </p:nvSpPr>
           <p:spPr>
@@ -11513,7 +11587,7 @@
             </a:prstGeom>
           </p:spPr>
           <p:txBody>
-            <a:bodyPr anchor="ctr" rtlCol="false" tIns="50800" lIns="50800" bIns="50800" rIns="50800"/>
+            <a:bodyPr lIns="50800" tIns="50800" rIns="50800" bIns="50800" rtlCol="0" anchor="ctr"/>
             <a:lstStyle/>
             <a:p>
               <a:pPr algn="ctr">
@@ -11524,18 +11598,19 @@
                   <a:spcPct val="0"/>
                 </a:spcBef>
               </a:pPr>
+              <a:endParaRPr/>
             </a:p>
           </p:txBody>
         </p:sp>
       </p:grpSp>
       <p:sp>
         <p:nvSpPr>
-          <p:cNvPr name="Freeform 5" id="5"/>
+          <p:cNvPr id="5" name="Freeform 5"/>
           <p:cNvSpPr/>
           <p:nvPr/>
         </p:nvSpPr>
         <p:spPr>
-          <a:xfrm flipH="false" flipV="false" rot="0">
+          <a:xfrm>
             <a:off x="2817876" y="3169801"/>
             <a:ext cx="11469202" cy="6594791"/>
           </a:xfrm>
@@ -11544,9 +11619,9 @@
             <a:gdLst/>
             <a:ahLst/>
             <a:cxnLst/>
-            <a:rect r="r" b="b" t="t" l="l"/>
+            <a:rect l="l" t="t" r="r" b="b"/>
             <a:pathLst>
-              <a:path h="6594791" w="11469202">
+              <a:path w="11469202" h="6594791">
                 <a:moveTo>
                   <a:pt x="0" y="0"/>
                 </a:moveTo>
@@ -11569,19 +11644,19 @@
           <a:blipFill>
             <a:blip r:embed="rId2"/>
             <a:stretch>
-              <a:fillRect l="0" t="0" r="0" b="0"/>
+              <a:fillRect/>
             </a:stretch>
           </a:blipFill>
         </p:spPr>
       </p:sp>
       <p:sp>
         <p:nvSpPr>
-          <p:cNvPr name="TextBox 6" id="6"/>
-          <p:cNvSpPr txBox="true"/>
+          <p:cNvPr id="6" name="TextBox 6"/>
+          <p:cNvSpPr txBox="1"/>
           <p:nvPr/>
         </p:nvSpPr>
         <p:spPr>
-          <a:xfrm rot="0">
+          <a:xfrm>
             <a:off x="8975857" y="26345"/>
             <a:ext cx="10225478" cy="2322861"/>
           </a:xfrm>
@@ -11590,12 +11665,12 @@
           </a:prstGeom>
         </p:spPr>
         <p:txBody>
-          <a:bodyPr anchor="t" rtlCol="false" tIns="0" lIns="0" bIns="0" rIns="0">
+          <a:bodyPr lIns="0" tIns="0" rIns="0" bIns="0" rtlCol="0" anchor="t">
             <a:spAutoFit/>
           </a:bodyPr>
           <a:lstStyle/>
           <a:p>
-            <a:pPr algn="l" marL="0" indent="0" lvl="0">
+            <a:pPr marL="0" lvl="0" indent="0" algn="l">
               <a:lnSpc>
                 <a:spcPts val="8120"/>
               </a:lnSpc>
@@ -11604,7 +11679,7 @@
               </a:spcBef>
             </a:pPr>
             <a:r>
-              <a:rPr lang="en-US" b="true" sz="7883">
+              <a:rPr lang="en-US" sz="7883" b="1">
                 <a:solidFill>
                   <a:srgbClr val="FFFFFF"/>
                 </a:solidFill>
@@ -11627,7 +11702,7 @@
 </file>
 
 <file path=ppt/slides/slide7.xml><?xml version="1.0" encoding="utf-8"?>
-<p:sld xmlns:p="http://schemas.openxmlformats.org/presentationml/2006/main" xmlns:a="http://schemas.openxmlformats.org/drawingml/2006/main">
+<p:sld xmlns:a="http://schemas.openxmlformats.org/drawingml/2006/main" xmlns:r="http://schemas.openxmlformats.org/officeDocument/2006/relationships" xmlns:p="http://schemas.openxmlformats.org/presentationml/2006/main">
   <p:cSld>
     <p:spTree>
       <p:nvGrpSpPr>
@@ -11645,12 +11720,12 @@
       </p:grpSpPr>
       <p:grpSp>
         <p:nvGrpSpPr>
-          <p:cNvPr name="Group 2" id="2"/>
+          <p:cNvPr id="2" name="Group 2"/>
           <p:cNvGrpSpPr/>
           <p:nvPr/>
         </p:nvGrpSpPr>
         <p:grpSpPr>
-          <a:xfrm rot="0">
+          <a:xfrm>
             <a:off x="-1231426" y="-7006736"/>
             <a:ext cx="21267702" cy="9794095"/>
             <a:chOff x="0" y="0"/>
@@ -11659,12 +11734,12 @@
         </p:grpSpPr>
         <p:sp>
           <p:nvSpPr>
-            <p:cNvPr name="Freeform 3" id="3"/>
+            <p:cNvPr id="3" name="Freeform 3"/>
             <p:cNvSpPr/>
             <p:nvPr/>
           </p:nvSpPr>
           <p:spPr>
-            <a:xfrm flipH="false" flipV="false" rot="0">
+            <a:xfrm>
               <a:off x="0" y="0"/>
               <a:ext cx="1400172" cy="644800"/>
             </a:xfrm>
@@ -11673,9 +11748,9 @@
               <a:gdLst/>
               <a:ahLst/>
               <a:cxnLst/>
-              <a:rect r="r" b="b" t="t" l="l"/>
+              <a:rect l="l" t="t" r="r" b="b"/>
               <a:pathLst>
-                <a:path h="644800" w="1400172">
+                <a:path w="1400172" h="644800">
                   <a:moveTo>
                     <a:pt x="700086" y="0"/>
                   </a:moveTo>
@@ -11710,8 +11785,8 @@
         </p:sp>
         <p:sp>
           <p:nvSpPr>
-            <p:cNvPr name="TextBox 4" id="4"/>
-            <p:cNvSpPr txBox="true"/>
+            <p:cNvPr id="4" name="TextBox 4"/>
+            <p:cNvSpPr txBox="1"/>
             <p:nvPr/>
           </p:nvSpPr>
           <p:spPr>
@@ -11724,7 +11799,7 @@
             </a:prstGeom>
           </p:spPr>
           <p:txBody>
-            <a:bodyPr anchor="ctr" rtlCol="false" tIns="50800" lIns="50800" bIns="50800" rIns="50800"/>
+            <a:bodyPr lIns="50800" tIns="50800" rIns="50800" bIns="50800" rtlCol="0" anchor="ctr"/>
             <a:lstStyle/>
             <a:p>
               <a:pPr algn="ctr">
@@ -11735,18 +11810,19 @@
                   <a:spcPct val="0"/>
                 </a:spcBef>
               </a:pPr>
+              <a:endParaRPr/>
             </a:p>
           </p:txBody>
         </p:sp>
       </p:grpSp>
       <p:sp>
         <p:nvSpPr>
-          <p:cNvPr name="TextBox 5" id="5"/>
-          <p:cNvSpPr txBox="true"/>
+          <p:cNvPr id="5" name="TextBox 5"/>
+          <p:cNvSpPr txBox="1"/>
           <p:nvPr/>
         </p:nvSpPr>
         <p:spPr>
-          <a:xfrm rot="0">
+          <a:xfrm>
             <a:off x="1344720" y="150999"/>
             <a:ext cx="16380603" cy="1294161"/>
           </a:xfrm>
@@ -11755,12 +11831,12 @@
           </a:prstGeom>
         </p:spPr>
         <p:txBody>
-          <a:bodyPr anchor="t" rtlCol="false" tIns="0" lIns="0" bIns="0" rIns="0">
+          <a:bodyPr lIns="0" tIns="0" rIns="0" bIns="0" rtlCol="0" anchor="t">
             <a:spAutoFit/>
           </a:bodyPr>
           <a:lstStyle/>
           <a:p>
-            <a:pPr algn="l" marL="0" indent="0" lvl="0">
+            <a:pPr marL="0" lvl="0" indent="0" algn="l">
               <a:lnSpc>
                 <a:spcPts val="8120"/>
               </a:lnSpc>
@@ -11769,7 +11845,7 @@
               </a:spcBef>
             </a:pPr>
             <a:r>
-              <a:rPr lang="en-US" b="true" sz="7883">
+              <a:rPr lang="en-US" sz="7883" b="1">
                 <a:solidFill>
                   <a:srgbClr val="FFFFFF"/>
                 </a:solidFill>
@@ -11785,12 +11861,12 @@
       </p:sp>
       <p:sp>
         <p:nvSpPr>
-          <p:cNvPr name="TextBox 6" id="6"/>
-          <p:cNvSpPr txBox="true"/>
+          <p:cNvPr id="6" name="TextBox 6"/>
+          <p:cNvSpPr txBox="1"/>
           <p:nvPr/>
         </p:nvSpPr>
         <p:spPr>
-          <a:xfrm rot="0">
+          <a:xfrm>
             <a:off x="1334376" y="2749259"/>
             <a:ext cx="1981646" cy="396240"/>
           </a:xfrm>
@@ -11799,7 +11875,7 @@
           </a:prstGeom>
         </p:spPr>
         <p:txBody>
-          <a:bodyPr anchor="t" rtlCol="false" tIns="0" lIns="0" bIns="0" rIns="0">
+          <a:bodyPr lIns="0" tIns="0" rIns="0" bIns="0" rtlCol="0" anchor="t">
             <a:spAutoFit/>
           </a:bodyPr>
           <a:lstStyle/>
@@ -11813,7 +11889,7 @@
               </a:spcBef>
             </a:pPr>
             <a:r>
-              <a:rPr lang="en-US" b="true" sz="2399">
+              <a:rPr lang="en-US" sz="2399" b="1">
                 <a:solidFill>
                   <a:srgbClr val="000000"/>
                 </a:solidFill>
@@ -11829,12 +11905,12 @@
       </p:sp>
       <p:sp>
         <p:nvSpPr>
-          <p:cNvPr name="TextBox 7" id="7"/>
-          <p:cNvSpPr txBox="true"/>
+          <p:cNvPr id="7" name="TextBox 7"/>
+          <p:cNvSpPr txBox="1"/>
           <p:nvPr/>
         </p:nvSpPr>
         <p:spPr>
-          <a:xfrm rot="0">
+          <a:xfrm>
             <a:off x="1334376" y="3307679"/>
             <a:ext cx="14076721" cy="1656715"/>
           </a:xfrm>
@@ -11843,12 +11919,12 @@
           </a:prstGeom>
         </p:spPr>
         <p:txBody>
-          <a:bodyPr anchor="t" rtlCol="false" tIns="0" lIns="0" bIns="0" rIns="0">
+          <a:bodyPr lIns="0" tIns="0" rIns="0" bIns="0" rtlCol="0" anchor="t">
             <a:spAutoFit/>
           </a:bodyPr>
           <a:lstStyle/>
           <a:p>
-            <a:pPr algn="l" marL="410209" indent="-205105" lvl="1">
+            <a:pPr marL="410209" lvl="1" indent="-205105" algn="l">
               <a:lnSpc>
                 <a:spcPts val="2659"/>
               </a:lnSpc>
@@ -11865,23 +11941,11 @@
                 <a:cs typeface="Open Sans"/>
                 <a:sym typeface="Open Sans"/>
               </a:rPr>
-              <a:t>Ba</a:t>
-            </a:r>
-            <a:r>
-              <a:rPr lang="en-US" sz="1899">
-                <a:solidFill>
-                  <a:srgbClr val="000000"/>
-                </a:solidFill>
-                <a:latin typeface="Open Sans"/>
-                <a:ea typeface="Open Sans"/>
-                <a:cs typeface="Open Sans"/>
-                <a:sym typeface="Open Sans"/>
-              </a:rPr>
-              <a:t>lanceo de carga para distribuir tráfico entre servidores. </a:t>
-            </a:r>
-          </a:p>
-          <a:p>
-            <a:pPr algn="l" marL="410209" indent="-205105" lvl="1">
+              <a:t>Balanceo de carga para distribuir tráfico entre servidores. </a:t>
+            </a:r>
+          </a:p>
+          <a:p>
+            <a:pPr marL="410209" lvl="1" indent="-205105" algn="l">
               <a:lnSpc>
                 <a:spcPts val="2659"/>
               </a:lnSpc>
@@ -11902,7 +11966,7 @@
             </a:r>
           </a:p>
           <a:p>
-            <a:pPr algn="l" marL="410209" indent="-205105" lvl="1">
+            <a:pPr marL="410209" lvl="1" indent="-205105" algn="l">
               <a:lnSpc>
                 <a:spcPts val="2659"/>
               </a:lnSpc>
@@ -11923,7 +11987,7 @@
             </a:r>
           </a:p>
           <a:p>
-            <a:pPr algn="l" marL="410209" indent="-205105" lvl="1">
+            <a:pPr marL="410209" lvl="1" indent="-205105" algn="l">
               <a:lnSpc>
                 <a:spcPts val="2659"/>
               </a:lnSpc>
@@ -11944,7 +12008,7 @@
             </a:r>
           </a:p>
           <a:p>
-            <a:pPr algn="l" marL="410209" indent="-205105" lvl="1">
+            <a:pPr marL="410209" lvl="1" indent="-205105" algn="l">
               <a:lnSpc>
                 <a:spcPts val="2659"/>
               </a:lnSpc>
@@ -11968,12 +12032,12 @@
       </p:sp>
       <p:sp>
         <p:nvSpPr>
-          <p:cNvPr name="TextBox 8" id="8"/>
-          <p:cNvSpPr txBox="true"/>
+          <p:cNvPr id="8" name="TextBox 8"/>
+          <p:cNvSpPr txBox="1"/>
           <p:nvPr/>
         </p:nvSpPr>
         <p:spPr>
-          <a:xfrm rot="0">
+          <a:xfrm>
             <a:off x="1334376" y="5664568"/>
             <a:ext cx="1960959" cy="396240"/>
           </a:xfrm>
@@ -11982,7 +12046,7 @@
           </a:prstGeom>
         </p:spPr>
         <p:txBody>
-          <a:bodyPr anchor="t" rtlCol="false" tIns="0" lIns="0" bIns="0" rIns="0">
+          <a:bodyPr lIns="0" tIns="0" rIns="0" bIns="0" rtlCol="0" anchor="t">
             <a:spAutoFit/>
           </a:bodyPr>
           <a:lstStyle/>
@@ -11996,7 +12060,7 @@
               </a:spcBef>
             </a:pPr>
             <a:r>
-              <a:rPr lang="en-US" b="true" sz="2399">
+              <a:rPr lang="en-US" sz="2399" b="1">
                 <a:solidFill>
                   <a:srgbClr val="000000"/>
                 </a:solidFill>
@@ -12012,12 +12076,12 @@
       </p:sp>
       <p:sp>
         <p:nvSpPr>
-          <p:cNvPr name="TextBox 9" id="9"/>
-          <p:cNvSpPr txBox="true"/>
+          <p:cNvPr id="9" name="TextBox 9"/>
+          <p:cNvSpPr txBox="1"/>
           <p:nvPr/>
         </p:nvSpPr>
         <p:spPr>
-          <a:xfrm rot="0">
+          <a:xfrm>
             <a:off x="1334376" y="6384550"/>
             <a:ext cx="8962315" cy="656590"/>
           </a:xfrm>
@@ -12026,12 +12090,12 @@
           </a:prstGeom>
         </p:spPr>
         <p:txBody>
-          <a:bodyPr anchor="t" rtlCol="false" tIns="0" lIns="0" bIns="0" rIns="0">
+          <a:bodyPr lIns="0" tIns="0" rIns="0" bIns="0" rtlCol="0" anchor="t">
             <a:spAutoFit/>
           </a:bodyPr>
           <a:lstStyle/>
           <a:p>
-            <a:pPr algn="l" marL="410209" indent="-205105" lvl="1">
+            <a:pPr marL="410209" lvl="1" indent="-205105" algn="l">
               <a:lnSpc>
                 <a:spcPts val="2659"/>
               </a:lnSpc>
@@ -12052,7 +12116,7 @@
             </a:r>
           </a:p>
           <a:p>
-            <a:pPr algn="l" marL="410209" indent="-205105" lvl="1">
+            <a:pPr marL="410209" lvl="1" indent="-205105" algn="l">
               <a:lnSpc>
                 <a:spcPts val="2659"/>
               </a:lnSpc>
@@ -12076,12 +12140,12 @@
       </p:sp>
       <p:sp>
         <p:nvSpPr>
-          <p:cNvPr name="TextBox 10" id="10"/>
-          <p:cNvSpPr txBox="true"/>
+          <p:cNvPr id="10" name="TextBox 10"/>
+          <p:cNvSpPr txBox="1"/>
           <p:nvPr/>
         </p:nvSpPr>
         <p:spPr>
-          <a:xfrm rot="0">
+          <a:xfrm>
             <a:off x="1344720" y="7565015"/>
             <a:ext cx="2677641" cy="396240"/>
           </a:xfrm>
@@ -12090,7 +12154,7 @@
           </a:prstGeom>
         </p:spPr>
         <p:txBody>
-          <a:bodyPr anchor="t" rtlCol="false" tIns="0" lIns="0" bIns="0" rIns="0">
+          <a:bodyPr lIns="0" tIns="0" rIns="0" bIns="0" rtlCol="0" anchor="t">
             <a:spAutoFit/>
           </a:bodyPr>
           <a:lstStyle/>
@@ -12104,7 +12168,7 @@
               </a:spcBef>
             </a:pPr>
             <a:r>
-              <a:rPr lang="en-US" b="true" sz="2399">
+              <a:rPr lang="en-US" sz="2399" b="1">
                 <a:solidFill>
                   <a:srgbClr val="000000"/>
                 </a:solidFill>
@@ -12120,12 +12184,12 @@
       </p:sp>
       <p:sp>
         <p:nvSpPr>
-          <p:cNvPr name="TextBox 11" id="11"/>
-          <p:cNvSpPr txBox="true"/>
+          <p:cNvPr id="11" name="TextBox 11"/>
+          <p:cNvSpPr txBox="1"/>
           <p:nvPr/>
         </p:nvSpPr>
         <p:spPr>
-          <a:xfrm rot="0">
+          <a:xfrm>
             <a:off x="1344720" y="8123181"/>
             <a:ext cx="13243263" cy="989965"/>
           </a:xfrm>
@@ -12134,12 +12198,12 @@
           </a:prstGeom>
         </p:spPr>
         <p:txBody>
-          <a:bodyPr anchor="t" rtlCol="false" tIns="0" lIns="0" bIns="0" rIns="0">
+          <a:bodyPr lIns="0" tIns="0" rIns="0" bIns="0" rtlCol="0" anchor="t">
             <a:spAutoFit/>
           </a:bodyPr>
           <a:lstStyle/>
           <a:p>
-            <a:pPr algn="l" marL="410209" indent="-205105" lvl="1">
+            <a:pPr marL="410209" lvl="1" indent="-205105" algn="l">
               <a:lnSpc>
                 <a:spcPts val="2659"/>
               </a:lnSpc>
@@ -12160,7 +12224,7 @@
             </a:r>
           </a:p>
           <a:p>
-            <a:pPr algn="l" marL="410209" indent="-205105" lvl="1">
+            <a:pPr marL="410209" lvl="1" indent="-205105" algn="l">
               <a:lnSpc>
                 <a:spcPts val="2659"/>
               </a:lnSpc>
@@ -12186,6 +12250,15 @@
                 <a:spcPts val="2659"/>
               </a:lnSpc>
             </a:pPr>
+            <a:endParaRPr lang="en-US" sz="1899">
+              <a:solidFill>
+                <a:srgbClr val="000000"/>
+              </a:solidFill>
+              <a:latin typeface="Open Sans"/>
+              <a:ea typeface="Open Sans"/>
+              <a:cs typeface="Open Sans"/>
+              <a:sym typeface="Open Sans"/>
+            </a:endParaRPr>
           </a:p>
         </p:txBody>
       </p:sp>
@@ -12198,7 +12271,7 @@
 </file>
 
 <file path=ppt/slides/slide8.xml><?xml version="1.0" encoding="utf-8"?>
-<p:sld xmlns:p="http://schemas.openxmlformats.org/presentationml/2006/main" xmlns:a="http://schemas.openxmlformats.org/drawingml/2006/main">
+<p:sld xmlns:a="http://schemas.openxmlformats.org/drawingml/2006/main" xmlns:r="http://schemas.openxmlformats.org/officeDocument/2006/relationships" xmlns:p="http://schemas.openxmlformats.org/presentationml/2006/main">
   <p:cSld>
     <p:spTree>
       <p:nvGrpSpPr>
@@ -12216,12 +12289,12 @@
       </p:grpSpPr>
       <p:grpSp>
         <p:nvGrpSpPr>
-          <p:cNvPr name="Group 2" id="2"/>
+          <p:cNvPr id="2" name="Group 2"/>
           <p:cNvGrpSpPr/>
           <p:nvPr/>
         </p:nvGrpSpPr>
         <p:grpSpPr>
-          <a:xfrm rot="0">
+          <a:xfrm>
             <a:off x="-1231426" y="-7006736"/>
             <a:ext cx="21267702" cy="9794095"/>
             <a:chOff x="0" y="0"/>
@@ -12230,12 +12303,12 @@
         </p:grpSpPr>
         <p:sp>
           <p:nvSpPr>
-            <p:cNvPr name="Freeform 3" id="3"/>
+            <p:cNvPr id="3" name="Freeform 3"/>
             <p:cNvSpPr/>
             <p:nvPr/>
           </p:nvSpPr>
           <p:spPr>
-            <a:xfrm flipH="false" flipV="false" rot="0">
+            <a:xfrm>
               <a:off x="0" y="0"/>
               <a:ext cx="1400172" cy="644800"/>
             </a:xfrm>
@@ -12244,9 +12317,9 @@
               <a:gdLst/>
               <a:ahLst/>
               <a:cxnLst/>
-              <a:rect r="r" b="b" t="t" l="l"/>
+              <a:rect l="l" t="t" r="r" b="b"/>
               <a:pathLst>
-                <a:path h="644800" w="1400172">
+                <a:path w="1400172" h="644800">
                   <a:moveTo>
                     <a:pt x="700086" y="0"/>
                   </a:moveTo>
@@ -12281,8 +12354,8 @@
         </p:sp>
         <p:sp>
           <p:nvSpPr>
-            <p:cNvPr name="TextBox 4" id="4"/>
-            <p:cNvSpPr txBox="true"/>
+            <p:cNvPr id="4" name="TextBox 4"/>
+            <p:cNvSpPr txBox="1"/>
             <p:nvPr/>
           </p:nvSpPr>
           <p:spPr>
@@ -12295,7 +12368,7 @@
             </a:prstGeom>
           </p:spPr>
           <p:txBody>
-            <a:bodyPr anchor="ctr" rtlCol="false" tIns="50800" lIns="50800" bIns="50800" rIns="50800"/>
+            <a:bodyPr lIns="50800" tIns="50800" rIns="50800" bIns="50800" rtlCol="0" anchor="ctr"/>
             <a:lstStyle/>
             <a:p>
               <a:pPr algn="ctr">
@@ -12306,18 +12379,19 @@
                   <a:spcPct val="0"/>
                 </a:spcBef>
               </a:pPr>
+              <a:endParaRPr/>
             </a:p>
           </p:txBody>
         </p:sp>
       </p:grpSp>
       <p:sp>
         <p:nvSpPr>
-          <p:cNvPr name="TextBox 5" id="5"/>
-          <p:cNvSpPr txBox="true"/>
+          <p:cNvPr id="5" name="TextBox 5"/>
+          <p:cNvSpPr txBox="1"/>
           <p:nvPr/>
         </p:nvSpPr>
         <p:spPr>
-          <a:xfrm rot="0">
+          <a:xfrm>
             <a:off x="1344720" y="150999"/>
             <a:ext cx="16380603" cy="1294161"/>
           </a:xfrm>
@@ -12326,12 +12400,12 @@
           </a:prstGeom>
         </p:spPr>
         <p:txBody>
-          <a:bodyPr anchor="t" rtlCol="false" tIns="0" lIns="0" bIns="0" rIns="0">
+          <a:bodyPr lIns="0" tIns="0" rIns="0" bIns="0" rtlCol="0" anchor="t">
             <a:spAutoFit/>
           </a:bodyPr>
           <a:lstStyle/>
           <a:p>
-            <a:pPr algn="l" marL="0" indent="0" lvl="0">
+            <a:pPr marL="0" lvl="0" indent="0" algn="l">
               <a:lnSpc>
                 <a:spcPts val="8120"/>
               </a:lnSpc>
@@ -12340,7 +12414,7 @@
               </a:spcBef>
             </a:pPr>
             <a:r>
-              <a:rPr lang="en-US" b="true" sz="7883">
+              <a:rPr lang="en-US" sz="7883" b="1">
                 <a:solidFill>
                   <a:srgbClr val="FFFFFF"/>
                 </a:solidFill>
@@ -12356,12 +12430,12 @@
       </p:sp>
       <p:sp>
         <p:nvSpPr>
-          <p:cNvPr name="TextBox 6" id="6"/>
-          <p:cNvSpPr txBox="true"/>
+          <p:cNvPr id="6" name="TextBox 6"/>
+          <p:cNvSpPr txBox="1"/>
           <p:nvPr/>
         </p:nvSpPr>
         <p:spPr>
-          <a:xfrm rot="0">
+          <a:xfrm>
             <a:off x="1307773" y="2749259"/>
             <a:ext cx="2034853" cy="396240"/>
           </a:xfrm>
@@ -12370,7 +12444,7 @@
           </a:prstGeom>
         </p:spPr>
         <p:txBody>
-          <a:bodyPr anchor="t" rtlCol="false" tIns="0" lIns="0" bIns="0" rIns="0">
+          <a:bodyPr lIns="0" tIns="0" rIns="0" bIns="0" rtlCol="0" anchor="t">
             <a:spAutoFit/>
           </a:bodyPr>
           <a:lstStyle/>
@@ -12384,7 +12458,7 @@
               </a:spcBef>
             </a:pPr>
             <a:r>
-              <a:rPr lang="en-US" b="true" sz="2399">
+              <a:rPr lang="en-US" sz="2399" b="1">
                 <a:solidFill>
                   <a:srgbClr val="000000"/>
                 </a:solidFill>
@@ -12400,12 +12474,12 @@
       </p:sp>
       <p:sp>
         <p:nvSpPr>
-          <p:cNvPr name="TextBox 7" id="7"/>
-          <p:cNvSpPr txBox="true"/>
+          <p:cNvPr id="7" name="TextBox 7"/>
+          <p:cNvSpPr txBox="1"/>
           <p:nvPr/>
         </p:nvSpPr>
         <p:spPr>
-          <a:xfrm rot="0">
+          <a:xfrm>
             <a:off x="1334376" y="3307679"/>
             <a:ext cx="14076721" cy="656590"/>
           </a:xfrm>
@@ -12414,12 +12488,12 @@
           </a:prstGeom>
         </p:spPr>
         <p:txBody>
-          <a:bodyPr anchor="t" rtlCol="false" tIns="0" lIns="0" bIns="0" rIns="0">
+          <a:bodyPr lIns="0" tIns="0" rIns="0" bIns="0" rtlCol="0" anchor="t">
             <a:spAutoFit/>
           </a:bodyPr>
           <a:lstStyle/>
           <a:p>
-            <a:pPr algn="l" marL="410209" indent="-205105" lvl="1">
+            <a:pPr marL="410209" lvl="1" indent="-205105" algn="l">
               <a:lnSpc>
                 <a:spcPts val="2659"/>
               </a:lnSpc>
@@ -12440,7 +12514,7 @@
             </a:r>
           </a:p>
           <a:p>
-            <a:pPr algn="l" marL="410209" indent="-205105" lvl="1">
+            <a:pPr marL="410209" lvl="1" indent="-205105" algn="l">
               <a:lnSpc>
                 <a:spcPts val="2659"/>
               </a:lnSpc>
@@ -12464,12 +12538,12 @@
       </p:sp>
       <p:sp>
         <p:nvSpPr>
-          <p:cNvPr name="TextBox 8" id="8"/>
-          <p:cNvSpPr txBox="true"/>
+          <p:cNvPr id="8" name="TextBox 8"/>
+          <p:cNvSpPr txBox="1"/>
           <p:nvPr/>
         </p:nvSpPr>
         <p:spPr>
-          <a:xfrm rot="0">
+          <a:xfrm>
             <a:off x="1344720" y="4926330"/>
             <a:ext cx="1686744" cy="396240"/>
           </a:xfrm>
@@ -12478,7 +12552,7 @@
           </a:prstGeom>
         </p:spPr>
         <p:txBody>
-          <a:bodyPr anchor="t" rtlCol="false" tIns="0" lIns="0" bIns="0" rIns="0">
+          <a:bodyPr lIns="0" tIns="0" rIns="0" bIns="0" rtlCol="0" anchor="t">
             <a:spAutoFit/>
           </a:bodyPr>
           <a:lstStyle/>
@@ -12492,7 +12566,7 @@
               </a:spcBef>
             </a:pPr>
             <a:r>
-              <a:rPr lang="en-US" b="true" sz="2399">
+              <a:rPr lang="en-US" sz="2399" b="1">
                 <a:solidFill>
                   <a:srgbClr val="000000"/>
                 </a:solidFill>
@@ -12508,12 +12582,12 @@
       </p:sp>
       <p:sp>
         <p:nvSpPr>
-          <p:cNvPr name="TextBox 9" id="9"/>
-          <p:cNvSpPr txBox="true"/>
+          <p:cNvPr id="9" name="TextBox 9"/>
+          <p:cNvSpPr txBox="1"/>
           <p:nvPr/>
         </p:nvSpPr>
         <p:spPr>
-          <a:xfrm rot="0">
+          <a:xfrm>
             <a:off x="1344720" y="5675965"/>
             <a:ext cx="8962315" cy="1323340"/>
           </a:xfrm>
@@ -12522,12 +12596,12 @@
           </a:prstGeom>
         </p:spPr>
         <p:txBody>
-          <a:bodyPr anchor="t" rtlCol="false" tIns="0" lIns="0" bIns="0" rIns="0">
+          <a:bodyPr lIns="0" tIns="0" rIns="0" bIns="0" rtlCol="0" anchor="t">
             <a:spAutoFit/>
           </a:bodyPr>
           <a:lstStyle/>
           <a:p>
-            <a:pPr algn="l" marL="410209" indent="-205105" lvl="1">
+            <a:pPr marL="410209" lvl="1" indent="-205105" algn="l">
               <a:lnSpc>
                 <a:spcPts val="2659"/>
               </a:lnSpc>
@@ -12548,7 +12622,7 @@
             </a:r>
           </a:p>
           <a:p>
-            <a:pPr algn="l" marL="410209" indent="-205105" lvl="1">
+            <a:pPr marL="410209" lvl="1" indent="-205105" algn="l">
               <a:lnSpc>
                 <a:spcPts val="2659"/>
               </a:lnSpc>
@@ -12569,7 +12643,7 @@
             </a:r>
           </a:p>
           <a:p>
-            <a:pPr algn="l" marL="410209" indent="-205105" lvl="1">
+            <a:pPr marL="410209" lvl="1" indent="-205105" algn="l">
               <a:lnSpc>
                 <a:spcPts val="2659"/>
               </a:lnSpc>
@@ -12590,7 +12664,7 @@
             </a:r>
           </a:p>
           <a:p>
-            <a:pPr algn="l" marL="410209" indent="-205105" lvl="1">
+            <a:pPr marL="410209" lvl="1" indent="-205105" algn="l">
               <a:lnSpc>
                 <a:spcPts val="2659"/>
               </a:lnSpc>
@@ -12621,7 +12695,7 @@
 </file>
 
 <file path=ppt/slides/slide9.xml><?xml version="1.0" encoding="utf-8"?>
-<p:sld xmlns:p="http://schemas.openxmlformats.org/presentationml/2006/main" xmlns:a="http://schemas.openxmlformats.org/drawingml/2006/main">
+<p:sld xmlns:a="http://schemas.openxmlformats.org/drawingml/2006/main" xmlns:r="http://schemas.openxmlformats.org/officeDocument/2006/relationships" xmlns:p="http://schemas.openxmlformats.org/presentationml/2006/main">
   <p:cSld>
     <p:spTree>
       <p:nvGrpSpPr>
@@ -12639,12 +12713,12 @@
       </p:grpSpPr>
       <p:grpSp>
         <p:nvGrpSpPr>
-          <p:cNvPr name="Group 2" id="2"/>
+          <p:cNvPr id="2" name="Group 2"/>
           <p:cNvGrpSpPr/>
           <p:nvPr/>
         </p:nvGrpSpPr>
         <p:grpSpPr>
-          <a:xfrm rot="0">
+          <a:xfrm>
             <a:off x="-947112" y="-7575003"/>
             <a:ext cx="21046938" cy="11085771"/>
             <a:chOff x="0" y="0"/>
@@ -12653,12 +12727,12 @@
         </p:grpSpPr>
         <p:sp>
           <p:nvSpPr>
-            <p:cNvPr name="Freeform 3" id="3"/>
+            <p:cNvPr id="3" name="Freeform 3"/>
             <p:cNvSpPr/>
             <p:nvPr/>
           </p:nvSpPr>
           <p:spPr>
-            <a:xfrm flipH="false" flipV="false" rot="0">
+            <a:xfrm>
               <a:off x="0" y="0"/>
               <a:ext cx="1288114" cy="678471"/>
             </a:xfrm>
@@ -12667,9 +12741,9 @@
               <a:gdLst/>
               <a:ahLst/>
               <a:cxnLst/>
-              <a:rect r="r" b="b" t="t" l="l"/>
+              <a:rect l="l" t="t" r="r" b="b"/>
               <a:pathLst>
-                <a:path h="678471" w="1288114">
+                <a:path w="1288114" h="678471">
                   <a:moveTo>
                     <a:pt x="644057" y="0"/>
                   </a:moveTo>
@@ -12704,8 +12778,8 @@
         </p:sp>
         <p:sp>
           <p:nvSpPr>
-            <p:cNvPr name="TextBox 4" id="4"/>
-            <p:cNvSpPr txBox="true"/>
+            <p:cNvPr id="4" name="TextBox 4"/>
+            <p:cNvSpPr txBox="1"/>
             <p:nvPr/>
           </p:nvSpPr>
           <p:spPr>
@@ -12718,7 +12792,7 @@
             </a:prstGeom>
           </p:spPr>
           <p:txBody>
-            <a:bodyPr anchor="ctr" rtlCol="false" tIns="50800" lIns="50800" bIns="50800" rIns="50800"/>
+            <a:bodyPr lIns="50800" tIns="50800" rIns="50800" bIns="50800" rtlCol="0" anchor="ctr"/>
             <a:lstStyle/>
             <a:p>
               <a:pPr algn="ctr">
@@ -12729,18 +12803,19 @@
                   <a:spcPct val="0"/>
                 </a:spcBef>
               </a:pPr>
+              <a:endParaRPr/>
             </a:p>
           </p:txBody>
         </p:sp>
       </p:grpSp>
       <p:sp>
         <p:nvSpPr>
-          <p:cNvPr name="TextBox 5" id="5"/>
-          <p:cNvSpPr txBox="true"/>
+          <p:cNvPr id="5" name="TextBox 5"/>
+          <p:cNvSpPr txBox="1"/>
           <p:nvPr/>
         </p:nvSpPr>
         <p:spPr>
-          <a:xfrm rot="0">
+          <a:xfrm>
             <a:off x="2196014" y="-95250"/>
             <a:ext cx="15207289" cy="2322861"/>
           </a:xfrm>
@@ -12749,12 +12824,12 @@
           </a:prstGeom>
         </p:spPr>
         <p:txBody>
-          <a:bodyPr anchor="t" rtlCol="false" tIns="0" lIns="0" bIns="0" rIns="0">
+          <a:bodyPr lIns="0" tIns="0" rIns="0" bIns="0" rtlCol="0" anchor="t">
             <a:spAutoFit/>
           </a:bodyPr>
           <a:lstStyle/>
           <a:p>
-            <a:pPr algn="l" marL="0" indent="0" lvl="0">
+            <a:pPr marL="0" lvl="0" indent="0" algn="l">
               <a:lnSpc>
                 <a:spcPts val="8120"/>
               </a:lnSpc>
@@ -12763,7 +12838,7 @@
               </a:spcBef>
             </a:pPr>
             <a:r>
-              <a:rPr lang="en-US" b="true" sz="7883">
+              <a:rPr lang="en-US" sz="7883" b="1">
                 <a:solidFill>
                   <a:srgbClr val="FFFFFF"/>
                 </a:solidFill>
@@ -12779,12 +12854,12 @@
       </p:sp>
       <p:sp>
         <p:nvSpPr>
-          <p:cNvPr name="TextBox 6" id="6"/>
-          <p:cNvSpPr txBox="true"/>
+          <p:cNvPr id="6" name="TextBox 6"/>
+          <p:cNvSpPr txBox="1"/>
           <p:nvPr/>
         </p:nvSpPr>
         <p:spPr>
-          <a:xfrm rot="0">
+          <a:xfrm>
             <a:off x="1627835" y="3293598"/>
             <a:ext cx="2190304" cy="396240"/>
           </a:xfrm>
@@ -12793,7 +12868,7 @@
           </a:prstGeom>
         </p:spPr>
         <p:txBody>
-          <a:bodyPr anchor="t" rtlCol="false" tIns="0" lIns="0" bIns="0" rIns="0">
+          <a:bodyPr lIns="0" tIns="0" rIns="0" bIns="0" rtlCol="0" anchor="t">
             <a:spAutoFit/>
           </a:bodyPr>
           <a:lstStyle/>
@@ -12807,7 +12882,7 @@
               </a:spcBef>
             </a:pPr>
             <a:r>
-              <a:rPr lang="en-US" b="true" sz="2399">
+              <a:rPr lang="en-US" sz="2399" b="1">
                 <a:solidFill>
                   <a:srgbClr val="000000"/>
                 </a:solidFill>
@@ -12823,12 +12898,12 @@
       </p:sp>
       <p:sp>
         <p:nvSpPr>
-          <p:cNvPr name="TextBox 7" id="7"/>
-          <p:cNvSpPr txBox="true"/>
+          <p:cNvPr id="7" name="TextBox 7"/>
+          <p:cNvSpPr txBox="1"/>
           <p:nvPr/>
         </p:nvSpPr>
         <p:spPr>
-          <a:xfrm rot="0">
+          <a:xfrm>
             <a:off x="1448029" y="3970657"/>
             <a:ext cx="14076721" cy="656590"/>
           </a:xfrm>
@@ -12837,12 +12912,12 @@
           </a:prstGeom>
         </p:spPr>
         <p:txBody>
-          <a:bodyPr anchor="t" rtlCol="false" tIns="0" lIns="0" bIns="0" rIns="0">
+          <a:bodyPr lIns="0" tIns="0" rIns="0" bIns="0" rtlCol="0" anchor="t">
             <a:spAutoFit/>
           </a:bodyPr>
           <a:lstStyle/>
           <a:p>
-            <a:pPr algn="l" marL="410209" indent="-205105" lvl="1">
+            <a:pPr marL="410209" lvl="1" indent="-205105" algn="l">
               <a:lnSpc>
                 <a:spcPts val="2659"/>
               </a:lnSpc>
@@ -12863,7 +12938,7 @@
             </a:r>
           </a:p>
           <a:p>
-            <a:pPr algn="l" marL="410209" indent="-205105" lvl="1">
+            <a:pPr marL="410209" lvl="1" indent="-205105" algn="l">
               <a:lnSpc>
                 <a:spcPts val="2659"/>
               </a:lnSpc>
@@ -12887,12 +12962,12 @@
       </p:sp>
       <p:sp>
         <p:nvSpPr>
-          <p:cNvPr name="TextBox 8" id="8"/>
-          <p:cNvSpPr txBox="true"/>
+          <p:cNvPr id="8" name="TextBox 8"/>
+          <p:cNvSpPr txBox="1"/>
           <p:nvPr/>
         </p:nvSpPr>
         <p:spPr>
-          <a:xfrm rot="0">
+          <a:xfrm>
             <a:off x="1627835" y="5359165"/>
             <a:ext cx="5104656" cy="1069340"/>
           </a:xfrm>
@@ -12901,7 +12976,7 @@
           </a:prstGeom>
         </p:spPr>
         <p:txBody>
-          <a:bodyPr anchor="t" rtlCol="false" tIns="0" lIns="0" bIns="0" rIns="0">
+          <a:bodyPr lIns="0" tIns="0" rIns="0" bIns="0" rtlCol="0" anchor="t">
             <a:spAutoFit/>
           </a:bodyPr>
           <a:lstStyle/>
@@ -12912,7 +12987,7 @@
               </a:lnSpc>
             </a:pPr>
             <a:r>
-              <a:rPr lang="en-US" sz="2399" b="true">
+              <a:rPr lang="en-US" sz="2399" b="1">
                 <a:solidFill>
                   <a:srgbClr val="000000"/>
                 </a:solidFill>
@@ -12925,7 +13000,7 @@
             </a:r>
           </a:p>
           <a:p>
-            <a:pPr algn="l" marL="410209" indent="-205105" lvl="1">
+            <a:pPr marL="410209" lvl="1" indent="-205105" algn="l">
               <a:lnSpc>
                 <a:spcPts val="2659"/>
               </a:lnSpc>
@@ -12946,7 +13021,7 @@
             </a:r>
           </a:p>
           <a:p>
-            <a:pPr algn="l" marL="410209" indent="-205105" lvl="1">
+            <a:pPr marL="410209" lvl="1" indent="-205105" algn="l">
               <a:lnSpc>
                 <a:spcPts val="2659"/>
               </a:lnSpc>
@@ -12970,12 +13045,12 @@
       </p:sp>
       <p:sp>
         <p:nvSpPr>
-          <p:cNvPr name="TextBox 9" id="9"/>
-          <p:cNvSpPr txBox="true"/>
+          <p:cNvPr id="9" name="TextBox 9"/>
+          <p:cNvSpPr txBox="1"/>
           <p:nvPr/>
         </p:nvSpPr>
         <p:spPr>
-          <a:xfrm rot="0">
+          <a:xfrm>
             <a:off x="1627835" y="7161930"/>
             <a:ext cx="2380952" cy="396240"/>
           </a:xfrm>
@@ -12984,7 +13059,7 @@
           </a:prstGeom>
         </p:spPr>
         <p:txBody>
-          <a:bodyPr anchor="t" rtlCol="false" tIns="0" lIns="0" bIns="0" rIns="0">
+          <a:bodyPr lIns="0" tIns="0" rIns="0" bIns="0" rtlCol="0" anchor="t">
             <a:spAutoFit/>
           </a:bodyPr>
           <a:lstStyle/>
@@ -12998,7 +13073,7 @@
               </a:spcBef>
             </a:pPr>
             <a:r>
-              <a:rPr lang="en-US" b="true" sz="2399">
+              <a:rPr lang="en-US" sz="2399" b="1">
                 <a:solidFill>
                   <a:srgbClr val="000000"/>
                 </a:solidFill>
@@ -13014,12 +13089,12 @@
       </p:sp>
       <p:sp>
         <p:nvSpPr>
-          <p:cNvPr name="TextBox 10" id="10"/>
-          <p:cNvSpPr txBox="true"/>
+          <p:cNvPr id="10" name="TextBox 10"/>
+          <p:cNvSpPr txBox="1"/>
           <p:nvPr/>
         </p:nvSpPr>
         <p:spPr>
-          <a:xfrm rot="0">
+          <a:xfrm>
             <a:off x="1627835" y="7834396"/>
             <a:ext cx="14076721" cy="323215"/>
           </a:xfrm>
@@ -13028,12 +13103,12 @@
           </a:prstGeom>
         </p:spPr>
         <p:txBody>
-          <a:bodyPr anchor="t" rtlCol="false" tIns="0" lIns="0" bIns="0" rIns="0">
+          <a:bodyPr lIns="0" tIns="0" rIns="0" bIns="0" rtlCol="0" anchor="t">
             <a:spAutoFit/>
           </a:bodyPr>
           <a:lstStyle/>
           <a:p>
-            <a:pPr algn="l" marL="410209" indent="-205105" lvl="1">
+            <a:pPr marL="410209" lvl="1" indent="-205105" algn="l">
               <a:lnSpc>
                 <a:spcPts val="2659"/>
               </a:lnSpc>
@@ -13050,19 +13125,7 @@
                 <a:cs typeface="Open Sans"/>
                 <a:sym typeface="Open Sans"/>
               </a:rPr>
-              <a:t>Circuit Breaker con Respuesta Alternativa desde el API Gateway</a:t>
-            </a:r>
-            <a:r>
-              <a:rPr lang="en-US" sz="1899">
-                <a:solidFill>
-                  <a:srgbClr val="000000"/>
-                </a:solidFill>
-                <a:latin typeface="Open Sans"/>
-                <a:ea typeface="Open Sans"/>
-                <a:cs typeface="Open Sans"/>
-                <a:sym typeface="Open Sans"/>
-              </a:rPr>
-              <a:t> </a:t>
+              <a:t>Circuit Breaker con Respuesta Alternativa desde el API Gateway </a:t>
             </a:r>
           </a:p>
         </p:txBody>
